--- a/TddSample/TDD.pptx
+++ b/TddSample/TDD.pptx
@@ -5,7 +5,7 @@
     <p:sldMasterId id="2147483648" r:id="rId1"/>
   </p:sldMasterIdLst>
   <p:notesMasterIdLst>
-    <p:notesMasterId r:id="rId45"/>
+    <p:notesMasterId r:id="rId41"/>
   </p:notesMasterIdLst>
   <p:sldIdLst>
     <p:sldId id="256" r:id="rId2"/>
@@ -20,37 +20,33 @@
     <p:sldId id="308" r:id="rId11"/>
     <p:sldId id="310" r:id="rId12"/>
     <p:sldId id="311" r:id="rId13"/>
-    <p:sldId id="315" r:id="rId14"/>
-    <p:sldId id="265" r:id="rId15"/>
-    <p:sldId id="280" r:id="rId16"/>
-    <p:sldId id="257" r:id="rId17"/>
-    <p:sldId id="296" r:id="rId18"/>
-    <p:sldId id="290" r:id="rId19"/>
-    <p:sldId id="270" r:id="rId20"/>
-    <p:sldId id="273" r:id="rId21"/>
-    <p:sldId id="281" r:id="rId22"/>
-    <p:sldId id="284" r:id="rId23"/>
-    <p:sldId id="285" r:id="rId24"/>
-    <p:sldId id="286" r:id="rId25"/>
-    <p:sldId id="287" r:id="rId26"/>
-    <p:sldId id="292" r:id="rId27"/>
-    <p:sldId id="293" r:id="rId28"/>
-    <p:sldId id="294" r:id="rId29"/>
-    <p:sldId id="295" r:id="rId30"/>
-    <p:sldId id="297" r:id="rId31"/>
-    <p:sldId id="313" r:id="rId32"/>
-    <p:sldId id="291" r:id="rId33"/>
-    <p:sldId id="282" r:id="rId34"/>
-    <p:sldId id="283" r:id="rId35"/>
-    <p:sldId id="299" r:id="rId36"/>
-    <p:sldId id="298" r:id="rId37"/>
-    <p:sldId id="314" r:id="rId38"/>
-    <p:sldId id="266" r:id="rId39"/>
-    <p:sldId id="258" r:id="rId40"/>
-    <p:sldId id="260" r:id="rId41"/>
-    <p:sldId id="259" r:id="rId42"/>
-    <p:sldId id="312" r:id="rId43"/>
-    <p:sldId id="279" r:id="rId44"/>
+    <p:sldId id="265" r:id="rId14"/>
+    <p:sldId id="280" r:id="rId15"/>
+    <p:sldId id="257" r:id="rId16"/>
+    <p:sldId id="296" r:id="rId17"/>
+    <p:sldId id="290" r:id="rId18"/>
+    <p:sldId id="270" r:id="rId19"/>
+    <p:sldId id="273" r:id="rId20"/>
+    <p:sldId id="281" r:id="rId21"/>
+    <p:sldId id="284" r:id="rId22"/>
+    <p:sldId id="285" r:id="rId23"/>
+    <p:sldId id="286" r:id="rId24"/>
+    <p:sldId id="287" r:id="rId25"/>
+    <p:sldId id="292" r:id="rId26"/>
+    <p:sldId id="293" r:id="rId27"/>
+    <p:sldId id="294" r:id="rId28"/>
+    <p:sldId id="295" r:id="rId29"/>
+    <p:sldId id="297" r:id="rId30"/>
+    <p:sldId id="291" r:id="rId31"/>
+    <p:sldId id="282" r:id="rId32"/>
+    <p:sldId id="283" r:id="rId33"/>
+    <p:sldId id="300" r:id="rId34"/>
+    <p:sldId id="266" r:id="rId35"/>
+    <p:sldId id="258" r:id="rId36"/>
+    <p:sldId id="260" r:id="rId37"/>
+    <p:sldId id="259" r:id="rId38"/>
+    <p:sldId id="312" r:id="rId39"/>
+    <p:sldId id="279" r:id="rId40"/>
   </p:sldIdLst>
   <p:sldSz cx="9144000" cy="6858000" type="screen4x3"/>
   <p:notesSz cx="6858000" cy="9144000"/>
@@ -250,7 +246,8 @@
           <a:p>
             <a:fld id="{65B7AA6C-7D93-45E0-84F0-7797ACE7A035}" type="datetimeFigureOut">
               <a:rPr lang="pl-PL" smtClean="0"/>
-              <a:t>2014-07-09</a:t>
+              <a:pPr/>
+              <a:t>2014-07-10</a:t>
             </a:fld>
             <a:endParaRPr lang="pl-PL"/>
           </a:p>
@@ -411,6 +408,7 @@
           <a:p>
             <a:fld id="{EFBE1034-4CDF-40CA-BC07-D354AC7E23B7}" type="slidenum">
               <a:rPr lang="pl-PL" smtClean="0"/>
+              <a:pPr/>
               <a:t>‹#›</a:t>
             </a:fld>
             <a:endParaRPr lang="pl-PL"/>
@@ -656,7 +654,8 @@
           <a:p>
             <a:fld id="{EFBE1034-4CDF-40CA-BC07-D354AC7E23B7}" type="slidenum">
               <a:rPr lang="pl-PL" smtClean="0"/>
-              <a:t>17</a:t>
+              <a:pPr/>
+              <a:t>16</a:t>
             </a:fld>
             <a:endParaRPr lang="pl-PL"/>
           </a:p>
@@ -676,6 +675,101 @@
 </file>
 
 <file path=ppt/notesSlides/notesSlide2.xml><?xml version="1.0" encoding="utf-8"?>
+<p:notes xmlns:a="http://schemas.openxmlformats.org/drawingml/2006/main" xmlns:r="http://schemas.openxmlformats.org/officeDocument/2006/relationships" xmlns:p="http://schemas.openxmlformats.org/presentationml/2006/main">
+  <p:cSld>
+    <p:spTree>
+      <p:nvGrpSpPr>
+        <p:cNvPr id="1" name=""/>
+        <p:cNvGrpSpPr/>
+        <p:nvPr/>
+      </p:nvGrpSpPr>
+      <p:grpSpPr>
+        <a:xfrm>
+          <a:off x="0" y="0"/>
+          <a:ext cx="0" cy="0"/>
+          <a:chOff x="0" y="0"/>
+          <a:chExt cx="0" cy="0"/>
+        </a:xfrm>
+      </p:grpSpPr>
+      <p:sp>
+        <p:nvSpPr>
+          <p:cNvPr id="2" name="Slide Image Placeholder 1"/>
+          <p:cNvSpPr>
+            <a:spLocks noGrp="1" noRot="1" noChangeAspect="1"/>
+          </p:cNvSpPr>
+          <p:nvPr>
+            <p:ph type="sldImg"/>
+          </p:nvPr>
+        </p:nvSpPr>
+        <p:spPr/>
+      </p:sp>
+      <p:sp>
+        <p:nvSpPr>
+          <p:cNvPr id="3" name="Notes Placeholder 2"/>
+          <p:cNvSpPr>
+            <a:spLocks noGrp="1"/>
+          </p:cNvSpPr>
+          <p:nvPr>
+            <p:ph type="body" idx="1"/>
+          </p:nvPr>
+        </p:nvSpPr>
+        <p:spPr/>
+        <p:txBody>
+          <a:bodyPr/>
+          <a:lstStyle/>
+          <a:p>
+            <a:r>
+              <a:rPr lang="pl-PL" dirty="0" smtClean="0"/>
+              <a:t>Eksperymenty</a:t>
+            </a:r>
+          </a:p>
+          <a:p>
+            <a:r>
+              <a:rPr lang="pl-PL" dirty="0" err="1" smtClean="0"/>
+              <a:t>Hackaton</a:t>
+            </a:r>
+            <a:endParaRPr lang="pl-PL" dirty="0" smtClean="0"/>
+          </a:p>
+        </p:txBody>
+      </p:sp>
+      <p:sp>
+        <p:nvSpPr>
+          <p:cNvPr id="4" name="Slide Number Placeholder 3"/>
+          <p:cNvSpPr>
+            <a:spLocks noGrp="1"/>
+          </p:cNvSpPr>
+          <p:nvPr>
+            <p:ph type="sldNum" sz="quarter" idx="10"/>
+          </p:nvPr>
+        </p:nvSpPr>
+        <p:spPr/>
+        <p:txBody>
+          <a:bodyPr/>
+          <a:lstStyle/>
+          <a:p>
+            <a:fld id="{EFBE1034-4CDF-40CA-BC07-D354AC7E23B7}" type="slidenum">
+              <a:rPr lang="pl-PL" smtClean="0"/>
+              <a:pPr/>
+              <a:t>38</a:t>
+            </a:fld>
+            <a:endParaRPr lang="pl-PL"/>
+          </a:p>
+        </p:txBody>
+      </p:sp>
+    </p:spTree>
+    <p:extLst>
+      <p:ext uri="{BB962C8B-B14F-4D97-AF65-F5344CB8AC3E}">
+        <p14:creationId xmlns:p14="http://schemas.microsoft.com/office/powerpoint/2010/main" val="2606506853"/>
+      </p:ext>
+    </p:extLst>
+  </p:cSld>
+  <p:clrMapOvr>
+    <a:masterClrMapping/>
+  </p:clrMapOvr>
+</p:notes>
+</file>
+
+<file path=ppt/notesSlides/notesSlide3.xml><?xml version="1.0" encoding="utf-8"?>
 <p:notes xmlns:a="http://schemas.openxmlformats.org/drawingml/2006/main" xmlns:r="http://schemas.openxmlformats.org/officeDocument/2006/relationships" xmlns:p="http://schemas.openxmlformats.org/presentationml/2006/main">
   <p:cSld>
     <p:spTree>
@@ -780,7 +874,8 @@
           <a:p>
             <a:fld id="{EFBE1034-4CDF-40CA-BC07-D354AC7E23B7}" type="slidenum">
               <a:rPr lang="pl-PL" smtClean="0"/>
-              <a:t>43</a:t>
+              <a:pPr/>
+              <a:t>39</a:t>
             </a:fld>
             <a:endParaRPr lang="pl-PL"/>
           </a:p>
@@ -981,7 +1076,7 @@
             <a:fld id="{66221E02-25CB-4963-84BC-0813985E7D90}" type="datetimeFigureOut">
               <a:rPr lang="pl-PL" smtClean="0"/>
               <a:pPr/>
-              <a:t>2014-07-09</a:t>
+              <a:t>2014-07-10</a:t>
             </a:fld>
             <a:endParaRPr lang="pl-PL"/>
           </a:p>
@@ -1148,7 +1243,7 @@
             <a:fld id="{66221E02-25CB-4963-84BC-0813985E7D90}" type="datetimeFigureOut">
               <a:rPr lang="pl-PL" smtClean="0"/>
               <a:pPr/>
-              <a:t>2014-07-09</a:t>
+              <a:t>2014-07-10</a:t>
             </a:fld>
             <a:endParaRPr lang="pl-PL"/>
           </a:p>
@@ -1325,7 +1420,7 @@
             <a:fld id="{66221E02-25CB-4963-84BC-0813985E7D90}" type="datetimeFigureOut">
               <a:rPr lang="pl-PL" smtClean="0"/>
               <a:pPr/>
-              <a:t>2014-07-09</a:t>
+              <a:t>2014-07-10</a:t>
             </a:fld>
             <a:endParaRPr lang="pl-PL"/>
           </a:p>
@@ -1492,7 +1587,7 @@
             <a:fld id="{66221E02-25CB-4963-84BC-0813985E7D90}" type="datetimeFigureOut">
               <a:rPr lang="pl-PL" smtClean="0"/>
               <a:pPr/>
-              <a:t>2014-07-09</a:t>
+              <a:t>2014-07-10</a:t>
             </a:fld>
             <a:endParaRPr lang="pl-PL"/>
           </a:p>
@@ -1735,7 +1830,7 @@
             <a:fld id="{66221E02-25CB-4963-84BC-0813985E7D90}" type="datetimeFigureOut">
               <a:rPr lang="pl-PL" smtClean="0"/>
               <a:pPr/>
-              <a:t>2014-07-09</a:t>
+              <a:t>2014-07-10</a:t>
             </a:fld>
             <a:endParaRPr lang="pl-PL"/>
           </a:p>
@@ -2020,7 +2115,7 @@
             <a:fld id="{66221E02-25CB-4963-84BC-0813985E7D90}" type="datetimeFigureOut">
               <a:rPr lang="pl-PL" smtClean="0"/>
               <a:pPr/>
-              <a:t>2014-07-09</a:t>
+              <a:t>2014-07-10</a:t>
             </a:fld>
             <a:endParaRPr lang="pl-PL"/>
           </a:p>
@@ -2439,7 +2534,7 @@
             <a:fld id="{66221E02-25CB-4963-84BC-0813985E7D90}" type="datetimeFigureOut">
               <a:rPr lang="pl-PL" smtClean="0"/>
               <a:pPr/>
-              <a:t>2014-07-09</a:t>
+              <a:t>2014-07-10</a:t>
             </a:fld>
             <a:endParaRPr lang="pl-PL"/>
           </a:p>
@@ -2554,7 +2649,7 @@
             <a:fld id="{66221E02-25CB-4963-84BC-0813985E7D90}" type="datetimeFigureOut">
               <a:rPr lang="pl-PL" smtClean="0"/>
               <a:pPr/>
-              <a:t>2014-07-09</a:t>
+              <a:t>2014-07-10</a:t>
             </a:fld>
             <a:endParaRPr lang="pl-PL"/>
           </a:p>
@@ -2646,7 +2741,7 @@
             <a:fld id="{66221E02-25CB-4963-84BC-0813985E7D90}" type="datetimeFigureOut">
               <a:rPr lang="pl-PL" smtClean="0"/>
               <a:pPr/>
-              <a:t>2014-07-09</a:t>
+              <a:t>2014-07-10</a:t>
             </a:fld>
             <a:endParaRPr lang="pl-PL"/>
           </a:p>
@@ -2920,7 +3015,7 @@
             <a:fld id="{66221E02-25CB-4963-84BC-0813985E7D90}" type="datetimeFigureOut">
               <a:rPr lang="pl-PL" smtClean="0"/>
               <a:pPr/>
-              <a:t>2014-07-09</a:t>
+              <a:t>2014-07-10</a:t>
             </a:fld>
             <a:endParaRPr lang="pl-PL"/>
           </a:p>
@@ -3170,7 +3265,7 @@
             <a:fld id="{66221E02-25CB-4963-84BC-0813985E7D90}" type="datetimeFigureOut">
               <a:rPr lang="pl-PL" smtClean="0"/>
               <a:pPr/>
-              <a:t>2014-07-09</a:t>
+              <a:t>2014-07-10</a:t>
             </a:fld>
             <a:endParaRPr lang="pl-PL"/>
           </a:p>
@@ -3380,7 +3475,7 @@
             <a:fld id="{66221E02-25CB-4963-84BC-0813985E7D90}" type="datetimeFigureOut">
               <a:rPr lang="pl-PL" smtClean="0"/>
               <a:pPr/>
-              <a:t>2014-07-09</a:t>
+              <a:t>2014-07-10</a:t>
             </a:fld>
             <a:endParaRPr lang="pl-PL"/>
           </a:p>
@@ -3767,8 +3862,23 @@
           <a:lstStyle/>
           <a:p>
             <a:r>
-              <a:rPr lang="pl-PL" dirty="0" smtClean="0"/>
-              <a:t>Testowanie jednostkowe</a:t>
+              <a:rPr lang="pl-PL" smtClean="0"/>
+              <a:t>Testowanie </a:t>
+            </a:r>
+            <a:r>
+              <a:rPr lang="pl-PL" smtClean="0"/>
+              <a:t>jednostkowe</a:t>
+            </a:r>
+            <a:r>
+              <a:rPr lang="pl-PL" dirty="0" smtClean="0"/>
+              <a:t/>
+            </a:r>
+            <a:br>
+              <a:rPr lang="pl-PL" dirty="0" smtClean="0"/>
+            </a:br>
+            <a:r>
+              <a:rPr lang="pl-PL" dirty="0" smtClean="0"/>
+              <a:t>Przygotowanie do TDD</a:t>
             </a:r>
             <a:endParaRPr lang="pl-PL" dirty="0"/>
           </a:p>
@@ -3877,7 +3987,7 @@
           </p:nvPr>
         </p:nvPicPr>
         <p:blipFill>
-          <a:blip r:embed="rId2">
+          <a:blip r:embed="rId2" cstate="print">
             <a:extLst>
               <a:ext uri="{28A0092B-C50C-407E-A947-70E740481C1C}">
                 <a14:useLocalDpi xmlns:a14="http://schemas.microsoft.com/office/drawing/2010/main" val="0"/>
@@ -4043,6 +4153,13 @@
   <p:clrMapOvr>
     <a:masterClrMapping/>
   </p:clrMapOvr>
+  <p:timing>
+    <p:tnLst>
+      <p:par>
+        <p:cTn id="1" dur="indefinite" restart="never" nodeType="tmRoot"/>
+      </p:par>
+    </p:tnLst>
+  </p:timing>
 </p:sld>
 </file>
 
@@ -4152,6 +4269,13 @@
   <p:clrMapOvr>
     <a:masterClrMapping/>
   </p:clrMapOvr>
+  <p:timing>
+    <p:tnLst>
+      <p:par>
+        <p:cTn id="1" dur="indefinite" restart="never" nodeType="tmRoot"/>
+      </p:par>
+    </p:tnLst>
+  </p:timing>
 </p:sld>
 </file>
 
@@ -4174,7 +4298,7 @@
       </p:grpSpPr>
       <p:sp>
         <p:nvSpPr>
-          <p:cNvPr id="2" name="Tytuł 1"/>
+          <p:cNvPr id="4" name="Tytuł 3"/>
           <p:cNvSpPr>
             <a:spLocks noGrp="1"/>
           </p:cNvSpPr>
@@ -4188,8 +4312,8 @@
           <a:lstStyle/>
           <a:p>
             <a:r>
-              <a:rPr lang="pl-PL" dirty="0" err="1" smtClean="0"/>
-              <a:t>xUnit</a:t>
+              <a:rPr lang="pl-PL" dirty="0" smtClean="0"/>
+              <a:t>Testy jednostkowe</a:t>
             </a:r>
             <a:endParaRPr lang="pl-PL" dirty="0"/>
           </a:p>
@@ -4197,12 +4321,12 @@
       </p:sp>
       <p:sp>
         <p:nvSpPr>
-          <p:cNvPr id="3" name="Symbol zastępczy zawartości 2"/>
+          <p:cNvPr id="5" name="Symbol zastępczy tekstu 4"/>
           <p:cNvSpPr>
             <a:spLocks noGrp="1"/>
           </p:cNvSpPr>
           <p:nvPr>
-            <p:ph idx="1"/>
+            <p:ph type="body" idx="1"/>
           </p:nvPr>
         </p:nvSpPr>
         <p:spPr/>
@@ -4210,79 +4334,11 @@
           <a:bodyPr/>
           <a:lstStyle/>
           <a:p>
-            <a:r>
-              <a:rPr lang="pl-PL" dirty="0" err="1" smtClean="0"/>
-              <a:t>Why</a:t>
-            </a:r>
-            <a:r>
-              <a:rPr lang="pl-PL" dirty="0" smtClean="0"/>
-              <a:t> </a:t>
-            </a:r>
-            <a:r>
-              <a:rPr lang="pl-PL" dirty="0" err="1" smtClean="0"/>
-              <a:t>xUnit</a:t>
-            </a:r>
-            <a:r>
-              <a:rPr lang="pl-PL" dirty="0" smtClean="0"/>
-              <a:t>: </a:t>
-            </a:r>
-            <a:r>
-              <a:rPr lang="pl-PL" dirty="0" smtClean="0">
-                <a:hlinkClick r:id="rId2"/>
-              </a:rPr>
-              <a:t>http://xunit.codeplex.com/wikipage?title=WhyDidWeBuildXunit</a:t>
-            </a:r>
-          </a:p>
-          <a:p>
-            <a:r>
-              <a:rPr lang="pl-PL" dirty="0" err="1" smtClean="0"/>
-              <a:t>Samples</a:t>
-            </a:r>
-            <a:r>
-              <a:rPr lang="pl-PL" dirty="0" smtClean="0"/>
-              <a:t>: </a:t>
-            </a:r>
-            <a:r>
-              <a:rPr lang="pl-PL" dirty="0" smtClean="0">
-                <a:hlinkClick r:id="rId2"/>
-              </a:rPr>
-              <a:t>https://github.com/xunit/samples</a:t>
-            </a:r>
-            <a:r>
-              <a:rPr lang="pl-PL" dirty="0" smtClean="0"/>
-              <a:t> </a:t>
-            </a:r>
-            <a:r>
-              <a:rPr lang="pl-PL" dirty="0" err="1" smtClean="0"/>
-              <a:t>sd</a:t>
-            </a:r>
-            <a:endParaRPr lang="pl-PL" dirty="0" smtClean="0"/>
-          </a:p>
-          <a:p>
-            <a:r>
-              <a:rPr lang="pl-PL" dirty="0" err="1" smtClean="0"/>
-              <a:t>Comparing</a:t>
-            </a:r>
-            <a:r>
-              <a:rPr lang="pl-PL" dirty="0" smtClean="0"/>
-              <a:t>: </a:t>
-            </a:r>
-            <a:r>
-              <a:rPr lang="pl-PL" dirty="0" smtClean="0">
-                <a:hlinkClick r:id="rId3"/>
-              </a:rPr>
-              <a:t>http://xunit.codeplex.com/wikipage?title=Comparisons</a:t>
-            </a:r>
-            <a:endParaRPr lang="pl-PL" dirty="0" smtClean="0"/>
+            <a:endParaRPr lang="pl-PL" dirty="0"/>
           </a:p>
         </p:txBody>
       </p:sp>
     </p:spTree>
-    <p:extLst>
-      <p:ext uri="{BB962C8B-B14F-4D97-AF65-F5344CB8AC3E}">
-        <p14:creationId xmlns:p14="http://schemas.microsoft.com/office/powerpoint/2010/main" val="3883406033"/>
-      </p:ext>
-    </p:extLst>
   </p:cSld>
   <p:clrMapOvr>
     <a:masterClrMapping/>
@@ -4331,7 +4387,7 @@
           <a:p>
             <a:r>
               <a:rPr lang="pl-PL" dirty="0" smtClean="0"/>
-              <a:t>Testy jednostkowe</a:t>
+              <a:t>Co to są testy jednostkowe?</a:t>
             </a:r>
             <a:endParaRPr lang="pl-PL" dirty="0"/>
           </a:p>
@@ -4339,18 +4395,50 @@
       </p:sp>
       <p:sp>
         <p:nvSpPr>
-          <p:cNvPr id="5" name="Symbol zastępczy tekstu 4"/>
+          <p:cNvPr id="5" name="Symbol zastępczy zawartości 4"/>
           <p:cNvSpPr>
             <a:spLocks noGrp="1"/>
           </p:cNvSpPr>
           <p:nvPr>
-            <p:ph type="body" idx="1"/>
+            <p:ph idx="1"/>
           </p:nvPr>
         </p:nvSpPr>
         <p:spPr/>
         <p:txBody>
           <a:bodyPr/>
           <a:lstStyle/>
+          <a:p>
+            <a:r>
+              <a:rPr lang="pl-PL" dirty="0"/>
+              <a:t>Pisane przez </a:t>
+            </a:r>
+            <a:r>
+              <a:rPr lang="pl-PL" dirty="0" smtClean="0"/>
+              <a:t>programistów</a:t>
+            </a:r>
+          </a:p>
+          <a:p>
+            <a:r>
+              <a:rPr lang="pl-PL" dirty="0" smtClean="0"/>
+              <a:t>Testy niskiego poziomu, które testują pojedyncze jednostki/komponenty</a:t>
+            </a:r>
+          </a:p>
+          <a:p>
+            <a:r>
+              <a:rPr lang="pl-PL" dirty="0" smtClean="0"/>
+              <a:t>Nie wymagają uruchamiania całego oprogramowania</a:t>
+            </a:r>
+          </a:p>
+          <a:p>
+            <a:r>
+              <a:rPr lang="pl-PL" dirty="0" smtClean="0"/>
+              <a:t>Dużo </a:t>
+            </a:r>
+            <a:r>
+              <a:rPr lang="pl-PL" dirty="0"/>
+              <a:t>szybsze niż inne rodzaje testów</a:t>
+            </a:r>
+          </a:p>
           <a:p>
             <a:endParaRPr lang="pl-PL" dirty="0"/>
           </a:p>
@@ -4361,6 +4449,13 @@
   <p:clrMapOvr>
     <a:masterClrMapping/>
   </p:clrMapOvr>
+  <p:timing>
+    <p:tnLst>
+      <p:par>
+        <p:cTn id="1" dur="indefinite" restart="never" nodeType="tmRoot"/>
+      </p:par>
+    </p:tnLst>
+  </p:timing>
 </p:sld>
 </file>
 
@@ -4383,7 +4478,7 @@
       </p:grpSpPr>
       <p:sp>
         <p:nvSpPr>
-          <p:cNvPr id="4" name="Tytuł 3"/>
+          <p:cNvPr id="2" name="Tytuł 1"/>
           <p:cNvSpPr>
             <a:spLocks noGrp="1"/>
           </p:cNvSpPr>
@@ -4398,7 +4493,7 @@
           <a:p>
             <a:r>
               <a:rPr lang="pl-PL" dirty="0" smtClean="0"/>
-              <a:t>Co to są testy jednostkowe?</a:t>
+              <a:t>Co nam dają testy jednostkowe?</a:t>
             </a:r>
             <a:endParaRPr lang="pl-PL" dirty="0"/>
           </a:p>
@@ -4406,7 +4501,7 @@
       </p:sp>
       <p:sp>
         <p:nvSpPr>
-          <p:cNvPr id="5" name="Symbol zastępczy zawartości 4"/>
+          <p:cNvPr id="3" name="Symbol zastępczy zawartości 2"/>
           <p:cNvSpPr>
             <a:spLocks noGrp="1"/>
           </p:cNvSpPr>
@@ -4416,38 +4511,38 @@
         </p:nvSpPr>
         <p:spPr/>
         <p:txBody>
-          <a:bodyPr/>
+          <a:bodyPr>
+            <a:normAutofit fontScale="92500"/>
+          </a:bodyPr>
           <a:lstStyle/>
           <a:p>
             <a:r>
-              <a:rPr lang="pl-PL" dirty="0"/>
-              <a:t>Pisane przez </a:t>
-            </a:r>
-            <a:r>
-              <a:rPr lang="pl-PL" dirty="0" smtClean="0"/>
-              <a:t>programistów</a:t>
-            </a:r>
-          </a:p>
-          <a:p>
-            <a:r>
-              <a:rPr lang="pl-PL" dirty="0" smtClean="0"/>
-              <a:t>Testy niskiego poziomu, które testują pojedyncze jednostki/komponenty</a:t>
-            </a:r>
-          </a:p>
-          <a:p>
-            <a:r>
-              <a:rPr lang="pl-PL" dirty="0" smtClean="0"/>
-              <a:t>Nie wymagają uruchamiania całego oprogramowania</a:t>
-            </a:r>
-          </a:p>
-          <a:p>
-            <a:r>
-              <a:rPr lang="pl-PL" dirty="0" smtClean="0"/>
-              <a:t>Dużo </a:t>
-            </a:r>
-            <a:r>
-              <a:rPr lang="pl-PL" dirty="0"/>
-              <a:t>szybsze niż inne rodzaje testów</a:t>
+              <a:rPr lang="pl-PL" dirty="0" smtClean="0"/>
+              <a:t>Redukują liczbę błędów (15-50% l. wykrytych defektów)</a:t>
+            </a:r>
+          </a:p>
+          <a:p>
+            <a:r>
+              <a:rPr lang="pl-PL" dirty="0" smtClean="0"/>
+              <a:t>Umożliwiają możliwość szybszego wykrycia błędu</a:t>
+            </a:r>
+          </a:p>
+          <a:p>
+            <a:r>
+              <a:rPr lang="pl-PL" dirty="0" smtClean="0"/>
+              <a:t>Dają bezpieczeństwo podczas wprowadzania zmian</a:t>
+            </a:r>
+          </a:p>
+          <a:p>
+            <a:r>
+              <a:rPr lang="pl-PL" dirty="0" smtClean="0"/>
+              <a:t>Są wykonywalną specyfikacją oprogramowania</a:t>
+            </a:r>
+          </a:p>
+          <a:p>
+            <a:r>
+              <a:rPr lang="pl-PL" dirty="0" smtClean="0"/>
+              <a:t>Nie poprawią jakości oprogramowania, ale dają informacje o jej stanie</a:t>
             </a:r>
           </a:p>
           <a:p>
@@ -4497,105 +4592,6 @@
           <a:p>
             <a:r>
               <a:rPr lang="pl-PL" dirty="0" smtClean="0"/>
-              <a:t>Co nam dają testy jednostkowe?</a:t>
-            </a:r>
-            <a:endParaRPr lang="pl-PL" dirty="0"/>
-          </a:p>
-        </p:txBody>
-      </p:sp>
-      <p:sp>
-        <p:nvSpPr>
-          <p:cNvPr id="3" name="Symbol zastępczy zawartości 2"/>
-          <p:cNvSpPr>
-            <a:spLocks noGrp="1"/>
-          </p:cNvSpPr>
-          <p:nvPr>
-            <p:ph idx="1"/>
-          </p:nvPr>
-        </p:nvSpPr>
-        <p:spPr/>
-        <p:txBody>
-          <a:bodyPr>
-            <a:normAutofit fontScale="92500"/>
-          </a:bodyPr>
-          <a:lstStyle/>
-          <a:p>
-            <a:r>
-              <a:rPr lang="pl-PL" dirty="0" smtClean="0"/>
-              <a:t>Redukują liczbę błędów (15-50% l. wykrytych defektów)</a:t>
-            </a:r>
-          </a:p>
-          <a:p>
-            <a:r>
-              <a:rPr lang="pl-PL" dirty="0" smtClean="0"/>
-              <a:t>Umożliwiają możliwość szybszego wykrycia błędu</a:t>
-            </a:r>
-          </a:p>
-          <a:p>
-            <a:r>
-              <a:rPr lang="pl-PL" dirty="0" smtClean="0"/>
-              <a:t>Dają bezpieczeństwo podczas wprowadzania zmian</a:t>
-            </a:r>
-          </a:p>
-          <a:p>
-            <a:r>
-              <a:rPr lang="pl-PL" dirty="0" smtClean="0"/>
-              <a:t>Są wykonywalną specyfikacją oprogramowania</a:t>
-            </a:r>
-          </a:p>
-          <a:p>
-            <a:r>
-              <a:rPr lang="pl-PL" dirty="0" smtClean="0"/>
-              <a:t>Nie poprawią jakości oprogramowania, ale dają informacje o jej stanie</a:t>
-            </a:r>
-          </a:p>
-          <a:p>
-            <a:endParaRPr lang="pl-PL" dirty="0"/>
-          </a:p>
-        </p:txBody>
-      </p:sp>
-    </p:spTree>
-  </p:cSld>
-  <p:clrMapOvr>
-    <a:masterClrMapping/>
-  </p:clrMapOvr>
-</p:sld>
-</file>
-
-<file path=ppt/slides/slide17.xml><?xml version="1.0" encoding="utf-8"?>
-<p:sld xmlns:a="http://schemas.openxmlformats.org/drawingml/2006/main" xmlns:r="http://schemas.openxmlformats.org/officeDocument/2006/relationships" xmlns:p="http://schemas.openxmlformats.org/presentationml/2006/main">
-  <p:cSld>
-    <p:spTree>
-      <p:nvGrpSpPr>
-        <p:cNvPr id="1" name=""/>
-        <p:cNvGrpSpPr/>
-        <p:nvPr/>
-      </p:nvGrpSpPr>
-      <p:grpSpPr>
-        <a:xfrm>
-          <a:off x="0" y="0"/>
-          <a:ext cx="0" cy="0"/>
-          <a:chOff x="0" y="0"/>
-          <a:chExt cx="0" cy="0"/>
-        </a:xfrm>
-      </p:grpSpPr>
-      <p:sp>
-        <p:nvSpPr>
-          <p:cNvPr id="2" name="Tytuł 1"/>
-          <p:cNvSpPr>
-            <a:spLocks noGrp="1"/>
-          </p:cNvSpPr>
-          <p:nvPr>
-            <p:ph type="title"/>
-          </p:nvPr>
-        </p:nvSpPr>
-        <p:spPr/>
-        <p:txBody>
-          <a:bodyPr/>
-          <a:lstStyle/>
-          <a:p>
-            <a:r>
-              <a:rPr lang="pl-PL" dirty="0" smtClean="0"/>
               <a:t>Popularne wymówki</a:t>
             </a:r>
             <a:endParaRPr lang="pl-PL" dirty="0"/>
@@ -5210,7 +5206,7 @@
 </p:sld>
 </file>
 
-<file path=ppt/slides/slide18.xml><?xml version="1.0" encoding="utf-8"?>
+<file path=ppt/slides/slide17.xml><?xml version="1.0" encoding="utf-8"?>
 <p:sld xmlns:a="http://schemas.openxmlformats.org/drawingml/2006/main" xmlns:r="http://schemas.openxmlformats.org/officeDocument/2006/relationships" xmlns:p="http://schemas.openxmlformats.org/presentationml/2006/main">
   <p:cSld>
     <p:spTree>
@@ -5278,10 +5274,17 @@
   <p:clrMapOvr>
     <a:masterClrMapping/>
   </p:clrMapOvr>
+  <p:timing>
+    <p:tnLst>
+      <p:par>
+        <p:cTn id="1" dur="indefinite" restart="never" nodeType="tmRoot"/>
+      </p:par>
+    </p:tnLst>
+  </p:timing>
 </p:sld>
 </file>
 
-<file path=ppt/slides/slide19.xml><?xml version="1.0" encoding="utf-8"?>
+<file path=ppt/slides/slide18.xml><?xml version="1.0" encoding="utf-8"?>
 <p:sld xmlns:a="http://schemas.openxmlformats.org/drawingml/2006/main" xmlns:r="http://schemas.openxmlformats.org/officeDocument/2006/relationships" xmlns:p="http://schemas.openxmlformats.org/presentationml/2006/main">
   <p:cSld>
     <p:spTree>
@@ -6803,6 +6806,92 @@
     <p:bldLst>
       <p:bldP spid="5" grpId="0" build="p"/>
     </p:bldLst>
+  </p:timing>
+</p:sld>
+</file>
+
+<file path=ppt/slides/slide19.xml><?xml version="1.0" encoding="utf-8"?>
+<p:sld xmlns:a="http://schemas.openxmlformats.org/drawingml/2006/main" xmlns:r="http://schemas.openxmlformats.org/officeDocument/2006/relationships" xmlns:p="http://schemas.openxmlformats.org/presentationml/2006/main">
+  <p:cSld>
+    <p:spTree>
+      <p:nvGrpSpPr>
+        <p:cNvPr id="1" name=""/>
+        <p:cNvGrpSpPr/>
+        <p:nvPr/>
+      </p:nvGrpSpPr>
+      <p:grpSpPr>
+        <a:xfrm>
+          <a:off x="0" y="0"/>
+          <a:ext cx="0" cy="0"/>
+          <a:chOff x="0" y="0"/>
+          <a:chExt cx="0" cy="0"/>
+        </a:xfrm>
+      </p:grpSpPr>
+      <p:sp>
+        <p:nvSpPr>
+          <p:cNvPr id="4" name="Tytuł 3"/>
+          <p:cNvSpPr>
+            <a:spLocks noGrp="1"/>
+          </p:cNvSpPr>
+          <p:nvPr>
+            <p:ph type="title"/>
+          </p:nvPr>
+        </p:nvSpPr>
+        <p:spPr/>
+        <p:txBody>
+          <a:bodyPr/>
+          <a:lstStyle/>
+          <a:p>
+            <a:r>
+              <a:rPr lang="pl-PL" dirty="0" smtClean="0"/>
+              <a:t>DEMO</a:t>
+            </a:r>
+            <a:endParaRPr lang="pl-PL" dirty="0"/>
+          </a:p>
+        </p:txBody>
+      </p:sp>
+      <p:sp>
+        <p:nvSpPr>
+          <p:cNvPr id="3" name="Symbol zastępczy tekstu 2"/>
+          <p:cNvSpPr>
+            <a:spLocks noGrp="1"/>
+          </p:cNvSpPr>
+          <p:nvPr>
+            <p:ph type="body" idx="1"/>
+          </p:nvPr>
+        </p:nvSpPr>
+        <p:spPr/>
+        <p:txBody>
+          <a:bodyPr/>
+          <a:lstStyle/>
+          <a:p>
+            <a:r>
+              <a:rPr lang="pl-PL" dirty="0" smtClean="0"/>
+              <a:t>Zabawki i test </a:t>
+            </a:r>
+            <a:r>
+              <a:rPr lang="pl-PL" dirty="0" err="1" smtClean="0"/>
+              <a:t>doubles</a:t>
+            </a:r>
+            <a:r>
+              <a:rPr lang="pl-PL" dirty="0" smtClean="0"/>
+              <a:t>!</a:t>
+            </a:r>
+            <a:endParaRPr lang="pl-PL" dirty="0"/>
+          </a:p>
+        </p:txBody>
+      </p:sp>
+    </p:spTree>
+  </p:cSld>
+  <p:clrMapOvr>
+    <a:masterClrMapping/>
+  </p:clrMapOvr>
+  <p:timing>
+    <p:tnLst>
+      <p:par>
+        <p:cTn id="1" dur="indefinite" restart="never" nodeType="tmRoot"/>
+      </p:par>
+    </p:tnLst>
   </p:timing>
 </p:sld>
 </file>
@@ -6912,77 +7001,6 @@
           <a:lstStyle/>
           <a:p>
             <a:r>
-              <a:rPr lang="pl-PL" dirty="0" smtClean="0"/>
-              <a:t>DEMO</a:t>
-            </a:r>
-            <a:endParaRPr lang="pl-PL" dirty="0"/>
-          </a:p>
-        </p:txBody>
-      </p:sp>
-      <p:sp>
-        <p:nvSpPr>
-          <p:cNvPr id="3" name="Symbol zastępczy tekstu 2"/>
-          <p:cNvSpPr>
-            <a:spLocks noGrp="1"/>
-          </p:cNvSpPr>
-          <p:nvPr>
-            <p:ph type="body" idx="1"/>
-          </p:nvPr>
-        </p:nvSpPr>
-        <p:spPr/>
-        <p:txBody>
-          <a:bodyPr/>
-          <a:lstStyle/>
-          <a:p>
-            <a:r>
-              <a:rPr lang="pl-PL" dirty="0" smtClean="0"/>
-              <a:t>Zabawki!</a:t>
-            </a:r>
-            <a:endParaRPr lang="pl-PL" dirty="0"/>
-          </a:p>
-        </p:txBody>
-      </p:sp>
-    </p:spTree>
-  </p:cSld>
-  <p:clrMapOvr>
-    <a:masterClrMapping/>
-  </p:clrMapOvr>
-</p:sld>
-</file>
-
-<file path=ppt/slides/slide21.xml><?xml version="1.0" encoding="utf-8"?>
-<p:sld xmlns:a="http://schemas.openxmlformats.org/drawingml/2006/main" xmlns:r="http://schemas.openxmlformats.org/officeDocument/2006/relationships" xmlns:p="http://schemas.openxmlformats.org/presentationml/2006/main">
-  <p:cSld>
-    <p:spTree>
-      <p:nvGrpSpPr>
-        <p:cNvPr id="1" name=""/>
-        <p:cNvGrpSpPr/>
-        <p:nvPr/>
-      </p:nvGrpSpPr>
-      <p:grpSpPr>
-        <a:xfrm>
-          <a:off x="0" y="0"/>
-          <a:ext cx="0" cy="0"/>
-          <a:chOff x="0" y="0"/>
-          <a:chExt cx="0" cy="0"/>
-        </a:xfrm>
-      </p:grpSpPr>
-      <p:sp>
-        <p:nvSpPr>
-          <p:cNvPr id="4" name="Tytuł 3"/>
-          <p:cNvSpPr>
-            <a:spLocks noGrp="1"/>
-          </p:cNvSpPr>
-          <p:nvPr>
-            <p:ph type="title"/>
-          </p:nvPr>
-        </p:nvSpPr>
-        <p:spPr/>
-        <p:txBody>
-          <a:bodyPr/>
-          <a:lstStyle/>
-          <a:p>
-            <a:r>
               <a:rPr lang="pl-PL" dirty="0" err="1" smtClean="0"/>
               <a:t>best</a:t>
             </a:r>
@@ -7026,10 +7044,17 @@
   <p:clrMapOvr>
     <a:masterClrMapping/>
   </p:clrMapOvr>
+  <p:timing>
+    <p:tnLst>
+      <p:par>
+        <p:cTn id="1" dur="indefinite" restart="never" nodeType="tmRoot"/>
+      </p:par>
+    </p:tnLst>
+  </p:timing>
 </p:sld>
 </file>
 
-<file path=ppt/slides/slide22.xml><?xml version="1.0" encoding="utf-8"?>
+<file path=ppt/slides/slide21.xml><?xml version="1.0" encoding="utf-8"?>
 <p:sld xmlns:a="http://schemas.openxmlformats.org/drawingml/2006/main" xmlns:r="http://schemas.openxmlformats.org/officeDocument/2006/relationships" xmlns:p="http://schemas.openxmlformats.org/presentationml/2006/main">
   <p:cSld>
     <p:spTree>
@@ -7506,6 +7531,1021 @@
                                           <p:spTgt spid="3">
                                             <p:txEl>
                                               <p:pRg st="3" end="3"/>
+                                            </p:txEl>
+                                          </p:spTgt>
+                                        </p:tgtEl>
+                                        <p:attrNameLst>
+                                          <p:attrName>ppt_y</p:attrName>
+                                        </p:attrNameLst>
+                                      </p:cBhvr>
+                                      <p:tavLst>
+                                        <p:tav tm="0">
+                                          <p:val>
+                                            <p:strVal val="1+#ppt_h/2"/>
+                                          </p:val>
+                                        </p:tav>
+                                        <p:tav tm="100000">
+                                          <p:val>
+                                            <p:strVal val="#ppt_y"/>
+                                          </p:val>
+                                        </p:tav>
+                                      </p:tavLst>
+                                    </p:anim>
+                                  </p:childTnLst>
+                                </p:cTn>
+                              </p:par>
+                            </p:childTnLst>
+                          </p:cTn>
+                        </p:par>
+                      </p:childTnLst>
+                    </p:cTn>
+                  </p:par>
+                </p:childTnLst>
+              </p:cTn>
+              <p:prevCondLst>
+                <p:cond evt="onPrev" delay="0">
+                  <p:tgtEl>
+                    <p:sldTgt/>
+                  </p:tgtEl>
+                </p:cond>
+              </p:prevCondLst>
+              <p:nextCondLst>
+                <p:cond evt="onNext" delay="0">
+                  <p:tgtEl>
+                    <p:sldTgt/>
+                  </p:tgtEl>
+                </p:cond>
+              </p:nextCondLst>
+            </p:seq>
+          </p:childTnLst>
+        </p:cTn>
+      </p:par>
+    </p:tnLst>
+    <p:bldLst>
+      <p:bldP spid="3" grpId="0" build="p"/>
+    </p:bldLst>
+  </p:timing>
+</p:sld>
+</file>
+
+<file path=ppt/slides/slide22.xml><?xml version="1.0" encoding="utf-8"?>
+<p:sld xmlns:a="http://schemas.openxmlformats.org/drawingml/2006/main" xmlns:r="http://schemas.openxmlformats.org/officeDocument/2006/relationships" xmlns:p="http://schemas.openxmlformats.org/presentationml/2006/main">
+  <p:cSld>
+    <p:spTree>
+      <p:nvGrpSpPr>
+        <p:cNvPr id="1" name=""/>
+        <p:cNvGrpSpPr/>
+        <p:nvPr/>
+      </p:nvGrpSpPr>
+      <p:grpSpPr>
+        <a:xfrm>
+          <a:off x="0" y="0"/>
+          <a:ext cx="0" cy="0"/>
+          <a:chOff x="0" y="0"/>
+          <a:chExt cx="0" cy="0"/>
+        </a:xfrm>
+      </p:grpSpPr>
+      <p:sp>
+        <p:nvSpPr>
+          <p:cNvPr id="2" name="Tytuł 1"/>
+          <p:cNvSpPr>
+            <a:spLocks noGrp="1"/>
+          </p:cNvSpPr>
+          <p:nvPr>
+            <p:ph type="title"/>
+          </p:nvPr>
+        </p:nvSpPr>
+        <p:spPr/>
+        <p:txBody>
+          <a:bodyPr/>
+          <a:lstStyle/>
+          <a:p>
+            <a:r>
+              <a:rPr lang="pl-PL" dirty="0" smtClean="0"/>
+              <a:t>Dobre testy jednostkowe</a:t>
+            </a:r>
+            <a:endParaRPr lang="pl-PL" dirty="0"/>
+          </a:p>
+        </p:txBody>
+      </p:sp>
+      <p:sp>
+        <p:nvSpPr>
+          <p:cNvPr id="3" name="Symbol zastępczy zawartości 2"/>
+          <p:cNvSpPr>
+            <a:spLocks noGrp="1"/>
+          </p:cNvSpPr>
+          <p:nvPr>
+            <p:ph idx="1"/>
+          </p:nvPr>
+        </p:nvSpPr>
+        <p:spPr/>
+        <p:txBody>
+          <a:bodyPr>
+            <a:normAutofit fontScale="92500" lnSpcReduction="20000"/>
+          </a:bodyPr>
+          <a:lstStyle/>
+          <a:p>
+            <a:pPr lvl="0"/>
+            <a:r>
+              <a:rPr lang="pl-PL" dirty="0" smtClean="0"/>
+              <a:t>W pełni zautomatyzowane</a:t>
+            </a:r>
+          </a:p>
+          <a:p>
+            <a:r>
+              <a:rPr lang="pl-PL" dirty="0" smtClean="0"/>
+              <a:t>Powtarzalne</a:t>
+            </a:r>
+          </a:p>
+          <a:p>
+            <a:r>
+              <a:rPr lang="pl-PL" dirty="0" smtClean="0"/>
+              <a:t>Szybkie</a:t>
+            </a:r>
+          </a:p>
+          <a:p>
+            <a:pPr lvl="0"/>
+            <a:r>
+              <a:rPr lang="pl-PL" dirty="0" smtClean="0"/>
+              <a:t>Proste (łatwe w implementacji)</a:t>
+            </a:r>
+          </a:p>
+          <a:p>
+            <a:pPr lvl="0"/>
+            <a:r>
+              <a:rPr lang="pl-PL" dirty="0" smtClean="0"/>
+              <a:t>Testują tylko </a:t>
+            </a:r>
+            <a:r>
+              <a:rPr lang="pl-PL" smtClean="0"/>
+              <a:t>jeden koncept</a:t>
+            </a:r>
+            <a:endParaRPr lang="pl-PL" dirty="0" smtClean="0"/>
+          </a:p>
+          <a:p>
+            <a:pPr lvl="0"/>
+            <a:r>
+              <a:rPr lang="pl-PL" dirty="0" smtClean="0"/>
+              <a:t>Testują publiczny interfejs (dla .NET również </a:t>
+            </a:r>
+            <a:r>
+              <a:rPr lang="pl-PL" dirty="0" err="1" smtClean="0"/>
+              <a:t>internal</a:t>
+            </a:r>
+            <a:r>
+              <a:rPr lang="pl-PL" dirty="0" smtClean="0"/>
+              <a:t>)</a:t>
+            </a:r>
+          </a:p>
+          <a:p>
+            <a:endParaRPr lang="pl-PL" dirty="0" smtClean="0"/>
+          </a:p>
+          <a:p>
+            <a:r>
+              <a:rPr lang="pl-PL" dirty="0" smtClean="0"/>
+              <a:t>Uruchamiane </a:t>
+            </a:r>
+            <a:r>
+              <a:rPr lang="pl-PL" dirty="0" err="1" smtClean="0"/>
+              <a:t>out-of-the-box</a:t>
+            </a:r>
+            <a:endParaRPr lang="pl-PL" dirty="0" smtClean="0"/>
+          </a:p>
+          <a:p>
+            <a:pPr lvl="0"/>
+            <a:r>
+              <a:rPr lang="pl-PL" dirty="0" smtClean="0"/>
+              <a:t>Uruchamiane w pamięci</a:t>
+            </a:r>
+          </a:p>
+          <a:p>
+            <a:pPr lvl="0">
+              <a:buNone/>
+            </a:pPr>
+            <a:endParaRPr lang="pl-PL" dirty="0" smtClean="0"/>
+          </a:p>
+          <a:p>
+            <a:pPr>
+              <a:buNone/>
+            </a:pPr>
+            <a:endParaRPr lang="pl-PL" dirty="0" smtClean="0"/>
+          </a:p>
+          <a:p>
+            <a:pPr>
+              <a:buNone/>
+            </a:pPr>
+            <a:endParaRPr lang="pl-PL" dirty="0"/>
+          </a:p>
+        </p:txBody>
+      </p:sp>
+    </p:spTree>
+  </p:cSld>
+  <p:clrMapOvr>
+    <a:masterClrMapping/>
+  </p:clrMapOvr>
+  <p:timing>
+    <p:tnLst>
+      <p:par>
+        <p:cTn id="1" dur="indefinite" restart="never" nodeType="tmRoot">
+          <p:childTnLst>
+            <p:seq concurrent="1" nextAc="seek">
+              <p:cTn id="2" dur="indefinite" nodeType="mainSeq">
+                <p:childTnLst>
+                  <p:par>
+                    <p:cTn id="3" fill="hold">
+                      <p:stCondLst>
+                        <p:cond delay="indefinite"/>
+                      </p:stCondLst>
+                      <p:childTnLst>
+                        <p:par>
+                          <p:cTn id="4" fill="hold">
+                            <p:stCondLst>
+                              <p:cond delay="0"/>
+                            </p:stCondLst>
+                            <p:childTnLst>
+                              <p:par>
+                                <p:cTn id="5" presetID="2" presetClass="entr" presetSubtype="4" fill="hold" grpId="0" nodeType="clickEffect">
+                                  <p:stCondLst>
+                                    <p:cond delay="0"/>
+                                  </p:stCondLst>
+                                  <p:childTnLst>
+                                    <p:set>
+                                      <p:cBhvr>
+                                        <p:cTn id="6" dur="1" fill="hold">
+                                          <p:stCondLst>
+                                            <p:cond delay="0"/>
+                                          </p:stCondLst>
+                                        </p:cTn>
+                                        <p:tgtEl>
+                                          <p:spTgt spid="3">
+                                            <p:txEl>
+                                              <p:pRg st="0" end="0"/>
+                                            </p:txEl>
+                                          </p:spTgt>
+                                        </p:tgtEl>
+                                        <p:attrNameLst>
+                                          <p:attrName>style.visibility</p:attrName>
+                                        </p:attrNameLst>
+                                      </p:cBhvr>
+                                      <p:to>
+                                        <p:strVal val="visible"/>
+                                      </p:to>
+                                    </p:set>
+                                    <p:anim calcmode="lin" valueType="num">
+                                      <p:cBhvr additive="base">
+                                        <p:cTn id="7" dur="500" fill="hold"/>
+                                        <p:tgtEl>
+                                          <p:spTgt spid="3">
+                                            <p:txEl>
+                                              <p:pRg st="0" end="0"/>
+                                            </p:txEl>
+                                          </p:spTgt>
+                                        </p:tgtEl>
+                                        <p:attrNameLst>
+                                          <p:attrName>ppt_x</p:attrName>
+                                        </p:attrNameLst>
+                                      </p:cBhvr>
+                                      <p:tavLst>
+                                        <p:tav tm="0">
+                                          <p:val>
+                                            <p:strVal val="#ppt_x"/>
+                                          </p:val>
+                                        </p:tav>
+                                        <p:tav tm="100000">
+                                          <p:val>
+                                            <p:strVal val="#ppt_x"/>
+                                          </p:val>
+                                        </p:tav>
+                                      </p:tavLst>
+                                    </p:anim>
+                                    <p:anim calcmode="lin" valueType="num">
+                                      <p:cBhvr additive="base">
+                                        <p:cTn id="8" dur="500" fill="hold"/>
+                                        <p:tgtEl>
+                                          <p:spTgt spid="3">
+                                            <p:txEl>
+                                              <p:pRg st="0" end="0"/>
+                                            </p:txEl>
+                                          </p:spTgt>
+                                        </p:tgtEl>
+                                        <p:attrNameLst>
+                                          <p:attrName>ppt_y</p:attrName>
+                                        </p:attrNameLst>
+                                      </p:cBhvr>
+                                      <p:tavLst>
+                                        <p:tav tm="0">
+                                          <p:val>
+                                            <p:strVal val="1+#ppt_h/2"/>
+                                          </p:val>
+                                        </p:tav>
+                                        <p:tav tm="100000">
+                                          <p:val>
+                                            <p:strVal val="#ppt_y"/>
+                                          </p:val>
+                                        </p:tav>
+                                      </p:tavLst>
+                                    </p:anim>
+                                  </p:childTnLst>
+                                </p:cTn>
+                              </p:par>
+                            </p:childTnLst>
+                          </p:cTn>
+                        </p:par>
+                      </p:childTnLst>
+                    </p:cTn>
+                  </p:par>
+                  <p:par>
+                    <p:cTn id="9" fill="hold">
+                      <p:stCondLst>
+                        <p:cond delay="indefinite"/>
+                      </p:stCondLst>
+                      <p:childTnLst>
+                        <p:par>
+                          <p:cTn id="10" fill="hold">
+                            <p:stCondLst>
+                              <p:cond delay="0"/>
+                            </p:stCondLst>
+                            <p:childTnLst>
+                              <p:par>
+                                <p:cTn id="11" presetID="2" presetClass="entr" presetSubtype="4" fill="hold" grpId="0" nodeType="clickEffect">
+                                  <p:stCondLst>
+                                    <p:cond delay="0"/>
+                                  </p:stCondLst>
+                                  <p:childTnLst>
+                                    <p:set>
+                                      <p:cBhvr>
+                                        <p:cTn id="12" dur="1" fill="hold">
+                                          <p:stCondLst>
+                                            <p:cond delay="0"/>
+                                          </p:stCondLst>
+                                        </p:cTn>
+                                        <p:tgtEl>
+                                          <p:spTgt spid="3">
+                                            <p:txEl>
+                                              <p:pRg st="1" end="1"/>
+                                            </p:txEl>
+                                          </p:spTgt>
+                                        </p:tgtEl>
+                                        <p:attrNameLst>
+                                          <p:attrName>style.visibility</p:attrName>
+                                        </p:attrNameLst>
+                                      </p:cBhvr>
+                                      <p:to>
+                                        <p:strVal val="visible"/>
+                                      </p:to>
+                                    </p:set>
+                                    <p:anim calcmode="lin" valueType="num">
+                                      <p:cBhvr additive="base">
+                                        <p:cTn id="13" dur="500" fill="hold"/>
+                                        <p:tgtEl>
+                                          <p:spTgt spid="3">
+                                            <p:txEl>
+                                              <p:pRg st="1" end="1"/>
+                                            </p:txEl>
+                                          </p:spTgt>
+                                        </p:tgtEl>
+                                        <p:attrNameLst>
+                                          <p:attrName>ppt_x</p:attrName>
+                                        </p:attrNameLst>
+                                      </p:cBhvr>
+                                      <p:tavLst>
+                                        <p:tav tm="0">
+                                          <p:val>
+                                            <p:strVal val="#ppt_x"/>
+                                          </p:val>
+                                        </p:tav>
+                                        <p:tav tm="100000">
+                                          <p:val>
+                                            <p:strVal val="#ppt_x"/>
+                                          </p:val>
+                                        </p:tav>
+                                      </p:tavLst>
+                                    </p:anim>
+                                    <p:anim calcmode="lin" valueType="num">
+                                      <p:cBhvr additive="base">
+                                        <p:cTn id="14" dur="500" fill="hold"/>
+                                        <p:tgtEl>
+                                          <p:spTgt spid="3">
+                                            <p:txEl>
+                                              <p:pRg st="1" end="1"/>
+                                            </p:txEl>
+                                          </p:spTgt>
+                                        </p:tgtEl>
+                                        <p:attrNameLst>
+                                          <p:attrName>ppt_y</p:attrName>
+                                        </p:attrNameLst>
+                                      </p:cBhvr>
+                                      <p:tavLst>
+                                        <p:tav tm="0">
+                                          <p:val>
+                                            <p:strVal val="1+#ppt_h/2"/>
+                                          </p:val>
+                                        </p:tav>
+                                        <p:tav tm="100000">
+                                          <p:val>
+                                            <p:strVal val="#ppt_y"/>
+                                          </p:val>
+                                        </p:tav>
+                                      </p:tavLst>
+                                    </p:anim>
+                                  </p:childTnLst>
+                                </p:cTn>
+                              </p:par>
+                            </p:childTnLst>
+                          </p:cTn>
+                        </p:par>
+                      </p:childTnLst>
+                    </p:cTn>
+                  </p:par>
+                  <p:par>
+                    <p:cTn id="15" fill="hold">
+                      <p:stCondLst>
+                        <p:cond delay="indefinite"/>
+                      </p:stCondLst>
+                      <p:childTnLst>
+                        <p:par>
+                          <p:cTn id="16" fill="hold">
+                            <p:stCondLst>
+                              <p:cond delay="0"/>
+                            </p:stCondLst>
+                            <p:childTnLst>
+                              <p:par>
+                                <p:cTn id="17" presetID="2" presetClass="entr" presetSubtype="4" fill="hold" grpId="0" nodeType="clickEffect">
+                                  <p:stCondLst>
+                                    <p:cond delay="0"/>
+                                  </p:stCondLst>
+                                  <p:childTnLst>
+                                    <p:set>
+                                      <p:cBhvr>
+                                        <p:cTn id="18" dur="1" fill="hold">
+                                          <p:stCondLst>
+                                            <p:cond delay="0"/>
+                                          </p:stCondLst>
+                                        </p:cTn>
+                                        <p:tgtEl>
+                                          <p:spTgt spid="3">
+                                            <p:txEl>
+                                              <p:pRg st="2" end="2"/>
+                                            </p:txEl>
+                                          </p:spTgt>
+                                        </p:tgtEl>
+                                        <p:attrNameLst>
+                                          <p:attrName>style.visibility</p:attrName>
+                                        </p:attrNameLst>
+                                      </p:cBhvr>
+                                      <p:to>
+                                        <p:strVal val="visible"/>
+                                      </p:to>
+                                    </p:set>
+                                    <p:anim calcmode="lin" valueType="num">
+                                      <p:cBhvr additive="base">
+                                        <p:cTn id="19" dur="500" fill="hold"/>
+                                        <p:tgtEl>
+                                          <p:spTgt spid="3">
+                                            <p:txEl>
+                                              <p:pRg st="2" end="2"/>
+                                            </p:txEl>
+                                          </p:spTgt>
+                                        </p:tgtEl>
+                                        <p:attrNameLst>
+                                          <p:attrName>ppt_x</p:attrName>
+                                        </p:attrNameLst>
+                                      </p:cBhvr>
+                                      <p:tavLst>
+                                        <p:tav tm="0">
+                                          <p:val>
+                                            <p:strVal val="#ppt_x"/>
+                                          </p:val>
+                                        </p:tav>
+                                        <p:tav tm="100000">
+                                          <p:val>
+                                            <p:strVal val="#ppt_x"/>
+                                          </p:val>
+                                        </p:tav>
+                                      </p:tavLst>
+                                    </p:anim>
+                                    <p:anim calcmode="lin" valueType="num">
+                                      <p:cBhvr additive="base">
+                                        <p:cTn id="20" dur="500" fill="hold"/>
+                                        <p:tgtEl>
+                                          <p:spTgt spid="3">
+                                            <p:txEl>
+                                              <p:pRg st="2" end="2"/>
+                                            </p:txEl>
+                                          </p:spTgt>
+                                        </p:tgtEl>
+                                        <p:attrNameLst>
+                                          <p:attrName>ppt_y</p:attrName>
+                                        </p:attrNameLst>
+                                      </p:cBhvr>
+                                      <p:tavLst>
+                                        <p:tav tm="0">
+                                          <p:val>
+                                            <p:strVal val="1+#ppt_h/2"/>
+                                          </p:val>
+                                        </p:tav>
+                                        <p:tav tm="100000">
+                                          <p:val>
+                                            <p:strVal val="#ppt_y"/>
+                                          </p:val>
+                                        </p:tav>
+                                      </p:tavLst>
+                                    </p:anim>
+                                  </p:childTnLst>
+                                </p:cTn>
+                              </p:par>
+                            </p:childTnLst>
+                          </p:cTn>
+                        </p:par>
+                      </p:childTnLst>
+                    </p:cTn>
+                  </p:par>
+                  <p:par>
+                    <p:cTn id="21" fill="hold">
+                      <p:stCondLst>
+                        <p:cond delay="indefinite"/>
+                      </p:stCondLst>
+                      <p:childTnLst>
+                        <p:par>
+                          <p:cTn id="22" fill="hold">
+                            <p:stCondLst>
+                              <p:cond delay="0"/>
+                            </p:stCondLst>
+                            <p:childTnLst>
+                              <p:par>
+                                <p:cTn id="23" presetID="2" presetClass="entr" presetSubtype="4" fill="hold" grpId="0" nodeType="clickEffect">
+                                  <p:stCondLst>
+                                    <p:cond delay="0"/>
+                                  </p:stCondLst>
+                                  <p:childTnLst>
+                                    <p:set>
+                                      <p:cBhvr>
+                                        <p:cTn id="24" dur="1" fill="hold">
+                                          <p:stCondLst>
+                                            <p:cond delay="0"/>
+                                          </p:stCondLst>
+                                        </p:cTn>
+                                        <p:tgtEl>
+                                          <p:spTgt spid="3">
+                                            <p:txEl>
+                                              <p:pRg st="3" end="3"/>
+                                            </p:txEl>
+                                          </p:spTgt>
+                                        </p:tgtEl>
+                                        <p:attrNameLst>
+                                          <p:attrName>style.visibility</p:attrName>
+                                        </p:attrNameLst>
+                                      </p:cBhvr>
+                                      <p:to>
+                                        <p:strVal val="visible"/>
+                                      </p:to>
+                                    </p:set>
+                                    <p:anim calcmode="lin" valueType="num">
+                                      <p:cBhvr additive="base">
+                                        <p:cTn id="25" dur="500" fill="hold"/>
+                                        <p:tgtEl>
+                                          <p:spTgt spid="3">
+                                            <p:txEl>
+                                              <p:pRg st="3" end="3"/>
+                                            </p:txEl>
+                                          </p:spTgt>
+                                        </p:tgtEl>
+                                        <p:attrNameLst>
+                                          <p:attrName>ppt_x</p:attrName>
+                                        </p:attrNameLst>
+                                      </p:cBhvr>
+                                      <p:tavLst>
+                                        <p:tav tm="0">
+                                          <p:val>
+                                            <p:strVal val="#ppt_x"/>
+                                          </p:val>
+                                        </p:tav>
+                                        <p:tav tm="100000">
+                                          <p:val>
+                                            <p:strVal val="#ppt_x"/>
+                                          </p:val>
+                                        </p:tav>
+                                      </p:tavLst>
+                                    </p:anim>
+                                    <p:anim calcmode="lin" valueType="num">
+                                      <p:cBhvr additive="base">
+                                        <p:cTn id="26" dur="500" fill="hold"/>
+                                        <p:tgtEl>
+                                          <p:spTgt spid="3">
+                                            <p:txEl>
+                                              <p:pRg st="3" end="3"/>
+                                            </p:txEl>
+                                          </p:spTgt>
+                                        </p:tgtEl>
+                                        <p:attrNameLst>
+                                          <p:attrName>ppt_y</p:attrName>
+                                        </p:attrNameLst>
+                                      </p:cBhvr>
+                                      <p:tavLst>
+                                        <p:tav tm="0">
+                                          <p:val>
+                                            <p:strVal val="1+#ppt_h/2"/>
+                                          </p:val>
+                                        </p:tav>
+                                        <p:tav tm="100000">
+                                          <p:val>
+                                            <p:strVal val="#ppt_y"/>
+                                          </p:val>
+                                        </p:tav>
+                                      </p:tavLst>
+                                    </p:anim>
+                                  </p:childTnLst>
+                                </p:cTn>
+                              </p:par>
+                            </p:childTnLst>
+                          </p:cTn>
+                        </p:par>
+                      </p:childTnLst>
+                    </p:cTn>
+                  </p:par>
+                  <p:par>
+                    <p:cTn id="27" fill="hold">
+                      <p:stCondLst>
+                        <p:cond delay="indefinite"/>
+                      </p:stCondLst>
+                      <p:childTnLst>
+                        <p:par>
+                          <p:cTn id="28" fill="hold">
+                            <p:stCondLst>
+                              <p:cond delay="0"/>
+                            </p:stCondLst>
+                            <p:childTnLst>
+                              <p:par>
+                                <p:cTn id="29" presetID="2" presetClass="entr" presetSubtype="4" fill="hold" grpId="0" nodeType="clickEffect">
+                                  <p:stCondLst>
+                                    <p:cond delay="0"/>
+                                  </p:stCondLst>
+                                  <p:childTnLst>
+                                    <p:set>
+                                      <p:cBhvr>
+                                        <p:cTn id="30" dur="1" fill="hold">
+                                          <p:stCondLst>
+                                            <p:cond delay="0"/>
+                                          </p:stCondLst>
+                                        </p:cTn>
+                                        <p:tgtEl>
+                                          <p:spTgt spid="3">
+                                            <p:txEl>
+                                              <p:pRg st="4" end="4"/>
+                                            </p:txEl>
+                                          </p:spTgt>
+                                        </p:tgtEl>
+                                        <p:attrNameLst>
+                                          <p:attrName>style.visibility</p:attrName>
+                                        </p:attrNameLst>
+                                      </p:cBhvr>
+                                      <p:to>
+                                        <p:strVal val="visible"/>
+                                      </p:to>
+                                    </p:set>
+                                    <p:anim calcmode="lin" valueType="num">
+                                      <p:cBhvr additive="base">
+                                        <p:cTn id="31" dur="500" fill="hold"/>
+                                        <p:tgtEl>
+                                          <p:spTgt spid="3">
+                                            <p:txEl>
+                                              <p:pRg st="4" end="4"/>
+                                            </p:txEl>
+                                          </p:spTgt>
+                                        </p:tgtEl>
+                                        <p:attrNameLst>
+                                          <p:attrName>ppt_x</p:attrName>
+                                        </p:attrNameLst>
+                                      </p:cBhvr>
+                                      <p:tavLst>
+                                        <p:tav tm="0">
+                                          <p:val>
+                                            <p:strVal val="#ppt_x"/>
+                                          </p:val>
+                                        </p:tav>
+                                        <p:tav tm="100000">
+                                          <p:val>
+                                            <p:strVal val="#ppt_x"/>
+                                          </p:val>
+                                        </p:tav>
+                                      </p:tavLst>
+                                    </p:anim>
+                                    <p:anim calcmode="lin" valueType="num">
+                                      <p:cBhvr additive="base">
+                                        <p:cTn id="32" dur="500" fill="hold"/>
+                                        <p:tgtEl>
+                                          <p:spTgt spid="3">
+                                            <p:txEl>
+                                              <p:pRg st="4" end="4"/>
+                                            </p:txEl>
+                                          </p:spTgt>
+                                        </p:tgtEl>
+                                        <p:attrNameLst>
+                                          <p:attrName>ppt_y</p:attrName>
+                                        </p:attrNameLst>
+                                      </p:cBhvr>
+                                      <p:tavLst>
+                                        <p:tav tm="0">
+                                          <p:val>
+                                            <p:strVal val="1+#ppt_h/2"/>
+                                          </p:val>
+                                        </p:tav>
+                                        <p:tav tm="100000">
+                                          <p:val>
+                                            <p:strVal val="#ppt_y"/>
+                                          </p:val>
+                                        </p:tav>
+                                      </p:tavLst>
+                                    </p:anim>
+                                  </p:childTnLst>
+                                </p:cTn>
+                              </p:par>
+                            </p:childTnLst>
+                          </p:cTn>
+                        </p:par>
+                      </p:childTnLst>
+                    </p:cTn>
+                  </p:par>
+                  <p:par>
+                    <p:cTn id="33" fill="hold">
+                      <p:stCondLst>
+                        <p:cond delay="indefinite"/>
+                      </p:stCondLst>
+                      <p:childTnLst>
+                        <p:par>
+                          <p:cTn id="34" fill="hold">
+                            <p:stCondLst>
+                              <p:cond delay="0"/>
+                            </p:stCondLst>
+                            <p:childTnLst>
+                              <p:par>
+                                <p:cTn id="35" presetID="2" presetClass="entr" presetSubtype="4" fill="hold" grpId="0" nodeType="clickEffect">
+                                  <p:stCondLst>
+                                    <p:cond delay="0"/>
+                                  </p:stCondLst>
+                                  <p:childTnLst>
+                                    <p:set>
+                                      <p:cBhvr>
+                                        <p:cTn id="36" dur="1" fill="hold">
+                                          <p:stCondLst>
+                                            <p:cond delay="0"/>
+                                          </p:stCondLst>
+                                        </p:cTn>
+                                        <p:tgtEl>
+                                          <p:spTgt spid="3">
+                                            <p:txEl>
+                                              <p:pRg st="5" end="5"/>
+                                            </p:txEl>
+                                          </p:spTgt>
+                                        </p:tgtEl>
+                                        <p:attrNameLst>
+                                          <p:attrName>style.visibility</p:attrName>
+                                        </p:attrNameLst>
+                                      </p:cBhvr>
+                                      <p:to>
+                                        <p:strVal val="visible"/>
+                                      </p:to>
+                                    </p:set>
+                                    <p:anim calcmode="lin" valueType="num">
+                                      <p:cBhvr additive="base">
+                                        <p:cTn id="37" dur="500" fill="hold"/>
+                                        <p:tgtEl>
+                                          <p:spTgt spid="3">
+                                            <p:txEl>
+                                              <p:pRg st="5" end="5"/>
+                                            </p:txEl>
+                                          </p:spTgt>
+                                        </p:tgtEl>
+                                        <p:attrNameLst>
+                                          <p:attrName>ppt_x</p:attrName>
+                                        </p:attrNameLst>
+                                      </p:cBhvr>
+                                      <p:tavLst>
+                                        <p:tav tm="0">
+                                          <p:val>
+                                            <p:strVal val="#ppt_x"/>
+                                          </p:val>
+                                        </p:tav>
+                                        <p:tav tm="100000">
+                                          <p:val>
+                                            <p:strVal val="#ppt_x"/>
+                                          </p:val>
+                                        </p:tav>
+                                      </p:tavLst>
+                                    </p:anim>
+                                    <p:anim calcmode="lin" valueType="num">
+                                      <p:cBhvr additive="base">
+                                        <p:cTn id="38" dur="500" fill="hold"/>
+                                        <p:tgtEl>
+                                          <p:spTgt spid="3">
+                                            <p:txEl>
+                                              <p:pRg st="5" end="5"/>
+                                            </p:txEl>
+                                          </p:spTgt>
+                                        </p:tgtEl>
+                                        <p:attrNameLst>
+                                          <p:attrName>ppt_y</p:attrName>
+                                        </p:attrNameLst>
+                                      </p:cBhvr>
+                                      <p:tavLst>
+                                        <p:tav tm="0">
+                                          <p:val>
+                                            <p:strVal val="1+#ppt_h/2"/>
+                                          </p:val>
+                                        </p:tav>
+                                        <p:tav tm="100000">
+                                          <p:val>
+                                            <p:strVal val="#ppt_y"/>
+                                          </p:val>
+                                        </p:tav>
+                                      </p:tavLst>
+                                    </p:anim>
+                                  </p:childTnLst>
+                                </p:cTn>
+                              </p:par>
+                            </p:childTnLst>
+                          </p:cTn>
+                        </p:par>
+                      </p:childTnLst>
+                    </p:cTn>
+                  </p:par>
+                  <p:par>
+                    <p:cTn id="39" fill="hold">
+                      <p:stCondLst>
+                        <p:cond delay="indefinite"/>
+                      </p:stCondLst>
+                      <p:childTnLst>
+                        <p:par>
+                          <p:cTn id="40" fill="hold">
+                            <p:stCondLst>
+                              <p:cond delay="0"/>
+                            </p:stCondLst>
+                            <p:childTnLst>
+                              <p:par>
+                                <p:cTn id="41" presetID="2" presetClass="entr" presetSubtype="4" fill="hold" grpId="0" nodeType="clickEffect">
+                                  <p:stCondLst>
+                                    <p:cond delay="0"/>
+                                  </p:stCondLst>
+                                  <p:childTnLst>
+                                    <p:set>
+                                      <p:cBhvr>
+                                        <p:cTn id="42" dur="1" fill="hold">
+                                          <p:stCondLst>
+                                            <p:cond delay="0"/>
+                                          </p:stCondLst>
+                                        </p:cTn>
+                                        <p:tgtEl>
+                                          <p:spTgt spid="3">
+                                            <p:txEl>
+                                              <p:pRg st="7" end="7"/>
+                                            </p:txEl>
+                                          </p:spTgt>
+                                        </p:tgtEl>
+                                        <p:attrNameLst>
+                                          <p:attrName>style.visibility</p:attrName>
+                                        </p:attrNameLst>
+                                      </p:cBhvr>
+                                      <p:to>
+                                        <p:strVal val="visible"/>
+                                      </p:to>
+                                    </p:set>
+                                    <p:anim calcmode="lin" valueType="num">
+                                      <p:cBhvr additive="base">
+                                        <p:cTn id="43" dur="500" fill="hold"/>
+                                        <p:tgtEl>
+                                          <p:spTgt spid="3">
+                                            <p:txEl>
+                                              <p:pRg st="7" end="7"/>
+                                            </p:txEl>
+                                          </p:spTgt>
+                                        </p:tgtEl>
+                                        <p:attrNameLst>
+                                          <p:attrName>ppt_x</p:attrName>
+                                        </p:attrNameLst>
+                                      </p:cBhvr>
+                                      <p:tavLst>
+                                        <p:tav tm="0">
+                                          <p:val>
+                                            <p:strVal val="#ppt_x"/>
+                                          </p:val>
+                                        </p:tav>
+                                        <p:tav tm="100000">
+                                          <p:val>
+                                            <p:strVal val="#ppt_x"/>
+                                          </p:val>
+                                        </p:tav>
+                                      </p:tavLst>
+                                    </p:anim>
+                                    <p:anim calcmode="lin" valueType="num">
+                                      <p:cBhvr additive="base">
+                                        <p:cTn id="44" dur="500" fill="hold"/>
+                                        <p:tgtEl>
+                                          <p:spTgt spid="3">
+                                            <p:txEl>
+                                              <p:pRg st="7" end="7"/>
+                                            </p:txEl>
+                                          </p:spTgt>
+                                        </p:tgtEl>
+                                        <p:attrNameLst>
+                                          <p:attrName>ppt_y</p:attrName>
+                                        </p:attrNameLst>
+                                      </p:cBhvr>
+                                      <p:tavLst>
+                                        <p:tav tm="0">
+                                          <p:val>
+                                            <p:strVal val="1+#ppt_h/2"/>
+                                          </p:val>
+                                        </p:tav>
+                                        <p:tav tm="100000">
+                                          <p:val>
+                                            <p:strVal val="#ppt_y"/>
+                                          </p:val>
+                                        </p:tav>
+                                      </p:tavLst>
+                                    </p:anim>
+                                  </p:childTnLst>
+                                </p:cTn>
+                              </p:par>
+                            </p:childTnLst>
+                          </p:cTn>
+                        </p:par>
+                      </p:childTnLst>
+                    </p:cTn>
+                  </p:par>
+                  <p:par>
+                    <p:cTn id="45" fill="hold">
+                      <p:stCondLst>
+                        <p:cond delay="indefinite"/>
+                      </p:stCondLst>
+                      <p:childTnLst>
+                        <p:par>
+                          <p:cTn id="46" fill="hold">
+                            <p:stCondLst>
+                              <p:cond delay="0"/>
+                            </p:stCondLst>
+                            <p:childTnLst>
+                              <p:par>
+                                <p:cTn id="47" presetID="2" presetClass="entr" presetSubtype="4" fill="hold" grpId="0" nodeType="clickEffect">
+                                  <p:stCondLst>
+                                    <p:cond delay="0"/>
+                                  </p:stCondLst>
+                                  <p:childTnLst>
+                                    <p:set>
+                                      <p:cBhvr>
+                                        <p:cTn id="48" dur="1" fill="hold">
+                                          <p:stCondLst>
+                                            <p:cond delay="0"/>
+                                          </p:stCondLst>
+                                        </p:cTn>
+                                        <p:tgtEl>
+                                          <p:spTgt spid="3">
+                                            <p:txEl>
+                                              <p:pRg st="8" end="8"/>
+                                            </p:txEl>
+                                          </p:spTgt>
+                                        </p:tgtEl>
+                                        <p:attrNameLst>
+                                          <p:attrName>style.visibility</p:attrName>
+                                        </p:attrNameLst>
+                                      </p:cBhvr>
+                                      <p:to>
+                                        <p:strVal val="visible"/>
+                                      </p:to>
+                                    </p:set>
+                                    <p:anim calcmode="lin" valueType="num">
+                                      <p:cBhvr additive="base">
+                                        <p:cTn id="49" dur="500" fill="hold"/>
+                                        <p:tgtEl>
+                                          <p:spTgt spid="3">
+                                            <p:txEl>
+                                              <p:pRg st="8" end="8"/>
+                                            </p:txEl>
+                                          </p:spTgt>
+                                        </p:tgtEl>
+                                        <p:attrNameLst>
+                                          <p:attrName>ppt_x</p:attrName>
+                                        </p:attrNameLst>
+                                      </p:cBhvr>
+                                      <p:tavLst>
+                                        <p:tav tm="0">
+                                          <p:val>
+                                            <p:strVal val="#ppt_x"/>
+                                          </p:val>
+                                        </p:tav>
+                                        <p:tav tm="100000">
+                                          <p:val>
+                                            <p:strVal val="#ppt_x"/>
+                                          </p:val>
+                                        </p:tav>
+                                      </p:tavLst>
+                                    </p:anim>
+                                    <p:anim calcmode="lin" valueType="num">
+                                      <p:cBhvr additive="base">
+                                        <p:cTn id="50" dur="500" fill="hold"/>
+                                        <p:tgtEl>
+                                          <p:spTgt spid="3">
+                                            <p:txEl>
+                                              <p:pRg st="8" end="8"/>
                                             </p:txEl>
                                           </p:spTgt>
                                         </p:tgtEl>
@@ -7597,7 +8637,7 @@
           <a:p>
             <a:r>
               <a:rPr lang="pl-PL" dirty="0" smtClean="0"/>
-              <a:t>Dobre testy jednostkowe</a:t>
+              <a:t>FIRST</a:t>
             </a:r>
             <a:endParaRPr lang="pl-PL" dirty="0"/>
           </a:p>
@@ -7615,96 +8655,47 @@
         </p:nvSpPr>
         <p:spPr/>
         <p:txBody>
-          <a:bodyPr>
-            <a:normAutofit fontScale="92500" lnSpcReduction="20000"/>
-          </a:bodyPr>
+          <a:bodyPr/>
           <a:lstStyle/>
           <a:p>
             <a:pPr lvl="0"/>
             <a:r>
-              <a:rPr lang="pl-PL" dirty="0" smtClean="0"/>
-              <a:t>W pełni zautomatyzowane</a:t>
-            </a:r>
-          </a:p>
-          <a:p>
-            <a:r>
-              <a:rPr lang="pl-PL" dirty="0" smtClean="0"/>
-              <a:t>Powtarzalne</a:t>
-            </a:r>
-          </a:p>
-          <a:p>
-            <a:r>
-              <a:rPr lang="pl-PL" dirty="0" smtClean="0"/>
-              <a:t>Szybkie</a:t>
-            </a:r>
+              <a:rPr lang="en-US" dirty="0" smtClean="0"/>
+              <a:t>Fast</a:t>
+            </a:r>
+            <a:endParaRPr lang="pl-PL" dirty="0" smtClean="0"/>
           </a:p>
           <a:p>
             <a:pPr lvl="0"/>
             <a:r>
-              <a:rPr lang="pl-PL" dirty="0" smtClean="0"/>
-              <a:t>Proste (łatwe w implementacji)</a:t>
-            </a:r>
+              <a:rPr lang="en-US" dirty="0" smtClean="0"/>
+              <a:t>Independent</a:t>
+            </a:r>
+            <a:endParaRPr lang="pl-PL" dirty="0" smtClean="0"/>
           </a:p>
           <a:p>
             <a:pPr lvl="0"/>
             <a:r>
-              <a:rPr lang="pl-PL" dirty="0" smtClean="0"/>
-              <a:t>Testują tylko jeden logiczny koncept</a:t>
-            </a:r>
+              <a:rPr lang="en-US" dirty="0" smtClean="0"/>
+              <a:t>Repeatable</a:t>
+            </a:r>
+            <a:endParaRPr lang="pl-PL" dirty="0" smtClean="0"/>
           </a:p>
           <a:p>
             <a:pPr lvl="0"/>
             <a:r>
-              <a:rPr lang="pl-PL" dirty="0" smtClean="0"/>
-              <a:t>Testują publiczny interfejs (dla .NET również </a:t>
-            </a:r>
-            <a:r>
-              <a:rPr lang="pl-PL" dirty="0" err="1" smtClean="0"/>
-              <a:t>internal</a:t>
-            </a:r>
-            <a:r>
-              <a:rPr lang="pl-PL" dirty="0" smtClean="0"/>
-              <a:t>)</a:t>
-            </a:r>
-          </a:p>
-          <a:p>
+              <a:rPr lang="en-US" dirty="0" smtClean="0"/>
+              <a:t>Self-checking</a:t>
+            </a:r>
             <a:endParaRPr lang="pl-PL" dirty="0" smtClean="0"/>
           </a:p>
           <a:p>
-            <a:r>
-              <a:rPr lang="pl-PL" dirty="0" smtClean="0"/>
-              <a:t>Uruchamiane </a:t>
-            </a:r>
-            <a:r>
-              <a:rPr lang="pl-PL" dirty="0" err="1" smtClean="0"/>
-              <a:t>out-of-the-box</a:t>
+            <a:pPr lvl="0"/>
+            <a:r>
+              <a:rPr lang="en-US" dirty="0" smtClean="0"/>
+              <a:t>Timely</a:t>
             </a:r>
             <a:endParaRPr lang="pl-PL" dirty="0" smtClean="0"/>
-          </a:p>
-          <a:p>
-            <a:pPr lvl="0"/>
-            <a:r>
-              <a:rPr lang="pl-PL" dirty="0" smtClean="0"/>
-              <a:t>Uruchamiane w pamięci</a:t>
-            </a:r>
-          </a:p>
-          <a:p>
-            <a:pPr lvl="0">
-              <a:buNone/>
-            </a:pPr>
-            <a:endParaRPr lang="pl-PL" dirty="0" smtClean="0"/>
-          </a:p>
-          <a:p>
-            <a:pPr>
-              <a:buNone/>
-            </a:pPr>
-            <a:endParaRPr lang="pl-PL" dirty="0" smtClean="0"/>
-          </a:p>
-          <a:p>
-            <a:pPr>
-              <a:buNone/>
-            </a:pPr>
-            <a:endParaRPr lang="pl-PL" dirty="0"/>
           </a:p>
         </p:txBody>
       </p:sp>
@@ -8207,315 +9198,6 @@
                                           <p:spTgt spid="3">
                                             <p:txEl>
                                               <p:pRg st="4" end="4"/>
-                                            </p:txEl>
-                                          </p:spTgt>
-                                        </p:tgtEl>
-                                        <p:attrNameLst>
-                                          <p:attrName>ppt_y</p:attrName>
-                                        </p:attrNameLst>
-                                      </p:cBhvr>
-                                      <p:tavLst>
-                                        <p:tav tm="0">
-                                          <p:val>
-                                            <p:strVal val="1+#ppt_h/2"/>
-                                          </p:val>
-                                        </p:tav>
-                                        <p:tav tm="100000">
-                                          <p:val>
-                                            <p:strVal val="#ppt_y"/>
-                                          </p:val>
-                                        </p:tav>
-                                      </p:tavLst>
-                                    </p:anim>
-                                  </p:childTnLst>
-                                </p:cTn>
-                              </p:par>
-                            </p:childTnLst>
-                          </p:cTn>
-                        </p:par>
-                      </p:childTnLst>
-                    </p:cTn>
-                  </p:par>
-                  <p:par>
-                    <p:cTn id="33" fill="hold">
-                      <p:stCondLst>
-                        <p:cond delay="indefinite"/>
-                      </p:stCondLst>
-                      <p:childTnLst>
-                        <p:par>
-                          <p:cTn id="34" fill="hold">
-                            <p:stCondLst>
-                              <p:cond delay="0"/>
-                            </p:stCondLst>
-                            <p:childTnLst>
-                              <p:par>
-                                <p:cTn id="35" presetID="2" presetClass="entr" presetSubtype="4" fill="hold" grpId="0" nodeType="clickEffect">
-                                  <p:stCondLst>
-                                    <p:cond delay="0"/>
-                                  </p:stCondLst>
-                                  <p:childTnLst>
-                                    <p:set>
-                                      <p:cBhvr>
-                                        <p:cTn id="36" dur="1" fill="hold">
-                                          <p:stCondLst>
-                                            <p:cond delay="0"/>
-                                          </p:stCondLst>
-                                        </p:cTn>
-                                        <p:tgtEl>
-                                          <p:spTgt spid="3">
-                                            <p:txEl>
-                                              <p:pRg st="5" end="5"/>
-                                            </p:txEl>
-                                          </p:spTgt>
-                                        </p:tgtEl>
-                                        <p:attrNameLst>
-                                          <p:attrName>style.visibility</p:attrName>
-                                        </p:attrNameLst>
-                                      </p:cBhvr>
-                                      <p:to>
-                                        <p:strVal val="visible"/>
-                                      </p:to>
-                                    </p:set>
-                                    <p:anim calcmode="lin" valueType="num">
-                                      <p:cBhvr additive="base">
-                                        <p:cTn id="37" dur="500" fill="hold"/>
-                                        <p:tgtEl>
-                                          <p:spTgt spid="3">
-                                            <p:txEl>
-                                              <p:pRg st="5" end="5"/>
-                                            </p:txEl>
-                                          </p:spTgt>
-                                        </p:tgtEl>
-                                        <p:attrNameLst>
-                                          <p:attrName>ppt_x</p:attrName>
-                                        </p:attrNameLst>
-                                      </p:cBhvr>
-                                      <p:tavLst>
-                                        <p:tav tm="0">
-                                          <p:val>
-                                            <p:strVal val="#ppt_x"/>
-                                          </p:val>
-                                        </p:tav>
-                                        <p:tav tm="100000">
-                                          <p:val>
-                                            <p:strVal val="#ppt_x"/>
-                                          </p:val>
-                                        </p:tav>
-                                      </p:tavLst>
-                                    </p:anim>
-                                    <p:anim calcmode="lin" valueType="num">
-                                      <p:cBhvr additive="base">
-                                        <p:cTn id="38" dur="500" fill="hold"/>
-                                        <p:tgtEl>
-                                          <p:spTgt spid="3">
-                                            <p:txEl>
-                                              <p:pRg st="5" end="5"/>
-                                            </p:txEl>
-                                          </p:spTgt>
-                                        </p:tgtEl>
-                                        <p:attrNameLst>
-                                          <p:attrName>ppt_y</p:attrName>
-                                        </p:attrNameLst>
-                                      </p:cBhvr>
-                                      <p:tavLst>
-                                        <p:tav tm="0">
-                                          <p:val>
-                                            <p:strVal val="1+#ppt_h/2"/>
-                                          </p:val>
-                                        </p:tav>
-                                        <p:tav tm="100000">
-                                          <p:val>
-                                            <p:strVal val="#ppt_y"/>
-                                          </p:val>
-                                        </p:tav>
-                                      </p:tavLst>
-                                    </p:anim>
-                                  </p:childTnLst>
-                                </p:cTn>
-                              </p:par>
-                            </p:childTnLst>
-                          </p:cTn>
-                        </p:par>
-                      </p:childTnLst>
-                    </p:cTn>
-                  </p:par>
-                  <p:par>
-                    <p:cTn id="39" fill="hold">
-                      <p:stCondLst>
-                        <p:cond delay="indefinite"/>
-                      </p:stCondLst>
-                      <p:childTnLst>
-                        <p:par>
-                          <p:cTn id="40" fill="hold">
-                            <p:stCondLst>
-                              <p:cond delay="0"/>
-                            </p:stCondLst>
-                            <p:childTnLst>
-                              <p:par>
-                                <p:cTn id="41" presetID="2" presetClass="entr" presetSubtype="4" fill="hold" grpId="0" nodeType="clickEffect">
-                                  <p:stCondLst>
-                                    <p:cond delay="0"/>
-                                  </p:stCondLst>
-                                  <p:childTnLst>
-                                    <p:set>
-                                      <p:cBhvr>
-                                        <p:cTn id="42" dur="1" fill="hold">
-                                          <p:stCondLst>
-                                            <p:cond delay="0"/>
-                                          </p:stCondLst>
-                                        </p:cTn>
-                                        <p:tgtEl>
-                                          <p:spTgt spid="3">
-                                            <p:txEl>
-                                              <p:pRg st="7" end="7"/>
-                                            </p:txEl>
-                                          </p:spTgt>
-                                        </p:tgtEl>
-                                        <p:attrNameLst>
-                                          <p:attrName>style.visibility</p:attrName>
-                                        </p:attrNameLst>
-                                      </p:cBhvr>
-                                      <p:to>
-                                        <p:strVal val="visible"/>
-                                      </p:to>
-                                    </p:set>
-                                    <p:anim calcmode="lin" valueType="num">
-                                      <p:cBhvr additive="base">
-                                        <p:cTn id="43" dur="500" fill="hold"/>
-                                        <p:tgtEl>
-                                          <p:spTgt spid="3">
-                                            <p:txEl>
-                                              <p:pRg st="7" end="7"/>
-                                            </p:txEl>
-                                          </p:spTgt>
-                                        </p:tgtEl>
-                                        <p:attrNameLst>
-                                          <p:attrName>ppt_x</p:attrName>
-                                        </p:attrNameLst>
-                                      </p:cBhvr>
-                                      <p:tavLst>
-                                        <p:tav tm="0">
-                                          <p:val>
-                                            <p:strVal val="#ppt_x"/>
-                                          </p:val>
-                                        </p:tav>
-                                        <p:tav tm="100000">
-                                          <p:val>
-                                            <p:strVal val="#ppt_x"/>
-                                          </p:val>
-                                        </p:tav>
-                                      </p:tavLst>
-                                    </p:anim>
-                                    <p:anim calcmode="lin" valueType="num">
-                                      <p:cBhvr additive="base">
-                                        <p:cTn id="44" dur="500" fill="hold"/>
-                                        <p:tgtEl>
-                                          <p:spTgt spid="3">
-                                            <p:txEl>
-                                              <p:pRg st="7" end="7"/>
-                                            </p:txEl>
-                                          </p:spTgt>
-                                        </p:tgtEl>
-                                        <p:attrNameLst>
-                                          <p:attrName>ppt_y</p:attrName>
-                                        </p:attrNameLst>
-                                      </p:cBhvr>
-                                      <p:tavLst>
-                                        <p:tav tm="0">
-                                          <p:val>
-                                            <p:strVal val="1+#ppt_h/2"/>
-                                          </p:val>
-                                        </p:tav>
-                                        <p:tav tm="100000">
-                                          <p:val>
-                                            <p:strVal val="#ppt_y"/>
-                                          </p:val>
-                                        </p:tav>
-                                      </p:tavLst>
-                                    </p:anim>
-                                  </p:childTnLst>
-                                </p:cTn>
-                              </p:par>
-                            </p:childTnLst>
-                          </p:cTn>
-                        </p:par>
-                      </p:childTnLst>
-                    </p:cTn>
-                  </p:par>
-                  <p:par>
-                    <p:cTn id="45" fill="hold">
-                      <p:stCondLst>
-                        <p:cond delay="indefinite"/>
-                      </p:stCondLst>
-                      <p:childTnLst>
-                        <p:par>
-                          <p:cTn id="46" fill="hold">
-                            <p:stCondLst>
-                              <p:cond delay="0"/>
-                            </p:stCondLst>
-                            <p:childTnLst>
-                              <p:par>
-                                <p:cTn id="47" presetID="2" presetClass="entr" presetSubtype="4" fill="hold" grpId="0" nodeType="clickEffect">
-                                  <p:stCondLst>
-                                    <p:cond delay="0"/>
-                                  </p:stCondLst>
-                                  <p:childTnLst>
-                                    <p:set>
-                                      <p:cBhvr>
-                                        <p:cTn id="48" dur="1" fill="hold">
-                                          <p:stCondLst>
-                                            <p:cond delay="0"/>
-                                          </p:stCondLst>
-                                        </p:cTn>
-                                        <p:tgtEl>
-                                          <p:spTgt spid="3">
-                                            <p:txEl>
-                                              <p:pRg st="8" end="8"/>
-                                            </p:txEl>
-                                          </p:spTgt>
-                                        </p:tgtEl>
-                                        <p:attrNameLst>
-                                          <p:attrName>style.visibility</p:attrName>
-                                        </p:attrNameLst>
-                                      </p:cBhvr>
-                                      <p:to>
-                                        <p:strVal val="visible"/>
-                                      </p:to>
-                                    </p:set>
-                                    <p:anim calcmode="lin" valueType="num">
-                                      <p:cBhvr additive="base">
-                                        <p:cTn id="49" dur="500" fill="hold"/>
-                                        <p:tgtEl>
-                                          <p:spTgt spid="3">
-                                            <p:txEl>
-                                              <p:pRg st="8" end="8"/>
-                                            </p:txEl>
-                                          </p:spTgt>
-                                        </p:tgtEl>
-                                        <p:attrNameLst>
-                                          <p:attrName>ppt_x</p:attrName>
-                                        </p:attrNameLst>
-                                      </p:cBhvr>
-                                      <p:tavLst>
-                                        <p:tav tm="0">
-                                          <p:val>
-                                            <p:strVal val="#ppt_x"/>
-                                          </p:val>
-                                        </p:tav>
-                                        <p:tav tm="100000">
-                                          <p:val>
-                                            <p:strVal val="#ppt_x"/>
-                                          </p:val>
-                                        </p:tav>
-                                      </p:tavLst>
-                                    </p:anim>
-                                    <p:anim calcmode="lin" valueType="num">
-                                      <p:cBhvr additive="base">
-                                        <p:cTn id="50" dur="500" fill="hold"/>
-                                        <p:tgtEl>
-                                          <p:spTgt spid="3">
-                                            <p:txEl>
-                                              <p:pRg st="8" end="8"/>
                                             </p:txEl>
                                           </p:spTgt>
                                         </p:tgtEl>
@@ -8607,7 +9289,35 @@
           <a:p>
             <a:r>
               <a:rPr lang="pl-PL" dirty="0" smtClean="0"/>
-              <a:t>FIRST</a:t>
+              <a:t>3A </a:t>
+            </a:r>
+            <a:r>
+              <a:rPr lang="pl-PL" dirty="0" err="1" smtClean="0"/>
+              <a:t>or</a:t>
+            </a:r>
+            <a:r>
+              <a:rPr lang="pl-PL" dirty="0" smtClean="0"/>
+              <a:t> </a:t>
+            </a:r>
+            <a:r>
+              <a:rPr lang="pl-PL" dirty="0" err="1" smtClean="0"/>
+              <a:t>Given</a:t>
+            </a:r>
+            <a:r>
+              <a:rPr lang="pl-PL" dirty="0" smtClean="0"/>
+              <a:t> </a:t>
+            </a:r>
+            <a:r>
+              <a:rPr lang="pl-PL" dirty="0" err="1" smtClean="0"/>
+              <a:t>When</a:t>
+            </a:r>
+            <a:r>
+              <a:rPr lang="pl-PL" dirty="0" smtClean="0"/>
+              <a:t> </a:t>
+            </a:r>
+            <a:r>
+              <a:rPr lang="pl-PL" dirty="0" err="1" smtClean="0"/>
+              <a:t>Then</a:t>
             </a:r>
             <a:endParaRPr lang="pl-PL" dirty="0"/>
           </a:p>
@@ -8625,47 +9335,981 @@
         </p:nvSpPr>
         <p:spPr/>
         <p:txBody>
+          <a:bodyPr>
+            <a:normAutofit fontScale="85000" lnSpcReduction="20000"/>
+          </a:bodyPr>
+          <a:lstStyle/>
+          <a:p>
+            <a:r>
+              <a:rPr lang="pl-PL" dirty="0" err="1" smtClean="0"/>
+              <a:t>Arange</a:t>
+            </a:r>
+            <a:r>
+              <a:rPr lang="pl-PL" dirty="0" smtClean="0"/>
+              <a:t> 	- </a:t>
+            </a:r>
+            <a:r>
+              <a:rPr lang="pl-PL" dirty="0" err="1" smtClean="0"/>
+              <a:t>Given</a:t>
+            </a:r>
+            <a:endParaRPr lang="pl-PL" dirty="0" smtClean="0"/>
+          </a:p>
+          <a:p>
+            <a:r>
+              <a:rPr lang="pl-PL" dirty="0" err="1" smtClean="0"/>
+              <a:t>Act</a:t>
+            </a:r>
+            <a:r>
+              <a:rPr lang="pl-PL" dirty="0" smtClean="0"/>
+              <a:t> 		- </a:t>
+            </a:r>
+            <a:r>
+              <a:rPr lang="pl-PL" dirty="0" err="1" smtClean="0"/>
+              <a:t>When</a:t>
+            </a:r>
+            <a:endParaRPr lang="pl-PL" dirty="0" smtClean="0"/>
+          </a:p>
+          <a:p>
+            <a:r>
+              <a:rPr lang="pl-PL" dirty="0" err="1" smtClean="0"/>
+              <a:t>Assert</a:t>
+            </a:r>
+            <a:r>
+              <a:rPr lang="pl-PL" dirty="0" smtClean="0"/>
+              <a:t> 	- </a:t>
+            </a:r>
+            <a:r>
+              <a:rPr lang="pl-PL" dirty="0" err="1" smtClean="0"/>
+              <a:t>Then</a:t>
+            </a:r>
+            <a:endParaRPr lang="pl-PL" dirty="0" smtClean="0"/>
+          </a:p>
+          <a:p>
+            <a:endParaRPr lang="pl-PL" dirty="0" smtClean="0"/>
+          </a:p>
+          <a:p>
+            <a:pPr>
+              <a:buNone/>
+            </a:pPr>
+            <a:r>
+              <a:rPr lang="pl-PL" dirty="0" smtClean="0"/>
+              <a:t>Test </a:t>
+            </a:r>
+            <a:r>
+              <a:rPr lang="pl-PL" dirty="0" err="1" smtClean="0"/>
+              <a:t>naming</a:t>
+            </a:r>
+            <a:r>
+              <a:rPr lang="pl-PL" dirty="0" smtClean="0"/>
+              <a:t> </a:t>
+            </a:r>
+            <a:r>
+              <a:rPr lang="pl-PL" dirty="0" err="1" smtClean="0"/>
+              <a:t>convesion</a:t>
+            </a:r>
+            <a:r>
+              <a:rPr lang="pl-PL" dirty="0" smtClean="0"/>
+              <a:t> </a:t>
+            </a:r>
+            <a:r>
+              <a:rPr lang="pl-PL" dirty="0" err="1" smtClean="0"/>
+              <a:t>samples</a:t>
+            </a:r>
+            <a:r>
+              <a:rPr lang="pl-PL" dirty="0" smtClean="0"/>
+              <a:t>:</a:t>
+            </a:r>
+          </a:p>
+          <a:p>
+            <a:pPr>
+              <a:buNone/>
+            </a:pPr>
+            <a:r>
+              <a:rPr lang="pl-PL" dirty="0" err="1" smtClean="0"/>
+              <a:t>Roy’s</a:t>
+            </a:r>
+            <a:r>
+              <a:rPr lang="pl-PL" dirty="0" smtClean="0"/>
+              <a:t>:</a:t>
+            </a:r>
+          </a:p>
+          <a:p>
+            <a:r>
+              <a:rPr lang="pl-PL" b="1" dirty="0" smtClean="0"/>
+              <a:t>[</a:t>
+            </a:r>
+            <a:r>
+              <a:rPr lang="pl-PL" b="1" dirty="0" err="1" smtClean="0"/>
+              <a:t>NameOfTheClassUnderTest</a:t>
+            </a:r>
+            <a:r>
+              <a:rPr lang="pl-PL" b="1" dirty="0" err="1" smtClean="0">
+                <a:solidFill>
+                  <a:srgbClr val="FF0000"/>
+                </a:solidFill>
+              </a:rPr>
+              <a:t>Tests</a:t>
+            </a:r>
+            <a:r>
+              <a:rPr lang="pl-PL" b="1" dirty="0" smtClean="0"/>
+              <a:t>]</a:t>
+            </a:r>
+          </a:p>
+          <a:p>
+            <a:r>
+              <a:rPr lang="pl-PL" b="1" dirty="0" smtClean="0"/>
+              <a:t>[</a:t>
+            </a:r>
+            <a:r>
+              <a:rPr lang="pl-PL" b="1" dirty="0" err="1" smtClean="0"/>
+              <a:t>UnitOfWork</a:t>
+            </a:r>
+            <a:r>
+              <a:rPr lang="pl-PL" b="1" dirty="0" err="1" smtClean="0">
+                <a:solidFill>
+                  <a:srgbClr val="FF0000"/>
+                </a:solidFill>
+              </a:rPr>
+              <a:t>_</a:t>
+            </a:r>
+            <a:r>
+              <a:rPr lang="pl-PL" b="1" dirty="0" err="1" smtClean="0"/>
+              <a:t>StateUnderTest</a:t>
+            </a:r>
+            <a:r>
+              <a:rPr lang="pl-PL" b="1" dirty="0" err="1" smtClean="0">
+                <a:solidFill>
+                  <a:srgbClr val="FF0000"/>
+                </a:solidFill>
+              </a:rPr>
+              <a:t>_</a:t>
+            </a:r>
+            <a:r>
+              <a:rPr lang="pl-PL" b="1" dirty="0" err="1" smtClean="0"/>
+              <a:t>ExpectedBehavior</a:t>
+            </a:r>
+            <a:r>
+              <a:rPr lang="pl-PL" b="1" dirty="0" smtClean="0"/>
+              <a:t>]</a:t>
+            </a:r>
+          </a:p>
+          <a:p>
+            <a:pPr>
+              <a:buNone/>
+            </a:pPr>
+            <a:r>
+              <a:rPr lang="pl-PL" dirty="0" err="1" smtClean="0"/>
+              <a:t>Should</a:t>
+            </a:r>
+            <a:r>
+              <a:rPr lang="pl-PL" dirty="0" smtClean="0"/>
+              <a:t>:</a:t>
+            </a:r>
+          </a:p>
+          <a:p>
+            <a:r>
+              <a:rPr lang="pl-PL" b="1" dirty="0" smtClean="0"/>
+              <a:t>[</a:t>
+            </a:r>
+            <a:r>
+              <a:rPr lang="pl-PL" b="1" dirty="0" err="1" smtClean="0">
+                <a:solidFill>
+                  <a:srgbClr val="FF0000"/>
+                </a:solidFill>
+              </a:rPr>
+              <a:t>Should_</a:t>
+            </a:r>
+            <a:r>
+              <a:rPr lang="pl-PL" b="1" dirty="0" err="1" smtClean="0"/>
+              <a:t>SomeFunctionality</a:t>
+            </a:r>
+            <a:r>
+              <a:rPr lang="pl-PL" b="1" dirty="0" smtClean="0"/>
+              <a:t>]</a:t>
+            </a:r>
+          </a:p>
+          <a:p>
+            <a:endParaRPr lang="pl-PL" b="1" dirty="0" smtClean="0"/>
+          </a:p>
+          <a:p>
+            <a:endParaRPr lang="pl-PL" dirty="0" smtClean="0"/>
+          </a:p>
+          <a:p>
+            <a:endParaRPr lang="pl-PL" dirty="0"/>
+          </a:p>
+        </p:txBody>
+      </p:sp>
+    </p:spTree>
+  </p:cSld>
+  <p:clrMapOvr>
+    <a:masterClrMapping/>
+  </p:clrMapOvr>
+  <p:timing>
+    <p:tnLst>
+      <p:par>
+        <p:cTn id="1" dur="indefinite" restart="never" nodeType="tmRoot">
+          <p:childTnLst>
+            <p:seq concurrent="1" nextAc="seek">
+              <p:cTn id="2" dur="indefinite" nodeType="mainSeq">
+                <p:childTnLst>
+                  <p:par>
+                    <p:cTn id="3" fill="hold">
+                      <p:stCondLst>
+                        <p:cond delay="indefinite"/>
+                      </p:stCondLst>
+                      <p:childTnLst>
+                        <p:par>
+                          <p:cTn id="4" fill="hold">
+                            <p:stCondLst>
+                              <p:cond delay="0"/>
+                            </p:stCondLst>
+                            <p:childTnLst>
+                              <p:par>
+                                <p:cTn id="5" presetID="2" presetClass="entr" presetSubtype="4" fill="hold" nodeType="clickEffect">
+                                  <p:stCondLst>
+                                    <p:cond delay="0"/>
+                                  </p:stCondLst>
+                                  <p:childTnLst>
+                                    <p:set>
+                                      <p:cBhvr>
+                                        <p:cTn id="6" dur="1" fill="hold">
+                                          <p:stCondLst>
+                                            <p:cond delay="0"/>
+                                          </p:stCondLst>
+                                        </p:cTn>
+                                        <p:tgtEl>
+                                          <p:spTgt spid="3">
+                                            <p:txEl>
+                                              <p:pRg st="4" end="4"/>
+                                            </p:txEl>
+                                          </p:spTgt>
+                                        </p:tgtEl>
+                                        <p:attrNameLst>
+                                          <p:attrName>style.visibility</p:attrName>
+                                        </p:attrNameLst>
+                                      </p:cBhvr>
+                                      <p:to>
+                                        <p:strVal val="visible"/>
+                                      </p:to>
+                                    </p:set>
+                                    <p:anim calcmode="lin" valueType="num">
+                                      <p:cBhvr additive="base">
+                                        <p:cTn id="7" dur="500" fill="hold"/>
+                                        <p:tgtEl>
+                                          <p:spTgt spid="3">
+                                            <p:txEl>
+                                              <p:pRg st="4" end="4"/>
+                                            </p:txEl>
+                                          </p:spTgt>
+                                        </p:tgtEl>
+                                        <p:attrNameLst>
+                                          <p:attrName>ppt_x</p:attrName>
+                                        </p:attrNameLst>
+                                      </p:cBhvr>
+                                      <p:tavLst>
+                                        <p:tav tm="0">
+                                          <p:val>
+                                            <p:strVal val="#ppt_x"/>
+                                          </p:val>
+                                        </p:tav>
+                                        <p:tav tm="100000">
+                                          <p:val>
+                                            <p:strVal val="#ppt_x"/>
+                                          </p:val>
+                                        </p:tav>
+                                      </p:tavLst>
+                                    </p:anim>
+                                    <p:anim calcmode="lin" valueType="num">
+                                      <p:cBhvr additive="base">
+                                        <p:cTn id="8" dur="500" fill="hold"/>
+                                        <p:tgtEl>
+                                          <p:spTgt spid="3">
+                                            <p:txEl>
+                                              <p:pRg st="4" end="4"/>
+                                            </p:txEl>
+                                          </p:spTgt>
+                                        </p:tgtEl>
+                                        <p:attrNameLst>
+                                          <p:attrName>ppt_y</p:attrName>
+                                        </p:attrNameLst>
+                                      </p:cBhvr>
+                                      <p:tavLst>
+                                        <p:tav tm="0">
+                                          <p:val>
+                                            <p:strVal val="1+#ppt_h/2"/>
+                                          </p:val>
+                                        </p:tav>
+                                        <p:tav tm="100000">
+                                          <p:val>
+                                            <p:strVal val="#ppt_y"/>
+                                          </p:val>
+                                        </p:tav>
+                                      </p:tavLst>
+                                    </p:anim>
+                                  </p:childTnLst>
+                                </p:cTn>
+                              </p:par>
+                              <p:par>
+                                <p:cTn id="9" presetID="2" presetClass="entr" presetSubtype="4" fill="hold" nodeType="withEffect">
+                                  <p:stCondLst>
+                                    <p:cond delay="0"/>
+                                  </p:stCondLst>
+                                  <p:childTnLst>
+                                    <p:set>
+                                      <p:cBhvr>
+                                        <p:cTn id="10" dur="1" fill="hold">
+                                          <p:stCondLst>
+                                            <p:cond delay="0"/>
+                                          </p:stCondLst>
+                                        </p:cTn>
+                                        <p:tgtEl>
+                                          <p:spTgt spid="3">
+                                            <p:txEl>
+                                              <p:pRg st="5" end="5"/>
+                                            </p:txEl>
+                                          </p:spTgt>
+                                        </p:tgtEl>
+                                        <p:attrNameLst>
+                                          <p:attrName>style.visibility</p:attrName>
+                                        </p:attrNameLst>
+                                      </p:cBhvr>
+                                      <p:to>
+                                        <p:strVal val="visible"/>
+                                      </p:to>
+                                    </p:set>
+                                    <p:anim calcmode="lin" valueType="num">
+                                      <p:cBhvr additive="base">
+                                        <p:cTn id="11" dur="500" fill="hold"/>
+                                        <p:tgtEl>
+                                          <p:spTgt spid="3">
+                                            <p:txEl>
+                                              <p:pRg st="5" end="5"/>
+                                            </p:txEl>
+                                          </p:spTgt>
+                                        </p:tgtEl>
+                                        <p:attrNameLst>
+                                          <p:attrName>ppt_x</p:attrName>
+                                        </p:attrNameLst>
+                                      </p:cBhvr>
+                                      <p:tavLst>
+                                        <p:tav tm="0">
+                                          <p:val>
+                                            <p:strVal val="#ppt_x"/>
+                                          </p:val>
+                                        </p:tav>
+                                        <p:tav tm="100000">
+                                          <p:val>
+                                            <p:strVal val="#ppt_x"/>
+                                          </p:val>
+                                        </p:tav>
+                                      </p:tavLst>
+                                    </p:anim>
+                                    <p:anim calcmode="lin" valueType="num">
+                                      <p:cBhvr additive="base">
+                                        <p:cTn id="12" dur="500" fill="hold"/>
+                                        <p:tgtEl>
+                                          <p:spTgt spid="3">
+                                            <p:txEl>
+                                              <p:pRg st="5" end="5"/>
+                                            </p:txEl>
+                                          </p:spTgt>
+                                        </p:tgtEl>
+                                        <p:attrNameLst>
+                                          <p:attrName>ppt_y</p:attrName>
+                                        </p:attrNameLst>
+                                      </p:cBhvr>
+                                      <p:tavLst>
+                                        <p:tav tm="0">
+                                          <p:val>
+                                            <p:strVal val="1+#ppt_h/2"/>
+                                          </p:val>
+                                        </p:tav>
+                                        <p:tav tm="100000">
+                                          <p:val>
+                                            <p:strVal val="#ppt_y"/>
+                                          </p:val>
+                                        </p:tav>
+                                      </p:tavLst>
+                                    </p:anim>
+                                  </p:childTnLst>
+                                </p:cTn>
+                              </p:par>
+                              <p:par>
+                                <p:cTn id="13" presetID="2" presetClass="entr" presetSubtype="4" fill="hold" nodeType="withEffect">
+                                  <p:stCondLst>
+                                    <p:cond delay="0"/>
+                                  </p:stCondLst>
+                                  <p:childTnLst>
+                                    <p:set>
+                                      <p:cBhvr>
+                                        <p:cTn id="14" dur="1" fill="hold">
+                                          <p:stCondLst>
+                                            <p:cond delay="0"/>
+                                          </p:stCondLst>
+                                        </p:cTn>
+                                        <p:tgtEl>
+                                          <p:spTgt spid="3">
+                                            <p:txEl>
+                                              <p:pRg st="6" end="6"/>
+                                            </p:txEl>
+                                          </p:spTgt>
+                                        </p:tgtEl>
+                                        <p:attrNameLst>
+                                          <p:attrName>style.visibility</p:attrName>
+                                        </p:attrNameLst>
+                                      </p:cBhvr>
+                                      <p:to>
+                                        <p:strVal val="visible"/>
+                                      </p:to>
+                                    </p:set>
+                                    <p:anim calcmode="lin" valueType="num">
+                                      <p:cBhvr additive="base">
+                                        <p:cTn id="15" dur="500" fill="hold"/>
+                                        <p:tgtEl>
+                                          <p:spTgt spid="3">
+                                            <p:txEl>
+                                              <p:pRg st="6" end="6"/>
+                                            </p:txEl>
+                                          </p:spTgt>
+                                        </p:tgtEl>
+                                        <p:attrNameLst>
+                                          <p:attrName>ppt_x</p:attrName>
+                                        </p:attrNameLst>
+                                      </p:cBhvr>
+                                      <p:tavLst>
+                                        <p:tav tm="0">
+                                          <p:val>
+                                            <p:strVal val="#ppt_x"/>
+                                          </p:val>
+                                        </p:tav>
+                                        <p:tav tm="100000">
+                                          <p:val>
+                                            <p:strVal val="#ppt_x"/>
+                                          </p:val>
+                                        </p:tav>
+                                      </p:tavLst>
+                                    </p:anim>
+                                    <p:anim calcmode="lin" valueType="num">
+                                      <p:cBhvr additive="base">
+                                        <p:cTn id="16" dur="500" fill="hold"/>
+                                        <p:tgtEl>
+                                          <p:spTgt spid="3">
+                                            <p:txEl>
+                                              <p:pRg st="6" end="6"/>
+                                            </p:txEl>
+                                          </p:spTgt>
+                                        </p:tgtEl>
+                                        <p:attrNameLst>
+                                          <p:attrName>ppt_y</p:attrName>
+                                        </p:attrNameLst>
+                                      </p:cBhvr>
+                                      <p:tavLst>
+                                        <p:tav tm="0">
+                                          <p:val>
+                                            <p:strVal val="1+#ppt_h/2"/>
+                                          </p:val>
+                                        </p:tav>
+                                        <p:tav tm="100000">
+                                          <p:val>
+                                            <p:strVal val="#ppt_y"/>
+                                          </p:val>
+                                        </p:tav>
+                                      </p:tavLst>
+                                    </p:anim>
+                                  </p:childTnLst>
+                                </p:cTn>
+                              </p:par>
+                              <p:par>
+                                <p:cTn id="17" presetID="2" presetClass="entr" presetSubtype="4" fill="hold" nodeType="withEffect">
+                                  <p:stCondLst>
+                                    <p:cond delay="0"/>
+                                  </p:stCondLst>
+                                  <p:childTnLst>
+                                    <p:set>
+                                      <p:cBhvr>
+                                        <p:cTn id="18" dur="1" fill="hold">
+                                          <p:stCondLst>
+                                            <p:cond delay="0"/>
+                                          </p:stCondLst>
+                                        </p:cTn>
+                                        <p:tgtEl>
+                                          <p:spTgt spid="3">
+                                            <p:txEl>
+                                              <p:pRg st="7" end="7"/>
+                                            </p:txEl>
+                                          </p:spTgt>
+                                        </p:tgtEl>
+                                        <p:attrNameLst>
+                                          <p:attrName>style.visibility</p:attrName>
+                                        </p:attrNameLst>
+                                      </p:cBhvr>
+                                      <p:to>
+                                        <p:strVal val="visible"/>
+                                      </p:to>
+                                    </p:set>
+                                    <p:anim calcmode="lin" valueType="num">
+                                      <p:cBhvr additive="base">
+                                        <p:cTn id="19" dur="500" fill="hold"/>
+                                        <p:tgtEl>
+                                          <p:spTgt spid="3">
+                                            <p:txEl>
+                                              <p:pRg st="7" end="7"/>
+                                            </p:txEl>
+                                          </p:spTgt>
+                                        </p:tgtEl>
+                                        <p:attrNameLst>
+                                          <p:attrName>ppt_x</p:attrName>
+                                        </p:attrNameLst>
+                                      </p:cBhvr>
+                                      <p:tavLst>
+                                        <p:tav tm="0">
+                                          <p:val>
+                                            <p:strVal val="#ppt_x"/>
+                                          </p:val>
+                                        </p:tav>
+                                        <p:tav tm="100000">
+                                          <p:val>
+                                            <p:strVal val="#ppt_x"/>
+                                          </p:val>
+                                        </p:tav>
+                                      </p:tavLst>
+                                    </p:anim>
+                                    <p:anim calcmode="lin" valueType="num">
+                                      <p:cBhvr additive="base">
+                                        <p:cTn id="20" dur="500" fill="hold"/>
+                                        <p:tgtEl>
+                                          <p:spTgt spid="3">
+                                            <p:txEl>
+                                              <p:pRg st="7" end="7"/>
+                                            </p:txEl>
+                                          </p:spTgt>
+                                        </p:tgtEl>
+                                        <p:attrNameLst>
+                                          <p:attrName>ppt_y</p:attrName>
+                                        </p:attrNameLst>
+                                      </p:cBhvr>
+                                      <p:tavLst>
+                                        <p:tav tm="0">
+                                          <p:val>
+                                            <p:strVal val="1+#ppt_h/2"/>
+                                          </p:val>
+                                        </p:tav>
+                                        <p:tav tm="100000">
+                                          <p:val>
+                                            <p:strVal val="#ppt_y"/>
+                                          </p:val>
+                                        </p:tav>
+                                      </p:tavLst>
+                                    </p:anim>
+                                  </p:childTnLst>
+                                </p:cTn>
+                              </p:par>
+                              <p:par>
+                                <p:cTn id="21" presetID="2" presetClass="entr" presetSubtype="4" fill="hold" nodeType="withEffect">
+                                  <p:stCondLst>
+                                    <p:cond delay="0"/>
+                                  </p:stCondLst>
+                                  <p:childTnLst>
+                                    <p:set>
+                                      <p:cBhvr>
+                                        <p:cTn id="22" dur="1" fill="hold">
+                                          <p:stCondLst>
+                                            <p:cond delay="0"/>
+                                          </p:stCondLst>
+                                        </p:cTn>
+                                        <p:tgtEl>
+                                          <p:spTgt spid="3">
+                                            <p:txEl>
+                                              <p:pRg st="8" end="8"/>
+                                            </p:txEl>
+                                          </p:spTgt>
+                                        </p:tgtEl>
+                                        <p:attrNameLst>
+                                          <p:attrName>style.visibility</p:attrName>
+                                        </p:attrNameLst>
+                                      </p:cBhvr>
+                                      <p:to>
+                                        <p:strVal val="visible"/>
+                                      </p:to>
+                                    </p:set>
+                                    <p:anim calcmode="lin" valueType="num">
+                                      <p:cBhvr additive="base">
+                                        <p:cTn id="23" dur="500" fill="hold"/>
+                                        <p:tgtEl>
+                                          <p:spTgt spid="3">
+                                            <p:txEl>
+                                              <p:pRg st="8" end="8"/>
+                                            </p:txEl>
+                                          </p:spTgt>
+                                        </p:tgtEl>
+                                        <p:attrNameLst>
+                                          <p:attrName>ppt_x</p:attrName>
+                                        </p:attrNameLst>
+                                      </p:cBhvr>
+                                      <p:tavLst>
+                                        <p:tav tm="0">
+                                          <p:val>
+                                            <p:strVal val="#ppt_x"/>
+                                          </p:val>
+                                        </p:tav>
+                                        <p:tav tm="100000">
+                                          <p:val>
+                                            <p:strVal val="#ppt_x"/>
+                                          </p:val>
+                                        </p:tav>
+                                      </p:tavLst>
+                                    </p:anim>
+                                    <p:anim calcmode="lin" valueType="num">
+                                      <p:cBhvr additive="base">
+                                        <p:cTn id="24" dur="500" fill="hold"/>
+                                        <p:tgtEl>
+                                          <p:spTgt spid="3">
+                                            <p:txEl>
+                                              <p:pRg st="8" end="8"/>
+                                            </p:txEl>
+                                          </p:spTgt>
+                                        </p:tgtEl>
+                                        <p:attrNameLst>
+                                          <p:attrName>ppt_y</p:attrName>
+                                        </p:attrNameLst>
+                                      </p:cBhvr>
+                                      <p:tavLst>
+                                        <p:tav tm="0">
+                                          <p:val>
+                                            <p:strVal val="1+#ppt_h/2"/>
+                                          </p:val>
+                                        </p:tav>
+                                        <p:tav tm="100000">
+                                          <p:val>
+                                            <p:strVal val="#ppt_y"/>
+                                          </p:val>
+                                        </p:tav>
+                                      </p:tavLst>
+                                    </p:anim>
+                                  </p:childTnLst>
+                                </p:cTn>
+                              </p:par>
+                              <p:par>
+                                <p:cTn id="25" presetID="2" presetClass="entr" presetSubtype="4" fill="hold" nodeType="withEffect">
+                                  <p:stCondLst>
+                                    <p:cond delay="0"/>
+                                  </p:stCondLst>
+                                  <p:childTnLst>
+                                    <p:set>
+                                      <p:cBhvr>
+                                        <p:cTn id="26" dur="1" fill="hold">
+                                          <p:stCondLst>
+                                            <p:cond delay="0"/>
+                                          </p:stCondLst>
+                                        </p:cTn>
+                                        <p:tgtEl>
+                                          <p:spTgt spid="3">
+                                            <p:txEl>
+                                              <p:pRg st="9" end="9"/>
+                                            </p:txEl>
+                                          </p:spTgt>
+                                        </p:tgtEl>
+                                        <p:attrNameLst>
+                                          <p:attrName>style.visibility</p:attrName>
+                                        </p:attrNameLst>
+                                      </p:cBhvr>
+                                      <p:to>
+                                        <p:strVal val="visible"/>
+                                      </p:to>
+                                    </p:set>
+                                    <p:anim calcmode="lin" valueType="num">
+                                      <p:cBhvr additive="base">
+                                        <p:cTn id="27" dur="500" fill="hold"/>
+                                        <p:tgtEl>
+                                          <p:spTgt spid="3">
+                                            <p:txEl>
+                                              <p:pRg st="9" end="9"/>
+                                            </p:txEl>
+                                          </p:spTgt>
+                                        </p:tgtEl>
+                                        <p:attrNameLst>
+                                          <p:attrName>ppt_x</p:attrName>
+                                        </p:attrNameLst>
+                                      </p:cBhvr>
+                                      <p:tavLst>
+                                        <p:tav tm="0">
+                                          <p:val>
+                                            <p:strVal val="#ppt_x"/>
+                                          </p:val>
+                                        </p:tav>
+                                        <p:tav tm="100000">
+                                          <p:val>
+                                            <p:strVal val="#ppt_x"/>
+                                          </p:val>
+                                        </p:tav>
+                                      </p:tavLst>
+                                    </p:anim>
+                                    <p:anim calcmode="lin" valueType="num">
+                                      <p:cBhvr additive="base">
+                                        <p:cTn id="28" dur="500" fill="hold"/>
+                                        <p:tgtEl>
+                                          <p:spTgt spid="3">
+                                            <p:txEl>
+                                              <p:pRg st="9" end="9"/>
+                                            </p:txEl>
+                                          </p:spTgt>
+                                        </p:tgtEl>
+                                        <p:attrNameLst>
+                                          <p:attrName>ppt_y</p:attrName>
+                                        </p:attrNameLst>
+                                      </p:cBhvr>
+                                      <p:tavLst>
+                                        <p:tav tm="0">
+                                          <p:val>
+                                            <p:strVal val="1+#ppt_h/2"/>
+                                          </p:val>
+                                        </p:tav>
+                                        <p:tav tm="100000">
+                                          <p:val>
+                                            <p:strVal val="#ppt_y"/>
+                                          </p:val>
+                                        </p:tav>
+                                      </p:tavLst>
+                                    </p:anim>
+                                  </p:childTnLst>
+                                </p:cTn>
+                              </p:par>
+                            </p:childTnLst>
+                          </p:cTn>
+                        </p:par>
+                      </p:childTnLst>
+                    </p:cTn>
+                  </p:par>
+                </p:childTnLst>
+              </p:cTn>
+              <p:prevCondLst>
+                <p:cond evt="onPrev" delay="0">
+                  <p:tgtEl>
+                    <p:sldTgt/>
+                  </p:tgtEl>
+                </p:cond>
+              </p:prevCondLst>
+              <p:nextCondLst>
+                <p:cond evt="onNext" delay="0">
+                  <p:tgtEl>
+                    <p:sldTgt/>
+                  </p:tgtEl>
+                </p:cond>
+              </p:nextCondLst>
+            </p:seq>
+          </p:childTnLst>
+        </p:cTn>
+      </p:par>
+    </p:tnLst>
+  </p:timing>
+</p:sld>
+</file>
+
+<file path=ppt/slides/slide25.xml><?xml version="1.0" encoding="utf-8"?>
+<p:sld xmlns:a="http://schemas.openxmlformats.org/drawingml/2006/main" xmlns:r="http://schemas.openxmlformats.org/officeDocument/2006/relationships" xmlns:p="http://schemas.openxmlformats.org/presentationml/2006/main">
+  <p:cSld>
+    <p:spTree>
+      <p:nvGrpSpPr>
+        <p:cNvPr id="1" name=""/>
+        <p:cNvGrpSpPr/>
+        <p:nvPr/>
+      </p:nvGrpSpPr>
+      <p:grpSpPr>
+        <a:xfrm>
+          <a:off x="0" y="0"/>
+          <a:ext cx="0" cy="0"/>
+          <a:chOff x="0" y="0"/>
+          <a:chExt cx="0" cy="0"/>
+        </a:xfrm>
+      </p:grpSpPr>
+      <p:sp>
+        <p:nvSpPr>
+          <p:cNvPr id="4" name="Tytuł 3"/>
+          <p:cNvSpPr>
+            <a:spLocks noGrp="1"/>
+          </p:cNvSpPr>
+          <p:nvPr>
+            <p:ph type="title"/>
+          </p:nvPr>
+        </p:nvSpPr>
+        <p:spPr/>
+        <p:txBody>
           <a:bodyPr/>
           <a:lstStyle/>
           <a:p>
-            <a:pPr lvl="0"/>
-            <a:r>
-              <a:rPr lang="en-US" dirty="0" smtClean="0"/>
-              <a:t>Fast</a:t>
+            <a:r>
+              <a:rPr lang="pl-PL" dirty="0" smtClean="0"/>
+              <a:t>Testowalny kod</a:t>
+            </a:r>
+            <a:endParaRPr lang="pl-PL" dirty="0"/>
+          </a:p>
+        </p:txBody>
+      </p:sp>
+      <p:sp>
+        <p:nvSpPr>
+          <p:cNvPr id="5" name="Symbol zastępczy tekstu 4"/>
+          <p:cNvSpPr>
+            <a:spLocks noGrp="1"/>
+          </p:cNvSpPr>
+          <p:nvPr>
+            <p:ph type="body" idx="1"/>
+          </p:nvPr>
+        </p:nvSpPr>
+        <p:spPr/>
+        <p:txBody>
+          <a:bodyPr/>
+          <a:lstStyle/>
+          <a:p>
+            <a:endParaRPr lang="pl-PL"/>
+          </a:p>
+        </p:txBody>
+      </p:sp>
+    </p:spTree>
+  </p:cSld>
+  <p:clrMapOvr>
+    <a:masterClrMapping/>
+  </p:clrMapOvr>
+  <p:timing>
+    <p:tnLst>
+      <p:par>
+        <p:cTn id="1" dur="indefinite" restart="never" nodeType="tmRoot"/>
+      </p:par>
+    </p:tnLst>
+  </p:timing>
+</p:sld>
+</file>
+
+<file path=ppt/slides/slide26.xml><?xml version="1.0" encoding="utf-8"?>
+<p:sld xmlns:a="http://schemas.openxmlformats.org/drawingml/2006/main" xmlns:r="http://schemas.openxmlformats.org/officeDocument/2006/relationships" xmlns:p="http://schemas.openxmlformats.org/presentationml/2006/main">
+  <p:cSld>
+    <p:spTree>
+      <p:nvGrpSpPr>
+        <p:cNvPr id="1" name=""/>
+        <p:cNvGrpSpPr/>
+        <p:nvPr/>
+      </p:nvGrpSpPr>
+      <p:grpSpPr>
+        <a:xfrm>
+          <a:off x="0" y="0"/>
+          <a:ext cx="0" cy="0"/>
+          <a:chOff x="0" y="0"/>
+          <a:chExt cx="0" cy="0"/>
+        </a:xfrm>
+      </p:grpSpPr>
+      <p:sp>
+        <p:nvSpPr>
+          <p:cNvPr id="2" name="Tytuł 1"/>
+          <p:cNvSpPr>
+            <a:spLocks noGrp="1"/>
+          </p:cNvSpPr>
+          <p:nvPr>
+            <p:ph type="title"/>
+          </p:nvPr>
+        </p:nvSpPr>
+        <p:spPr/>
+        <p:txBody>
+          <a:bodyPr>
+            <a:normAutofit fontScale="90000"/>
+          </a:bodyPr>
+          <a:lstStyle/>
+          <a:p>
+            <a:r>
+              <a:rPr lang="pl-PL" dirty="0" smtClean="0"/>
+              <a:t>Najczęstsze przyczyny</a:t>
+            </a:r>
+            <a:br>
+              <a:rPr lang="pl-PL" dirty="0" smtClean="0"/>
+            </a:br>
+            <a:r>
+              <a:rPr lang="pl-PL" dirty="0" err="1" smtClean="0"/>
+              <a:t>nietestowalnego</a:t>
+            </a:r>
+            <a:r>
+              <a:rPr lang="pl-PL" dirty="0" smtClean="0"/>
+              <a:t> kodu</a:t>
+            </a:r>
+            <a:endParaRPr lang="pl-PL" dirty="0"/>
+          </a:p>
+        </p:txBody>
+      </p:sp>
+      <p:sp>
+        <p:nvSpPr>
+          <p:cNvPr id="3" name="Symbol zastępczy zawartości 2"/>
+          <p:cNvSpPr>
+            <a:spLocks noGrp="1"/>
+          </p:cNvSpPr>
+          <p:nvPr>
+            <p:ph idx="1"/>
+          </p:nvPr>
+        </p:nvSpPr>
+        <p:spPr/>
+        <p:txBody>
+          <a:bodyPr>
+            <a:normAutofit/>
+          </a:bodyPr>
+          <a:lstStyle/>
+          <a:p>
+            <a:r>
+              <a:rPr lang="pl-PL" dirty="0" smtClean="0"/>
+              <a:t>Jawne tworzenie instancji</a:t>
+            </a:r>
+          </a:p>
+          <a:p>
+            <a:r>
+              <a:rPr lang="pl-PL" dirty="0" smtClean="0"/>
+              <a:t>Sztywne powiązanie (np. z konkretną klasą)</a:t>
+            </a:r>
+          </a:p>
+          <a:p>
+            <a:r>
+              <a:rPr lang="pl-PL" dirty="0" smtClean="0"/>
+              <a:t>Używanie </a:t>
+            </a:r>
+            <a:r>
+              <a:rPr lang="pl-PL" dirty="0" err="1" smtClean="0"/>
+              <a:t>static</a:t>
             </a:r>
             <a:endParaRPr lang="pl-PL" dirty="0" smtClean="0"/>
           </a:p>
           <a:p>
-            <a:pPr lvl="0"/>
-            <a:r>
-              <a:rPr lang="en-US" dirty="0" smtClean="0"/>
-              <a:t>Independent</a:t>
-            </a:r>
+            <a:r>
+              <a:rPr lang="pl-PL" dirty="0" smtClean="0"/>
+              <a:t>Zbyt duże klasy</a:t>
+            </a:r>
+          </a:p>
+          <a:p>
+            <a:r>
+              <a:rPr lang="pl-PL" dirty="0" smtClean="0"/>
+              <a:t>Zbyt dużo powiązań</a:t>
+            </a:r>
+          </a:p>
+          <a:p>
+            <a:r>
+              <a:rPr lang="pl-PL" dirty="0" smtClean="0"/>
+              <a:t>Nadużywanie dziedziczenia (nawet </a:t>
+            </a:r>
+            <a:r>
+              <a:rPr lang="pl-PL" dirty="0" err="1" smtClean="0"/>
+              <a:t>wzroce</a:t>
+            </a:r>
+            <a:r>
+              <a:rPr lang="pl-PL" dirty="0" smtClean="0"/>
+              <a:t> projektowe typu </a:t>
+            </a:r>
+            <a:r>
+              <a:rPr lang="pl-PL" dirty="0" err="1" smtClean="0"/>
+              <a:t>Template</a:t>
+            </a:r>
+            <a:r>
+              <a:rPr lang="pl-PL" dirty="0" smtClean="0"/>
+              <a:t> Method)</a:t>
+            </a:r>
+          </a:p>
+          <a:p>
             <a:endParaRPr lang="pl-PL" dirty="0" smtClean="0"/>
           </a:p>
           <a:p>
-            <a:pPr lvl="0"/>
-            <a:r>
-              <a:rPr lang="en-US" dirty="0" smtClean="0"/>
-              <a:t>Repeatable</a:t>
-            </a:r>
-            <a:endParaRPr lang="pl-PL" dirty="0" smtClean="0"/>
-          </a:p>
-          <a:p>
-            <a:pPr lvl="0"/>
-            <a:r>
-              <a:rPr lang="en-US" dirty="0" smtClean="0"/>
-              <a:t>Self-checking</a:t>
-            </a:r>
-            <a:endParaRPr lang="pl-PL" dirty="0" smtClean="0"/>
-          </a:p>
-          <a:p>
-            <a:pPr lvl="0"/>
-            <a:r>
-              <a:rPr lang="en-US" dirty="0" smtClean="0"/>
-              <a:t>Timely</a:t>
-            </a:r>
-            <a:endParaRPr lang="pl-PL" dirty="0" smtClean="0"/>
+            <a:endParaRPr lang="pl-PL" dirty="0"/>
           </a:p>
         </p:txBody>
       </p:sp>
@@ -9197,352 +10841,27 @@
                       </p:childTnLst>
                     </p:cTn>
                   </p:par>
-                </p:childTnLst>
-              </p:cTn>
-              <p:prevCondLst>
-                <p:cond evt="onPrev" delay="0">
-                  <p:tgtEl>
-                    <p:sldTgt/>
-                  </p:tgtEl>
-                </p:cond>
-              </p:prevCondLst>
-              <p:nextCondLst>
-                <p:cond evt="onNext" delay="0">
-                  <p:tgtEl>
-                    <p:sldTgt/>
-                  </p:tgtEl>
-                </p:cond>
-              </p:nextCondLst>
-            </p:seq>
-          </p:childTnLst>
-        </p:cTn>
-      </p:par>
-    </p:tnLst>
-    <p:bldLst>
-      <p:bldP spid="3" grpId="0" build="p"/>
-    </p:bldLst>
-  </p:timing>
-</p:sld>
-</file>
-
-<file path=ppt/slides/slide25.xml><?xml version="1.0" encoding="utf-8"?>
-<p:sld xmlns:a="http://schemas.openxmlformats.org/drawingml/2006/main" xmlns:r="http://schemas.openxmlformats.org/officeDocument/2006/relationships" xmlns:p="http://schemas.openxmlformats.org/presentationml/2006/main">
-  <p:cSld>
-    <p:spTree>
-      <p:nvGrpSpPr>
-        <p:cNvPr id="1" name=""/>
-        <p:cNvGrpSpPr/>
-        <p:nvPr/>
-      </p:nvGrpSpPr>
-      <p:grpSpPr>
-        <a:xfrm>
-          <a:off x="0" y="0"/>
-          <a:ext cx="0" cy="0"/>
-          <a:chOff x="0" y="0"/>
-          <a:chExt cx="0" cy="0"/>
-        </a:xfrm>
-      </p:grpSpPr>
-      <p:sp>
-        <p:nvSpPr>
-          <p:cNvPr id="2" name="Tytuł 1"/>
-          <p:cNvSpPr>
-            <a:spLocks noGrp="1"/>
-          </p:cNvSpPr>
-          <p:nvPr>
-            <p:ph type="title"/>
-          </p:nvPr>
-        </p:nvSpPr>
-        <p:spPr/>
-        <p:txBody>
-          <a:bodyPr/>
-          <a:lstStyle/>
-          <a:p>
-            <a:r>
-              <a:rPr lang="pl-PL" dirty="0" smtClean="0"/>
-              <a:t>3A </a:t>
-            </a:r>
-            <a:r>
-              <a:rPr lang="pl-PL" dirty="0" err="1" smtClean="0"/>
-              <a:t>or</a:t>
-            </a:r>
-            <a:r>
-              <a:rPr lang="pl-PL" dirty="0" smtClean="0"/>
-              <a:t> </a:t>
-            </a:r>
-            <a:r>
-              <a:rPr lang="pl-PL" dirty="0" err="1" smtClean="0"/>
-              <a:t>Given</a:t>
-            </a:r>
-            <a:r>
-              <a:rPr lang="pl-PL" dirty="0" smtClean="0"/>
-              <a:t> </a:t>
-            </a:r>
-            <a:r>
-              <a:rPr lang="pl-PL" dirty="0" err="1" smtClean="0"/>
-              <a:t>When</a:t>
-            </a:r>
-            <a:r>
-              <a:rPr lang="pl-PL" dirty="0" smtClean="0"/>
-              <a:t> </a:t>
-            </a:r>
-            <a:r>
-              <a:rPr lang="pl-PL" dirty="0" err="1" smtClean="0"/>
-              <a:t>Then</a:t>
-            </a:r>
-            <a:endParaRPr lang="pl-PL" dirty="0"/>
-          </a:p>
-        </p:txBody>
-      </p:sp>
-      <p:sp>
-        <p:nvSpPr>
-          <p:cNvPr id="3" name="Symbol zastępczy zawartości 2"/>
-          <p:cNvSpPr>
-            <a:spLocks noGrp="1"/>
-          </p:cNvSpPr>
-          <p:nvPr>
-            <p:ph idx="1"/>
-          </p:nvPr>
-        </p:nvSpPr>
-        <p:spPr/>
-        <p:txBody>
-          <a:bodyPr>
-            <a:normAutofit fontScale="85000" lnSpcReduction="20000"/>
-          </a:bodyPr>
-          <a:lstStyle/>
-          <a:p>
-            <a:r>
-              <a:rPr lang="pl-PL" dirty="0" err="1" smtClean="0"/>
-              <a:t>Arange</a:t>
-            </a:r>
-            <a:r>
-              <a:rPr lang="pl-PL" dirty="0" smtClean="0"/>
-              <a:t> 	- </a:t>
-            </a:r>
-            <a:r>
-              <a:rPr lang="pl-PL" dirty="0" err="1" smtClean="0"/>
-              <a:t>Given</a:t>
-            </a:r>
-            <a:endParaRPr lang="pl-PL" dirty="0" smtClean="0"/>
-          </a:p>
-          <a:p>
-            <a:r>
-              <a:rPr lang="pl-PL" dirty="0" err="1" smtClean="0"/>
-              <a:t>Act</a:t>
-            </a:r>
-            <a:r>
-              <a:rPr lang="pl-PL" dirty="0" smtClean="0"/>
-              <a:t> 		- </a:t>
-            </a:r>
-            <a:r>
-              <a:rPr lang="pl-PL" dirty="0" err="1" smtClean="0"/>
-              <a:t>When</a:t>
-            </a:r>
-            <a:endParaRPr lang="pl-PL" dirty="0" smtClean="0"/>
-          </a:p>
-          <a:p>
-            <a:r>
-              <a:rPr lang="pl-PL" dirty="0" err="1" smtClean="0"/>
-              <a:t>Assert</a:t>
-            </a:r>
-            <a:r>
-              <a:rPr lang="pl-PL" dirty="0" smtClean="0"/>
-              <a:t> 	- </a:t>
-            </a:r>
-            <a:r>
-              <a:rPr lang="pl-PL" dirty="0" err="1" smtClean="0"/>
-              <a:t>Then</a:t>
-            </a:r>
-            <a:endParaRPr lang="pl-PL" dirty="0" smtClean="0"/>
-          </a:p>
-          <a:p>
-            <a:endParaRPr lang="pl-PL" dirty="0" smtClean="0"/>
-          </a:p>
-          <a:p>
-            <a:pPr>
-              <a:buNone/>
-            </a:pPr>
-            <a:r>
-              <a:rPr lang="pl-PL" dirty="0" smtClean="0"/>
-              <a:t>Test </a:t>
-            </a:r>
-            <a:r>
-              <a:rPr lang="pl-PL" dirty="0" err="1" smtClean="0"/>
-              <a:t>naming</a:t>
-            </a:r>
-            <a:r>
-              <a:rPr lang="pl-PL" dirty="0" smtClean="0"/>
-              <a:t> </a:t>
-            </a:r>
-            <a:r>
-              <a:rPr lang="pl-PL" dirty="0" err="1" smtClean="0"/>
-              <a:t>convesion</a:t>
-            </a:r>
-            <a:r>
-              <a:rPr lang="pl-PL" dirty="0" smtClean="0"/>
-              <a:t> </a:t>
-            </a:r>
-            <a:r>
-              <a:rPr lang="pl-PL" dirty="0" err="1" smtClean="0"/>
-              <a:t>samples</a:t>
-            </a:r>
-            <a:r>
-              <a:rPr lang="pl-PL" dirty="0" smtClean="0"/>
-              <a:t>:</a:t>
-            </a:r>
-          </a:p>
-          <a:p>
-            <a:pPr>
-              <a:buNone/>
-            </a:pPr>
-            <a:r>
-              <a:rPr lang="pl-PL" dirty="0" err="1" smtClean="0"/>
-              <a:t>Roy’s</a:t>
-            </a:r>
-            <a:r>
-              <a:rPr lang="pl-PL" dirty="0" smtClean="0"/>
-              <a:t>:</a:t>
-            </a:r>
-          </a:p>
-          <a:p>
-            <a:r>
-              <a:rPr lang="pl-PL" b="1" dirty="0" smtClean="0"/>
-              <a:t>[</a:t>
-            </a:r>
-            <a:r>
-              <a:rPr lang="pl-PL" b="1" dirty="0" err="1" smtClean="0"/>
-              <a:t>NameOfTheClassUnderTest</a:t>
-            </a:r>
-            <a:r>
-              <a:rPr lang="pl-PL" b="1" dirty="0" err="1" smtClean="0">
-                <a:solidFill>
-                  <a:srgbClr val="FF0000"/>
-                </a:solidFill>
-              </a:rPr>
-              <a:t>Tests</a:t>
-            </a:r>
-            <a:r>
-              <a:rPr lang="pl-PL" b="1" dirty="0" smtClean="0"/>
-              <a:t>]</a:t>
-            </a:r>
-          </a:p>
-          <a:p>
-            <a:r>
-              <a:rPr lang="pl-PL" b="1" dirty="0" smtClean="0"/>
-              <a:t>[</a:t>
-            </a:r>
-            <a:r>
-              <a:rPr lang="pl-PL" b="1" dirty="0" err="1" smtClean="0"/>
-              <a:t>UnitOfWork</a:t>
-            </a:r>
-            <a:r>
-              <a:rPr lang="pl-PL" b="1" dirty="0" err="1" smtClean="0">
-                <a:solidFill>
-                  <a:srgbClr val="FF0000"/>
-                </a:solidFill>
-              </a:rPr>
-              <a:t>_</a:t>
-            </a:r>
-            <a:r>
-              <a:rPr lang="pl-PL" b="1" dirty="0" err="1" smtClean="0"/>
-              <a:t>StateUnderTest</a:t>
-            </a:r>
-            <a:r>
-              <a:rPr lang="pl-PL" b="1" dirty="0" err="1" smtClean="0">
-                <a:solidFill>
-                  <a:srgbClr val="FF0000"/>
-                </a:solidFill>
-              </a:rPr>
-              <a:t>_</a:t>
-            </a:r>
-            <a:r>
-              <a:rPr lang="pl-PL" b="1" dirty="0" err="1" smtClean="0"/>
-              <a:t>ExpectedBehavior</a:t>
-            </a:r>
-            <a:r>
-              <a:rPr lang="pl-PL" b="1" dirty="0" smtClean="0"/>
-              <a:t>]</a:t>
-            </a:r>
-          </a:p>
-          <a:p>
-            <a:pPr>
-              <a:buNone/>
-            </a:pPr>
-            <a:r>
-              <a:rPr lang="pl-PL" dirty="0" err="1" smtClean="0"/>
-              <a:t>Should</a:t>
-            </a:r>
-            <a:r>
-              <a:rPr lang="pl-PL" dirty="0" smtClean="0"/>
-              <a:t>:</a:t>
-            </a:r>
-          </a:p>
-          <a:p>
-            <a:r>
-              <a:rPr lang="pl-PL" b="1" dirty="0" smtClean="0"/>
-              <a:t>[</a:t>
-            </a:r>
-            <a:r>
-              <a:rPr lang="pl-PL" b="1" dirty="0" err="1" smtClean="0">
-                <a:solidFill>
-                  <a:srgbClr val="FF0000"/>
-                </a:solidFill>
-              </a:rPr>
-              <a:t>Should_</a:t>
-            </a:r>
-            <a:r>
-              <a:rPr lang="pl-PL" b="1" dirty="0" err="1" smtClean="0"/>
-              <a:t>SomeFunctionality</a:t>
-            </a:r>
-            <a:r>
-              <a:rPr lang="pl-PL" b="1" dirty="0" smtClean="0"/>
-              <a:t>]</a:t>
-            </a:r>
-          </a:p>
-          <a:p>
-            <a:endParaRPr lang="pl-PL" b="1" dirty="0" smtClean="0"/>
-          </a:p>
-          <a:p>
-            <a:endParaRPr lang="pl-PL" dirty="0" smtClean="0"/>
-          </a:p>
-          <a:p>
-            <a:endParaRPr lang="pl-PL" dirty="0"/>
-          </a:p>
-        </p:txBody>
-      </p:sp>
-    </p:spTree>
-  </p:cSld>
-  <p:clrMapOvr>
-    <a:masterClrMapping/>
-  </p:clrMapOvr>
-  <p:timing>
-    <p:tnLst>
-      <p:par>
-        <p:cTn id="1" dur="indefinite" restart="never" nodeType="tmRoot">
-          <p:childTnLst>
-            <p:seq concurrent="1" nextAc="seek">
-              <p:cTn id="2" dur="indefinite" nodeType="mainSeq">
-                <p:childTnLst>
                   <p:par>
-                    <p:cTn id="3" fill="hold">
+                    <p:cTn id="33" fill="hold">
                       <p:stCondLst>
                         <p:cond delay="indefinite"/>
                       </p:stCondLst>
                       <p:childTnLst>
                         <p:par>
-                          <p:cTn id="4" fill="hold">
+                          <p:cTn id="34" fill="hold">
                             <p:stCondLst>
                               <p:cond delay="0"/>
                             </p:stCondLst>
                             <p:childTnLst>
                               <p:par>
-                                <p:cTn id="5" presetID="2" presetClass="entr" presetSubtype="4" fill="hold" nodeType="clickEffect">
+                                <p:cTn id="35" presetID="2" presetClass="entr" presetSubtype="4" fill="hold" grpId="0" nodeType="clickEffect">
                                   <p:stCondLst>
                                     <p:cond delay="0"/>
                                   </p:stCondLst>
                                   <p:childTnLst>
                                     <p:set>
                                       <p:cBhvr>
-                                        <p:cTn id="6" dur="1" fill="hold">
+                                        <p:cTn id="36" dur="1" fill="hold">
                                           <p:stCondLst>
                                             <p:cond delay="0"/>
                                           </p:stCondLst>
@@ -9550,7 +10869,7 @@
                                         <p:tgtEl>
                                           <p:spTgt spid="3">
                                             <p:txEl>
-                                              <p:pRg st="4" end="4"/>
+                                              <p:pRg st="5" end="5"/>
                                             </p:txEl>
                                           </p:spTgt>
                                         </p:tgtEl>
@@ -9564,11 +10883,11 @@
                                     </p:set>
                                     <p:anim calcmode="lin" valueType="num">
                                       <p:cBhvr additive="base">
-                                        <p:cTn id="7" dur="500" fill="hold"/>
+                                        <p:cTn id="37" dur="500" fill="hold"/>
                                         <p:tgtEl>
                                           <p:spTgt spid="3">
                                             <p:txEl>
-                                              <p:pRg st="4" end="4"/>
+                                              <p:pRg st="5" end="5"/>
                                             </p:txEl>
                                           </p:spTgt>
                                         </p:tgtEl>
@@ -9591,436 +10910,11 @@
                                     </p:anim>
                                     <p:anim calcmode="lin" valueType="num">
                                       <p:cBhvr additive="base">
-                                        <p:cTn id="8" dur="500" fill="hold"/>
+                                        <p:cTn id="38" dur="500" fill="hold"/>
                                         <p:tgtEl>
                                           <p:spTgt spid="3">
                                             <p:txEl>
-                                              <p:pRg st="4" end="4"/>
-                                            </p:txEl>
-                                          </p:spTgt>
-                                        </p:tgtEl>
-                                        <p:attrNameLst>
-                                          <p:attrName>ppt_y</p:attrName>
-                                        </p:attrNameLst>
-                                      </p:cBhvr>
-                                      <p:tavLst>
-                                        <p:tav tm="0">
-                                          <p:val>
-                                            <p:strVal val="1+#ppt_h/2"/>
-                                          </p:val>
-                                        </p:tav>
-                                        <p:tav tm="100000">
-                                          <p:val>
-                                            <p:strVal val="#ppt_y"/>
-                                          </p:val>
-                                        </p:tav>
-                                      </p:tavLst>
-                                    </p:anim>
-                                  </p:childTnLst>
-                                </p:cTn>
-                              </p:par>
-                              <p:par>
-                                <p:cTn id="9" presetID="2" presetClass="entr" presetSubtype="4" fill="hold" nodeType="withEffect">
-                                  <p:stCondLst>
-                                    <p:cond delay="0"/>
-                                  </p:stCondLst>
-                                  <p:childTnLst>
-                                    <p:set>
-                                      <p:cBhvr>
-                                        <p:cTn id="10" dur="1" fill="hold">
-                                          <p:stCondLst>
-                                            <p:cond delay="0"/>
-                                          </p:stCondLst>
-                                        </p:cTn>
-                                        <p:tgtEl>
-                                          <p:spTgt spid="3">
-                                            <p:txEl>
                                               <p:pRg st="5" end="5"/>
-                                            </p:txEl>
-                                          </p:spTgt>
-                                        </p:tgtEl>
-                                        <p:attrNameLst>
-                                          <p:attrName>style.visibility</p:attrName>
-                                        </p:attrNameLst>
-                                      </p:cBhvr>
-                                      <p:to>
-                                        <p:strVal val="visible"/>
-                                      </p:to>
-                                    </p:set>
-                                    <p:anim calcmode="lin" valueType="num">
-                                      <p:cBhvr additive="base">
-                                        <p:cTn id="11" dur="500" fill="hold"/>
-                                        <p:tgtEl>
-                                          <p:spTgt spid="3">
-                                            <p:txEl>
-                                              <p:pRg st="5" end="5"/>
-                                            </p:txEl>
-                                          </p:spTgt>
-                                        </p:tgtEl>
-                                        <p:attrNameLst>
-                                          <p:attrName>ppt_x</p:attrName>
-                                        </p:attrNameLst>
-                                      </p:cBhvr>
-                                      <p:tavLst>
-                                        <p:tav tm="0">
-                                          <p:val>
-                                            <p:strVal val="#ppt_x"/>
-                                          </p:val>
-                                        </p:tav>
-                                        <p:tav tm="100000">
-                                          <p:val>
-                                            <p:strVal val="#ppt_x"/>
-                                          </p:val>
-                                        </p:tav>
-                                      </p:tavLst>
-                                    </p:anim>
-                                    <p:anim calcmode="lin" valueType="num">
-                                      <p:cBhvr additive="base">
-                                        <p:cTn id="12" dur="500" fill="hold"/>
-                                        <p:tgtEl>
-                                          <p:spTgt spid="3">
-                                            <p:txEl>
-                                              <p:pRg st="5" end="5"/>
-                                            </p:txEl>
-                                          </p:spTgt>
-                                        </p:tgtEl>
-                                        <p:attrNameLst>
-                                          <p:attrName>ppt_y</p:attrName>
-                                        </p:attrNameLst>
-                                      </p:cBhvr>
-                                      <p:tavLst>
-                                        <p:tav tm="0">
-                                          <p:val>
-                                            <p:strVal val="1+#ppt_h/2"/>
-                                          </p:val>
-                                        </p:tav>
-                                        <p:tav tm="100000">
-                                          <p:val>
-                                            <p:strVal val="#ppt_y"/>
-                                          </p:val>
-                                        </p:tav>
-                                      </p:tavLst>
-                                    </p:anim>
-                                  </p:childTnLst>
-                                </p:cTn>
-                              </p:par>
-                              <p:par>
-                                <p:cTn id="13" presetID="2" presetClass="entr" presetSubtype="4" fill="hold" nodeType="withEffect">
-                                  <p:stCondLst>
-                                    <p:cond delay="0"/>
-                                  </p:stCondLst>
-                                  <p:childTnLst>
-                                    <p:set>
-                                      <p:cBhvr>
-                                        <p:cTn id="14" dur="1" fill="hold">
-                                          <p:stCondLst>
-                                            <p:cond delay="0"/>
-                                          </p:stCondLst>
-                                        </p:cTn>
-                                        <p:tgtEl>
-                                          <p:spTgt spid="3">
-                                            <p:txEl>
-                                              <p:pRg st="6" end="6"/>
-                                            </p:txEl>
-                                          </p:spTgt>
-                                        </p:tgtEl>
-                                        <p:attrNameLst>
-                                          <p:attrName>style.visibility</p:attrName>
-                                        </p:attrNameLst>
-                                      </p:cBhvr>
-                                      <p:to>
-                                        <p:strVal val="visible"/>
-                                      </p:to>
-                                    </p:set>
-                                    <p:anim calcmode="lin" valueType="num">
-                                      <p:cBhvr additive="base">
-                                        <p:cTn id="15" dur="500" fill="hold"/>
-                                        <p:tgtEl>
-                                          <p:spTgt spid="3">
-                                            <p:txEl>
-                                              <p:pRg st="6" end="6"/>
-                                            </p:txEl>
-                                          </p:spTgt>
-                                        </p:tgtEl>
-                                        <p:attrNameLst>
-                                          <p:attrName>ppt_x</p:attrName>
-                                        </p:attrNameLst>
-                                      </p:cBhvr>
-                                      <p:tavLst>
-                                        <p:tav tm="0">
-                                          <p:val>
-                                            <p:strVal val="#ppt_x"/>
-                                          </p:val>
-                                        </p:tav>
-                                        <p:tav tm="100000">
-                                          <p:val>
-                                            <p:strVal val="#ppt_x"/>
-                                          </p:val>
-                                        </p:tav>
-                                      </p:tavLst>
-                                    </p:anim>
-                                    <p:anim calcmode="lin" valueType="num">
-                                      <p:cBhvr additive="base">
-                                        <p:cTn id="16" dur="500" fill="hold"/>
-                                        <p:tgtEl>
-                                          <p:spTgt spid="3">
-                                            <p:txEl>
-                                              <p:pRg st="6" end="6"/>
-                                            </p:txEl>
-                                          </p:spTgt>
-                                        </p:tgtEl>
-                                        <p:attrNameLst>
-                                          <p:attrName>ppt_y</p:attrName>
-                                        </p:attrNameLst>
-                                      </p:cBhvr>
-                                      <p:tavLst>
-                                        <p:tav tm="0">
-                                          <p:val>
-                                            <p:strVal val="1+#ppt_h/2"/>
-                                          </p:val>
-                                        </p:tav>
-                                        <p:tav tm="100000">
-                                          <p:val>
-                                            <p:strVal val="#ppt_y"/>
-                                          </p:val>
-                                        </p:tav>
-                                      </p:tavLst>
-                                    </p:anim>
-                                  </p:childTnLst>
-                                </p:cTn>
-                              </p:par>
-                              <p:par>
-                                <p:cTn id="17" presetID="2" presetClass="entr" presetSubtype="4" fill="hold" nodeType="withEffect">
-                                  <p:stCondLst>
-                                    <p:cond delay="0"/>
-                                  </p:stCondLst>
-                                  <p:childTnLst>
-                                    <p:set>
-                                      <p:cBhvr>
-                                        <p:cTn id="18" dur="1" fill="hold">
-                                          <p:stCondLst>
-                                            <p:cond delay="0"/>
-                                          </p:stCondLst>
-                                        </p:cTn>
-                                        <p:tgtEl>
-                                          <p:spTgt spid="3">
-                                            <p:txEl>
-                                              <p:pRg st="7" end="7"/>
-                                            </p:txEl>
-                                          </p:spTgt>
-                                        </p:tgtEl>
-                                        <p:attrNameLst>
-                                          <p:attrName>style.visibility</p:attrName>
-                                        </p:attrNameLst>
-                                      </p:cBhvr>
-                                      <p:to>
-                                        <p:strVal val="visible"/>
-                                      </p:to>
-                                    </p:set>
-                                    <p:anim calcmode="lin" valueType="num">
-                                      <p:cBhvr additive="base">
-                                        <p:cTn id="19" dur="500" fill="hold"/>
-                                        <p:tgtEl>
-                                          <p:spTgt spid="3">
-                                            <p:txEl>
-                                              <p:pRg st="7" end="7"/>
-                                            </p:txEl>
-                                          </p:spTgt>
-                                        </p:tgtEl>
-                                        <p:attrNameLst>
-                                          <p:attrName>ppt_x</p:attrName>
-                                        </p:attrNameLst>
-                                      </p:cBhvr>
-                                      <p:tavLst>
-                                        <p:tav tm="0">
-                                          <p:val>
-                                            <p:strVal val="#ppt_x"/>
-                                          </p:val>
-                                        </p:tav>
-                                        <p:tav tm="100000">
-                                          <p:val>
-                                            <p:strVal val="#ppt_x"/>
-                                          </p:val>
-                                        </p:tav>
-                                      </p:tavLst>
-                                    </p:anim>
-                                    <p:anim calcmode="lin" valueType="num">
-                                      <p:cBhvr additive="base">
-                                        <p:cTn id="20" dur="500" fill="hold"/>
-                                        <p:tgtEl>
-                                          <p:spTgt spid="3">
-                                            <p:txEl>
-                                              <p:pRg st="7" end="7"/>
-                                            </p:txEl>
-                                          </p:spTgt>
-                                        </p:tgtEl>
-                                        <p:attrNameLst>
-                                          <p:attrName>ppt_y</p:attrName>
-                                        </p:attrNameLst>
-                                      </p:cBhvr>
-                                      <p:tavLst>
-                                        <p:tav tm="0">
-                                          <p:val>
-                                            <p:strVal val="1+#ppt_h/2"/>
-                                          </p:val>
-                                        </p:tav>
-                                        <p:tav tm="100000">
-                                          <p:val>
-                                            <p:strVal val="#ppt_y"/>
-                                          </p:val>
-                                        </p:tav>
-                                      </p:tavLst>
-                                    </p:anim>
-                                  </p:childTnLst>
-                                </p:cTn>
-                              </p:par>
-                              <p:par>
-                                <p:cTn id="21" presetID="2" presetClass="entr" presetSubtype="4" fill="hold" nodeType="withEffect">
-                                  <p:stCondLst>
-                                    <p:cond delay="0"/>
-                                  </p:stCondLst>
-                                  <p:childTnLst>
-                                    <p:set>
-                                      <p:cBhvr>
-                                        <p:cTn id="22" dur="1" fill="hold">
-                                          <p:stCondLst>
-                                            <p:cond delay="0"/>
-                                          </p:stCondLst>
-                                        </p:cTn>
-                                        <p:tgtEl>
-                                          <p:spTgt spid="3">
-                                            <p:txEl>
-                                              <p:pRg st="8" end="8"/>
-                                            </p:txEl>
-                                          </p:spTgt>
-                                        </p:tgtEl>
-                                        <p:attrNameLst>
-                                          <p:attrName>style.visibility</p:attrName>
-                                        </p:attrNameLst>
-                                      </p:cBhvr>
-                                      <p:to>
-                                        <p:strVal val="visible"/>
-                                      </p:to>
-                                    </p:set>
-                                    <p:anim calcmode="lin" valueType="num">
-                                      <p:cBhvr additive="base">
-                                        <p:cTn id="23" dur="500" fill="hold"/>
-                                        <p:tgtEl>
-                                          <p:spTgt spid="3">
-                                            <p:txEl>
-                                              <p:pRg st="8" end="8"/>
-                                            </p:txEl>
-                                          </p:spTgt>
-                                        </p:tgtEl>
-                                        <p:attrNameLst>
-                                          <p:attrName>ppt_x</p:attrName>
-                                        </p:attrNameLst>
-                                      </p:cBhvr>
-                                      <p:tavLst>
-                                        <p:tav tm="0">
-                                          <p:val>
-                                            <p:strVal val="#ppt_x"/>
-                                          </p:val>
-                                        </p:tav>
-                                        <p:tav tm="100000">
-                                          <p:val>
-                                            <p:strVal val="#ppt_x"/>
-                                          </p:val>
-                                        </p:tav>
-                                      </p:tavLst>
-                                    </p:anim>
-                                    <p:anim calcmode="lin" valueType="num">
-                                      <p:cBhvr additive="base">
-                                        <p:cTn id="24" dur="500" fill="hold"/>
-                                        <p:tgtEl>
-                                          <p:spTgt spid="3">
-                                            <p:txEl>
-                                              <p:pRg st="8" end="8"/>
-                                            </p:txEl>
-                                          </p:spTgt>
-                                        </p:tgtEl>
-                                        <p:attrNameLst>
-                                          <p:attrName>ppt_y</p:attrName>
-                                        </p:attrNameLst>
-                                      </p:cBhvr>
-                                      <p:tavLst>
-                                        <p:tav tm="0">
-                                          <p:val>
-                                            <p:strVal val="1+#ppt_h/2"/>
-                                          </p:val>
-                                        </p:tav>
-                                        <p:tav tm="100000">
-                                          <p:val>
-                                            <p:strVal val="#ppt_y"/>
-                                          </p:val>
-                                        </p:tav>
-                                      </p:tavLst>
-                                    </p:anim>
-                                  </p:childTnLst>
-                                </p:cTn>
-                              </p:par>
-                              <p:par>
-                                <p:cTn id="25" presetID="2" presetClass="entr" presetSubtype="4" fill="hold" nodeType="withEffect">
-                                  <p:stCondLst>
-                                    <p:cond delay="0"/>
-                                  </p:stCondLst>
-                                  <p:childTnLst>
-                                    <p:set>
-                                      <p:cBhvr>
-                                        <p:cTn id="26" dur="1" fill="hold">
-                                          <p:stCondLst>
-                                            <p:cond delay="0"/>
-                                          </p:stCondLst>
-                                        </p:cTn>
-                                        <p:tgtEl>
-                                          <p:spTgt spid="3">
-                                            <p:txEl>
-                                              <p:pRg st="9" end="9"/>
-                                            </p:txEl>
-                                          </p:spTgt>
-                                        </p:tgtEl>
-                                        <p:attrNameLst>
-                                          <p:attrName>style.visibility</p:attrName>
-                                        </p:attrNameLst>
-                                      </p:cBhvr>
-                                      <p:to>
-                                        <p:strVal val="visible"/>
-                                      </p:to>
-                                    </p:set>
-                                    <p:anim calcmode="lin" valueType="num">
-                                      <p:cBhvr additive="base">
-                                        <p:cTn id="27" dur="500" fill="hold"/>
-                                        <p:tgtEl>
-                                          <p:spTgt spid="3">
-                                            <p:txEl>
-                                              <p:pRg st="9" end="9"/>
-                                            </p:txEl>
-                                          </p:spTgt>
-                                        </p:tgtEl>
-                                        <p:attrNameLst>
-                                          <p:attrName>ppt_x</p:attrName>
-                                        </p:attrNameLst>
-                                      </p:cBhvr>
-                                      <p:tavLst>
-                                        <p:tav tm="0">
-                                          <p:val>
-                                            <p:strVal val="#ppt_x"/>
-                                          </p:val>
-                                        </p:tav>
-                                        <p:tav tm="100000">
-                                          <p:val>
-                                            <p:strVal val="#ppt_x"/>
-                                          </p:val>
-                                        </p:tav>
-                                      </p:tavLst>
-                                    </p:anim>
-                                    <p:anim calcmode="lin" valueType="num">
-                                      <p:cBhvr additive="base">
-                                        <p:cTn id="28" dur="500" fill="hold"/>
-                                        <p:tgtEl>
-                                          <p:spTgt spid="3">
-                                            <p:txEl>
-                                              <p:pRg st="9" end="9"/>
                                             </p:txEl>
                                           </p:spTgt>
                                         </p:tgtEl>
@@ -10071,11 +10965,14 @@
         </p:cTn>
       </p:par>
     </p:tnLst>
+    <p:bldLst>
+      <p:bldP spid="3" grpId="0" build="p"/>
+    </p:bldLst>
   </p:timing>
 </p:sld>
 </file>
 
-<file path=ppt/slides/slide26.xml><?xml version="1.0" encoding="utf-8"?>
+<file path=ppt/slides/slide27.xml><?xml version="1.0" encoding="utf-8"?>
 <p:sld xmlns:a="http://schemas.openxmlformats.org/drawingml/2006/main" xmlns:r="http://schemas.openxmlformats.org/officeDocument/2006/relationships" xmlns:p="http://schemas.openxmlformats.org/presentationml/2006/main">
   <p:cSld>
     <p:spTree>
@@ -10109,7 +11006,7 @@
           <a:p>
             <a:r>
               <a:rPr lang="pl-PL" dirty="0" smtClean="0"/>
-              <a:t>Testowalny kod</a:t>
+              <a:t>Ogólne zasady OOAD</a:t>
             </a:r>
             <a:endParaRPr lang="pl-PL" dirty="0"/>
           </a:p>
@@ -10117,94 +11014,7 @@
       </p:sp>
       <p:sp>
         <p:nvSpPr>
-          <p:cNvPr id="5" name="Symbol zastępczy tekstu 4"/>
-          <p:cNvSpPr>
-            <a:spLocks noGrp="1"/>
-          </p:cNvSpPr>
-          <p:nvPr>
-            <p:ph type="body" idx="1"/>
-          </p:nvPr>
-        </p:nvSpPr>
-        <p:spPr/>
-        <p:txBody>
-          <a:bodyPr/>
-          <a:lstStyle/>
-          <a:p>
-            <a:endParaRPr lang="pl-PL"/>
-          </a:p>
-        </p:txBody>
-      </p:sp>
-    </p:spTree>
-  </p:cSld>
-  <p:clrMapOvr>
-    <a:masterClrMapping/>
-  </p:clrMapOvr>
-  <p:timing>
-    <p:tnLst>
-      <p:par>
-        <p:cTn id="1" dur="indefinite" restart="never" nodeType="tmRoot"/>
-      </p:par>
-    </p:tnLst>
-  </p:timing>
-</p:sld>
-</file>
-
-<file path=ppt/slides/slide27.xml><?xml version="1.0" encoding="utf-8"?>
-<p:sld xmlns:a="http://schemas.openxmlformats.org/drawingml/2006/main" xmlns:r="http://schemas.openxmlformats.org/officeDocument/2006/relationships" xmlns:p="http://schemas.openxmlformats.org/presentationml/2006/main">
-  <p:cSld>
-    <p:spTree>
-      <p:nvGrpSpPr>
-        <p:cNvPr id="1" name=""/>
-        <p:cNvGrpSpPr/>
-        <p:nvPr/>
-      </p:nvGrpSpPr>
-      <p:grpSpPr>
-        <a:xfrm>
-          <a:off x="0" y="0"/>
-          <a:ext cx="0" cy="0"/>
-          <a:chOff x="0" y="0"/>
-          <a:chExt cx="0" cy="0"/>
-        </a:xfrm>
-      </p:grpSpPr>
-      <p:sp>
-        <p:nvSpPr>
-          <p:cNvPr id="2" name="Tytuł 1"/>
-          <p:cNvSpPr>
-            <a:spLocks noGrp="1"/>
-          </p:cNvSpPr>
-          <p:nvPr>
-            <p:ph type="title"/>
-          </p:nvPr>
-        </p:nvSpPr>
-        <p:spPr/>
-        <p:txBody>
-          <a:bodyPr>
-            <a:normAutofit fontScale="90000"/>
-          </a:bodyPr>
-          <a:lstStyle/>
-          <a:p>
-            <a:r>
-              <a:rPr lang="pl-PL" dirty="0" smtClean="0"/>
-              <a:t>Najczęstsze przyczyny</a:t>
-            </a:r>
-            <a:br>
-              <a:rPr lang="pl-PL" dirty="0" smtClean="0"/>
-            </a:br>
-            <a:r>
-              <a:rPr lang="pl-PL" dirty="0" err="1" smtClean="0"/>
-              <a:t>nietestowalnego</a:t>
-            </a:r>
-            <a:r>
-              <a:rPr lang="pl-PL" dirty="0" smtClean="0"/>
-              <a:t> kodu</a:t>
-            </a:r>
-            <a:endParaRPr lang="pl-PL" dirty="0"/>
-          </a:p>
-        </p:txBody>
-      </p:sp>
-      <p:sp>
-        <p:nvSpPr>
-          <p:cNvPr id="3" name="Symbol zastępczy zawartości 2"/>
+          <p:cNvPr id="5" name="Symbol zastępczy zawartości 4"/>
           <p:cNvSpPr>
             <a:spLocks noGrp="1"/>
           </p:cNvSpPr>
@@ -10215,55 +11025,71 @@
         <p:spPr/>
         <p:txBody>
           <a:bodyPr>
-            <a:normAutofit/>
+            <a:normAutofit fontScale="77500" lnSpcReduction="20000"/>
           </a:bodyPr>
           <a:lstStyle/>
           <a:p>
             <a:r>
-              <a:rPr lang="pl-PL" dirty="0" smtClean="0"/>
-              <a:t>Jawne tworzenie instancji</a:t>
-            </a:r>
-          </a:p>
-          <a:p>
-            <a:r>
-              <a:rPr lang="pl-PL" dirty="0" smtClean="0"/>
-              <a:t>Sztywne powiązanie (np. z konkretną klasą)</a:t>
-            </a:r>
-          </a:p>
-          <a:p>
-            <a:r>
-              <a:rPr lang="pl-PL" dirty="0" smtClean="0"/>
-              <a:t>Używanie statycznych bytów</a:t>
-            </a:r>
-          </a:p>
-          <a:p>
-            <a:r>
-              <a:rPr lang="pl-PL" dirty="0" smtClean="0"/>
-              <a:t>Zbyt duże klasy</a:t>
-            </a:r>
-          </a:p>
-          <a:p>
-            <a:r>
-              <a:rPr lang="pl-PL" dirty="0" smtClean="0"/>
-              <a:t>Zbyt dużo powiązań</a:t>
-            </a:r>
-          </a:p>
-          <a:p>
-            <a:r>
-              <a:rPr lang="pl-PL" dirty="0" smtClean="0"/>
-              <a:t>Nadużywanie dziedziczenia (nawet </a:t>
+              <a:rPr lang="en-US" dirty="0" smtClean="0"/>
+              <a:t>Low Coupling</a:t>
+            </a:r>
+            <a:r>
+              <a:rPr lang="pl-PL" dirty="0" smtClean="0"/>
+              <a:t> and High </a:t>
             </a:r>
             <a:r>
               <a:rPr lang="pl-PL" dirty="0" err="1" smtClean="0"/>
-              <a:t>wzroce</a:t>
-            </a:r>
-            <a:r>
-              <a:rPr lang="pl-PL" dirty="0" smtClean="0"/>
-              <a:t> projektowe typu </a:t>
-            </a:r>
+              <a:t>Cohesion</a:t>
+            </a:r>
+            <a:endParaRPr lang="pl-PL" dirty="0" smtClean="0"/>
+          </a:p>
+          <a:p>
+            <a:pPr lvl="0"/>
+            <a:endParaRPr lang="pl-PL" dirty="0" smtClean="0"/>
+          </a:p>
+          <a:p>
+            <a:r>
+              <a:rPr lang="en-US" dirty="0" smtClean="0"/>
+              <a:t>Prefer composition over inheritance</a:t>
+            </a:r>
+            <a:endParaRPr lang="pl-PL" dirty="0" smtClean="0"/>
+          </a:p>
+          <a:p>
+            <a:r>
+              <a:rPr lang="en-US" dirty="0" smtClean="0"/>
+              <a:t>Eliminate Inappropriate Intimacy (too much intimate knowledge of another class)</a:t>
+            </a:r>
+            <a:endParaRPr lang="pl-PL" dirty="0" smtClean="0"/>
+          </a:p>
+          <a:p>
+            <a:pPr lvl="0"/>
+            <a:r>
+              <a:rPr lang="en-US" dirty="0" smtClean="0"/>
+              <a:t>The Law of Demeter (only talk to your immediate friends)</a:t>
+            </a:r>
+            <a:endParaRPr lang="pl-PL" dirty="0" smtClean="0"/>
+          </a:p>
+          <a:p>
+            <a:pPr lvl="0"/>
+            <a:r>
+              <a:rPr lang="en-US" dirty="0" smtClean="0"/>
+              <a:t>Tell, Don't Ask (tell objects what to do for good responsibilities)</a:t>
+            </a:r>
+            <a:endParaRPr lang="pl-PL" dirty="0" smtClean="0"/>
+          </a:p>
+          <a:p>
+            <a:pPr lvl="0"/>
             <a:r>
               <a:rPr lang="pl-PL" dirty="0" err="1" smtClean="0"/>
-              <a:t>Template</a:t>
+              <a:t>Once</a:t>
+            </a:r>
+            <a:r>
+              <a:rPr lang="pl-PL" dirty="0" smtClean="0"/>
+              <a:t> And </a:t>
+            </a:r>
+            <a:r>
+              <a:rPr lang="pl-PL" dirty="0" err="1" smtClean="0"/>
+              <a:t>Only</a:t>
             </a:r>
             <a:r>
               <a:rPr lang="pl-PL" dirty="0" smtClean="0"/>
@@ -10271,7 +11097,31 @@
             </a:r>
             <a:r>
               <a:rPr lang="pl-PL" dirty="0" err="1" smtClean="0"/>
-              <a:t>Method</a:t>
+              <a:t>Once</a:t>
+            </a:r>
+            <a:r>
+              <a:rPr lang="pl-PL" dirty="0" smtClean="0"/>
+              <a:t> (</a:t>
+            </a:r>
+            <a:r>
+              <a:rPr lang="pl-PL" dirty="0" err="1" smtClean="0"/>
+              <a:t>avoid</a:t>
+            </a:r>
+            <a:r>
+              <a:rPr lang="pl-PL" dirty="0" smtClean="0"/>
+              <a:t> </a:t>
+            </a:r>
+            <a:r>
+              <a:rPr lang="pl-PL" dirty="0" err="1" smtClean="0"/>
+              <a:t>code</a:t>
+            </a:r>
+            <a:r>
+              <a:rPr lang="pl-PL" dirty="0" smtClean="0"/>
+              <a:t> </a:t>
+            </a:r>
+            <a:r>
+              <a:rPr lang="pl-PL" dirty="0" err="1" smtClean="0"/>
+              <a:t>duplication</a:t>
             </a:r>
             <a:r>
               <a:rPr lang="pl-PL" dirty="0" smtClean="0"/>
@@ -10279,7 +11129,22 @@
             </a:r>
           </a:p>
           <a:p>
+            <a:pPr lvl="0"/>
             <a:endParaRPr lang="pl-PL" dirty="0" smtClean="0"/>
+          </a:p>
+          <a:p>
+            <a:pPr lvl="0"/>
+            <a:r>
+              <a:rPr lang="pl-PL" dirty="0" smtClean="0"/>
+              <a:t>SOLID</a:t>
+            </a:r>
+          </a:p>
+          <a:p>
+            <a:pPr lvl="0"/>
+            <a:r>
+              <a:rPr lang="pl-PL" dirty="0" smtClean="0"/>
+              <a:t>GRASP</a:t>
+            </a:r>
           </a:p>
           <a:p>
             <a:endParaRPr lang="pl-PL" dirty="0"/>
@@ -10325,7 +11190,7 @@
                                           </p:stCondLst>
                                         </p:cTn>
                                         <p:tgtEl>
-                                          <p:spTgt spid="3">
+                                          <p:spTgt spid="5">
                                             <p:txEl>
                                               <p:pRg st="0" end="0"/>
                                             </p:txEl>
@@ -10343,7 +11208,7 @@
                                       <p:cBhvr additive="base">
                                         <p:cTn id="7" dur="500" fill="hold"/>
                                         <p:tgtEl>
-                                          <p:spTgt spid="3">
+                                          <p:spTgt spid="5">
                                             <p:txEl>
                                               <p:pRg st="0" end="0"/>
                                             </p:txEl>
@@ -10370,7 +11235,7 @@
                                       <p:cBhvr additive="base">
                                         <p:cTn id="8" dur="500" fill="hold"/>
                                         <p:tgtEl>
-                                          <p:spTgt spid="3">
+                                          <p:spTgt spid="5">
                                             <p:txEl>
                                               <p:pRg st="0" end="0"/>
                                             </p:txEl>
@@ -10428,9 +11293,9 @@
                                           </p:stCondLst>
                                         </p:cTn>
                                         <p:tgtEl>
-                                          <p:spTgt spid="3">
-                                            <p:txEl>
-                                              <p:pRg st="1" end="1"/>
+                                          <p:spTgt spid="5">
+                                            <p:txEl>
+                                              <p:pRg st="2" end="2"/>
                                             </p:txEl>
                                           </p:spTgt>
                                         </p:tgtEl>
@@ -10446,9 +11311,9 @@
                                       <p:cBhvr additive="base">
                                         <p:cTn id="13" dur="500" fill="hold"/>
                                         <p:tgtEl>
-                                          <p:spTgt spid="3">
-                                            <p:txEl>
-                                              <p:pRg st="1" end="1"/>
+                                          <p:spTgt spid="5">
+                                            <p:txEl>
+                                              <p:pRg st="2" end="2"/>
                                             </p:txEl>
                                           </p:spTgt>
                                         </p:tgtEl>
@@ -10473,9 +11338,9 @@
                                       <p:cBhvr additive="base">
                                         <p:cTn id="14" dur="500" fill="hold"/>
                                         <p:tgtEl>
-                                          <p:spTgt spid="3">
-                                            <p:txEl>
-                                              <p:pRg st="1" end="1"/>
+                                          <p:spTgt spid="5">
+                                            <p:txEl>
+                                              <p:pRg st="2" end="2"/>
                                             </p:txEl>
                                           </p:spTgt>
                                         </p:tgtEl>
@@ -10531,9 +11396,9 @@
                                           </p:stCondLst>
                                         </p:cTn>
                                         <p:tgtEl>
-                                          <p:spTgt spid="3">
-                                            <p:txEl>
-                                              <p:pRg st="2" end="2"/>
+                                          <p:spTgt spid="5">
+                                            <p:txEl>
+                                              <p:pRg st="3" end="3"/>
                                             </p:txEl>
                                           </p:spTgt>
                                         </p:tgtEl>
@@ -10549,9 +11414,9 @@
                                       <p:cBhvr additive="base">
                                         <p:cTn id="19" dur="500" fill="hold"/>
                                         <p:tgtEl>
-                                          <p:spTgt spid="3">
-                                            <p:txEl>
-                                              <p:pRg st="2" end="2"/>
+                                          <p:spTgt spid="5">
+                                            <p:txEl>
+                                              <p:pRg st="3" end="3"/>
                                             </p:txEl>
                                           </p:spTgt>
                                         </p:tgtEl>
@@ -10576,9 +11441,9 @@
                                       <p:cBhvr additive="base">
                                         <p:cTn id="20" dur="500" fill="hold"/>
                                         <p:tgtEl>
-                                          <p:spTgt spid="3">
-                                            <p:txEl>
-                                              <p:pRg st="2" end="2"/>
+                                          <p:spTgt spid="5">
+                                            <p:txEl>
+                                              <p:pRg st="3" end="3"/>
                                             </p:txEl>
                                           </p:spTgt>
                                         </p:tgtEl>
@@ -10634,9 +11499,9 @@
                                           </p:stCondLst>
                                         </p:cTn>
                                         <p:tgtEl>
-                                          <p:spTgt spid="3">
-                                            <p:txEl>
-                                              <p:pRg st="3" end="3"/>
+                                          <p:spTgt spid="5">
+                                            <p:txEl>
+                                              <p:pRg st="4" end="4"/>
                                             </p:txEl>
                                           </p:spTgt>
                                         </p:tgtEl>
@@ -10652,9 +11517,9 @@
                                       <p:cBhvr additive="base">
                                         <p:cTn id="25" dur="500" fill="hold"/>
                                         <p:tgtEl>
-                                          <p:spTgt spid="3">
-                                            <p:txEl>
-                                              <p:pRg st="3" end="3"/>
+                                          <p:spTgt spid="5">
+                                            <p:txEl>
+                                              <p:pRg st="4" end="4"/>
                                             </p:txEl>
                                           </p:spTgt>
                                         </p:tgtEl>
@@ -10679,9 +11544,9 @@
                                       <p:cBhvr additive="base">
                                         <p:cTn id="26" dur="500" fill="hold"/>
                                         <p:tgtEl>
-                                          <p:spTgt spid="3">
-                                            <p:txEl>
-                                              <p:pRg st="3" end="3"/>
+                                          <p:spTgt spid="5">
+                                            <p:txEl>
+                                              <p:pRg st="4" end="4"/>
                                             </p:txEl>
                                           </p:spTgt>
                                         </p:tgtEl>
@@ -10737,9 +11602,9 @@
                                           </p:stCondLst>
                                         </p:cTn>
                                         <p:tgtEl>
-                                          <p:spTgt spid="3">
-                                            <p:txEl>
-                                              <p:pRg st="4" end="4"/>
+                                          <p:spTgt spid="5">
+                                            <p:txEl>
+                                              <p:pRg st="5" end="5"/>
                                             </p:txEl>
                                           </p:spTgt>
                                         </p:tgtEl>
@@ -10755,9 +11620,9 @@
                                       <p:cBhvr additive="base">
                                         <p:cTn id="31" dur="500" fill="hold"/>
                                         <p:tgtEl>
-                                          <p:spTgt spid="3">
-                                            <p:txEl>
-                                              <p:pRg st="4" end="4"/>
+                                          <p:spTgt spid="5">
+                                            <p:txEl>
+                                              <p:pRg st="5" end="5"/>
                                             </p:txEl>
                                           </p:spTgt>
                                         </p:tgtEl>
@@ -10782,9 +11647,9 @@
                                       <p:cBhvr additive="base">
                                         <p:cTn id="32" dur="500" fill="hold"/>
                                         <p:tgtEl>
-                                          <p:spTgt spid="3">
-                                            <p:txEl>
-                                              <p:pRg st="4" end="4"/>
+                                          <p:spTgt spid="5">
+                                            <p:txEl>
+                                              <p:pRg st="5" end="5"/>
                                             </p:txEl>
                                           </p:spTgt>
                                         </p:tgtEl>
@@ -10840,9 +11705,9 @@
                                           </p:stCondLst>
                                         </p:cTn>
                                         <p:tgtEl>
-                                          <p:spTgt spid="3">
-                                            <p:txEl>
-                                              <p:pRg st="5" end="5"/>
+                                          <p:spTgt spid="5">
+                                            <p:txEl>
+                                              <p:pRg st="6" end="6"/>
                                             </p:txEl>
                                           </p:spTgt>
                                         </p:tgtEl>
@@ -10858,9 +11723,9 @@
                                       <p:cBhvr additive="base">
                                         <p:cTn id="37" dur="500" fill="hold"/>
                                         <p:tgtEl>
-                                          <p:spTgt spid="3">
-                                            <p:txEl>
-                                              <p:pRg st="5" end="5"/>
+                                          <p:spTgt spid="5">
+                                            <p:txEl>
+                                              <p:pRg st="6" end="6"/>
                                             </p:txEl>
                                           </p:spTgt>
                                         </p:tgtEl>
@@ -10885,9 +11750,215 @@
                                       <p:cBhvr additive="base">
                                         <p:cTn id="38" dur="500" fill="hold"/>
                                         <p:tgtEl>
-                                          <p:spTgt spid="3">
-                                            <p:txEl>
-                                              <p:pRg st="5" end="5"/>
+                                          <p:spTgt spid="5">
+                                            <p:txEl>
+                                              <p:pRg st="6" end="6"/>
+                                            </p:txEl>
+                                          </p:spTgt>
+                                        </p:tgtEl>
+                                        <p:attrNameLst>
+                                          <p:attrName>ppt_y</p:attrName>
+                                        </p:attrNameLst>
+                                      </p:cBhvr>
+                                      <p:tavLst>
+                                        <p:tav tm="0">
+                                          <p:val>
+                                            <p:strVal val="1+#ppt_h/2"/>
+                                          </p:val>
+                                        </p:tav>
+                                        <p:tav tm="100000">
+                                          <p:val>
+                                            <p:strVal val="#ppt_y"/>
+                                          </p:val>
+                                        </p:tav>
+                                      </p:tavLst>
+                                    </p:anim>
+                                  </p:childTnLst>
+                                </p:cTn>
+                              </p:par>
+                            </p:childTnLst>
+                          </p:cTn>
+                        </p:par>
+                      </p:childTnLst>
+                    </p:cTn>
+                  </p:par>
+                  <p:par>
+                    <p:cTn id="39" fill="hold">
+                      <p:stCondLst>
+                        <p:cond delay="indefinite"/>
+                      </p:stCondLst>
+                      <p:childTnLst>
+                        <p:par>
+                          <p:cTn id="40" fill="hold">
+                            <p:stCondLst>
+                              <p:cond delay="0"/>
+                            </p:stCondLst>
+                            <p:childTnLst>
+                              <p:par>
+                                <p:cTn id="41" presetID="2" presetClass="entr" presetSubtype="4" fill="hold" grpId="0" nodeType="clickEffect">
+                                  <p:stCondLst>
+                                    <p:cond delay="0"/>
+                                  </p:stCondLst>
+                                  <p:childTnLst>
+                                    <p:set>
+                                      <p:cBhvr>
+                                        <p:cTn id="42" dur="1" fill="hold">
+                                          <p:stCondLst>
+                                            <p:cond delay="0"/>
+                                          </p:stCondLst>
+                                        </p:cTn>
+                                        <p:tgtEl>
+                                          <p:spTgt spid="5">
+                                            <p:txEl>
+                                              <p:pRg st="8" end="8"/>
+                                            </p:txEl>
+                                          </p:spTgt>
+                                        </p:tgtEl>
+                                        <p:attrNameLst>
+                                          <p:attrName>style.visibility</p:attrName>
+                                        </p:attrNameLst>
+                                      </p:cBhvr>
+                                      <p:to>
+                                        <p:strVal val="visible"/>
+                                      </p:to>
+                                    </p:set>
+                                    <p:anim calcmode="lin" valueType="num">
+                                      <p:cBhvr additive="base">
+                                        <p:cTn id="43" dur="500" fill="hold"/>
+                                        <p:tgtEl>
+                                          <p:spTgt spid="5">
+                                            <p:txEl>
+                                              <p:pRg st="8" end="8"/>
+                                            </p:txEl>
+                                          </p:spTgt>
+                                        </p:tgtEl>
+                                        <p:attrNameLst>
+                                          <p:attrName>ppt_x</p:attrName>
+                                        </p:attrNameLst>
+                                      </p:cBhvr>
+                                      <p:tavLst>
+                                        <p:tav tm="0">
+                                          <p:val>
+                                            <p:strVal val="#ppt_x"/>
+                                          </p:val>
+                                        </p:tav>
+                                        <p:tav tm="100000">
+                                          <p:val>
+                                            <p:strVal val="#ppt_x"/>
+                                          </p:val>
+                                        </p:tav>
+                                      </p:tavLst>
+                                    </p:anim>
+                                    <p:anim calcmode="lin" valueType="num">
+                                      <p:cBhvr additive="base">
+                                        <p:cTn id="44" dur="500" fill="hold"/>
+                                        <p:tgtEl>
+                                          <p:spTgt spid="5">
+                                            <p:txEl>
+                                              <p:pRg st="8" end="8"/>
+                                            </p:txEl>
+                                          </p:spTgt>
+                                        </p:tgtEl>
+                                        <p:attrNameLst>
+                                          <p:attrName>ppt_y</p:attrName>
+                                        </p:attrNameLst>
+                                      </p:cBhvr>
+                                      <p:tavLst>
+                                        <p:tav tm="0">
+                                          <p:val>
+                                            <p:strVal val="1+#ppt_h/2"/>
+                                          </p:val>
+                                        </p:tav>
+                                        <p:tav tm="100000">
+                                          <p:val>
+                                            <p:strVal val="#ppt_y"/>
+                                          </p:val>
+                                        </p:tav>
+                                      </p:tavLst>
+                                    </p:anim>
+                                  </p:childTnLst>
+                                </p:cTn>
+                              </p:par>
+                            </p:childTnLst>
+                          </p:cTn>
+                        </p:par>
+                      </p:childTnLst>
+                    </p:cTn>
+                  </p:par>
+                  <p:par>
+                    <p:cTn id="45" fill="hold">
+                      <p:stCondLst>
+                        <p:cond delay="indefinite"/>
+                      </p:stCondLst>
+                      <p:childTnLst>
+                        <p:par>
+                          <p:cTn id="46" fill="hold">
+                            <p:stCondLst>
+                              <p:cond delay="0"/>
+                            </p:stCondLst>
+                            <p:childTnLst>
+                              <p:par>
+                                <p:cTn id="47" presetID="2" presetClass="entr" presetSubtype="4" fill="hold" grpId="0" nodeType="clickEffect">
+                                  <p:stCondLst>
+                                    <p:cond delay="0"/>
+                                  </p:stCondLst>
+                                  <p:childTnLst>
+                                    <p:set>
+                                      <p:cBhvr>
+                                        <p:cTn id="48" dur="1" fill="hold">
+                                          <p:stCondLst>
+                                            <p:cond delay="0"/>
+                                          </p:stCondLst>
+                                        </p:cTn>
+                                        <p:tgtEl>
+                                          <p:spTgt spid="5">
+                                            <p:txEl>
+                                              <p:pRg st="9" end="9"/>
+                                            </p:txEl>
+                                          </p:spTgt>
+                                        </p:tgtEl>
+                                        <p:attrNameLst>
+                                          <p:attrName>style.visibility</p:attrName>
+                                        </p:attrNameLst>
+                                      </p:cBhvr>
+                                      <p:to>
+                                        <p:strVal val="visible"/>
+                                      </p:to>
+                                    </p:set>
+                                    <p:anim calcmode="lin" valueType="num">
+                                      <p:cBhvr additive="base">
+                                        <p:cTn id="49" dur="500" fill="hold"/>
+                                        <p:tgtEl>
+                                          <p:spTgt spid="5">
+                                            <p:txEl>
+                                              <p:pRg st="9" end="9"/>
+                                            </p:txEl>
+                                          </p:spTgt>
+                                        </p:tgtEl>
+                                        <p:attrNameLst>
+                                          <p:attrName>ppt_x</p:attrName>
+                                        </p:attrNameLst>
+                                      </p:cBhvr>
+                                      <p:tavLst>
+                                        <p:tav tm="0">
+                                          <p:val>
+                                            <p:strVal val="#ppt_x"/>
+                                          </p:val>
+                                        </p:tav>
+                                        <p:tav tm="100000">
+                                          <p:val>
+                                            <p:strVal val="#ppt_x"/>
+                                          </p:val>
+                                        </p:tav>
+                                      </p:tavLst>
+                                    </p:anim>
+                                    <p:anim calcmode="lin" valueType="num">
+                                      <p:cBhvr additive="base">
+                                        <p:cTn id="50" dur="500" fill="hold"/>
+                                        <p:tgtEl>
+                                          <p:spTgt spid="5">
+                                            <p:txEl>
+                                              <p:pRg st="9" end="9"/>
                                             </p:txEl>
                                           </p:spTgt>
                                         </p:tgtEl>
@@ -10939,7 +12010,7 @@
       </p:par>
     </p:tnLst>
     <p:bldLst>
-      <p:bldP spid="3" grpId="0" build="p"/>
+      <p:bldP spid="5" grpId="0" build="p"/>
     </p:bldLst>
   </p:timing>
 </p:sld>
@@ -10964,7 +12035,7 @@
       </p:grpSpPr>
       <p:sp>
         <p:nvSpPr>
-          <p:cNvPr id="4" name="Tytuł 3"/>
+          <p:cNvPr id="2" name="Tytuł 1"/>
           <p:cNvSpPr>
             <a:spLocks noGrp="1"/>
           </p:cNvSpPr>
@@ -10979,7 +12050,7 @@
           <a:p>
             <a:r>
               <a:rPr lang="pl-PL" dirty="0" smtClean="0"/>
-              <a:t>Ogólne zasady OOAD</a:t>
+              <a:t>Testowalny design</a:t>
             </a:r>
             <a:endParaRPr lang="pl-PL" dirty="0"/>
           </a:p>
@@ -10987,7 +12058,7 @@
       </p:sp>
       <p:sp>
         <p:nvSpPr>
-          <p:cNvPr id="5" name="Symbol zastępczy zawartości 4"/>
+          <p:cNvPr id="3" name="Symbol zastępczy zawartości 2"/>
           <p:cNvSpPr>
             <a:spLocks noGrp="1"/>
           </p:cNvSpPr>
@@ -10997,130 +12068,95 @@
         </p:nvSpPr>
         <p:spPr/>
         <p:txBody>
-          <a:bodyPr>
-            <a:normAutofit fontScale="77500" lnSpcReduction="20000"/>
-          </a:bodyPr>
+          <a:bodyPr/>
           <a:lstStyle/>
           <a:p>
+            <a:pPr lvl="0"/>
             <a:r>
               <a:rPr lang="en-US" dirty="0" smtClean="0"/>
-              <a:t>Low Coupling</a:t>
-            </a:r>
-            <a:r>
-              <a:rPr lang="pl-PL" dirty="0" smtClean="0"/>
-              <a:t> and High </a:t>
-            </a:r>
+              <a:t>Interface-based design</a:t>
+            </a:r>
+            <a:endParaRPr lang="pl-PL" dirty="0" smtClean="0"/>
+          </a:p>
+          <a:p>
+            <a:pPr lvl="0"/>
             <a:r>
               <a:rPr lang="pl-PL" dirty="0" err="1" smtClean="0"/>
-              <a:t>Cohesion</a:t>
+              <a:t>Separate</a:t>
+            </a:r>
+            <a:r>
+              <a:rPr lang="pl-PL" dirty="0" smtClean="0"/>
+              <a:t> </a:t>
+            </a:r>
+            <a:r>
+              <a:rPr lang="pl-PL" dirty="0" err="1" smtClean="0"/>
+              <a:t>object</a:t>
+            </a:r>
+            <a:r>
+              <a:rPr lang="pl-PL" dirty="0" smtClean="0"/>
+              <a:t> </a:t>
+            </a:r>
+            <a:r>
+              <a:rPr lang="pl-PL" dirty="0" err="1" smtClean="0"/>
+              <a:t>creation</a:t>
+            </a:r>
+            <a:r>
+              <a:rPr lang="pl-PL" dirty="0" smtClean="0"/>
+              <a:t> </a:t>
+            </a:r>
+            <a:r>
+              <a:rPr lang="pl-PL" dirty="0" err="1" smtClean="0"/>
+              <a:t>from</a:t>
+            </a:r>
+            <a:r>
+              <a:rPr lang="pl-PL" dirty="0" smtClean="0"/>
+              <a:t> </a:t>
+            </a:r>
+            <a:r>
+              <a:rPr lang="pl-PL" dirty="0" err="1" smtClean="0"/>
+              <a:t>use</a:t>
             </a:r>
             <a:endParaRPr lang="pl-PL" dirty="0" smtClean="0"/>
           </a:p>
           <a:p>
             <a:pPr lvl="0"/>
+            <a:r>
+              <a:rPr lang="en-US" dirty="0" smtClean="0"/>
+              <a:t>Avoid direct calls to static methods. Prefer calls to instance methods that later call statics. Then you are able to override them</a:t>
+            </a:r>
             <a:endParaRPr lang="pl-PL" dirty="0" smtClean="0"/>
           </a:p>
           <a:p>
+            <a:pPr lvl="0"/>
             <a:r>
               <a:rPr lang="en-US" dirty="0" smtClean="0"/>
-              <a:t>Prefer composition over inheritance</a:t>
+              <a:t>Avoid constructors (also static) that do logic</a:t>
             </a:r>
             <a:endParaRPr lang="pl-PL" dirty="0" smtClean="0"/>
           </a:p>
           <a:p>
-            <a:r>
-              <a:rPr lang="en-US" dirty="0" smtClean="0"/>
-              <a:t>Eliminate Inappropriate Intimacy (too much intimate knowledge of another class)</a:t>
+            <a:pPr lvl="0"/>
+            <a:r>
+              <a:rPr lang="pl-PL" dirty="0" err="1" smtClean="0"/>
+              <a:t>Use</a:t>
+            </a:r>
+            <a:r>
+              <a:rPr lang="pl-PL" dirty="0" smtClean="0"/>
+              <a:t> </a:t>
+            </a:r>
+            <a:r>
+              <a:rPr lang="pl-PL" dirty="0" err="1" smtClean="0"/>
+              <a:t>Dependency</a:t>
+            </a:r>
+            <a:r>
+              <a:rPr lang="pl-PL" dirty="0" smtClean="0"/>
+              <a:t> </a:t>
+            </a:r>
+            <a:r>
+              <a:rPr lang="pl-PL" dirty="0" err="1" smtClean="0"/>
+              <a:t>Injection</a:t>
             </a:r>
             <a:endParaRPr lang="pl-PL" dirty="0" smtClean="0"/>
-          </a:p>
-          <a:p>
-            <a:pPr lvl="0"/>
-            <a:r>
-              <a:rPr lang="en-US" dirty="0" smtClean="0"/>
-              <a:t>The Law of Demeter (only talk to your immediate friends)</a:t>
-            </a:r>
-            <a:endParaRPr lang="pl-PL" dirty="0" smtClean="0"/>
-          </a:p>
-          <a:p>
-            <a:pPr lvl="0"/>
-            <a:r>
-              <a:rPr lang="en-US" dirty="0" smtClean="0"/>
-              <a:t>Tell, Don't Ask (tell objects what to do for good responsibilities)</a:t>
-            </a:r>
-            <a:endParaRPr lang="pl-PL" dirty="0" smtClean="0"/>
-          </a:p>
-          <a:p>
-            <a:pPr lvl="0"/>
-            <a:r>
-              <a:rPr lang="pl-PL" dirty="0" err="1" smtClean="0"/>
-              <a:t>Once</a:t>
-            </a:r>
-            <a:r>
-              <a:rPr lang="pl-PL" dirty="0" smtClean="0"/>
-              <a:t> And </a:t>
-            </a:r>
-            <a:r>
-              <a:rPr lang="pl-PL" dirty="0" err="1" smtClean="0"/>
-              <a:t>Only</a:t>
-            </a:r>
-            <a:r>
-              <a:rPr lang="pl-PL" dirty="0" smtClean="0"/>
-              <a:t> </a:t>
-            </a:r>
-            <a:r>
-              <a:rPr lang="pl-PL" dirty="0" err="1" smtClean="0"/>
-              <a:t>Once</a:t>
-            </a:r>
-            <a:r>
-              <a:rPr lang="pl-PL" dirty="0" smtClean="0"/>
-              <a:t> (</a:t>
-            </a:r>
-            <a:r>
-              <a:rPr lang="pl-PL" dirty="0" err="1" smtClean="0"/>
-              <a:t>avoid</a:t>
-            </a:r>
-            <a:r>
-              <a:rPr lang="pl-PL" dirty="0" smtClean="0"/>
-              <a:t> </a:t>
-            </a:r>
-            <a:r>
-              <a:rPr lang="pl-PL" dirty="0" err="1" smtClean="0"/>
-              <a:t>code</a:t>
-            </a:r>
-            <a:r>
-              <a:rPr lang="pl-PL" dirty="0" smtClean="0"/>
-              <a:t> </a:t>
-            </a:r>
-            <a:r>
-              <a:rPr lang="pl-PL" dirty="0" err="1" smtClean="0"/>
-              <a:t>duplication</a:t>
-            </a:r>
-            <a:r>
-              <a:rPr lang="pl-PL" dirty="0" smtClean="0"/>
-              <a:t>)</a:t>
-            </a:r>
-          </a:p>
-          <a:p>
-            <a:pPr lvl="0"/>
-            <a:endParaRPr lang="pl-PL" dirty="0" smtClean="0"/>
-          </a:p>
-          <a:p>
-            <a:pPr lvl="0"/>
-            <a:r>
-              <a:rPr lang="pl-PL" dirty="0" smtClean="0"/>
-              <a:t>SOLID</a:t>
-            </a:r>
-          </a:p>
-          <a:p>
-            <a:pPr lvl="0"/>
-            <a:r>
-              <a:rPr lang="pl-PL" dirty="0" smtClean="0"/>
-              <a:t>GRASP</a:t>
-            </a:r>
-          </a:p>
-          <a:p>
-            <a:endParaRPr lang="pl-PL" dirty="0"/>
           </a:p>
         </p:txBody>
       </p:sp>
@@ -11163,7 +12199,7 @@
                                           </p:stCondLst>
                                         </p:cTn>
                                         <p:tgtEl>
-                                          <p:spTgt spid="5">
+                                          <p:spTgt spid="3">
                                             <p:txEl>
                                               <p:pRg st="0" end="0"/>
                                             </p:txEl>
@@ -11181,7 +12217,7 @@
                                       <p:cBhvr additive="base">
                                         <p:cTn id="7" dur="500" fill="hold"/>
                                         <p:tgtEl>
-                                          <p:spTgt spid="5">
+                                          <p:spTgt spid="3">
                                             <p:txEl>
                                               <p:pRg st="0" end="0"/>
                                             </p:txEl>
@@ -11208,7 +12244,7 @@
                                       <p:cBhvr additive="base">
                                         <p:cTn id="8" dur="500" fill="hold"/>
                                         <p:tgtEl>
-                                          <p:spTgt spid="5">
+                                          <p:spTgt spid="3">
                                             <p:txEl>
                                               <p:pRg st="0" end="0"/>
                                             </p:txEl>
@@ -11266,9 +12302,9 @@
                                           </p:stCondLst>
                                         </p:cTn>
                                         <p:tgtEl>
-                                          <p:spTgt spid="5">
-                                            <p:txEl>
-                                              <p:pRg st="2" end="2"/>
+                                          <p:spTgt spid="3">
+                                            <p:txEl>
+                                              <p:pRg st="1" end="1"/>
                                             </p:txEl>
                                           </p:spTgt>
                                         </p:tgtEl>
@@ -11284,9 +12320,9 @@
                                       <p:cBhvr additive="base">
                                         <p:cTn id="13" dur="500" fill="hold"/>
                                         <p:tgtEl>
-                                          <p:spTgt spid="5">
-                                            <p:txEl>
-                                              <p:pRg st="2" end="2"/>
+                                          <p:spTgt spid="3">
+                                            <p:txEl>
+                                              <p:pRg st="1" end="1"/>
                                             </p:txEl>
                                           </p:spTgt>
                                         </p:tgtEl>
@@ -11311,9 +12347,9 @@
                                       <p:cBhvr additive="base">
                                         <p:cTn id="14" dur="500" fill="hold"/>
                                         <p:tgtEl>
-                                          <p:spTgt spid="5">
-                                            <p:txEl>
-                                              <p:pRg st="2" end="2"/>
+                                          <p:spTgt spid="3">
+                                            <p:txEl>
+                                              <p:pRg st="1" end="1"/>
                                             </p:txEl>
                                           </p:spTgt>
                                         </p:tgtEl>
@@ -11369,9 +12405,9 @@
                                           </p:stCondLst>
                                         </p:cTn>
                                         <p:tgtEl>
-                                          <p:spTgt spid="5">
-                                            <p:txEl>
-                                              <p:pRg st="3" end="3"/>
+                                          <p:spTgt spid="3">
+                                            <p:txEl>
+                                              <p:pRg st="2" end="2"/>
                                             </p:txEl>
                                           </p:spTgt>
                                         </p:tgtEl>
@@ -11387,9 +12423,9 @@
                                       <p:cBhvr additive="base">
                                         <p:cTn id="19" dur="500" fill="hold"/>
                                         <p:tgtEl>
-                                          <p:spTgt spid="5">
-                                            <p:txEl>
-                                              <p:pRg st="3" end="3"/>
+                                          <p:spTgt spid="3">
+                                            <p:txEl>
+                                              <p:pRg st="2" end="2"/>
                                             </p:txEl>
                                           </p:spTgt>
                                         </p:tgtEl>
@@ -11414,9 +12450,9 @@
                                       <p:cBhvr additive="base">
                                         <p:cTn id="20" dur="500" fill="hold"/>
                                         <p:tgtEl>
-                                          <p:spTgt spid="5">
-                                            <p:txEl>
-                                              <p:pRg st="3" end="3"/>
+                                          <p:spTgt spid="3">
+                                            <p:txEl>
+                                              <p:pRg st="2" end="2"/>
                                             </p:txEl>
                                           </p:spTgt>
                                         </p:tgtEl>
@@ -11472,9 +12508,9 @@
                                           </p:stCondLst>
                                         </p:cTn>
                                         <p:tgtEl>
-                                          <p:spTgt spid="5">
-                                            <p:txEl>
-                                              <p:pRg st="4" end="4"/>
+                                          <p:spTgt spid="3">
+                                            <p:txEl>
+                                              <p:pRg st="3" end="3"/>
                                             </p:txEl>
                                           </p:spTgt>
                                         </p:tgtEl>
@@ -11490,9 +12526,9 @@
                                       <p:cBhvr additive="base">
                                         <p:cTn id="25" dur="500" fill="hold"/>
                                         <p:tgtEl>
-                                          <p:spTgt spid="5">
-                                            <p:txEl>
-                                              <p:pRg st="4" end="4"/>
+                                          <p:spTgt spid="3">
+                                            <p:txEl>
+                                              <p:pRg st="3" end="3"/>
                                             </p:txEl>
                                           </p:spTgt>
                                         </p:tgtEl>
@@ -11517,9 +12553,9 @@
                                       <p:cBhvr additive="base">
                                         <p:cTn id="26" dur="500" fill="hold"/>
                                         <p:tgtEl>
-                                          <p:spTgt spid="5">
-                                            <p:txEl>
-                                              <p:pRg st="4" end="4"/>
+                                          <p:spTgt spid="3">
+                                            <p:txEl>
+                                              <p:pRg st="3" end="3"/>
                                             </p:txEl>
                                           </p:spTgt>
                                         </p:tgtEl>
@@ -11575,9 +12611,9 @@
                                           </p:stCondLst>
                                         </p:cTn>
                                         <p:tgtEl>
-                                          <p:spTgt spid="5">
-                                            <p:txEl>
-                                              <p:pRg st="5" end="5"/>
+                                          <p:spTgt spid="3">
+                                            <p:txEl>
+                                              <p:pRg st="4" end="4"/>
                                             </p:txEl>
                                           </p:spTgt>
                                         </p:tgtEl>
@@ -11593,9 +12629,9 @@
                                       <p:cBhvr additive="base">
                                         <p:cTn id="31" dur="500" fill="hold"/>
                                         <p:tgtEl>
-                                          <p:spTgt spid="5">
-                                            <p:txEl>
-                                              <p:pRg st="5" end="5"/>
+                                          <p:spTgt spid="3">
+                                            <p:txEl>
+                                              <p:pRg st="4" end="4"/>
                                             </p:txEl>
                                           </p:spTgt>
                                         </p:tgtEl>
@@ -11620,318 +12656,9 @@
                                       <p:cBhvr additive="base">
                                         <p:cTn id="32" dur="500" fill="hold"/>
                                         <p:tgtEl>
-                                          <p:spTgt spid="5">
-                                            <p:txEl>
-                                              <p:pRg st="5" end="5"/>
-                                            </p:txEl>
-                                          </p:spTgt>
-                                        </p:tgtEl>
-                                        <p:attrNameLst>
-                                          <p:attrName>ppt_y</p:attrName>
-                                        </p:attrNameLst>
-                                      </p:cBhvr>
-                                      <p:tavLst>
-                                        <p:tav tm="0">
-                                          <p:val>
-                                            <p:strVal val="1+#ppt_h/2"/>
-                                          </p:val>
-                                        </p:tav>
-                                        <p:tav tm="100000">
-                                          <p:val>
-                                            <p:strVal val="#ppt_y"/>
-                                          </p:val>
-                                        </p:tav>
-                                      </p:tavLst>
-                                    </p:anim>
-                                  </p:childTnLst>
-                                </p:cTn>
-                              </p:par>
-                            </p:childTnLst>
-                          </p:cTn>
-                        </p:par>
-                      </p:childTnLst>
-                    </p:cTn>
-                  </p:par>
-                  <p:par>
-                    <p:cTn id="33" fill="hold">
-                      <p:stCondLst>
-                        <p:cond delay="indefinite"/>
-                      </p:stCondLst>
-                      <p:childTnLst>
-                        <p:par>
-                          <p:cTn id="34" fill="hold">
-                            <p:stCondLst>
-                              <p:cond delay="0"/>
-                            </p:stCondLst>
-                            <p:childTnLst>
-                              <p:par>
-                                <p:cTn id="35" presetID="2" presetClass="entr" presetSubtype="4" fill="hold" grpId="0" nodeType="clickEffect">
-                                  <p:stCondLst>
-                                    <p:cond delay="0"/>
-                                  </p:stCondLst>
-                                  <p:childTnLst>
-                                    <p:set>
-                                      <p:cBhvr>
-                                        <p:cTn id="36" dur="1" fill="hold">
-                                          <p:stCondLst>
-                                            <p:cond delay="0"/>
-                                          </p:stCondLst>
-                                        </p:cTn>
-                                        <p:tgtEl>
-                                          <p:spTgt spid="5">
-                                            <p:txEl>
-                                              <p:pRg st="6" end="6"/>
-                                            </p:txEl>
-                                          </p:spTgt>
-                                        </p:tgtEl>
-                                        <p:attrNameLst>
-                                          <p:attrName>style.visibility</p:attrName>
-                                        </p:attrNameLst>
-                                      </p:cBhvr>
-                                      <p:to>
-                                        <p:strVal val="visible"/>
-                                      </p:to>
-                                    </p:set>
-                                    <p:anim calcmode="lin" valueType="num">
-                                      <p:cBhvr additive="base">
-                                        <p:cTn id="37" dur="500" fill="hold"/>
-                                        <p:tgtEl>
-                                          <p:spTgt spid="5">
-                                            <p:txEl>
-                                              <p:pRg st="6" end="6"/>
-                                            </p:txEl>
-                                          </p:spTgt>
-                                        </p:tgtEl>
-                                        <p:attrNameLst>
-                                          <p:attrName>ppt_x</p:attrName>
-                                        </p:attrNameLst>
-                                      </p:cBhvr>
-                                      <p:tavLst>
-                                        <p:tav tm="0">
-                                          <p:val>
-                                            <p:strVal val="#ppt_x"/>
-                                          </p:val>
-                                        </p:tav>
-                                        <p:tav tm="100000">
-                                          <p:val>
-                                            <p:strVal val="#ppt_x"/>
-                                          </p:val>
-                                        </p:tav>
-                                      </p:tavLst>
-                                    </p:anim>
-                                    <p:anim calcmode="lin" valueType="num">
-                                      <p:cBhvr additive="base">
-                                        <p:cTn id="38" dur="500" fill="hold"/>
-                                        <p:tgtEl>
-                                          <p:spTgt spid="5">
-                                            <p:txEl>
-                                              <p:pRg st="6" end="6"/>
-                                            </p:txEl>
-                                          </p:spTgt>
-                                        </p:tgtEl>
-                                        <p:attrNameLst>
-                                          <p:attrName>ppt_y</p:attrName>
-                                        </p:attrNameLst>
-                                      </p:cBhvr>
-                                      <p:tavLst>
-                                        <p:tav tm="0">
-                                          <p:val>
-                                            <p:strVal val="1+#ppt_h/2"/>
-                                          </p:val>
-                                        </p:tav>
-                                        <p:tav tm="100000">
-                                          <p:val>
-                                            <p:strVal val="#ppt_y"/>
-                                          </p:val>
-                                        </p:tav>
-                                      </p:tavLst>
-                                    </p:anim>
-                                  </p:childTnLst>
-                                </p:cTn>
-                              </p:par>
-                            </p:childTnLst>
-                          </p:cTn>
-                        </p:par>
-                      </p:childTnLst>
-                    </p:cTn>
-                  </p:par>
-                  <p:par>
-                    <p:cTn id="39" fill="hold">
-                      <p:stCondLst>
-                        <p:cond delay="indefinite"/>
-                      </p:stCondLst>
-                      <p:childTnLst>
-                        <p:par>
-                          <p:cTn id="40" fill="hold">
-                            <p:stCondLst>
-                              <p:cond delay="0"/>
-                            </p:stCondLst>
-                            <p:childTnLst>
-                              <p:par>
-                                <p:cTn id="41" presetID="2" presetClass="entr" presetSubtype="4" fill="hold" grpId="0" nodeType="clickEffect">
-                                  <p:stCondLst>
-                                    <p:cond delay="0"/>
-                                  </p:stCondLst>
-                                  <p:childTnLst>
-                                    <p:set>
-                                      <p:cBhvr>
-                                        <p:cTn id="42" dur="1" fill="hold">
-                                          <p:stCondLst>
-                                            <p:cond delay="0"/>
-                                          </p:stCondLst>
-                                        </p:cTn>
-                                        <p:tgtEl>
-                                          <p:spTgt spid="5">
-                                            <p:txEl>
-                                              <p:pRg st="8" end="8"/>
-                                            </p:txEl>
-                                          </p:spTgt>
-                                        </p:tgtEl>
-                                        <p:attrNameLst>
-                                          <p:attrName>style.visibility</p:attrName>
-                                        </p:attrNameLst>
-                                      </p:cBhvr>
-                                      <p:to>
-                                        <p:strVal val="visible"/>
-                                      </p:to>
-                                    </p:set>
-                                    <p:anim calcmode="lin" valueType="num">
-                                      <p:cBhvr additive="base">
-                                        <p:cTn id="43" dur="500" fill="hold"/>
-                                        <p:tgtEl>
-                                          <p:spTgt spid="5">
-                                            <p:txEl>
-                                              <p:pRg st="8" end="8"/>
-                                            </p:txEl>
-                                          </p:spTgt>
-                                        </p:tgtEl>
-                                        <p:attrNameLst>
-                                          <p:attrName>ppt_x</p:attrName>
-                                        </p:attrNameLst>
-                                      </p:cBhvr>
-                                      <p:tavLst>
-                                        <p:tav tm="0">
-                                          <p:val>
-                                            <p:strVal val="#ppt_x"/>
-                                          </p:val>
-                                        </p:tav>
-                                        <p:tav tm="100000">
-                                          <p:val>
-                                            <p:strVal val="#ppt_x"/>
-                                          </p:val>
-                                        </p:tav>
-                                      </p:tavLst>
-                                    </p:anim>
-                                    <p:anim calcmode="lin" valueType="num">
-                                      <p:cBhvr additive="base">
-                                        <p:cTn id="44" dur="500" fill="hold"/>
-                                        <p:tgtEl>
-                                          <p:spTgt spid="5">
-                                            <p:txEl>
-                                              <p:pRg st="8" end="8"/>
-                                            </p:txEl>
-                                          </p:spTgt>
-                                        </p:tgtEl>
-                                        <p:attrNameLst>
-                                          <p:attrName>ppt_y</p:attrName>
-                                        </p:attrNameLst>
-                                      </p:cBhvr>
-                                      <p:tavLst>
-                                        <p:tav tm="0">
-                                          <p:val>
-                                            <p:strVal val="1+#ppt_h/2"/>
-                                          </p:val>
-                                        </p:tav>
-                                        <p:tav tm="100000">
-                                          <p:val>
-                                            <p:strVal val="#ppt_y"/>
-                                          </p:val>
-                                        </p:tav>
-                                      </p:tavLst>
-                                    </p:anim>
-                                  </p:childTnLst>
-                                </p:cTn>
-                              </p:par>
-                            </p:childTnLst>
-                          </p:cTn>
-                        </p:par>
-                      </p:childTnLst>
-                    </p:cTn>
-                  </p:par>
-                  <p:par>
-                    <p:cTn id="45" fill="hold">
-                      <p:stCondLst>
-                        <p:cond delay="indefinite"/>
-                      </p:stCondLst>
-                      <p:childTnLst>
-                        <p:par>
-                          <p:cTn id="46" fill="hold">
-                            <p:stCondLst>
-                              <p:cond delay="0"/>
-                            </p:stCondLst>
-                            <p:childTnLst>
-                              <p:par>
-                                <p:cTn id="47" presetID="2" presetClass="entr" presetSubtype="4" fill="hold" grpId="0" nodeType="clickEffect">
-                                  <p:stCondLst>
-                                    <p:cond delay="0"/>
-                                  </p:stCondLst>
-                                  <p:childTnLst>
-                                    <p:set>
-                                      <p:cBhvr>
-                                        <p:cTn id="48" dur="1" fill="hold">
-                                          <p:stCondLst>
-                                            <p:cond delay="0"/>
-                                          </p:stCondLst>
-                                        </p:cTn>
-                                        <p:tgtEl>
-                                          <p:spTgt spid="5">
-                                            <p:txEl>
-                                              <p:pRg st="9" end="9"/>
-                                            </p:txEl>
-                                          </p:spTgt>
-                                        </p:tgtEl>
-                                        <p:attrNameLst>
-                                          <p:attrName>style.visibility</p:attrName>
-                                        </p:attrNameLst>
-                                      </p:cBhvr>
-                                      <p:to>
-                                        <p:strVal val="visible"/>
-                                      </p:to>
-                                    </p:set>
-                                    <p:anim calcmode="lin" valueType="num">
-                                      <p:cBhvr additive="base">
-                                        <p:cTn id="49" dur="500" fill="hold"/>
-                                        <p:tgtEl>
-                                          <p:spTgt spid="5">
-                                            <p:txEl>
-                                              <p:pRg st="9" end="9"/>
-                                            </p:txEl>
-                                          </p:spTgt>
-                                        </p:tgtEl>
-                                        <p:attrNameLst>
-                                          <p:attrName>ppt_x</p:attrName>
-                                        </p:attrNameLst>
-                                      </p:cBhvr>
-                                      <p:tavLst>
-                                        <p:tav tm="0">
-                                          <p:val>
-                                            <p:strVal val="#ppt_x"/>
-                                          </p:val>
-                                        </p:tav>
-                                        <p:tav tm="100000">
-                                          <p:val>
-                                            <p:strVal val="#ppt_x"/>
-                                          </p:val>
-                                        </p:tav>
-                                      </p:tavLst>
-                                    </p:anim>
-                                    <p:anim calcmode="lin" valueType="num">
-                                      <p:cBhvr additive="base">
-                                        <p:cTn id="50" dur="500" fill="hold"/>
-                                        <p:tgtEl>
-                                          <p:spTgt spid="5">
-                                            <p:txEl>
-                                              <p:pRg st="9" end="9"/>
+                                          <p:spTgt spid="3">
+                                            <p:txEl>
+                                              <p:pRg st="4" end="4"/>
                                             </p:txEl>
                                           </p:spTgt>
                                         </p:tgtEl>
@@ -11983,7 +12710,7 @@
       </p:par>
     </p:tnLst>
     <p:bldLst>
-      <p:bldP spid="5" grpId="0" build="p"/>
+      <p:bldP spid="3" grpId="0" build="p"/>
     </p:bldLst>
   </p:timing>
 </p:sld>
@@ -12008,7 +12735,7 @@
       </p:grpSpPr>
       <p:sp>
         <p:nvSpPr>
-          <p:cNvPr id="2" name="Tytuł 1"/>
+          <p:cNvPr id="4" name="Tytuł 3"/>
           <p:cNvSpPr>
             <a:spLocks noGrp="1"/>
           </p:cNvSpPr>
@@ -12023,7 +12750,15 @@
           <a:p>
             <a:r>
               <a:rPr lang="pl-PL" dirty="0" smtClean="0"/>
-              <a:t>Testowalny design</a:t>
+              <a:t>„</a:t>
+            </a:r>
+            <a:r>
+              <a:rPr lang="pl-PL" dirty="0" err="1" smtClean="0"/>
+              <a:t>Utestowalnienie</a:t>
+            </a:r>
+            <a:r>
+              <a:rPr lang="pl-PL" dirty="0" smtClean="0"/>
+              <a:t>” kodu</a:t>
             </a:r>
             <a:endParaRPr lang="pl-PL" dirty="0"/>
           </a:p>
@@ -12031,7 +12766,7 @@
       </p:sp>
       <p:sp>
         <p:nvSpPr>
-          <p:cNvPr id="3" name="Symbol zastępczy zawartości 2"/>
+          <p:cNvPr id="5" name="Symbol zastępczy zawartości 4"/>
           <p:cNvSpPr>
             <a:spLocks noGrp="1"/>
           </p:cNvSpPr>
@@ -12044,26 +12779,97 @@
           <a:bodyPr/>
           <a:lstStyle/>
           <a:p>
-            <a:pPr lvl="0"/>
-            <a:r>
-              <a:rPr lang="en-US" dirty="0" smtClean="0"/>
-              <a:t>Interface-based design</a:t>
+            <a:pPr marL="514350" indent="-514350">
+              <a:buFont typeface="+mj-lt"/>
+              <a:buAutoNum type="arabicPeriod"/>
+            </a:pPr>
+            <a:r>
+              <a:rPr lang="pl-PL" dirty="0" err="1" smtClean="0"/>
+              <a:t>Dependency</a:t>
+            </a:r>
+            <a:r>
+              <a:rPr lang="pl-PL" dirty="0" smtClean="0"/>
+              <a:t> </a:t>
+            </a:r>
+            <a:r>
+              <a:rPr lang="pl-PL" dirty="0" err="1" smtClean="0"/>
+              <a:t>Injection</a:t>
+            </a:r>
+            <a:r>
+              <a:rPr lang="pl-PL" dirty="0" smtClean="0"/>
+              <a:t> &amp; </a:t>
+            </a:r>
+            <a:r>
+              <a:rPr lang="pl-PL" dirty="0" err="1" smtClean="0"/>
+              <a:t>Strategy</a:t>
             </a:r>
             <a:endParaRPr lang="pl-PL" dirty="0" smtClean="0"/>
           </a:p>
           <a:p>
-            <a:pPr lvl="0"/>
+            <a:pPr marL="514350" indent="-514350">
+              <a:buFont typeface="+mj-lt"/>
+              <a:buAutoNum type="arabicPeriod"/>
+            </a:pPr>
             <a:r>
               <a:rPr lang="pl-PL" dirty="0" err="1" smtClean="0"/>
-              <a:t>Separate</a:t>
-            </a:r>
-            <a:r>
-              <a:rPr lang="pl-PL" dirty="0" smtClean="0"/>
+              <a:t>Extract</a:t>
+            </a:r>
+            <a:r>
+              <a:rPr lang="pl-PL" dirty="0" smtClean="0"/>
+              <a:t> and </a:t>
+            </a:r>
+            <a:r>
+              <a:rPr lang="pl-PL" dirty="0" err="1" smtClean="0"/>
+              <a:t>Override</a:t>
+            </a:r>
+            <a:endParaRPr lang="pl-PL" dirty="0" smtClean="0"/>
+          </a:p>
+          <a:p>
+            <a:pPr marL="514350" indent="-514350">
+              <a:buFont typeface="+mj-lt"/>
+              <a:buAutoNum type="arabicPeriod"/>
+            </a:pPr>
+            <a:r>
+              <a:rPr lang="pl-PL" dirty="0"/>
+              <a:t>„</a:t>
+            </a:r>
+            <a:r>
+              <a:rPr lang="pl-PL" dirty="0" err="1"/>
+              <a:t>Shimable</a:t>
+            </a:r>
+            <a:r>
+              <a:rPr lang="pl-PL" dirty="0"/>
               <a:t> </a:t>
             </a:r>
             <a:r>
+              <a:rPr lang="pl-PL" dirty="0" err="1"/>
+              <a:t>static</a:t>
+            </a:r>
+            <a:r>
+              <a:rPr lang="pl-PL" dirty="0"/>
+              <a:t> </a:t>
+            </a:r>
+            <a:r>
+              <a:rPr lang="pl-PL" dirty="0" err="1"/>
+              <a:t>class</a:t>
+            </a:r>
+            <a:r>
+              <a:rPr lang="pl-PL" dirty="0" smtClean="0"/>
+              <a:t>”</a:t>
+            </a:r>
+          </a:p>
+          <a:p>
+            <a:pPr marL="514350" indent="-514350">
+              <a:buFont typeface="+mj-lt"/>
+              <a:buAutoNum type="arabicPeriod"/>
+            </a:pPr>
+            <a:r>
+              <a:rPr lang="pl-PL" dirty="0" smtClean="0"/>
+              <a:t>„</a:t>
+            </a:r>
+            <a:r>
               <a:rPr lang="pl-PL" dirty="0" err="1" smtClean="0"/>
-              <a:t>object</a:t>
+              <a:t>IsTestMode</a:t>
             </a:r>
             <a:r>
               <a:rPr lang="pl-PL" dirty="0" smtClean="0"/>
@@ -12071,65 +12877,35 @@
             </a:r>
             <a:r>
               <a:rPr lang="pl-PL" dirty="0" err="1" smtClean="0"/>
-              <a:t>creation</a:t>
-            </a:r>
-            <a:r>
-              <a:rPr lang="pl-PL" dirty="0" smtClean="0"/>
-              <a:t> </a:t>
-            </a:r>
-            <a:r>
-              <a:rPr lang="pl-PL" dirty="0" err="1" smtClean="0"/>
-              <a:t>from</a:t>
-            </a:r>
-            <a:r>
-              <a:rPr lang="pl-PL" dirty="0" smtClean="0"/>
-              <a:t> </a:t>
+              <a:t>static</a:t>
+            </a:r>
+            <a:r>
+              <a:rPr lang="pl-PL" dirty="0" smtClean="0"/>
+              <a:t> field” (to </a:t>
             </a:r>
             <a:r>
               <a:rPr lang="pl-PL" dirty="0" err="1" smtClean="0"/>
               <a:t>use</a:t>
             </a:r>
+            <a:r>
+              <a:rPr lang="pl-PL" dirty="0" smtClean="0"/>
+              <a:t> </a:t>
+            </a:r>
+            <a:r>
+              <a:rPr lang="pl-PL" dirty="0" err="1" smtClean="0"/>
+              <a:t>Fakes</a:t>
+            </a:r>
+            <a:r>
+              <a:rPr lang="pl-PL" dirty="0" smtClean="0"/>
+              <a:t>)</a:t>
+            </a:r>
+          </a:p>
+          <a:p>
             <a:endParaRPr lang="pl-PL" dirty="0" smtClean="0"/>
           </a:p>
           <a:p>
-            <a:pPr lvl="0"/>
-            <a:r>
-              <a:rPr lang="en-US" dirty="0" smtClean="0"/>
-              <a:t>Avoid direct calls to static methods. Prefer calls to instance methods that later call statics. Then you are able to override them</a:t>
-            </a:r>
-            <a:endParaRPr lang="pl-PL" dirty="0" smtClean="0"/>
-          </a:p>
-          <a:p>
-            <a:pPr lvl="0"/>
-            <a:r>
-              <a:rPr lang="en-US" dirty="0" smtClean="0"/>
-              <a:t>Avoid constructors (also static) that do logic</a:t>
-            </a:r>
-            <a:endParaRPr lang="pl-PL" dirty="0" smtClean="0"/>
-          </a:p>
-          <a:p>
-            <a:pPr lvl="0"/>
-            <a:r>
-              <a:rPr lang="pl-PL" dirty="0" err="1" smtClean="0"/>
-              <a:t>Use</a:t>
-            </a:r>
-            <a:r>
-              <a:rPr lang="pl-PL" dirty="0" smtClean="0"/>
-              <a:t> </a:t>
-            </a:r>
-            <a:r>
-              <a:rPr lang="pl-PL" dirty="0" err="1" smtClean="0"/>
-              <a:t>Dependency</a:t>
-            </a:r>
-            <a:r>
-              <a:rPr lang="pl-PL" dirty="0" smtClean="0"/>
-              <a:t> </a:t>
-            </a:r>
-            <a:r>
-              <a:rPr lang="pl-PL" dirty="0" err="1" smtClean="0"/>
-              <a:t>Injection</a:t>
-            </a:r>
-            <a:endParaRPr lang="pl-PL" dirty="0" smtClean="0"/>
+            <a:pPr lvl="1"/>
+            <a:endParaRPr lang="pl-PL" dirty="0"/>
           </a:p>
         </p:txBody>
       </p:sp>
@@ -12172,7 +12948,7 @@
                                           </p:stCondLst>
                                         </p:cTn>
                                         <p:tgtEl>
-                                          <p:spTgt spid="3">
+                                          <p:spTgt spid="5">
                                             <p:txEl>
                                               <p:pRg st="0" end="0"/>
                                             </p:txEl>
@@ -12190,7 +12966,7 @@
                                       <p:cBhvr additive="base">
                                         <p:cTn id="7" dur="500" fill="hold"/>
                                         <p:tgtEl>
-                                          <p:spTgt spid="3">
+                                          <p:spTgt spid="5">
                                             <p:txEl>
                                               <p:pRg st="0" end="0"/>
                                             </p:txEl>
@@ -12217,7 +12993,7 @@
                                       <p:cBhvr additive="base">
                                         <p:cTn id="8" dur="500" fill="hold"/>
                                         <p:tgtEl>
-                                          <p:spTgt spid="3">
+                                          <p:spTgt spid="5">
                                             <p:txEl>
                                               <p:pRg st="0" end="0"/>
                                             </p:txEl>
@@ -12275,7 +13051,7 @@
                                           </p:stCondLst>
                                         </p:cTn>
                                         <p:tgtEl>
-                                          <p:spTgt spid="3">
+                                          <p:spTgt spid="5">
                                             <p:txEl>
                                               <p:pRg st="1" end="1"/>
                                             </p:txEl>
@@ -12293,7 +13069,7 @@
                                       <p:cBhvr additive="base">
                                         <p:cTn id="13" dur="500" fill="hold"/>
                                         <p:tgtEl>
-                                          <p:spTgt spid="3">
+                                          <p:spTgt spid="5">
                                             <p:txEl>
                                               <p:pRg st="1" end="1"/>
                                             </p:txEl>
@@ -12320,7 +13096,7 @@
                                       <p:cBhvr additive="base">
                                         <p:cTn id="14" dur="500" fill="hold"/>
                                         <p:tgtEl>
-                                          <p:spTgt spid="3">
+                                          <p:spTgt spid="5">
                                             <p:txEl>
                                               <p:pRg st="1" end="1"/>
                                             </p:txEl>
@@ -12378,7 +13154,7 @@
                                           </p:stCondLst>
                                         </p:cTn>
                                         <p:tgtEl>
-                                          <p:spTgt spid="3">
+                                          <p:spTgt spid="5">
                                             <p:txEl>
                                               <p:pRg st="2" end="2"/>
                                             </p:txEl>
@@ -12396,7 +13172,7 @@
                                       <p:cBhvr additive="base">
                                         <p:cTn id="19" dur="500" fill="hold"/>
                                         <p:tgtEl>
-                                          <p:spTgt spid="3">
+                                          <p:spTgt spid="5">
                                             <p:txEl>
                                               <p:pRg st="2" end="2"/>
                                             </p:txEl>
@@ -12423,7 +13199,7 @@
                                       <p:cBhvr additive="base">
                                         <p:cTn id="20" dur="500" fill="hold"/>
                                         <p:tgtEl>
-                                          <p:spTgt spid="3">
+                                          <p:spTgt spid="5">
                                             <p:txEl>
                                               <p:pRg st="2" end="2"/>
                                             </p:txEl>
@@ -12481,7 +13257,7 @@
                                           </p:stCondLst>
                                         </p:cTn>
                                         <p:tgtEl>
-                                          <p:spTgt spid="3">
+                                          <p:spTgt spid="5">
                                             <p:txEl>
                                               <p:pRg st="3" end="3"/>
                                             </p:txEl>
@@ -12499,7 +13275,7 @@
                                       <p:cBhvr additive="base">
                                         <p:cTn id="25" dur="500" fill="hold"/>
                                         <p:tgtEl>
-                                          <p:spTgt spid="3">
+                                          <p:spTgt spid="5">
                                             <p:txEl>
                                               <p:pRg st="3" end="3"/>
                                             </p:txEl>
@@ -12526,112 +13302,9 @@
                                       <p:cBhvr additive="base">
                                         <p:cTn id="26" dur="500" fill="hold"/>
                                         <p:tgtEl>
-                                          <p:spTgt spid="3">
+                                          <p:spTgt spid="5">
                                             <p:txEl>
                                               <p:pRg st="3" end="3"/>
-                                            </p:txEl>
-                                          </p:spTgt>
-                                        </p:tgtEl>
-                                        <p:attrNameLst>
-                                          <p:attrName>ppt_y</p:attrName>
-                                        </p:attrNameLst>
-                                      </p:cBhvr>
-                                      <p:tavLst>
-                                        <p:tav tm="0">
-                                          <p:val>
-                                            <p:strVal val="1+#ppt_h/2"/>
-                                          </p:val>
-                                        </p:tav>
-                                        <p:tav tm="100000">
-                                          <p:val>
-                                            <p:strVal val="#ppt_y"/>
-                                          </p:val>
-                                        </p:tav>
-                                      </p:tavLst>
-                                    </p:anim>
-                                  </p:childTnLst>
-                                </p:cTn>
-                              </p:par>
-                            </p:childTnLst>
-                          </p:cTn>
-                        </p:par>
-                      </p:childTnLst>
-                    </p:cTn>
-                  </p:par>
-                  <p:par>
-                    <p:cTn id="27" fill="hold">
-                      <p:stCondLst>
-                        <p:cond delay="indefinite"/>
-                      </p:stCondLst>
-                      <p:childTnLst>
-                        <p:par>
-                          <p:cTn id="28" fill="hold">
-                            <p:stCondLst>
-                              <p:cond delay="0"/>
-                            </p:stCondLst>
-                            <p:childTnLst>
-                              <p:par>
-                                <p:cTn id="29" presetID="2" presetClass="entr" presetSubtype="4" fill="hold" grpId="0" nodeType="clickEffect">
-                                  <p:stCondLst>
-                                    <p:cond delay="0"/>
-                                  </p:stCondLst>
-                                  <p:childTnLst>
-                                    <p:set>
-                                      <p:cBhvr>
-                                        <p:cTn id="30" dur="1" fill="hold">
-                                          <p:stCondLst>
-                                            <p:cond delay="0"/>
-                                          </p:stCondLst>
-                                        </p:cTn>
-                                        <p:tgtEl>
-                                          <p:spTgt spid="3">
-                                            <p:txEl>
-                                              <p:pRg st="4" end="4"/>
-                                            </p:txEl>
-                                          </p:spTgt>
-                                        </p:tgtEl>
-                                        <p:attrNameLst>
-                                          <p:attrName>style.visibility</p:attrName>
-                                        </p:attrNameLst>
-                                      </p:cBhvr>
-                                      <p:to>
-                                        <p:strVal val="visible"/>
-                                      </p:to>
-                                    </p:set>
-                                    <p:anim calcmode="lin" valueType="num">
-                                      <p:cBhvr additive="base">
-                                        <p:cTn id="31" dur="500" fill="hold"/>
-                                        <p:tgtEl>
-                                          <p:spTgt spid="3">
-                                            <p:txEl>
-                                              <p:pRg st="4" end="4"/>
-                                            </p:txEl>
-                                          </p:spTgt>
-                                        </p:tgtEl>
-                                        <p:attrNameLst>
-                                          <p:attrName>ppt_x</p:attrName>
-                                        </p:attrNameLst>
-                                      </p:cBhvr>
-                                      <p:tavLst>
-                                        <p:tav tm="0">
-                                          <p:val>
-                                            <p:strVal val="#ppt_x"/>
-                                          </p:val>
-                                        </p:tav>
-                                        <p:tav tm="100000">
-                                          <p:val>
-                                            <p:strVal val="#ppt_x"/>
-                                          </p:val>
-                                        </p:tav>
-                                      </p:tavLst>
-                                    </p:anim>
-                                    <p:anim calcmode="lin" valueType="num">
-                                      <p:cBhvr additive="base">
-                                        <p:cTn id="32" dur="500" fill="hold"/>
-                                        <p:tgtEl>
-                                          <p:spTgt spid="3">
-                                            <p:txEl>
-                                              <p:pRg st="4" end="4"/>
                                             </p:txEl>
                                           </p:spTgt>
                                         </p:tgtEl>
@@ -12683,7 +13356,7 @@
       </p:par>
     </p:tnLst>
     <p:bldLst>
-      <p:bldP spid="3" grpId="0" build="p"/>
+      <p:bldP spid="5" grpId="0" build="p"/>
     </p:bldLst>
   </p:timing>
 </p:sld>
@@ -12765,7 +13438,7 @@
           </p:nvPr>
         </p:nvPicPr>
         <p:blipFill>
-          <a:blip r:embed="rId2">
+          <a:blip r:embed="rId2" cstate="print">
             <a:extLst>
               <a:ext uri="{28A0092B-C50C-407E-A947-70E740481C1C}">
                 <a14:useLocalDpi xmlns:a14="http://schemas.microsoft.com/office/drawing/2010/main" val="0"/>
@@ -12843,16 +13516,12 @@
           <a:lstStyle/>
           <a:p>
             <a:r>
-              <a:rPr lang="pl-PL" dirty="0" smtClean="0"/>
-              <a:t>„</a:t>
-            </a:r>
-            <a:r>
               <a:rPr lang="pl-PL" dirty="0" err="1" smtClean="0"/>
-              <a:t>Utestowalnienie</a:t>
-            </a:r>
-            <a:r>
-              <a:rPr lang="pl-PL" dirty="0" smtClean="0"/>
-              <a:t>” kodu</a:t>
+              <a:t>Patterns</a:t>
+            </a:r>
+            <a:r>
+              <a:rPr lang="pl-PL" dirty="0" smtClean="0"/>
+              <a:t> </a:t>
             </a:r>
             <a:endParaRPr lang="pl-PL" dirty="0"/>
           </a:p>
@@ -12860,7 +13529,81 @@
       </p:sp>
       <p:sp>
         <p:nvSpPr>
-          <p:cNvPr id="5" name="Symbol zastępczy zawartości 4"/>
+          <p:cNvPr id="5" name="Symbol zastępczy tekstu 4"/>
+          <p:cNvSpPr>
+            <a:spLocks noGrp="1"/>
+          </p:cNvSpPr>
+          <p:nvPr>
+            <p:ph type="body" idx="1"/>
+          </p:nvPr>
+        </p:nvSpPr>
+        <p:spPr/>
+        <p:txBody>
+          <a:bodyPr/>
+          <a:lstStyle/>
+          <a:p>
+            <a:endParaRPr lang="pl-PL"/>
+          </a:p>
+        </p:txBody>
+      </p:sp>
+    </p:spTree>
+  </p:cSld>
+  <p:clrMapOvr>
+    <a:masterClrMapping/>
+  </p:clrMapOvr>
+  <p:timing>
+    <p:tnLst>
+      <p:par>
+        <p:cTn id="1" dur="indefinite" restart="never" nodeType="tmRoot"/>
+      </p:par>
+    </p:tnLst>
+  </p:timing>
+</p:sld>
+</file>
+
+<file path=ppt/slides/slide31.xml><?xml version="1.0" encoding="utf-8"?>
+<p:sld xmlns:a="http://schemas.openxmlformats.org/drawingml/2006/main" xmlns:r="http://schemas.openxmlformats.org/officeDocument/2006/relationships" xmlns:p="http://schemas.openxmlformats.org/presentationml/2006/main">
+  <p:cSld>
+    <p:spTree>
+      <p:nvGrpSpPr>
+        <p:cNvPr id="1" name=""/>
+        <p:cNvGrpSpPr/>
+        <p:nvPr/>
+      </p:nvGrpSpPr>
+      <p:grpSpPr>
+        <a:xfrm>
+          <a:off x="0" y="0"/>
+          <a:ext cx="0" cy="0"/>
+          <a:chOff x="0" y="0"/>
+          <a:chExt cx="0" cy="0"/>
+        </a:xfrm>
+      </p:grpSpPr>
+      <p:sp>
+        <p:nvSpPr>
+          <p:cNvPr id="5" name="Tytuł 4"/>
+          <p:cNvSpPr>
+            <a:spLocks noGrp="1"/>
+          </p:cNvSpPr>
+          <p:nvPr>
+            <p:ph type="title"/>
+          </p:nvPr>
+        </p:nvSpPr>
+        <p:spPr/>
+        <p:txBody>
+          <a:bodyPr/>
+          <a:lstStyle/>
+          <a:p>
+            <a:r>
+              <a:rPr lang="pl-PL" dirty="0" smtClean="0"/>
+              <a:t>Tworzenie danych testowych</a:t>
+            </a:r>
+            <a:endParaRPr lang="pl-PL" dirty="0"/>
+          </a:p>
+        </p:txBody>
+      </p:sp>
+      <p:sp>
+        <p:nvSpPr>
+          <p:cNvPr id="6" name="Symbol zastępczy zawartości 5"/>
           <p:cNvSpPr>
             <a:spLocks noGrp="1"/>
           </p:cNvSpPr>
@@ -12873,13 +13616,9 @@
           <a:bodyPr/>
           <a:lstStyle/>
           <a:p>
-            <a:pPr marL="514350" indent="-514350">
-              <a:buFont typeface="+mj-lt"/>
-              <a:buAutoNum type="arabicPeriod"/>
-            </a:pPr>
             <a:r>
               <a:rPr lang="pl-PL" dirty="0" err="1" smtClean="0"/>
-              <a:t>Dependency</a:t>
+              <a:t>Object</a:t>
             </a:r>
             <a:r>
               <a:rPr lang="pl-PL" dirty="0" smtClean="0"/>
@@ -12887,88 +13626,82 @@
             </a:r>
             <a:r>
               <a:rPr lang="pl-PL" dirty="0" err="1" smtClean="0"/>
-              <a:t>Injection</a:t>
-            </a:r>
-            <a:r>
-              <a:rPr lang="pl-PL" dirty="0" smtClean="0"/>
-              <a:t> &amp; </a:t>
+              <a:t>Mother</a:t>
+            </a:r>
+            <a:endParaRPr lang="pl-PL" dirty="0" smtClean="0"/>
+          </a:p>
+          <a:p>
+            <a:r>
+              <a:rPr lang="pl-PL" dirty="0" smtClean="0"/>
+              <a:t>Test Data </a:t>
             </a:r>
             <a:r>
               <a:rPr lang="pl-PL" dirty="0" err="1" smtClean="0"/>
-              <a:t>Strategy</a:t>
+              <a:t>Builder</a:t>
             </a:r>
             <a:endParaRPr lang="pl-PL" dirty="0" smtClean="0"/>
           </a:p>
           <a:p>
-            <a:pPr marL="514350" indent="-514350">
-              <a:buFont typeface="+mj-lt"/>
-              <a:buAutoNum type="arabicPeriod"/>
-            </a:pPr>
+            <a:r>
+              <a:rPr lang="pl-PL" dirty="0" err="1"/>
+              <a:t>Constrained</a:t>
+            </a:r>
+            <a:r>
+              <a:rPr lang="pl-PL" dirty="0"/>
+              <a:t> </a:t>
+            </a:r>
+            <a:r>
+              <a:rPr lang="pl-PL" dirty="0" smtClean="0"/>
+              <a:t>Non-</a:t>
+            </a:r>
             <a:r>
               <a:rPr lang="pl-PL" dirty="0" err="1" smtClean="0"/>
-              <a:t>Factory</a:t>
-            </a:r>
-            <a:r>
-              <a:rPr lang="pl-PL" dirty="0" smtClean="0"/>
-              <a:t> </a:t>
-            </a:r>
+              <a:t>Determinism</a:t>
+            </a:r>
+            <a:endParaRPr lang="pl-PL" dirty="0" smtClean="0"/>
+          </a:p>
+          <a:p>
+            <a:pPr lvl="1"/>
             <a:r>
               <a:rPr lang="pl-PL" dirty="0" err="1" smtClean="0"/>
-              <a:t>patterns</a:t>
+              <a:t>Anonymous</a:t>
+            </a:r>
+            <a:r>
+              <a:rPr lang="pl-PL" dirty="0" smtClean="0"/>
+              <a:t> Input</a:t>
+            </a:r>
+          </a:p>
+          <a:p>
+            <a:pPr lvl="1"/>
+            <a:r>
+              <a:rPr lang="en-US" dirty="0"/>
+              <a:t>Derived </a:t>
+            </a:r>
+            <a:r>
+              <a:rPr lang="en-US" dirty="0" smtClean="0"/>
+              <a:t>Values</a:t>
             </a:r>
             <a:endParaRPr lang="pl-PL" dirty="0" smtClean="0"/>
           </a:p>
           <a:p>
-            <a:pPr marL="514350" indent="-514350">
-              <a:buFont typeface="+mj-lt"/>
-              <a:buAutoNum type="arabicPeriod"/>
-            </a:pPr>
-            <a:r>
-              <a:rPr lang="pl-PL" dirty="0" err="1" smtClean="0"/>
-              <a:t>Extract</a:t>
-            </a:r>
-            <a:r>
-              <a:rPr lang="pl-PL" dirty="0" smtClean="0"/>
-              <a:t> and </a:t>
-            </a:r>
-            <a:r>
-              <a:rPr lang="pl-PL" dirty="0" err="1" smtClean="0"/>
-              <a:t>Override</a:t>
+            <a:pPr lvl="1"/>
+            <a:r>
+              <a:rPr lang="en-US" dirty="0"/>
+              <a:t>Distinct Generated </a:t>
+            </a:r>
+            <a:r>
+              <a:rPr lang="en-US" dirty="0" smtClean="0"/>
+              <a:t>Values</a:t>
             </a:r>
             <a:endParaRPr lang="pl-PL" dirty="0" smtClean="0"/>
           </a:p>
           <a:p>
-            <a:pPr marL="514350" indent="-514350">
-              <a:buFont typeface="+mj-lt"/>
-              <a:buAutoNum type="arabicPeriod"/>
-            </a:pPr>
-            <a:r>
-              <a:rPr lang="pl-PL" dirty="0" smtClean="0"/>
-              <a:t>„</a:t>
-            </a:r>
-            <a:r>
-              <a:rPr lang="pl-PL" dirty="0" err="1" smtClean="0"/>
-              <a:t>IsTestMode</a:t>
-            </a:r>
-            <a:r>
-              <a:rPr lang="pl-PL" dirty="0" smtClean="0"/>
-              <a:t>” </a:t>
-            </a:r>
-            <a:r>
-              <a:rPr lang="pl-PL" dirty="0" err="1" smtClean="0"/>
-              <a:t>static</a:t>
-            </a:r>
-            <a:r>
-              <a:rPr lang="pl-PL" dirty="0" smtClean="0"/>
-              <a:t> field</a:t>
-            </a:r>
-          </a:p>
-          <a:p>
+            <a:pPr lvl="1"/>
+            <a:r>
+              <a:rPr lang="en-US" dirty="0"/>
+              <a:t>Constant Specification</a:t>
+            </a:r>
             <a:endParaRPr lang="pl-PL" dirty="0" smtClean="0"/>
-          </a:p>
-          <a:p>
-            <a:pPr lvl="1"/>
-            <a:endParaRPr lang="pl-PL" dirty="0"/>
           </a:p>
         </p:txBody>
       </p:sp>
@@ -13011,7 +13744,7 @@
                                           </p:stCondLst>
                                         </p:cTn>
                                         <p:tgtEl>
-                                          <p:spTgt spid="5">
+                                          <p:spTgt spid="6">
                                             <p:txEl>
                                               <p:pRg st="0" end="0"/>
                                             </p:txEl>
@@ -13029,7 +13762,7 @@
                                       <p:cBhvr additive="base">
                                         <p:cTn id="7" dur="500" fill="hold"/>
                                         <p:tgtEl>
-                                          <p:spTgt spid="5">
+                                          <p:spTgt spid="6">
                                             <p:txEl>
                                               <p:pRg st="0" end="0"/>
                                             </p:txEl>
@@ -13056,7 +13789,7 @@
                                       <p:cBhvr additive="base">
                                         <p:cTn id="8" dur="500" fill="hold"/>
                                         <p:tgtEl>
-                                          <p:spTgt spid="5">
+                                          <p:spTgt spid="6">
                                             <p:txEl>
                                               <p:pRg st="0" end="0"/>
                                             </p:txEl>
@@ -13114,7 +13847,7 @@
                                           </p:stCondLst>
                                         </p:cTn>
                                         <p:tgtEl>
-                                          <p:spTgt spid="5">
+                                          <p:spTgt spid="6">
                                             <p:txEl>
                                               <p:pRg st="1" end="1"/>
                                             </p:txEl>
@@ -13132,7 +13865,7 @@
                                       <p:cBhvr additive="base">
                                         <p:cTn id="13" dur="500" fill="hold"/>
                                         <p:tgtEl>
-                                          <p:spTgt spid="5">
+                                          <p:spTgt spid="6">
                                             <p:txEl>
                                               <p:pRg st="1" end="1"/>
                                             </p:txEl>
@@ -13159,7 +13892,7 @@
                                       <p:cBhvr additive="base">
                                         <p:cTn id="14" dur="500" fill="hold"/>
                                         <p:tgtEl>
-                                          <p:spTgt spid="5">
+                                          <p:spTgt spid="6">
                                             <p:txEl>
                                               <p:pRg st="1" end="1"/>
                                             </p:txEl>
@@ -13217,7 +13950,7 @@
                                           </p:stCondLst>
                                         </p:cTn>
                                         <p:tgtEl>
-                                          <p:spTgt spid="5">
+                                          <p:spTgt spid="6">
                                             <p:txEl>
                                               <p:pRg st="2" end="2"/>
                                             </p:txEl>
@@ -13235,7 +13968,7 @@
                                       <p:cBhvr additive="base">
                                         <p:cTn id="19" dur="500" fill="hold"/>
                                         <p:tgtEl>
-                                          <p:spTgt spid="5">
+                                          <p:spTgt spid="6">
                                             <p:txEl>
                                               <p:pRg st="2" end="2"/>
                                             </p:txEl>
@@ -13262,7 +13995,7 @@
                                       <p:cBhvr additive="base">
                                         <p:cTn id="20" dur="500" fill="hold"/>
                                         <p:tgtEl>
-                                          <p:spTgt spid="5">
+                                          <p:spTgt spid="6">
                                             <p:txEl>
                                               <p:pRg st="2" end="2"/>
                                             </p:txEl>
@@ -13288,39 +14021,21 @@
                                   </p:childTnLst>
                                 </p:cTn>
                               </p:par>
-                            </p:childTnLst>
-                          </p:cTn>
-                        </p:par>
-                      </p:childTnLst>
-                    </p:cTn>
-                  </p:par>
-                  <p:par>
-                    <p:cTn id="21" fill="hold">
-                      <p:stCondLst>
-                        <p:cond delay="indefinite"/>
-                      </p:stCondLst>
-                      <p:childTnLst>
-                        <p:par>
-                          <p:cTn id="22" fill="hold">
-                            <p:stCondLst>
-                              <p:cond delay="0"/>
-                            </p:stCondLst>
-                            <p:childTnLst>
                               <p:par>
-                                <p:cTn id="23" presetID="2" presetClass="entr" presetSubtype="4" fill="hold" grpId="0" nodeType="clickEffect">
+                                <p:cTn id="21" presetID="2" presetClass="entr" presetSubtype="4" fill="hold" grpId="0" nodeType="withEffect">
                                   <p:stCondLst>
                                     <p:cond delay="0"/>
                                   </p:stCondLst>
                                   <p:childTnLst>
                                     <p:set>
                                       <p:cBhvr>
-                                        <p:cTn id="24" dur="1" fill="hold">
+                                        <p:cTn id="22" dur="1" fill="hold">
                                           <p:stCondLst>
                                             <p:cond delay="0"/>
                                           </p:stCondLst>
                                         </p:cTn>
                                         <p:tgtEl>
-                                          <p:spTgt spid="5">
+                                          <p:spTgt spid="6">
                                             <p:txEl>
                                               <p:pRg st="3" end="3"/>
                                             </p:txEl>
@@ -13336,9 +14051,9 @@
                                     </p:set>
                                     <p:anim calcmode="lin" valueType="num">
                                       <p:cBhvr additive="base">
-                                        <p:cTn id="25" dur="500" fill="hold"/>
-                                        <p:tgtEl>
-                                          <p:spTgt spid="5">
+                                        <p:cTn id="23" dur="500" fill="hold"/>
+                                        <p:tgtEl>
+                                          <p:spTgt spid="6">
                                             <p:txEl>
                                               <p:pRg st="3" end="3"/>
                                             </p:txEl>
@@ -13363,11 +14078,266 @@
                                     </p:anim>
                                     <p:anim calcmode="lin" valueType="num">
                                       <p:cBhvr additive="base">
-                                        <p:cTn id="26" dur="500" fill="hold"/>
-                                        <p:tgtEl>
-                                          <p:spTgt spid="5">
+                                        <p:cTn id="24" dur="500" fill="hold"/>
+                                        <p:tgtEl>
+                                          <p:spTgt spid="6">
                                             <p:txEl>
                                               <p:pRg st="3" end="3"/>
+                                            </p:txEl>
+                                          </p:spTgt>
+                                        </p:tgtEl>
+                                        <p:attrNameLst>
+                                          <p:attrName>ppt_y</p:attrName>
+                                        </p:attrNameLst>
+                                      </p:cBhvr>
+                                      <p:tavLst>
+                                        <p:tav tm="0">
+                                          <p:val>
+                                            <p:strVal val="1+#ppt_h/2"/>
+                                          </p:val>
+                                        </p:tav>
+                                        <p:tav tm="100000">
+                                          <p:val>
+                                            <p:strVal val="#ppt_y"/>
+                                          </p:val>
+                                        </p:tav>
+                                      </p:tavLst>
+                                    </p:anim>
+                                  </p:childTnLst>
+                                </p:cTn>
+                              </p:par>
+                              <p:par>
+                                <p:cTn id="25" presetID="2" presetClass="entr" presetSubtype="4" fill="hold" grpId="0" nodeType="withEffect">
+                                  <p:stCondLst>
+                                    <p:cond delay="0"/>
+                                  </p:stCondLst>
+                                  <p:childTnLst>
+                                    <p:set>
+                                      <p:cBhvr>
+                                        <p:cTn id="26" dur="1" fill="hold">
+                                          <p:stCondLst>
+                                            <p:cond delay="0"/>
+                                          </p:stCondLst>
+                                        </p:cTn>
+                                        <p:tgtEl>
+                                          <p:spTgt spid="6">
+                                            <p:txEl>
+                                              <p:pRg st="4" end="4"/>
+                                            </p:txEl>
+                                          </p:spTgt>
+                                        </p:tgtEl>
+                                        <p:attrNameLst>
+                                          <p:attrName>style.visibility</p:attrName>
+                                        </p:attrNameLst>
+                                      </p:cBhvr>
+                                      <p:to>
+                                        <p:strVal val="visible"/>
+                                      </p:to>
+                                    </p:set>
+                                    <p:anim calcmode="lin" valueType="num">
+                                      <p:cBhvr additive="base">
+                                        <p:cTn id="27" dur="500" fill="hold"/>
+                                        <p:tgtEl>
+                                          <p:spTgt spid="6">
+                                            <p:txEl>
+                                              <p:pRg st="4" end="4"/>
+                                            </p:txEl>
+                                          </p:spTgt>
+                                        </p:tgtEl>
+                                        <p:attrNameLst>
+                                          <p:attrName>ppt_x</p:attrName>
+                                        </p:attrNameLst>
+                                      </p:cBhvr>
+                                      <p:tavLst>
+                                        <p:tav tm="0">
+                                          <p:val>
+                                            <p:strVal val="#ppt_x"/>
+                                          </p:val>
+                                        </p:tav>
+                                        <p:tav tm="100000">
+                                          <p:val>
+                                            <p:strVal val="#ppt_x"/>
+                                          </p:val>
+                                        </p:tav>
+                                      </p:tavLst>
+                                    </p:anim>
+                                    <p:anim calcmode="lin" valueType="num">
+                                      <p:cBhvr additive="base">
+                                        <p:cTn id="28" dur="500" fill="hold"/>
+                                        <p:tgtEl>
+                                          <p:spTgt spid="6">
+                                            <p:txEl>
+                                              <p:pRg st="4" end="4"/>
+                                            </p:txEl>
+                                          </p:spTgt>
+                                        </p:tgtEl>
+                                        <p:attrNameLst>
+                                          <p:attrName>ppt_y</p:attrName>
+                                        </p:attrNameLst>
+                                      </p:cBhvr>
+                                      <p:tavLst>
+                                        <p:tav tm="0">
+                                          <p:val>
+                                            <p:strVal val="1+#ppt_h/2"/>
+                                          </p:val>
+                                        </p:tav>
+                                        <p:tav tm="100000">
+                                          <p:val>
+                                            <p:strVal val="#ppt_y"/>
+                                          </p:val>
+                                        </p:tav>
+                                      </p:tavLst>
+                                    </p:anim>
+                                  </p:childTnLst>
+                                </p:cTn>
+                              </p:par>
+                              <p:par>
+                                <p:cTn id="29" presetID="2" presetClass="entr" presetSubtype="4" fill="hold" grpId="0" nodeType="withEffect">
+                                  <p:stCondLst>
+                                    <p:cond delay="0"/>
+                                  </p:stCondLst>
+                                  <p:childTnLst>
+                                    <p:set>
+                                      <p:cBhvr>
+                                        <p:cTn id="30" dur="1" fill="hold">
+                                          <p:stCondLst>
+                                            <p:cond delay="0"/>
+                                          </p:stCondLst>
+                                        </p:cTn>
+                                        <p:tgtEl>
+                                          <p:spTgt spid="6">
+                                            <p:txEl>
+                                              <p:pRg st="5" end="5"/>
+                                            </p:txEl>
+                                          </p:spTgt>
+                                        </p:tgtEl>
+                                        <p:attrNameLst>
+                                          <p:attrName>style.visibility</p:attrName>
+                                        </p:attrNameLst>
+                                      </p:cBhvr>
+                                      <p:to>
+                                        <p:strVal val="visible"/>
+                                      </p:to>
+                                    </p:set>
+                                    <p:anim calcmode="lin" valueType="num">
+                                      <p:cBhvr additive="base">
+                                        <p:cTn id="31" dur="500" fill="hold"/>
+                                        <p:tgtEl>
+                                          <p:spTgt spid="6">
+                                            <p:txEl>
+                                              <p:pRg st="5" end="5"/>
+                                            </p:txEl>
+                                          </p:spTgt>
+                                        </p:tgtEl>
+                                        <p:attrNameLst>
+                                          <p:attrName>ppt_x</p:attrName>
+                                        </p:attrNameLst>
+                                      </p:cBhvr>
+                                      <p:tavLst>
+                                        <p:tav tm="0">
+                                          <p:val>
+                                            <p:strVal val="#ppt_x"/>
+                                          </p:val>
+                                        </p:tav>
+                                        <p:tav tm="100000">
+                                          <p:val>
+                                            <p:strVal val="#ppt_x"/>
+                                          </p:val>
+                                        </p:tav>
+                                      </p:tavLst>
+                                    </p:anim>
+                                    <p:anim calcmode="lin" valueType="num">
+                                      <p:cBhvr additive="base">
+                                        <p:cTn id="32" dur="500" fill="hold"/>
+                                        <p:tgtEl>
+                                          <p:spTgt spid="6">
+                                            <p:txEl>
+                                              <p:pRg st="5" end="5"/>
+                                            </p:txEl>
+                                          </p:spTgt>
+                                        </p:tgtEl>
+                                        <p:attrNameLst>
+                                          <p:attrName>ppt_y</p:attrName>
+                                        </p:attrNameLst>
+                                      </p:cBhvr>
+                                      <p:tavLst>
+                                        <p:tav tm="0">
+                                          <p:val>
+                                            <p:strVal val="1+#ppt_h/2"/>
+                                          </p:val>
+                                        </p:tav>
+                                        <p:tav tm="100000">
+                                          <p:val>
+                                            <p:strVal val="#ppt_y"/>
+                                          </p:val>
+                                        </p:tav>
+                                      </p:tavLst>
+                                    </p:anim>
+                                  </p:childTnLst>
+                                </p:cTn>
+                              </p:par>
+                              <p:par>
+                                <p:cTn id="33" presetID="2" presetClass="entr" presetSubtype="4" fill="hold" grpId="0" nodeType="withEffect">
+                                  <p:stCondLst>
+                                    <p:cond delay="0"/>
+                                  </p:stCondLst>
+                                  <p:childTnLst>
+                                    <p:set>
+                                      <p:cBhvr>
+                                        <p:cTn id="34" dur="1" fill="hold">
+                                          <p:stCondLst>
+                                            <p:cond delay="0"/>
+                                          </p:stCondLst>
+                                        </p:cTn>
+                                        <p:tgtEl>
+                                          <p:spTgt spid="6">
+                                            <p:txEl>
+                                              <p:pRg st="6" end="6"/>
+                                            </p:txEl>
+                                          </p:spTgt>
+                                        </p:tgtEl>
+                                        <p:attrNameLst>
+                                          <p:attrName>style.visibility</p:attrName>
+                                        </p:attrNameLst>
+                                      </p:cBhvr>
+                                      <p:to>
+                                        <p:strVal val="visible"/>
+                                      </p:to>
+                                    </p:set>
+                                    <p:anim calcmode="lin" valueType="num">
+                                      <p:cBhvr additive="base">
+                                        <p:cTn id="35" dur="500" fill="hold"/>
+                                        <p:tgtEl>
+                                          <p:spTgt spid="6">
+                                            <p:txEl>
+                                              <p:pRg st="6" end="6"/>
+                                            </p:txEl>
+                                          </p:spTgt>
+                                        </p:tgtEl>
+                                        <p:attrNameLst>
+                                          <p:attrName>ppt_x</p:attrName>
+                                        </p:attrNameLst>
+                                      </p:cBhvr>
+                                      <p:tavLst>
+                                        <p:tav tm="0">
+                                          <p:val>
+                                            <p:strVal val="#ppt_x"/>
+                                          </p:val>
+                                        </p:tav>
+                                        <p:tav tm="100000">
+                                          <p:val>
+                                            <p:strVal val="#ppt_x"/>
+                                          </p:val>
+                                        </p:tav>
+                                      </p:tavLst>
+                                    </p:anim>
+                                    <p:anim calcmode="lin" valueType="num">
+                                      <p:cBhvr additive="base">
+                                        <p:cTn id="36" dur="500" fill="hold"/>
+                                        <p:tgtEl>
+                                          <p:spTgt spid="6">
+                                            <p:txEl>
+                                              <p:pRg st="6" end="6"/>
                                             </p:txEl>
                                           </p:spTgt>
                                         </p:tgtEl>
@@ -13419,13 +14389,13 @@
       </p:par>
     </p:tnLst>
     <p:bldLst>
-      <p:bldP spid="5" grpId="0" build="p"/>
+      <p:bldP spid="6" grpId="0" build="p"/>
     </p:bldLst>
   </p:timing>
 </p:sld>
 </file>
 
-<file path=ppt/slides/slide31.xml><?xml version="1.0" encoding="utf-8"?>
+<file path=ppt/slides/slide32.xml><?xml version="1.0" encoding="utf-8"?>
 <p:sld xmlns:a="http://schemas.openxmlformats.org/drawingml/2006/main" xmlns:r="http://schemas.openxmlformats.org/officeDocument/2006/relationships" xmlns:p="http://schemas.openxmlformats.org/presentationml/2006/main">
   <p:cSld>
     <p:spTree>
@@ -13459,7 +14429,7 @@
           <a:p>
             <a:r>
               <a:rPr lang="pl-PL" dirty="0" smtClean="0"/>
-              <a:t>DEMO</a:t>
+              <a:t>Wykorzystywanie dziedziczenia</a:t>
             </a:r>
             <a:endParaRPr lang="pl-PL" dirty="0"/>
           </a:p>
@@ -13467,197 +14437,7 @@
       </p:sp>
       <p:sp>
         <p:nvSpPr>
-          <p:cNvPr id="4" name="Symbol zastępczy tekstu 3"/>
-          <p:cNvSpPr>
-            <a:spLocks noGrp="1"/>
-          </p:cNvSpPr>
-          <p:nvPr>
-            <p:ph type="body" idx="1"/>
-          </p:nvPr>
-        </p:nvSpPr>
-        <p:spPr/>
-        <p:txBody>
-          <a:bodyPr/>
-          <a:lstStyle/>
-          <a:p>
-            <a:r>
-              <a:rPr lang="pl-PL" dirty="0" err="1" smtClean="0"/>
-              <a:t>Lets</a:t>
-            </a:r>
-            <a:r>
-              <a:rPr lang="pl-PL" dirty="0" smtClean="0"/>
-              <a:t> </a:t>
-            </a:r>
-            <a:r>
-              <a:rPr lang="pl-PL" dirty="0" err="1" smtClean="0"/>
-              <a:t>see</a:t>
-            </a:r>
-            <a:r>
-              <a:rPr lang="pl-PL" dirty="0" smtClean="0"/>
-              <a:t> </a:t>
-            </a:r>
-            <a:r>
-              <a:rPr lang="pl-PL" dirty="0" err="1" smtClean="0"/>
-              <a:t>some</a:t>
-            </a:r>
-            <a:r>
-              <a:rPr lang="pl-PL" dirty="0" smtClean="0"/>
-              <a:t> </a:t>
-            </a:r>
-            <a:r>
-              <a:rPr lang="pl-PL" dirty="0" err="1" smtClean="0"/>
-              <a:t>legacy</a:t>
-            </a:r>
-            <a:r>
-              <a:rPr lang="pl-PL" dirty="0" smtClean="0"/>
-              <a:t> </a:t>
-            </a:r>
-            <a:r>
-              <a:rPr lang="pl-PL" dirty="0" err="1" smtClean="0"/>
-              <a:t>code</a:t>
-            </a:r>
-            <a:r>
-              <a:rPr lang="pl-PL" dirty="0" smtClean="0"/>
-              <a:t>…</a:t>
-            </a:r>
-            <a:endParaRPr lang="pl-PL" dirty="0"/>
-          </a:p>
-        </p:txBody>
-      </p:sp>
-    </p:spTree>
-    <p:extLst>
-      <p:ext uri="{BB962C8B-B14F-4D97-AF65-F5344CB8AC3E}">
-        <p14:creationId xmlns:p14="http://schemas.microsoft.com/office/powerpoint/2010/main" val="131038057"/>
-      </p:ext>
-    </p:extLst>
-  </p:cSld>
-  <p:clrMapOvr>
-    <a:masterClrMapping/>
-  </p:clrMapOvr>
-</p:sld>
-</file>
-
-<file path=ppt/slides/slide32.xml><?xml version="1.0" encoding="utf-8"?>
-<p:sld xmlns:a="http://schemas.openxmlformats.org/drawingml/2006/main" xmlns:r="http://schemas.openxmlformats.org/officeDocument/2006/relationships" xmlns:p="http://schemas.openxmlformats.org/presentationml/2006/main">
-  <p:cSld>
-    <p:spTree>
-      <p:nvGrpSpPr>
-        <p:cNvPr id="1" name=""/>
-        <p:cNvGrpSpPr/>
-        <p:nvPr/>
-      </p:nvGrpSpPr>
-      <p:grpSpPr>
-        <a:xfrm>
-          <a:off x="0" y="0"/>
-          <a:ext cx="0" cy="0"/>
-          <a:chOff x="0" y="0"/>
-          <a:chExt cx="0" cy="0"/>
-        </a:xfrm>
-      </p:grpSpPr>
-      <p:sp>
-        <p:nvSpPr>
-          <p:cNvPr id="4" name="Tytuł 3"/>
-          <p:cNvSpPr>
-            <a:spLocks noGrp="1"/>
-          </p:cNvSpPr>
-          <p:nvPr>
-            <p:ph type="title"/>
-          </p:nvPr>
-        </p:nvSpPr>
-        <p:spPr/>
-        <p:txBody>
-          <a:bodyPr/>
-          <a:lstStyle/>
-          <a:p>
-            <a:r>
-              <a:rPr lang="pl-PL" dirty="0" err="1" smtClean="0"/>
-              <a:t>Patterns</a:t>
-            </a:r>
-            <a:r>
-              <a:rPr lang="pl-PL" dirty="0" smtClean="0"/>
-              <a:t> </a:t>
-            </a:r>
-            <a:endParaRPr lang="pl-PL" dirty="0"/>
-          </a:p>
-        </p:txBody>
-      </p:sp>
-      <p:sp>
-        <p:nvSpPr>
-          <p:cNvPr id="5" name="Symbol zastępczy tekstu 4"/>
-          <p:cNvSpPr>
-            <a:spLocks noGrp="1"/>
-          </p:cNvSpPr>
-          <p:nvPr>
-            <p:ph type="body" idx="1"/>
-          </p:nvPr>
-        </p:nvSpPr>
-        <p:spPr/>
-        <p:txBody>
-          <a:bodyPr/>
-          <a:lstStyle/>
-          <a:p>
-            <a:endParaRPr lang="pl-PL"/>
-          </a:p>
-        </p:txBody>
-      </p:sp>
-    </p:spTree>
-  </p:cSld>
-  <p:clrMapOvr>
-    <a:masterClrMapping/>
-  </p:clrMapOvr>
-  <p:timing>
-    <p:tnLst>
-      <p:par>
-        <p:cTn id="1" dur="indefinite" restart="never" nodeType="tmRoot"/>
-      </p:par>
-    </p:tnLst>
-  </p:timing>
-</p:sld>
-</file>
-
-<file path=ppt/slides/slide33.xml><?xml version="1.0" encoding="utf-8"?>
-<p:sld xmlns:a="http://schemas.openxmlformats.org/drawingml/2006/main" xmlns:r="http://schemas.openxmlformats.org/officeDocument/2006/relationships" xmlns:p="http://schemas.openxmlformats.org/presentationml/2006/main">
-  <p:cSld>
-    <p:spTree>
-      <p:nvGrpSpPr>
-        <p:cNvPr id="1" name=""/>
-        <p:cNvGrpSpPr/>
-        <p:nvPr/>
-      </p:nvGrpSpPr>
-      <p:grpSpPr>
-        <a:xfrm>
-          <a:off x="0" y="0"/>
-          <a:ext cx="0" cy="0"/>
-          <a:chOff x="0" y="0"/>
-          <a:chExt cx="0" cy="0"/>
-        </a:xfrm>
-      </p:grpSpPr>
-      <p:sp>
-        <p:nvSpPr>
-          <p:cNvPr id="5" name="Tytuł 4"/>
-          <p:cNvSpPr>
-            <a:spLocks noGrp="1"/>
-          </p:cNvSpPr>
-          <p:nvPr>
-            <p:ph type="title"/>
-          </p:nvPr>
-        </p:nvSpPr>
-        <p:spPr/>
-        <p:txBody>
-          <a:bodyPr/>
-          <a:lstStyle/>
-          <a:p>
-            <a:r>
-              <a:rPr lang="pl-PL" dirty="0" smtClean="0"/>
-              <a:t>Tworzenie danych testowych</a:t>
-            </a:r>
-            <a:endParaRPr lang="pl-PL" dirty="0"/>
-          </a:p>
-        </p:txBody>
-      </p:sp>
-      <p:sp>
-        <p:nvSpPr>
-          <p:cNvPr id="6" name="Symbol zastępczy zawartości 5"/>
+          <p:cNvPr id="3" name="Symbol zastępczy zawartości 2"/>
           <p:cNvSpPr>
             <a:spLocks noGrp="1"/>
           </p:cNvSpPr>
@@ -13667,12 +14447,43 @@
         </p:nvSpPr>
         <p:spPr/>
         <p:txBody>
-          <a:bodyPr/>
+          <a:bodyPr>
+            <a:normAutofit fontScale="77500" lnSpcReduction="20000"/>
+          </a:bodyPr>
           <a:lstStyle/>
           <a:p>
             <a:r>
+              <a:rPr lang="pl-PL" dirty="0"/>
+              <a:t>Stworzenie struktury testów</a:t>
+            </a:r>
+          </a:p>
+          <a:p>
+            <a:pPr lvl="1"/>
+            <a:r>
+              <a:rPr lang="pl-PL" dirty="0"/>
+              <a:t>Standaryzacja (np. </a:t>
+            </a:r>
+            <a:r>
+              <a:rPr lang="pl-PL" dirty="0" err="1"/>
+              <a:t>TestBase</a:t>
+            </a:r>
+            <a:r>
+              <a:rPr lang="pl-PL" dirty="0" smtClean="0"/>
+              <a:t>)</a:t>
+            </a:r>
+          </a:p>
+          <a:p>
+            <a:r>
               <a:rPr lang="pl-PL" dirty="0" err="1" smtClean="0"/>
-              <a:t>Object</a:t>
+              <a:t>Abstract</a:t>
+            </a:r>
+            <a:r>
+              <a:rPr lang="pl-PL" dirty="0" smtClean="0"/>
+              <a:t> test </a:t>
+            </a:r>
+            <a:r>
+              <a:rPr lang="pl-PL" dirty="0" err="1" smtClean="0"/>
+              <a:t>infrastructure</a:t>
             </a:r>
             <a:r>
               <a:rPr lang="pl-PL" dirty="0" smtClean="0"/>
@@ -13680,82 +14491,177 @@
             </a:r>
             <a:r>
               <a:rPr lang="pl-PL" dirty="0" err="1" smtClean="0"/>
-              <a:t>Mother</a:t>
+              <a:t>class</a:t>
             </a:r>
             <a:endParaRPr lang="pl-PL" dirty="0" smtClean="0"/>
           </a:p>
           <a:p>
-            <a:r>
-              <a:rPr lang="pl-PL" dirty="0" smtClean="0"/>
-              <a:t>Test Data </a:t>
-            </a:r>
+            <a:pPr lvl="1"/>
             <a:r>
               <a:rPr lang="pl-PL" dirty="0" err="1" smtClean="0"/>
-              <a:t>Builder</a:t>
+              <a:t>Reużywnie</a:t>
+            </a:r>
+            <a:r>
+              <a:rPr lang="pl-PL" dirty="0" smtClean="0"/>
+              <a:t> setup i </a:t>
+            </a:r>
+            <a:r>
+              <a:rPr lang="pl-PL" dirty="0" err="1" smtClean="0"/>
+              <a:t>teardown</a:t>
+            </a:r>
+            <a:r>
+              <a:rPr lang="pl-PL" dirty="0" smtClean="0"/>
+              <a:t> (np. </a:t>
+            </a:r>
+            <a:r>
+              <a:rPr lang="pl-PL" dirty="0" err="1" smtClean="0"/>
+              <a:t>StackTests</a:t>
+            </a:r>
+            <a:r>
+              <a:rPr lang="pl-PL" dirty="0" smtClean="0"/>
+              <a:t>)</a:t>
+            </a:r>
+            <a:r>
+              <a:rPr lang="en-US" dirty="0" smtClean="0"/>
+              <a:t>  </a:t>
             </a:r>
             <a:endParaRPr lang="pl-PL" dirty="0" smtClean="0"/>
           </a:p>
           <a:p>
             <a:r>
-              <a:rPr lang="pl-PL" dirty="0" err="1"/>
-              <a:t>Constrained</a:t>
-            </a:r>
-            <a:r>
-              <a:rPr lang="pl-PL" dirty="0"/>
+              <a:rPr lang="en-US" dirty="0" smtClean="0"/>
+              <a:t>Abstract test driver class pattern</a:t>
+            </a:r>
+            <a:endParaRPr lang="pl-PL" dirty="0" smtClean="0"/>
+          </a:p>
+          <a:p>
+            <a:pPr lvl="1"/>
+            <a:r>
+              <a:rPr lang="pl-PL" dirty="0" smtClean="0"/>
+              <a:t>Wspólne testy (kontrakt) dla klas dziedziczących (np. </a:t>
+            </a:r>
+            <a:r>
+              <a:rPr lang="pl-PL" dirty="0" err="1" smtClean="0"/>
+              <a:t>IListTests</a:t>
+            </a:r>
+            <a:r>
+              <a:rPr lang="pl-PL" dirty="0" smtClean="0"/>
+              <a:t>)</a:t>
+            </a:r>
+          </a:p>
+          <a:p>
+            <a:endParaRPr lang="pl-PL" dirty="0" smtClean="0"/>
+          </a:p>
+          <a:p>
+            <a:pPr>
+              <a:buNone/>
+            </a:pPr>
+            <a:r>
+              <a:rPr lang="pl-PL" b="1" dirty="0" smtClean="0"/>
+              <a:t>UWAGA</a:t>
+            </a:r>
+            <a:r>
+              <a:rPr lang="pl-PL" dirty="0" smtClean="0"/>
+              <a:t>: </a:t>
+            </a:r>
+            <a:r>
+              <a:rPr lang="pl-PL" dirty="0" err="1" smtClean="0"/>
+              <a:t>Prefer</a:t>
+            </a:r>
+            <a:r>
+              <a:rPr lang="pl-PL" dirty="0" smtClean="0"/>
               <a:t> </a:t>
             </a:r>
             <a:r>
-              <a:rPr lang="pl-PL" dirty="0" smtClean="0"/>
-              <a:t>Non-</a:t>
-            </a:r>
-            <a:r>
               <a:rPr lang="pl-PL" dirty="0" err="1" smtClean="0"/>
-              <a:t>Determinism</a:t>
-            </a:r>
-            <a:endParaRPr lang="pl-PL" dirty="0" smtClean="0"/>
-          </a:p>
-          <a:p>
-            <a:pPr lvl="1"/>
+              <a:t>composition</a:t>
+            </a:r>
+            <a:r>
+              <a:rPr lang="pl-PL" dirty="0" smtClean="0"/>
+              <a:t> </a:t>
+            </a:r>
             <a:r>
               <a:rPr lang="pl-PL" dirty="0" err="1" smtClean="0"/>
-              <a:t>Anonymous</a:t>
-            </a:r>
-            <a:r>
-              <a:rPr lang="pl-PL" dirty="0" smtClean="0"/>
-              <a:t> Input</a:t>
-            </a:r>
-          </a:p>
-          <a:p>
-            <a:pPr lvl="1"/>
-            <a:r>
-              <a:rPr lang="en-US" dirty="0"/>
-              <a:t>Derived </a:t>
-            </a:r>
-            <a:r>
-              <a:rPr lang="en-US" dirty="0" smtClean="0"/>
-              <a:t>Values</a:t>
-            </a:r>
-            <a:endParaRPr lang="pl-PL" dirty="0" smtClean="0"/>
-          </a:p>
-          <a:p>
-            <a:pPr lvl="1"/>
-            <a:r>
-              <a:rPr lang="en-US" dirty="0"/>
-              <a:t>Distinct Generated </a:t>
-            </a:r>
-            <a:r>
-              <a:rPr lang="en-US" dirty="0" smtClean="0"/>
-              <a:t>Values</a:t>
-            </a:r>
-            <a:endParaRPr lang="pl-PL" dirty="0" smtClean="0"/>
-          </a:p>
-          <a:p>
-            <a:pPr lvl="1"/>
-            <a:r>
-              <a:rPr lang="en-US" dirty="0"/>
-              <a:t>Constant Specification</a:t>
-            </a:r>
-            <a:endParaRPr lang="pl-PL" dirty="0" smtClean="0"/>
+              <a:t>over</a:t>
+            </a:r>
+            <a:r>
+              <a:rPr lang="pl-PL" dirty="0" smtClean="0"/>
+              <a:t> </a:t>
+            </a:r>
+            <a:r>
+              <a:rPr lang="pl-PL" dirty="0" err="1" smtClean="0"/>
+              <a:t>inheritance</a:t>
+            </a:r>
+            <a:r>
+              <a:rPr lang="pl-PL" dirty="0" smtClean="0"/>
+              <a:t> </a:t>
+            </a:r>
+            <a:r>
+              <a:rPr lang="pl-PL" dirty="0" smtClean="0">
+                <a:sym typeface="Wingdings" panose="05000000000000000000" pitchFamily="2" charset="2"/>
+              </a:rPr>
+              <a:t></a:t>
+            </a:r>
+          </a:p>
+          <a:p>
+            <a:pPr>
+              <a:buNone/>
+            </a:pPr>
+            <a:r>
+              <a:rPr lang="pl-PL" dirty="0" smtClean="0">
+                <a:sym typeface="Wingdings" panose="05000000000000000000" pitchFamily="2" charset="2"/>
+              </a:rPr>
+              <a:t>Wykorzystywanie </a:t>
+            </a:r>
+            <a:r>
+              <a:rPr lang="pl-PL" dirty="0" err="1" smtClean="0">
+                <a:sym typeface="Wingdings" panose="05000000000000000000" pitchFamily="2" charset="2"/>
+              </a:rPr>
+              <a:t>Builder’ów</a:t>
+            </a:r>
+            <a:r>
+              <a:rPr lang="pl-PL" dirty="0" smtClean="0">
+                <a:sym typeface="Wingdings" panose="05000000000000000000" pitchFamily="2" charset="2"/>
+              </a:rPr>
+              <a:t> może być bardziej </a:t>
+            </a:r>
+            <a:r>
+              <a:rPr lang="pl-PL" dirty="0" err="1" smtClean="0">
+                <a:sym typeface="Wingdings" panose="05000000000000000000" pitchFamily="2" charset="2"/>
+              </a:rPr>
+              <a:t>reużywalne</a:t>
+            </a:r>
+            <a:r>
+              <a:rPr lang="pl-PL" dirty="0" smtClean="0">
+                <a:sym typeface="Wingdings" panose="05000000000000000000" pitchFamily="2" charset="2"/>
+              </a:rPr>
+              <a:t>, ponadto </a:t>
+            </a:r>
+            <a:r>
+              <a:rPr lang="pl-PL" dirty="0">
+                <a:sym typeface="Wingdings" panose="05000000000000000000" pitchFamily="2" charset="2"/>
+              </a:rPr>
+              <a:t>mamy </a:t>
+            </a:r>
+            <a:r>
+              <a:rPr lang="pl-PL" dirty="0" smtClean="0">
+                <a:sym typeface="Wingdings" panose="05000000000000000000" pitchFamily="2" charset="2"/>
+              </a:rPr>
+              <a:t>ciągłą </a:t>
+            </a:r>
+            <a:r>
+              <a:rPr lang="pl-PL" dirty="0">
+                <a:sym typeface="Wingdings" panose="05000000000000000000" pitchFamily="2" charset="2"/>
+              </a:rPr>
+              <a:t>kontrolę nad momentem, w którym określone operacje się </a:t>
+            </a:r>
+            <a:r>
+              <a:rPr lang="pl-PL" dirty="0" smtClean="0">
+                <a:sym typeface="Wingdings" panose="05000000000000000000" pitchFamily="2" charset="2"/>
+              </a:rPr>
+              <a:t>wykonają, nieraz też jest czytelniej.</a:t>
+            </a:r>
+            <a:endParaRPr lang="en-US" dirty="0"/>
           </a:p>
         </p:txBody>
       </p:sp>
@@ -13798,880 +14704,6 @@
                                           </p:stCondLst>
                                         </p:cTn>
                                         <p:tgtEl>
-                                          <p:spTgt spid="6">
-                                            <p:txEl>
-                                              <p:pRg st="0" end="0"/>
-                                            </p:txEl>
-                                          </p:spTgt>
-                                        </p:tgtEl>
-                                        <p:attrNameLst>
-                                          <p:attrName>style.visibility</p:attrName>
-                                        </p:attrNameLst>
-                                      </p:cBhvr>
-                                      <p:to>
-                                        <p:strVal val="visible"/>
-                                      </p:to>
-                                    </p:set>
-                                    <p:anim calcmode="lin" valueType="num">
-                                      <p:cBhvr additive="base">
-                                        <p:cTn id="7" dur="500" fill="hold"/>
-                                        <p:tgtEl>
-                                          <p:spTgt spid="6">
-                                            <p:txEl>
-                                              <p:pRg st="0" end="0"/>
-                                            </p:txEl>
-                                          </p:spTgt>
-                                        </p:tgtEl>
-                                        <p:attrNameLst>
-                                          <p:attrName>ppt_x</p:attrName>
-                                        </p:attrNameLst>
-                                      </p:cBhvr>
-                                      <p:tavLst>
-                                        <p:tav tm="0">
-                                          <p:val>
-                                            <p:strVal val="#ppt_x"/>
-                                          </p:val>
-                                        </p:tav>
-                                        <p:tav tm="100000">
-                                          <p:val>
-                                            <p:strVal val="#ppt_x"/>
-                                          </p:val>
-                                        </p:tav>
-                                      </p:tavLst>
-                                    </p:anim>
-                                    <p:anim calcmode="lin" valueType="num">
-                                      <p:cBhvr additive="base">
-                                        <p:cTn id="8" dur="500" fill="hold"/>
-                                        <p:tgtEl>
-                                          <p:spTgt spid="6">
-                                            <p:txEl>
-                                              <p:pRg st="0" end="0"/>
-                                            </p:txEl>
-                                          </p:spTgt>
-                                        </p:tgtEl>
-                                        <p:attrNameLst>
-                                          <p:attrName>ppt_y</p:attrName>
-                                        </p:attrNameLst>
-                                      </p:cBhvr>
-                                      <p:tavLst>
-                                        <p:tav tm="0">
-                                          <p:val>
-                                            <p:strVal val="1+#ppt_h/2"/>
-                                          </p:val>
-                                        </p:tav>
-                                        <p:tav tm="100000">
-                                          <p:val>
-                                            <p:strVal val="#ppt_y"/>
-                                          </p:val>
-                                        </p:tav>
-                                      </p:tavLst>
-                                    </p:anim>
-                                  </p:childTnLst>
-                                </p:cTn>
-                              </p:par>
-                            </p:childTnLst>
-                          </p:cTn>
-                        </p:par>
-                      </p:childTnLst>
-                    </p:cTn>
-                  </p:par>
-                  <p:par>
-                    <p:cTn id="9" fill="hold">
-                      <p:stCondLst>
-                        <p:cond delay="indefinite"/>
-                      </p:stCondLst>
-                      <p:childTnLst>
-                        <p:par>
-                          <p:cTn id="10" fill="hold">
-                            <p:stCondLst>
-                              <p:cond delay="0"/>
-                            </p:stCondLst>
-                            <p:childTnLst>
-                              <p:par>
-                                <p:cTn id="11" presetID="2" presetClass="entr" presetSubtype="4" fill="hold" grpId="0" nodeType="clickEffect">
-                                  <p:stCondLst>
-                                    <p:cond delay="0"/>
-                                  </p:stCondLst>
-                                  <p:childTnLst>
-                                    <p:set>
-                                      <p:cBhvr>
-                                        <p:cTn id="12" dur="1" fill="hold">
-                                          <p:stCondLst>
-                                            <p:cond delay="0"/>
-                                          </p:stCondLst>
-                                        </p:cTn>
-                                        <p:tgtEl>
-                                          <p:spTgt spid="6">
-                                            <p:txEl>
-                                              <p:pRg st="1" end="1"/>
-                                            </p:txEl>
-                                          </p:spTgt>
-                                        </p:tgtEl>
-                                        <p:attrNameLst>
-                                          <p:attrName>style.visibility</p:attrName>
-                                        </p:attrNameLst>
-                                      </p:cBhvr>
-                                      <p:to>
-                                        <p:strVal val="visible"/>
-                                      </p:to>
-                                    </p:set>
-                                    <p:anim calcmode="lin" valueType="num">
-                                      <p:cBhvr additive="base">
-                                        <p:cTn id="13" dur="500" fill="hold"/>
-                                        <p:tgtEl>
-                                          <p:spTgt spid="6">
-                                            <p:txEl>
-                                              <p:pRg st="1" end="1"/>
-                                            </p:txEl>
-                                          </p:spTgt>
-                                        </p:tgtEl>
-                                        <p:attrNameLst>
-                                          <p:attrName>ppt_x</p:attrName>
-                                        </p:attrNameLst>
-                                      </p:cBhvr>
-                                      <p:tavLst>
-                                        <p:tav tm="0">
-                                          <p:val>
-                                            <p:strVal val="#ppt_x"/>
-                                          </p:val>
-                                        </p:tav>
-                                        <p:tav tm="100000">
-                                          <p:val>
-                                            <p:strVal val="#ppt_x"/>
-                                          </p:val>
-                                        </p:tav>
-                                      </p:tavLst>
-                                    </p:anim>
-                                    <p:anim calcmode="lin" valueType="num">
-                                      <p:cBhvr additive="base">
-                                        <p:cTn id="14" dur="500" fill="hold"/>
-                                        <p:tgtEl>
-                                          <p:spTgt spid="6">
-                                            <p:txEl>
-                                              <p:pRg st="1" end="1"/>
-                                            </p:txEl>
-                                          </p:spTgt>
-                                        </p:tgtEl>
-                                        <p:attrNameLst>
-                                          <p:attrName>ppt_y</p:attrName>
-                                        </p:attrNameLst>
-                                      </p:cBhvr>
-                                      <p:tavLst>
-                                        <p:tav tm="0">
-                                          <p:val>
-                                            <p:strVal val="1+#ppt_h/2"/>
-                                          </p:val>
-                                        </p:tav>
-                                        <p:tav tm="100000">
-                                          <p:val>
-                                            <p:strVal val="#ppt_y"/>
-                                          </p:val>
-                                        </p:tav>
-                                      </p:tavLst>
-                                    </p:anim>
-                                  </p:childTnLst>
-                                </p:cTn>
-                              </p:par>
-                            </p:childTnLst>
-                          </p:cTn>
-                        </p:par>
-                      </p:childTnLst>
-                    </p:cTn>
-                  </p:par>
-                  <p:par>
-                    <p:cTn id="15" fill="hold">
-                      <p:stCondLst>
-                        <p:cond delay="indefinite"/>
-                      </p:stCondLst>
-                      <p:childTnLst>
-                        <p:par>
-                          <p:cTn id="16" fill="hold">
-                            <p:stCondLst>
-                              <p:cond delay="0"/>
-                            </p:stCondLst>
-                            <p:childTnLst>
-                              <p:par>
-                                <p:cTn id="17" presetID="2" presetClass="entr" presetSubtype="4" fill="hold" grpId="0" nodeType="clickEffect">
-                                  <p:stCondLst>
-                                    <p:cond delay="0"/>
-                                  </p:stCondLst>
-                                  <p:childTnLst>
-                                    <p:set>
-                                      <p:cBhvr>
-                                        <p:cTn id="18" dur="1" fill="hold">
-                                          <p:stCondLst>
-                                            <p:cond delay="0"/>
-                                          </p:stCondLst>
-                                        </p:cTn>
-                                        <p:tgtEl>
-                                          <p:spTgt spid="6">
-                                            <p:txEl>
-                                              <p:pRg st="2" end="2"/>
-                                            </p:txEl>
-                                          </p:spTgt>
-                                        </p:tgtEl>
-                                        <p:attrNameLst>
-                                          <p:attrName>style.visibility</p:attrName>
-                                        </p:attrNameLst>
-                                      </p:cBhvr>
-                                      <p:to>
-                                        <p:strVal val="visible"/>
-                                      </p:to>
-                                    </p:set>
-                                    <p:anim calcmode="lin" valueType="num">
-                                      <p:cBhvr additive="base">
-                                        <p:cTn id="19" dur="500" fill="hold"/>
-                                        <p:tgtEl>
-                                          <p:spTgt spid="6">
-                                            <p:txEl>
-                                              <p:pRg st="2" end="2"/>
-                                            </p:txEl>
-                                          </p:spTgt>
-                                        </p:tgtEl>
-                                        <p:attrNameLst>
-                                          <p:attrName>ppt_x</p:attrName>
-                                        </p:attrNameLst>
-                                      </p:cBhvr>
-                                      <p:tavLst>
-                                        <p:tav tm="0">
-                                          <p:val>
-                                            <p:strVal val="#ppt_x"/>
-                                          </p:val>
-                                        </p:tav>
-                                        <p:tav tm="100000">
-                                          <p:val>
-                                            <p:strVal val="#ppt_x"/>
-                                          </p:val>
-                                        </p:tav>
-                                      </p:tavLst>
-                                    </p:anim>
-                                    <p:anim calcmode="lin" valueType="num">
-                                      <p:cBhvr additive="base">
-                                        <p:cTn id="20" dur="500" fill="hold"/>
-                                        <p:tgtEl>
-                                          <p:spTgt spid="6">
-                                            <p:txEl>
-                                              <p:pRg st="2" end="2"/>
-                                            </p:txEl>
-                                          </p:spTgt>
-                                        </p:tgtEl>
-                                        <p:attrNameLst>
-                                          <p:attrName>ppt_y</p:attrName>
-                                        </p:attrNameLst>
-                                      </p:cBhvr>
-                                      <p:tavLst>
-                                        <p:tav tm="0">
-                                          <p:val>
-                                            <p:strVal val="1+#ppt_h/2"/>
-                                          </p:val>
-                                        </p:tav>
-                                        <p:tav tm="100000">
-                                          <p:val>
-                                            <p:strVal val="#ppt_y"/>
-                                          </p:val>
-                                        </p:tav>
-                                      </p:tavLst>
-                                    </p:anim>
-                                  </p:childTnLst>
-                                </p:cTn>
-                              </p:par>
-                              <p:par>
-                                <p:cTn id="21" presetID="2" presetClass="entr" presetSubtype="4" fill="hold" grpId="0" nodeType="withEffect">
-                                  <p:stCondLst>
-                                    <p:cond delay="0"/>
-                                  </p:stCondLst>
-                                  <p:childTnLst>
-                                    <p:set>
-                                      <p:cBhvr>
-                                        <p:cTn id="22" dur="1" fill="hold">
-                                          <p:stCondLst>
-                                            <p:cond delay="0"/>
-                                          </p:stCondLst>
-                                        </p:cTn>
-                                        <p:tgtEl>
-                                          <p:spTgt spid="6">
-                                            <p:txEl>
-                                              <p:pRg st="3" end="3"/>
-                                            </p:txEl>
-                                          </p:spTgt>
-                                        </p:tgtEl>
-                                        <p:attrNameLst>
-                                          <p:attrName>style.visibility</p:attrName>
-                                        </p:attrNameLst>
-                                      </p:cBhvr>
-                                      <p:to>
-                                        <p:strVal val="visible"/>
-                                      </p:to>
-                                    </p:set>
-                                    <p:anim calcmode="lin" valueType="num">
-                                      <p:cBhvr additive="base">
-                                        <p:cTn id="23" dur="500" fill="hold"/>
-                                        <p:tgtEl>
-                                          <p:spTgt spid="6">
-                                            <p:txEl>
-                                              <p:pRg st="3" end="3"/>
-                                            </p:txEl>
-                                          </p:spTgt>
-                                        </p:tgtEl>
-                                        <p:attrNameLst>
-                                          <p:attrName>ppt_x</p:attrName>
-                                        </p:attrNameLst>
-                                      </p:cBhvr>
-                                      <p:tavLst>
-                                        <p:tav tm="0">
-                                          <p:val>
-                                            <p:strVal val="#ppt_x"/>
-                                          </p:val>
-                                        </p:tav>
-                                        <p:tav tm="100000">
-                                          <p:val>
-                                            <p:strVal val="#ppt_x"/>
-                                          </p:val>
-                                        </p:tav>
-                                      </p:tavLst>
-                                    </p:anim>
-                                    <p:anim calcmode="lin" valueType="num">
-                                      <p:cBhvr additive="base">
-                                        <p:cTn id="24" dur="500" fill="hold"/>
-                                        <p:tgtEl>
-                                          <p:spTgt spid="6">
-                                            <p:txEl>
-                                              <p:pRg st="3" end="3"/>
-                                            </p:txEl>
-                                          </p:spTgt>
-                                        </p:tgtEl>
-                                        <p:attrNameLst>
-                                          <p:attrName>ppt_y</p:attrName>
-                                        </p:attrNameLst>
-                                      </p:cBhvr>
-                                      <p:tavLst>
-                                        <p:tav tm="0">
-                                          <p:val>
-                                            <p:strVal val="1+#ppt_h/2"/>
-                                          </p:val>
-                                        </p:tav>
-                                        <p:tav tm="100000">
-                                          <p:val>
-                                            <p:strVal val="#ppt_y"/>
-                                          </p:val>
-                                        </p:tav>
-                                      </p:tavLst>
-                                    </p:anim>
-                                  </p:childTnLst>
-                                </p:cTn>
-                              </p:par>
-                              <p:par>
-                                <p:cTn id="25" presetID="2" presetClass="entr" presetSubtype="4" fill="hold" grpId="0" nodeType="withEffect">
-                                  <p:stCondLst>
-                                    <p:cond delay="0"/>
-                                  </p:stCondLst>
-                                  <p:childTnLst>
-                                    <p:set>
-                                      <p:cBhvr>
-                                        <p:cTn id="26" dur="1" fill="hold">
-                                          <p:stCondLst>
-                                            <p:cond delay="0"/>
-                                          </p:stCondLst>
-                                        </p:cTn>
-                                        <p:tgtEl>
-                                          <p:spTgt spid="6">
-                                            <p:txEl>
-                                              <p:pRg st="4" end="4"/>
-                                            </p:txEl>
-                                          </p:spTgt>
-                                        </p:tgtEl>
-                                        <p:attrNameLst>
-                                          <p:attrName>style.visibility</p:attrName>
-                                        </p:attrNameLst>
-                                      </p:cBhvr>
-                                      <p:to>
-                                        <p:strVal val="visible"/>
-                                      </p:to>
-                                    </p:set>
-                                    <p:anim calcmode="lin" valueType="num">
-                                      <p:cBhvr additive="base">
-                                        <p:cTn id="27" dur="500" fill="hold"/>
-                                        <p:tgtEl>
-                                          <p:spTgt spid="6">
-                                            <p:txEl>
-                                              <p:pRg st="4" end="4"/>
-                                            </p:txEl>
-                                          </p:spTgt>
-                                        </p:tgtEl>
-                                        <p:attrNameLst>
-                                          <p:attrName>ppt_x</p:attrName>
-                                        </p:attrNameLst>
-                                      </p:cBhvr>
-                                      <p:tavLst>
-                                        <p:tav tm="0">
-                                          <p:val>
-                                            <p:strVal val="#ppt_x"/>
-                                          </p:val>
-                                        </p:tav>
-                                        <p:tav tm="100000">
-                                          <p:val>
-                                            <p:strVal val="#ppt_x"/>
-                                          </p:val>
-                                        </p:tav>
-                                      </p:tavLst>
-                                    </p:anim>
-                                    <p:anim calcmode="lin" valueType="num">
-                                      <p:cBhvr additive="base">
-                                        <p:cTn id="28" dur="500" fill="hold"/>
-                                        <p:tgtEl>
-                                          <p:spTgt spid="6">
-                                            <p:txEl>
-                                              <p:pRg st="4" end="4"/>
-                                            </p:txEl>
-                                          </p:spTgt>
-                                        </p:tgtEl>
-                                        <p:attrNameLst>
-                                          <p:attrName>ppt_y</p:attrName>
-                                        </p:attrNameLst>
-                                      </p:cBhvr>
-                                      <p:tavLst>
-                                        <p:tav tm="0">
-                                          <p:val>
-                                            <p:strVal val="1+#ppt_h/2"/>
-                                          </p:val>
-                                        </p:tav>
-                                        <p:tav tm="100000">
-                                          <p:val>
-                                            <p:strVal val="#ppt_y"/>
-                                          </p:val>
-                                        </p:tav>
-                                      </p:tavLst>
-                                    </p:anim>
-                                  </p:childTnLst>
-                                </p:cTn>
-                              </p:par>
-                              <p:par>
-                                <p:cTn id="29" presetID="2" presetClass="entr" presetSubtype="4" fill="hold" grpId="0" nodeType="withEffect">
-                                  <p:stCondLst>
-                                    <p:cond delay="0"/>
-                                  </p:stCondLst>
-                                  <p:childTnLst>
-                                    <p:set>
-                                      <p:cBhvr>
-                                        <p:cTn id="30" dur="1" fill="hold">
-                                          <p:stCondLst>
-                                            <p:cond delay="0"/>
-                                          </p:stCondLst>
-                                        </p:cTn>
-                                        <p:tgtEl>
-                                          <p:spTgt spid="6">
-                                            <p:txEl>
-                                              <p:pRg st="5" end="5"/>
-                                            </p:txEl>
-                                          </p:spTgt>
-                                        </p:tgtEl>
-                                        <p:attrNameLst>
-                                          <p:attrName>style.visibility</p:attrName>
-                                        </p:attrNameLst>
-                                      </p:cBhvr>
-                                      <p:to>
-                                        <p:strVal val="visible"/>
-                                      </p:to>
-                                    </p:set>
-                                    <p:anim calcmode="lin" valueType="num">
-                                      <p:cBhvr additive="base">
-                                        <p:cTn id="31" dur="500" fill="hold"/>
-                                        <p:tgtEl>
-                                          <p:spTgt spid="6">
-                                            <p:txEl>
-                                              <p:pRg st="5" end="5"/>
-                                            </p:txEl>
-                                          </p:spTgt>
-                                        </p:tgtEl>
-                                        <p:attrNameLst>
-                                          <p:attrName>ppt_x</p:attrName>
-                                        </p:attrNameLst>
-                                      </p:cBhvr>
-                                      <p:tavLst>
-                                        <p:tav tm="0">
-                                          <p:val>
-                                            <p:strVal val="#ppt_x"/>
-                                          </p:val>
-                                        </p:tav>
-                                        <p:tav tm="100000">
-                                          <p:val>
-                                            <p:strVal val="#ppt_x"/>
-                                          </p:val>
-                                        </p:tav>
-                                      </p:tavLst>
-                                    </p:anim>
-                                    <p:anim calcmode="lin" valueType="num">
-                                      <p:cBhvr additive="base">
-                                        <p:cTn id="32" dur="500" fill="hold"/>
-                                        <p:tgtEl>
-                                          <p:spTgt spid="6">
-                                            <p:txEl>
-                                              <p:pRg st="5" end="5"/>
-                                            </p:txEl>
-                                          </p:spTgt>
-                                        </p:tgtEl>
-                                        <p:attrNameLst>
-                                          <p:attrName>ppt_y</p:attrName>
-                                        </p:attrNameLst>
-                                      </p:cBhvr>
-                                      <p:tavLst>
-                                        <p:tav tm="0">
-                                          <p:val>
-                                            <p:strVal val="1+#ppt_h/2"/>
-                                          </p:val>
-                                        </p:tav>
-                                        <p:tav tm="100000">
-                                          <p:val>
-                                            <p:strVal val="#ppt_y"/>
-                                          </p:val>
-                                        </p:tav>
-                                      </p:tavLst>
-                                    </p:anim>
-                                  </p:childTnLst>
-                                </p:cTn>
-                              </p:par>
-                              <p:par>
-                                <p:cTn id="33" presetID="2" presetClass="entr" presetSubtype="4" fill="hold" grpId="0" nodeType="withEffect">
-                                  <p:stCondLst>
-                                    <p:cond delay="0"/>
-                                  </p:stCondLst>
-                                  <p:childTnLst>
-                                    <p:set>
-                                      <p:cBhvr>
-                                        <p:cTn id="34" dur="1" fill="hold">
-                                          <p:stCondLst>
-                                            <p:cond delay="0"/>
-                                          </p:stCondLst>
-                                        </p:cTn>
-                                        <p:tgtEl>
-                                          <p:spTgt spid="6">
-                                            <p:txEl>
-                                              <p:pRg st="6" end="6"/>
-                                            </p:txEl>
-                                          </p:spTgt>
-                                        </p:tgtEl>
-                                        <p:attrNameLst>
-                                          <p:attrName>style.visibility</p:attrName>
-                                        </p:attrNameLst>
-                                      </p:cBhvr>
-                                      <p:to>
-                                        <p:strVal val="visible"/>
-                                      </p:to>
-                                    </p:set>
-                                    <p:anim calcmode="lin" valueType="num">
-                                      <p:cBhvr additive="base">
-                                        <p:cTn id="35" dur="500" fill="hold"/>
-                                        <p:tgtEl>
-                                          <p:spTgt spid="6">
-                                            <p:txEl>
-                                              <p:pRg st="6" end="6"/>
-                                            </p:txEl>
-                                          </p:spTgt>
-                                        </p:tgtEl>
-                                        <p:attrNameLst>
-                                          <p:attrName>ppt_x</p:attrName>
-                                        </p:attrNameLst>
-                                      </p:cBhvr>
-                                      <p:tavLst>
-                                        <p:tav tm="0">
-                                          <p:val>
-                                            <p:strVal val="#ppt_x"/>
-                                          </p:val>
-                                        </p:tav>
-                                        <p:tav tm="100000">
-                                          <p:val>
-                                            <p:strVal val="#ppt_x"/>
-                                          </p:val>
-                                        </p:tav>
-                                      </p:tavLst>
-                                    </p:anim>
-                                    <p:anim calcmode="lin" valueType="num">
-                                      <p:cBhvr additive="base">
-                                        <p:cTn id="36" dur="500" fill="hold"/>
-                                        <p:tgtEl>
-                                          <p:spTgt spid="6">
-                                            <p:txEl>
-                                              <p:pRg st="6" end="6"/>
-                                            </p:txEl>
-                                          </p:spTgt>
-                                        </p:tgtEl>
-                                        <p:attrNameLst>
-                                          <p:attrName>ppt_y</p:attrName>
-                                        </p:attrNameLst>
-                                      </p:cBhvr>
-                                      <p:tavLst>
-                                        <p:tav tm="0">
-                                          <p:val>
-                                            <p:strVal val="1+#ppt_h/2"/>
-                                          </p:val>
-                                        </p:tav>
-                                        <p:tav tm="100000">
-                                          <p:val>
-                                            <p:strVal val="#ppt_y"/>
-                                          </p:val>
-                                        </p:tav>
-                                      </p:tavLst>
-                                    </p:anim>
-                                  </p:childTnLst>
-                                </p:cTn>
-                              </p:par>
-                            </p:childTnLst>
-                          </p:cTn>
-                        </p:par>
-                      </p:childTnLst>
-                    </p:cTn>
-                  </p:par>
-                </p:childTnLst>
-              </p:cTn>
-              <p:prevCondLst>
-                <p:cond evt="onPrev" delay="0">
-                  <p:tgtEl>
-                    <p:sldTgt/>
-                  </p:tgtEl>
-                </p:cond>
-              </p:prevCondLst>
-              <p:nextCondLst>
-                <p:cond evt="onNext" delay="0">
-                  <p:tgtEl>
-                    <p:sldTgt/>
-                  </p:tgtEl>
-                </p:cond>
-              </p:nextCondLst>
-            </p:seq>
-          </p:childTnLst>
-        </p:cTn>
-      </p:par>
-    </p:tnLst>
-    <p:bldLst>
-      <p:bldP spid="6" grpId="0" build="p"/>
-    </p:bldLst>
-  </p:timing>
-</p:sld>
-</file>
-
-<file path=ppt/slides/slide34.xml><?xml version="1.0" encoding="utf-8"?>
-<p:sld xmlns:a="http://schemas.openxmlformats.org/drawingml/2006/main" xmlns:r="http://schemas.openxmlformats.org/officeDocument/2006/relationships" xmlns:p="http://schemas.openxmlformats.org/presentationml/2006/main">
-  <p:cSld>
-    <p:spTree>
-      <p:nvGrpSpPr>
-        <p:cNvPr id="1" name=""/>
-        <p:cNvGrpSpPr/>
-        <p:nvPr/>
-      </p:nvGrpSpPr>
-      <p:grpSpPr>
-        <a:xfrm>
-          <a:off x="0" y="0"/>
-          <a:ext cx="0" cy="0"/>
-          <a:chOff x="0" y="0"/>
-          <a:chExt cx="0" cy="0"/>
-        </a:xfrm>
-      </p:grpSpPr>
-      <p:sp>
-        <p:nvSpPr>
-          <p:cNvPr id="2" name="Tytuł 1"/>
-          <p:cNvSpPr>
-            <a:spLocks noGrp="1"/>
-          </p:cNvSpPr>
-          <p:nvPr>
-            <p:ph type="title"/>
-          </p:nvPr>
-        </p:nvSpPr>
-        <p:spPr/>
-        <p:txBody>
-          <a:bodyPr/>
-          <a:lstStyle/>
-          <a:p>
-            <a:r>
-              <a:rPr lang="pl-PL" dirty="0" smtClean="0"/>
-              <a:t>Wykorzystywanie dziedziczenia</a:t>
-            </a:r>
-            <a:endParaRPr lang="pl-PL" dirty="0"/>
-          </a:p>
-        </p:txBody>
-      </p:sp>
-      <p:sp>
-        <p:nvSpPr>
-          <p:cNvPr id="3" name="Symbol zastępczy zawartości 2"/>
-          <p:cNvSpPr>
-            <a:spLocks noGrp="1"/>
-          </p:cNvSpPr>
-          <p:nvPr>
-            <p:ph idx="1"/>
-          </p:nvPr>
-        </p:nvSpPr>
-        <p:spPr/>
-        <p:txBody>
-          <a:bodyPr>
-            <a:normAutofit fontScale="85000" lnSpcReduction="10000"/>
-          </a:bodyPr>
-          <a:lstStyle/>
-          <a:p>
-            <a:r>
-              <a:rPr lang="pl-PL" dirty="0" err="1" smtClean="0"/>
-              <a:t>Abstract</a:t>
-            </a:r>
-            <a:r>
-              <a:rPr lang="pl-PL" dirty="0" smtClean="0"/>
-              <a:t> test </a:t>
-            </a:r>
-            <a:r>
-              <a:rPr lang="pl-PL" dirty="0" err="1" smtClean="0"/>
-              <a:t>infrastructure</a:t>
-            </a:r>
-            <a:r>
-              <a:rPr lang="pl-PL" dirty="0" smtClean="0"/>
-              <a:t> </a:t>
-            </a:r>
-            <a:r>
-              <a:rPr lang="pl-PL" dirty="0" err="1" smtClean="0"/>
-              <a:t>class</a:t>
-            </a:r>
-            <a:endParaRPr lang="pl-PL" dirty="0" smtClean="0"/>
-          </a:p>
-          <a:p>
-            <a:pPr lvl="1"/>
-            <a:r>
-              <a:rPr lang="pl-PL" dirty="0" err="1" smtClean="0"/>
-              <a:t>Reużywnie</a:t>
-            </a:r>
-            <a:r>
-              <a:rPr lang="pl-PL" dirty="0" smtClean="0"/>
-              <a:t> setup i </a:t>
-            </a:r>
-            <a:r>
-              <a:rPr lang="pl-PL" dirty="0" err="1" smtClean="0"/>
-              <a:t>teardown</a:t>
-            </a:r>
-            <a:endParaRPr lang="pl-PL" dirty="0" smtClean="0"/>
-          </a:p>
-          <a:p>
-            <a:r>
-              <a:rPr lang="en-US" dirty="0" smtClean="0"/>
-              <a:t>Abstract test driver class pattern</a:t>
-            </a:r>
-            <a:endParaRPr lang="pl-PL" dirty="0" smtClean="0"/>
-          </a:p>
-          <a:p>
-            <a:pPr lvl="1"/>
-            <a:r>
-              <a:rPr lang="pl-PL" dirty="0" smtClean="0"/>
-              <a:t>Wspólne testy dla klas dziedziczących</a:t>
-            </a:r>
-          </a:p>
-          <a:p>
-            <a:r>
-              <a:rPr lang="pl-PL" dirty="0" smtClean="0"/>
-              <a:t>Stworzenie struktury testów np. </a:t>
-            </a:r>
-            <a:r>
-              <a:rPr lang="pl-PL" dirty="0" smtClean="0">
-                <a:hlinkClick r:id="rId2"/>
-              </a:rPr>
-              <a:t>https://github.com/xunit/samples/blob/master/SpecificationExamples/StackSpecificationBaseExample.cs</a:t>
-            </a:r>
-            <a:endParaRPr lang="pl-PL" dirty="0" smtClean="0"/>
-          </a:p>
-          <a:p>
-            <a:endParaRPr lang="pl-PL" dirty="0" smtClean="0"/>
-          </a:p>
-          <a:p>
-            <a:pPr>
-              <a:buNone/>
-            </a:pPr>
-            <a:r>
-              <a:rPr lang="pl-PL" b="1" dirty="0" smtClean="0"/>
-              <a:t>UWAGA</a:t>
-            </a:r>
-            <a:r>
-              <a:rPr lang="pl-PL" dirty="0" smtClean="0"/>
-              <a:t>: </a:t>
-            </a:r>
-            <a:r>
-              <a:rPr lang="pl-PL" dirty="0" err="1" smtClean="0"/>
-              <a:t>Prefer</a:t>
-            </a:r>
-            <a:r>
-              <a:rPr lang="pl-PL" dirty="0" smtClean="0"/>
-              <a:t> </a:t>
-            </a:r>
-            <a:r>
-              <a:rPr lang="pl-PL" dirty="0" err="1" smtClean="0"/>
-              <a:t>composition</a:t>
-            </a:r>
-            <a:r>
-              <a:rPr lang="pl-PL" dirty="0" smtClean="0"/>
-              <a:t> </a:t>
-            </a:r>
-            <a:r>
-              <a:rPr lang="pl-PL" dirty="0" err="1" smtClean="0"/>
-              <a:t>over</a:t>
-            </a:r>
-            <a:r>
-              <a:rPr lang="pl-PL" dirty="0" smtClean="0"/>
-              <a:t> </a:t>
-            </a:r>
-            <a:r>
-              <a:rPr lang="pl-PL" dirty="0" err="1" smtClean="0"/>
-              <a:t>inheritance</a:t>
-            </a:r>
-            <a:r>
-              <a:rPr lang="pl-PL" dirty="0" smtClean="0"/>
-              <a:t> np. </a:t>
-            </a:r>
-            <a:r>
-              <a:rPr lang="pl-PL" b="1" dirty="0" err="1" smtClean="0"/>
-              <a:t>IUseFixture&lt;T</a:t>
-            </a:r>
-            <a:r>
-              <a:rPr lang="pl-PL" b="1" dirty="0" smtClean="0"/>
-              <a:t>&gt;</a:t>
-            </a:r>
-            <a:endParaRPr lang="en-US" b="1" dirty="0" smtClean="0"/>
-          </a:p>
-          <a:p>
-            <a:endParaRPr lang="pl-PL" dirty="0"/>
-          </a:p>
-        </p:txBody>
-      </p:sp>
-    </p:spTree>
-  </p:cSld>
-  <p:clrMapOvr>
-    <a:masterClrMapping/>
-  </p:clrMapOvr>
-  <p:timing>
-    <p:tnLst>
-      <p:par>
-        <p:cTn id="1" dur="indefinite" restart="never" nodeType="tmRoot">
-          <p:childTnLst>
-            <p:seq concurrent="1" nextAc="seek">
-              <p:cTn id="2" dur="indefinite" nodeType="mainSeq">
-                <p:childTnLst>
-                  <p:par>
-                    <p:cTn id="3" fill="hold">
-                      <p:stCondLst>
-                        <p:cond delay="indefinite"/>
-                      </p:stCondLst>
-                      <p:childTnLst>
-                        <p:par>
-                          <p:cTn id="4" fill="hold">
-                            <p:stCondLst>
-                              <p:cond delay="0"/>
-                            </p:stCondLst>
-                            <p:childTnLst>
-                              <p:par>
-                                <p:cTn id="5" presetID="2" presetClass="entr" presetSubtype="4" fill="hold" grpId="0" nodeType="clickEffect">
-                                  <p:stCondLst>
-                                    <p:cond delay="0"/>
-                                  </p:stCondLst>
-                                  <p:childTnLst>
-                                    <p:set>
-                                      <p:cBhvr>
-                                        <p:cTn id="6" dur="1" fill="hold">
-                                          <p:stCondLst>
-                                            <p:cond delay="0"/>
-                                          </p:stCondLst>
-                                        </p:cTn>
-                                        <p:tgtEl>
                                           <p:spTgt spid="3">
                                             <p:txEl>
                                               <p:pRg st="0" end="0"/>
@@ -14828,33 +14860,15 @@
                                   </p:childTnLst>
                                 </p:cTn>
                               </p:par>
-                            </p:childTnLst>
-                          </p:cTn>
-                        </p:par>
-                      </p:childTnLst>
-                    </p:cTn>
-                  </p:par>
-                  <p:par>
-                    <p:cTn id="13" fill="hold">
-                      <p:stCondLst>
-                        <p:cond delay="indefinite"/>
-                      </p:stCondLst>
-                      <p:childTnLst>
-                        <p:par>
-                          <p:cTn id="14" fill="hold">
-                            <p:stCondLst>
-                              <p:cond delay="0"/>
-                            </p:stCondLst>
-                            <p:childTnLst>
                               <p:par>
-                                <p:cTn id="15" presetID="2" presetClass="entr" presetSubtype="4" fill="hold" grpId="0" nodeType="clickEffect">
+                                <p:cTn id="13" presetID="2" presetClass="entr" presetSubtype="4" fill="hold" grpId="0" nodeType="withEffect">
                                   <p:stCondLst>
                                     <p:cond delay="0"/>
                                   </p:stCondLst>
                                   <p:childTnLst>
                                     <p:set>
                                       <p:cBhvr>
-                                        <p:cTn id="16" dur="1" fill="hold">
+                                        <p:cTn id="14" dur="1" fill="hold">
                                           <p:stCondLst>
                                             <p:cond delay="0"/>
                                           </p:stCondLst>
@@ -14876,7 +14890,7 @@
                                     </p:set>
                                     <p:anim calcmode="lin" valueType="num">
                                       <p:cBhvr additive="base">
-                                        <p:cTn id="17" dur="500" fill="hold"/>
+                                        <p:cTn id="15" dur="500" fill="hold"/>
                                         <p:tgtEl>
                                           <p:spTgt spid="3">
                                             <p:txEl>
@@ -14903,7 +14917,7 @@
                                     </p:anim>
                                     <p:anim calcmode="lin" valueType="num">
                                       <p:cBhvr additive="base">
-                                        <p:cTn id="18" dur="500" fill="hold"/>
+                                        <p:cTn id="16" dur="500" fill="hold"/>
                                         <p:tgtEl>
                                           <p:spTgt spid="3">
                                             <p:txEl>
@@ -14932,14 +14946,14 @@
                                 </p:cTn>
                               </p:par>
                               <p:par>
-                                <p:cTn id="19" presetID="2" presetClass="entr" presetSubtype="4" fill="hold" grpId="0" nodeType="withEffect">
+                                <p:cTn id="17" presetID="2" presetClass="entr" presetSubtype="4" fill="hold" grpId="0" nodeType="withEffect">
                                   <p:stCondLst>
                                     <p:cond delay="0"/>
                                   </p:stCondLst>
                                   <p:childTnLst>
                                     <p:set>
                                       <p:cBhvr>
-                                        <p:cTn id="20" dur="1" fill="hold">
+                                        <p:cTn id="18" dur="1" fill="hold">
                                           <p:stCondLst>
                                             <p:cond delay="0"/>
                                           </p:stCondLst>
@@ -14961,7 +14975,7 @@
                                     </p:set>
                                     <p:anim calcmode="lin" valueType="num">
                                       <p:cBhvr additive="base">
-                                        <p:cTn id="21" dur="500" fill="hold"/>
+                                        <p:cTn id="19" dur="500" fill="hold"/>
                                         <p:tgtEl>
                                           <p:spTgt spid="3">
                                             <p:txEl>
@@ -14988,7 +15002,7 @@
                                     </p:anim>
                                     <p:anim calcmode="lin" valueType="num">
                                       <p:cBhvr additive="base">
-                                        <p:cTn id="22" dur="500" fill="hold"/>
+                                        <p:cTn id="20" dur="500" fill="hold"/>
                                         <p:tgtEl>
                                           <p:spTgt spid="3">
                                             <p:txEl>
@@ -15023,26 +15037,26 @@
                     </p:cTn>
                   </p:par>
                   <p:par>
-                    <p:cTn id="23" fill="hold">
+                    <p:cTn id="21" fill="hold">
                       <p:stCondLst>
                         <p:cond delay="indefinite"/>
                       </p:stCondLst>
                       <p:childTnLst>
                         <p:par>
-                          <p:cTn id="24" fill="hold">
+                          <p:cTn id="22" fill="hold">
                             <p:stCondLst>
                               <p:cond delay="0"/>
                             </p:stCondLst>
                             <p:childTnLst>
                               <p:par>
-                                <p:cTn id="25" presetID="2" presetClass="entr" presetSubtype="4" fill="hold" grpId="0" nodeType="clickEffect">
+                                <p:cTn id="23" presetID="2" presetClass="entr" presetSubtype="4" fill="hold" grpId="0" nodeType="clickEffect">
                                   <p:stCondLst>
                                     <p:cond delay="0"/>
                                   </p:stCondLst>
                                   <p:childTnLst>
                                     <p:set>
                                       <p:cBhvr>
-                                        <p:cTn id="26" dur="1" fill="hold">
+                                        <p:cTn id="24" dur="1" fill="hold">
                                           <p:stCondLst>
                                             <p:cond delay="0"/>
                                           </p:stCondLst>
@@ -15064,7 +15078,7 @@
                                     </p:set>
                                     <p:anim calcmode="lin" valueType="num">
                                       <p:cBhvr additive="base">
-                                        <p:cTn id="27" dur="500" fill="hold"/>
+                                        <p:cTn id="25" dur="500" fill="hold"/>
                                         <p:tgtEl>
                                           <p:spTgt spid="3">
                                             <p:txEl>
@@ -15091,11 +15105,96 @@
                                     </p:anim>
                                     <p:anim calcmode="lin" valueType="num">
                                       <p:cBhvr additive="base">
-                                        <p:cTn id="28" dur="500" fill="hold"/>
+                                        <p:cTn id="26" dur="500" fill="hold"/>
                                         <p:tgtEl>
                                           <p:spTgt spid="3">
                                             <p:txEl>
                                               <p:pRg st="4" end="4"/>
+                                            </p:txEl>
+                                          </p:spTgt>
+                                        </p:tgtEl>
+                                        <p:attrNameLst>
+                                          <p:attrName>ppt_y</p:attrName>
+                                        </p:attrNameLst>
+                                      </p:cBhvr>
+                                      <p:tavLst>
+                                        <p:tav tm="0">
+                                          <p:val>
+                                            <p:strVal val="1+#ppt_h/2"/>
+                                          </p:val>
+                                        </p:tav>
+                                        <p:tav tm="100000">
+                                          <p:val>
+                                            <p:strVal val="#ppt_y"/>
+                                          </p:val>
+                                        </p:tav>
+                                      </p:tavLst>
+                                    </p:anim>
+                                  </p:childTnLst>
+                                </p:cTn>
+                              </p:par>
+                              <p:par>
+                                <p:cTn id="27" presetID="2" presetClass="entr" presetSubtype="4" fill="hold" grpId="0" nodeType="withEffect">
+                                  <p:stCondLst>
+                                    <p:cond delay="0"/>
+                                  </p:stCondLst>
+                                  <p:childTnLst>
+                                    <p:set>
+                                      <p:cBhvr>
+                                        <p:cTn id="28" dur="1" fill="hold">
+                                          <p:stCondLst>
+                                            <p:cond delay="0"/>
+                                          </p:stCondLst>
+                                        </p:cTn>
+                                        <p:tgtEl>
+                                          <p:spTgt spid="3">
+                                            <p:txEl>
+                                              <p:pRg st="5" end="5"/>
+                                            </p:txEl>
+                                          </p:spTgt>
+                                        </p:tgtEl>
+                                        <p:attrNameLst>
+                                          <p:attrName>style.visibility</p:attrName>
+                                        </p:attrNameLst>
+                                      </p:cBhvr>
+                                      <p:to>
+                                        <p:strVal val="visible"/>
+                                      </p:to>
+                                    </p:set>
+                                    <p:anim calcmode="lin" valueType="num">
+                                      <p:cBhvr additive="base">
+                                        <p:cTn id="29" dur="500" fill="hold"/>
+                                        <p:tgtEl>
+                                          <p:spTgt spid="3">
+                                            <p:txEl>
+                                              <p:pRg st="5" end="5"/>
+                                            </p:txEl>
+                                          </p:spTgt>
+                                        </p:tgtEl>
+                                        <p:attrNameLst>
+                                          <p:attrName>ppt_x</p:attrName>
+                                        </p:attrNameLst>
+                                      </p:cBhvr>
+                                      <p:tavLst>
+                                        <p:tav tm="0">
+                                          <p:val>
+                                            <p:strVal val="#ppt_x"/>
+                                          </p:val>
+                                        </p:tav>
+                                        <p:tav tm="100000">
+                                          <p:val>
+                                            <p:strVal val="#ppt_x"/>
+                                          </p:val>
+                                        </p:tav>
+                                      </p:tavLst>
+                                    </p:anim>
+                                    <p:anim calcmode="lin" valueType="num">
+                                      <p:cBhvr additive="base">
+                                        <p:cTn id="30" dur="500" fill="hold"/>
+                                        <p:tgtEl>
+                                          <p:spTgt spid="3">
+                                            <p:txEl>
+                                              <p:pRg st="5" end="5"/>
                                             </p:txEl>
                                           </p:spTgt>
                                         </p:tgtEl>
@@ -15126,26 +15225,26 @@
                     </p:cTn>
                   </p:par>
                   <p:par>
-                    <p:cTn id="29" fill="hold">
+                    <p:cTn id="31" fill="hold">
                       <p:stCondLst>
                         <p:cond delay="indefinite"/>
                       </p:stCondLst>
                       <p:childTnLst>
                         <p:par>
-                          <p:cTn id="30" fill="hold">
+                          <p:cTn id="32" fill="hold">
                             <p:stCondLst>
                               <p:cond delay="0"/>
                             </p:stCondLst>
                             <p:childTnLst>
                               <p:par>
-                                <p:cTn id="31" presetID="2" presetClass="entr" presetSubtype="4" fill="hold" grpId="0" nodeType="clickEffect">
+                                <p:cTn id="33" presetID="2" presetClass="entr" presetSubtype="4" fill="hold" grpId="0" nodeType="clickEffect">
                                   <p:stCondLst>
                                     <p:cond delay="0"/>
                                   </p:stCondLst>
                                   <p:childTnLst>
                                     <p:set>
                                       <p:cBhvr>
-                                        <p:cTn id="32" dur="1" fill="hold">
+                                        <p:cTn id="34" dur="1" fill="hold">
                                           <p:stCondLst>
                                             <p:cond delay="0"/>
                                           </p:stCondLst>
@@ -15153,7 +15252,7 @@
                                         <p:tgtEl>
                                           <p:spTgt spid="3">
                                             <p:txEl>
-                                              <p:pRg st="6" end="6"/>
+                                              <p:pRg st="7" end="7"/>
                                             </p:txEl>
                                           </p:spTgt>
                                         </p:tgtEl>
@@ -15167,11 +15266,11 @@
                                     </p:set>
                                     <p:anim calcmode="lin" valueType="num">
                                       <p:cBhvr additive="base">
-                                        <p:cTn id="33" dur="500" fill="hold"/>
+                                        <p:cTn id="35" dur="500" fill="hold"/>
                                         <p:tgtEl>
                                           <p:spTgt spid="3">
                                             <p:txEl>
-                                              <p:pRg st="6" end="6"/>
+                                              <p:pRg st="7" end="7"/>
                                             </p:txEl>
                                           </p:spTgt>
                                         </p:tgtEl>
@@ -15194,11 +15293,114 @@
                                     </p:anim>
                                     <p:anim calcmode="lin" valueType="num">
                                       <p:cBhvr additive="base">
-                                        <p:cTn id="34" dur="500" fill="hold"/>
+                                        <p:cTn id="36" dur="500" fill="hold"/>
                                         <p:tgtEl>
                                           <p:spTgt spid="3">
                                             <p:txEl>
-                                              <p:pRg st="6" end="6"/>
+                                              <p:pRg st="7" end="7"/>
+                                            </p:txEl>
+                                          </p:spTgt>
+                                        </p:tgtEl>
+                                        <p:attrNameLst>
+                                          <p:attrName>ppt_y</p:attrName>
+                                        </p:attrNameLst>
+                                      </p:cBhvr>
+                                      <p:tavLst>
+                                        <p:tav tm="0">
+                                          <p:val>
+                                            <p:strVal val="1+#ppt_h/2"/>
+                                          </p:val>
+                                        </p:tav>
+                                        <p:tav tm="100000">
+                                          <p:val>
+                                            <p:strVal val="#ppt_y"/>
+                                          </p:val>
+                                        </p:tav>
+                                      </p:tavLst>
+                                    </p:anim>
+                                  </p:childTnLst>
+                                </p:cTn>
+                              </p:par>
+                            </p:childTnLst>
+                          </p:cTn>
+                        </p:par>
+                      </p:childTnLst>
+                    </p:cTn>
+                  </p:par>
+                  <p:par>
+                    <p:cTn id="37" fill="hold">
+                      <p:stCondLst>
+                        <p:cond delay="indefinite"/>
+                      </p:stCondLst>
+                      <p:childTnLst>
+                        <p:par>
+                          <p:cTn id="38" fill="hold">
+                            <p:stCondLst>
+                              <p:cond delay="0"/>
+                            </p:stCondLst>
+                            <p:childTnLst>
+                              <p:par>
+                                <p:cTn id="39" presetID="2" presetClass="entr" presetSubtype="4" fill="hold" grpId="0" nodeType="clickEffect">
+                                  <p:stCondLst>
+                                    <p:cond delay="0"/>
+                                  </p:stCondLst>
+                                  <p:childTnLst>
+                                    <p:set>
+                                      <p:cBhvr>
+                                        <p:cTn id="40" dur="1" fill="hold">
+                                          <p:stCondLst>
+                                            <p:cond delay="0"/>
+                                          </p:stCondLst>
+                                        </p:cTn>
+                                        <p:tgtEl>
+                                          <p:spTgt spid="3">
+                                            <p:txEl>
+                                              <p:pRg st="8" end="8"/>
+                                            </p:txEl>
+                                          </p:spTgt>
+                                        </p:tgtEl>
+                                        <p:attrNameLst>
+                                          <p:attrName>style.visibility</p:attrName>
+                                        </p:attrNameLst>
+                                      </p:cBhvr>
+                                      <p:to>
+                                        <p:strVal val="visible"/>
+                                      </p:to>
+                                    </p:set>
+                                    <p:anim calcmode="lin" valueType="num">
+                                      <p:cBhvr additive="base">
+                                        <p:cTn id="41" dur="500" fill="hold"/>
+                                        <p:tgtEl>
+                                          <p:spTgt spid="3">
+                                            <p:txEl>
+                                              <p:pRg st="8" end="8"/>
+                                            </p:txEl>
+                                          </p:spTgt>
+                                        </p:tgtEl>
+                                        <p:attrNameLst>
+                                          <p:attrName>ppt_x</p:attrName>
+                                        </p:attrNameLst>
+                                      </p:cBhvr>
+                                      <p:tavLst>
+                                        <p:tav tm="0">
+                                          <p:val>
+                                            <p:strVal val="#ppt_x"/>
+                                          </p:val>
+                                        </p:tav>
+                                        <p:tav tm="100000">
+                                          <p:val>
+                                            <p:strVal val="#ppt_x"/>
+                                          </p:val>
+                                        </p:tav>
+                                      </p:tavLst>
+                                    </p:anim>
+                                    <p:anim calcmode="lin" valueType="num">
+                                      <p:cBhvr additive="base">
+                                        <p:cTn id="42" dur="500" fill="hold"/>
+                                        <p:tgtEl>
+                                          <p:spTgt spid="3">
+                                            <p:txEl>
+                                              <p:pRg st="8" end="8"/>
                                             </p:txEl>
                                           </p:spTgt>
                                         </p:tgtEl>
@@ -15256,6 +15458,233 @@
 </p:sld>
 </file>
 
+<file path=ppt/slides/slide33.xml><?xml version="1.0" encoding="utf-8"?>
+<p:sld xmlns:a="http://schemas.openxmlformats.org/drawingml/2006/main" xmlns:r="http://schemas.openxmlformats.org/officeDocument/2006/relationships" xmlns:p="http://schemas.openxmlformats.org/presentationml/2006/main">
+  <p:cSld>
+    <p:spTree>
+      <p:nvGrpSpPr>
+        <p:cNvPr id="1" name=""/>
+        <p:cNvGrpSpPr/>
+        <p:nvPr/>
+      </p:nvGrpSpPr>
+      <p:grpSpPr>
+        <a:xfrm>
+          <a:off x="0" y="0"/>
+          <a:ext cx="0" cy="0"/>
+          <a:chOff x="0" y="0"/>
+          <a:chExt cx="0" cy="0"/>
+        </a:xfrm>
+      </p:grpSpPr>
+      <p:sp>
+        <p:nvSpPr>
+          <p:cNvPr id="2" name="Tytuł 1"/>
+          <p:cNvSpPr>
+            <a:spLocks noGrp="1"/>
+          </p:cNvSpPr>
+          <p:nvPr>
+            <p:ph type="title"/>
+          </p:nvPr>
+        </p:nvSpPr>
+        <p:spPr/>
+        <p:txBody>
+          <a:bodyPr/>
+          <a:lstStyle/>
+          <a:p>
+            <a:r>
+              <a:rPr lang="pl-PL" dirty="0" err="1" smtClean="0"/>
+              <a:t>xUnit</a:t>
+            </a:r>
+            <a:r>
+              <a:rPr lang="pl-PL" dirty="0" smtClean="0"/>
+              <a:t> – </a:t>
+            </a:r>
+            <a:r>
+              <a:rPr lang="pl-PL" dirty="0" err="1" smtClean="0"/>
+              <a:t>Glory</a:t>
+            </a:r>
+            <a:r>
+              <a:rPr lang="pl-PL" dirty="0" smtClean="0"/>
+              <a:t> Page</a:t>
+            </a:r>
+            <a:endParaRPr lang="pl-PL" dirty="0"/>
+          </a:p>
+        </p:txBody>
+      </p:sp>
+      <p:sp>
+        <p:nvSpPr>
+          <p:cNvPr id="3" name="Symbol zastępczy zawartości 2"/>
+          <p:cNvSpPr>
+            <a:spLocks noGrp="1"/>
+          </p:cNvSpPr>
+          <p:nvPr>
+            <p:ph idx="1"/>
+          </p:nvPr>
+        </p:nvSpPr>
+        <p:spPr/>
+        <p:txBody>
+          <a:bodyPr/>
+          <a:lstStyle/>
+          <a:p>
+            <a:r>
+              <a:rPr lang="pl-PL" dirty="0" err="1" smtClean="0"/>
+              <a:t>Why</a:t>
+            </a:r>
+            <a:r>
+              <a:rPr lang="pl-PL" dirty="0" smtClean="0"/>
+              <a:t> </a:t>
+            </a:r>
+            <a:r>
+              <a:rPr lang="pl-PL" dirty="0" err="1" smtClean="0"/>
+              <a:t>xUnit</a:t>
+            </a:r>
+            <a:r>
+              <a:rPr lang="pl-PL" dirty="0" smtClean="0"/>
+              <a:t>: </a:t>
+            </a:r>
+            <a:r>
+              <a:rPr lang="pl-PL" dirty="0" smtClean="0">
+                <a:hlinkClick r:id="rId2"/>
+              </a:rPr>
+              <a:t>http://xunit.codeplex.com/wikipage?title=WhyDidWeBuildXunit</a:t>
+            </a:r>
+          </a:p>
+          <a:p>
+            <a:r>
+              <a:rPr lang="pl-PL" dirty="0" err="1" smtClean="0"/>
+              <a:t>Samples</a:t>
+            </a:r>
+            <a:r>
+              <a:rPr lang="pl-PL" dirty="0" smtClean="0"/>
+              <a:t>: </a:t>
+            </a:r>
+            <a:r>
+              <a:rPr lang="pl-PL" dirty="0" smtClean="0">
+                <a:hlinkClick r:id="rId2"/>
+              </a:rPr>
+              <a:t>https://github.com/xunit/samples</a:t>
+            </a:r>
+            <a:r>
+              <a:rPr lang="pl-PL" dirty="0" smtClean="0"/>
+              <a:t> </a:t>
+            </a:r>
+            <a:r>
+              <a:rPr lang="pl-PL" dirty="0" err="1" smtClean="0"/>
+              <a:t>sd</a:t>
+            </a:r>
+            <a:endParaRPr lang="pl-PL" dirty="0" smtClean="0"/>
+          </a:p>
+          <a:p>
+            <a:r>
+              <a:rPr lang="pl-PL" dirty="0" err="1" smtClean="0"/>
+              <a:t>Comparing</a:t>
+            </a:r>
+            <a:r>
+              <a:rPr lang="pl-PL" dirty="0" smtClean="0"/>
+              <a:t>: </a:t>
+            </a:r>
+            <a:r>
+              <a:rPr lang="pl-PL" dirty="0" smtClean="0">
+                <a:hlinkClick r:id="rId3"/>
+              </a:rPr>
+              <a:t>http://xunit.codeplex.com/wikipage?title=Comparisons</a:t>
+            </a:r>
+            <a:endParaRPr lang="pl-PL" dirty="0" smtClean="0"/>
+          </a:p>
+        </p:txBody>
+      </p:sp>
+    </p:spTree>
+  </p:cSld>
+  <p:clrMapOvr>
+    <a:masterClrMapping/>
+  </p:clrMapOvr>
+  <p:timing>
+    <p:tnLst>
+      <p:par>
+        <p:cTn id="1" dur="indefinite" restart="never" nodeType="tmRoot"/>
+      </p:par>
+    </p:tnLst>
+  </p:timing>
+</p:sld>
+</file>
+
+<file path=ppt/slides/slide34.xml><?xml version="1.0" encoding="utf-8"?>
+<p:sld xmlns:a="http://schemas.openxmlformats.org/drawingml/2006/main" xmlns:r="http://schemas.openxmlformats.org/officeDocument/2006/relationships" xmlns:p="http://schemas.openxmlformats.org/presentationml/2006/main">
+  <p:cSld>
+    <p:spTree>
+      <p:nvGrpSpPr>
+        <p:cNvPr id="1" name=""/>
+        <p:cNvGrpSpPr/>
+        <p:nvPr/>
+      </p:nvGrpSpPr>
+      <p:grpSpPr>
+        <a:xfrm>
+          <a:off x="0" y="0"/>
+          <a:ext cx="0" cy="0"/>
+          <a:chOff x="0" y="0"/>
+          <a:chExt cx="0" cy="0"/>
+        </a:xfrm>
+      </p:grpSpPr>
+      <p:sp>
+        <p:nvSpPr>
+          <p:cNvPr id="4" name="Tytuł 3"/>
+          <p:cNvSpPr>
+            <a:spLocks noGrp="1"/>
+          </p:cNvSpPr>
+          <p:nvPr>
+            <p:ph type="title"/>
+          </p:nvPr>
+        </p:nvSpPr>
+        <p:spPr/>
+        <p:txBody>
+          <a:bodyPr/>
+          <a:lstStyle/>
+          <a:p>
+            <a:r>
+              <a:rPr lang="pl-PL" dirty="0" smtClean="0"/>
+              <a:t>Test </a:t>
+            </a:r>
+            <a:r>
+              <a:rPr lang="pl-PL" dirty="0" err="1" smtClean="0"/>
+              <a:t>driven-Development</a:t>
+            </a:r>
+            <a:endParaRPr lang="pl-PL" dirty="0"/>
+          </a:p>
+        </p:txBody>
+      </p:sp>
+      <p:sp>
+        <p:nvSpPr>
+          <p:cNvPr id="5" name="Symbol zastępczy tekstu 4"/>
+          <p:cNvSpPr>
+            <a:spLocks noGrp="1"/>
+          </p:cNvSpPr>
+          <p:nvPr>
+            <p:ph type="body" idx="1"/>
+          </p:nvPr>
+        </p:nvSpPr>
+        <p:spPr/>
+        <p:txBody>
+          <a:bodyPr/>
+          <a:lstStyle/>
+          <a:p>
+            <a:endParaRPr lang="pl-PL"/>
+          </a:p>
+        </p:txBody>
+      </p:sp>
+    </p:spTree>
+  </p:cSld>
+  <p:clrMapOvr>
+    <a:masterClrMapping/>
+  </p:clrMapOvr>
+  <p:timing>
+    <p:tnLst>
+      <p:par>
+        <p:cTn id="1" dur="indefinite" restart="never" nodeType="tmRoot"/>
+      </p:par>
+    </p:tnLst>
+  </p:timing>
+</p:sld>
+</file>
+
 <file path=ppt/slides/slide35.xml><?xml version="1.0" encoding="utf-8"?>
 <p:sld xmlns:a="http://schemas.openxmlformats.org/drawingml/2006/main" xmlns:r="http://schemas.openxmlformats.org/officeDocument/2006/relationships" xmlns:p="http://schemas.openxmlformats.org/presentationml/2006/main">
   <p:cSld>
@@ -15285,76 +15714,78 @@
         </p:nvSpPr>
         <p:spPr/>
         <p:txBody>
-          <a:bodyPr>
-            <a:normAutofit fontScale="90000"/>
-          </a:bodyPr>
+          <a:bodyPr/>
           <a:lstStyle/>
           <a:p>
             <a:r>
-              <a:rPr lang="pl-PL" dirty="0" err="1" smtClean="0"/>
-              <a:t>Abstract</a:t>
-            </a:r>
-            <a:r>
-              <a:rPr lang="pl-PL" dirty="0" smtClean="0"/>
-              <a:t> test </a:t>
-            </a:r>
-            <a:r>
-              <a:rPr lang="pl-PL" dirty="0" err="1" smtClean="0"/>
-              <a:t>infrastructure</a:t>
-            </a:r>
-            <a:r>
-              <a:rPr lang="pl-PL" dirty="0" smtClean="0"/>
-              <a:t> </a:t>
-            </a:r>
-            <a:r>
-              <a:rPr lang="pl-PL" dirty="0" err="1" smtClean="0"/>
-              <a:t>class</a:t>
-            </a:r>
-            <a:r>
-              <a:rPr lang="pl-PL" dirty="0" smtClean="0"/>
-              <a:t/>
-            </a:r>
-            <a:br>
-              <a:rPr lang="pl-PL" dirty="0" smtClean="0"/>
-            </a:br>
+              <a:rPr lang="pl-PL" dirty="0" smtClean="0"/>
+              <a:t>Dlaczego Test-First?</a:t>
+            </a:r>
             <a:endParaRPr lang="pl-PL" dirty="0"/>
           </a:p>
         </p:txBody>
       </p:sp>
-      <p:pic>
-        <p:nvPicPr>
-          <p:cNvPr id="3075" name="Picture 3"/>
-          <p:cNvPicPr>
-            <a:picLocks noGrp="1" noChangeAspect="1" noChangeArrowheads="1"/>
-          </p:cNvPicPr>
+      <p:sp>
+        <p:nvSpPr>
+          <p:cNvPr id="3" name="Symbol zastępczy zawartości 2"/>
+          <p:cNvSpPr>
+            <a:spLocks noGrp="1"/>
+          </p:cNvSpPr>
           <p:nvPr>
             <p:ph idx="1"/>
           </p:nvPr>
-        </p:nvPicPr>
-        <p:blipFill>
-          <a:blip r:embed="rId2" cstate="print"/>
-          <a:srcRect/>
-          <a:stretch>
-            <a:fillRect/>
-          </a:stretch>
-        </p:blipFill>
-        <p:spPr bwMode="auto">
-          <a:xfrm>
-            <a:off x="1331640" y="1844824"/>
-            <a:ext cx="6477000" cy="3238500"/>
-          </a:xfrm>
-          <a:prstGeom prst="rect">
-            <a:avLst/>
-          </a:prstGeom>
-          <a:noFill/>
-          <a:ln w="9525">
-            <a:noFill/>
-            <a:miter lim="800000"/>
-            <a:headEnd/>
-            <a:tailEnd/>
-          </a:ln>
-        </p:spPr>
-      </p:pic>
+        </p:nvSpPr>
+        <p:spPr/>
+        <p:txBody>
+          <a:bodyPr/>
+          <a:lstStyle/>
+          <a:p>
+            <a:r>
+              <a:rPr lang="pl-PL" dirty="0" smtClean="0"/>
+              <a:t>Możliwość wcześniejszego wykrycia defektów (natychmiastowe informacje zwrotne)</a:t>
+            </a:r>
+          </a:p>
+          <a:p>
+            <a:r>
+              <a:rPr lang="pl-PL" dirty="0" smtClean="0"/>
+              <a:t>Zmusza do poświęcenia większej uwagi wymaganiom i projektowi</a:t>
+            </a:r>
+          </a:p>
+          <a:p>
+            <a:r>
+              <a:rPr lang="pl-PL" dirty="0" smtClean="0"/>
+              <a:t>Gwarantuje, że stworzony kod będzie testowalny</a:t>
+            </a:r>
+          </a:p>
+          <a:p>
+            <a:r>
+              <a:rPr lang="pl-PL" dirty="0" smtClean="0"/>
+              <a:t>Otrzymujemy </a:t>
+            </a:r>
+            <a:r>
+              <a:rPr lang="pl-PL" dirty="0" err="1" smtClean="0"/>
+              <a:t>Self</a:t>
+            </a:r>
+            <a:r>
+              <a:rPr lang="pl-PL" dirty="0" smtClean="0"/>
+              <a:t> </a:t>
+            </a:r>
+            <a:r>
+              <a:rPr lang="pl-PL" dirty="0" err="1" smtClean="0"/>
+              <a:t>Testing</a:t>
+            </a:r>
+            <a:r>
+              <a:rPr lang="pl-PL" dirty="0" smtClean="0"/>
+              <a:t> </a:t>
+            </a:r>
+            <a:r>
+              <a:rPr lang="pl-PL" dirty="0" err="1" smtClean="0"/>
+              <a:t>Code</a:t>
+            </a:r>
+            <a:endParaRPr lang="pl-PL" dirty="0" smtClean="0"/>
+          </a:p>
+        </p:txBody>
+      </p:sp>
     </p:spTree>
   </p:cSld>
   <p:clrMapOvr>
@@ -15399,14 +15830,12 @@
         </p:nvSpPr>
         <p:spPr/>
         <p:txBody>
-          <a:bodyPr>
-            <a:normAutofit/>
-          </a:bodyPr>
+          <a:bodyPr/>
           <a:lstStyle/>
           <a:p>
             <a:r>
-              <a:rPr lang="en-US" dirty="0" smtClean="0"/>
-              <a:t>Abstract test driver class pattern</a:t>
+              <a:rPr lang="pl-PL" dirty="0" smtClean="0"/>
+              <a:t>Cykl TDD</a:t>
             </a:r>
             <a:endParaRPr lang="pl-PL" dirty="0"/>
           </a:p>
@@ -15431,8 +15860,8 @@
         </p:blipFill>
         <p:spPr bwMode="auto">
           <a:xfrm>
-            <a:off x="547960" y="1600200"/>
-            <a:ext cx="8048080" cy="4525963"/>
+            <a:off x="539552" y="1484784"/>
+            <a:ext cx="8347103" cy="4608512"/>
           </a:xfrm>
           <a:prstGeom prst="rect">
             <a:avLst/>
@@ -15495,41 +15924,47 @@
           <a:p>
             <a:r>
               <a:rPr lang="pl-PL" dirty="0" smtClean="0"/>
-              <a:t>DEMO</a:t>
+              <a:t>Metafora dwóch kapeluszy</a:t>
             </a:r>
             <a:endParaRPr lang="pl-PL" dirty="0"/>
           </a:p>
         </p:txBody>
       </p:sp>
-      <p:sp>
-        <p:nvSpPr>
-          <p:cNvPr id="4" name="Symbol zastępczy tekstu 3"/>
-          <p:cNvSpPr>
-            <a:spLocks noGrp="1"/>
-          </p:cNvSpPr>
+      <p:pic>
+        <p:nvPicPr>
+          <p:cNvPr id="1026" name="Picture 2"/>
+          <p:cNvPicPr>
+            <a:picLocks noGrp="1" noChangeAspect="1" noChangeArrowheads="1"/>
+          </p:cNvPicPr>
           <p:nvPr>
-            <p:ph type="body" idx="1"/>
+            <p:ph idx="1"/>
           </p:nvPr>
-        </p:nvSpPr>
-        <p:spPr/>
-        <p:txBody>
-          <a:bodyPr/>
-          <a:lstStyle/>
-          <a:p>
-            <a:r>
-              <a:rPr lang="pl-PL" dirty="0" smtClean="0"/>
-              <a:t>Wzorki</a:t>
-            </a:r>
-            <a:endParaRPr lang="pl-PL" dirty="0"/>
-          </a:p>
-        </p:txBody>
-      </p:sp>
+        </p:nvPicPr>
+        <p:blipFill>
+          <a:blip r:embed="rId2" cstate="print"/>
+          <a:srcRect/>
+          <a:stretch>
+            <a:fillRect/>
+          </a:stretch>
+        </p:blipFill>
+        <p:spPr bwMode="auto">
+          <a:xfrm>
+            <a:off x="1187624" y="1412776"/>
+            <a:ext cx="7114926" cy="4347370"/>
+          </a:xfrm>
+          <a:prstGeom prst="rect">
+            <a:avLst/>
+          </a:prstGeom>
+          <a:noFill/>
+          <a:ln w="9525">
+            <a:noFill/>
+            <a:miter lim="800000"/>
+            <a:headEnd/>
+            <a:tailEnd/>
+          </a:ln>
+        </p:spPr>
+      </p:pic>
     </p:spTree>
-    <p:extLst>
-      <p:ext uri="{BB962C8B-B14F-4D97-AF65-F5344CB8AC3E}">
-        <p14:creationId xmlns:p14="http://schemas.microsoft.com/office/powerpoint/2010/main" val="938130054"/>
-      </p:ext>
-    </p:extLst>
   </p:cSld>
   <p:clrMapOvr>
     <a:masterClrMapping/>
@@ -15556,7 +15991,7 @@
       </p:grpSpPr>
       <p:sp>
         <p:nvSpPr>
-          <p:cNvPr id="4" name="Tytuł 3"/>
+          <p:cNvPr id="2" name="Title 1"/>
           <p:cNvSpPr>
             <a:spLocks noGrp="1"/>
           </p:cNvSpPr>
@@ -15571,24 +16006,20 @@
           <a:p>
             <a:r>
               <a:rPr lang="pl-PL" dirty="0" smtClean="0"/>
-              <a:t>Test </a:t>
-            </a:r>
-            <a:r>
-              <a:rPr lang="pl-PL" dirty="0" err="1" smtClean="0"/>
-              <a:t>driven-Development</a:t>
-            </a:r>
-            <a:endParaRPr lang="pl-PL" dirty="0"/>
+              <a:t>Wymagania</a:t>
+            </a:r>
+            <a:endParaRPr lang="en-US" dirty="0"/>
           </a:p>
         </p:txBody>
       </p:sp>
       <p:sp>
         <p:nvSpPr>
-          <p:cNvPr id="5" name="Symbol zastępczy tekstu 4"/>
+          <p:cNvPr id="3" name="Content Placeholder 2"/>
           <p:cNvSpPr>
             <a:spLocks noGrp="1"/>
           </p:cNvSpPr>
           <p:nvPr>
-            <p:ph type="body" idx="1"/>
+            <p:ph idx="1"/>
           </p:nvPr>
         </p:nvSpPr>
         <p:spPr/>
@@ -15596,15 +16027,37 @@
           <a:bodyPr/>
           <a:lstStyle/>
           <a:p>
-            <a:endParaRPr lang="pl-PL"/>
+            <a:r>
+              <a:rPr lang="pl-PL" dirty="0" smtClean="0"/>
+              <a:t>Dyscyplina</a:t>
+            </a:r>
+          </a:p>
+          <a:p>
+            <a:r>
+              <a:rPr lang="pl-PL" dirty="0" smtClean="0"/>
+              <a:t>Wiadomo co chce się osiągnąć</a:t>
+            </a:r>
+            <a:endParaRPr lang="en-US" dirty="0"/>
           </a:p>
         </p:txBody>
       </p:sp>
     </p:spTree>
+    <p:extLst>
+      <p:ext uri="{BB962C8B-B14F-4D97-AF65-F5344CB8AC3E}">
+        <p14:creationId xmlns:p14="http://schemas.microsoft.com/office/powerpoint/2010/main" val="3197894616"/>
+      </p:ext>
+    </p:extLst>
   </p:cSld>
   <p:clrMapOvr>
     <a:masterClrMapping/>
   </p:clrMapOvr>
+  <p:timing>
+    <p:tnLst>
+      <p:par>
+        <p:cTn id="1" dur="indefinite" restart="never" nodeType="tmRoot"/>
+      </p:par>
+    </p:tnLst>
+  </p:timing>
 </p:sld>
 </file>
 
@@ -15627,7 +16080,7 @@
       </p:grpSpPr>
       <p:sp>
         <p:nvSpPr>
-          <p:cNvPr id="2" name="Tytuł 1"/>
+          <p:cNvPr id="6" name="Tytuł 5"/>
           <p:cNvSpPr>
             <a:spLocks noGrp="1"/>
           </p:cNvSpPr>
@@ -15642,7 +16095,7 @@
           <a:p>
             <a:r>
               <a:rPr lang="pl-PL" dirty="0" smtClean="0"/>
-              <a:t>Dlaczego Test-First?</a:t>
+              <a:t>PODSUMOWANIE</a:t>
             </a:r>
             <a:endParaRPr lang="pl-PL" dirty="0"/>
           </a:p>
@@ -15650,12 +16103,12 @@
       </p:sp>
       <p:sp>
         <p:nvSpPr>
-          <p:cNvPr id="3" name="Symbol zastępczy zawartości 2"/>
+          <p:cNvPr id="7" name="Symbol zastępczy tekstu 6"/>
           <p:cNvSpPr>
             <a:spLocks noGrp="1"/>
           </p:cNvSpPr>
           <p:nvPr>
-            <p:ph idx="1"/>
+            <p:ph type="body" idx="1"/>
           </p:nvPr>
         </p:nvSpPr>
         <p:spPr/>
@@ -15665,47 +16118,9 @@
           <a:p>
             <a:r>
               <a:rPr lang="pl-PL" dirty="0" smtClean="0"/>
-              <a:t>Możliwość wcześniejszego wykrycia defektów (natychmiastowe informacje zwrotne)</a:t>
-            </a:r>
-          </a:p>
-          <a:p>
-            <a:r>
-              <a:rPr lang="pl-PL" dirty="0" smtClean="0"/>
-              <a:t>Zmusza do poświęcenia większej uwagi wymaganiom i projektowi</a:t>
-            </a:r>
-          </a:p>
-          <a:p>
-            <a:r>
-              <a:rPr lang="pl-PL" dirty="0" smtClean="0"/>
-              <a:t>Gwarantuje, że stworzony kod będzie testowalny</a:t>
-            </a:r>
-          </a:p>
-          <a:p>
-            <a:r>
-              <a:rPr lang="pl-PL" dirty="0" smtClean="0"/>
-              <a:t>Otrzymujemy </a:t>
-            </a:r>
-            <a:r>
-              <a:rPr lang="pl-PL" dirty="0" err="1" smtClean="0"/>
-              <a:t>Self</a:t>
-            </a:r>
-            <a:r>
-              <a:rPr lang="pl-PL" dirty="0" smtClean="0"/>
-              <a:t> </a:t>
-            </a:r>
-            <a:r>
-              <a:rPr lang="pl-PL" dirty="0" err="1" smtClean="0"/>
-              <a:t>Testing</a:t>
-            </a:r>
-            <a:r>
-              <a:rPr lang="pl-PL" dirty="0" smtClean="0"/>
-              <a:t> </a:t>
-            </a:r>
-            <a:r>
-              <a:rPr lang="pl-PL" dirty="0" err="1" smtClean="0"/>
-              <a:t>Code</a:t>
-            </a:r>
-            <a:endParaRPr lang="pl-PL" dirty="0" smtClean="0"/>
+              <a:t>Pytania?</a:t>
+            </a:r>
+            <a:endParaRPr lang="pl-PL" dirty="0"/>
           </a:p>
         </p:txBody>
       </p:sp>
@@ -15796,7 +16211,7 @@
           </p:nvPr>
         </p:nvPicPr>
         <p:blipFill>
-          <a:blip r:embed="rId2">
+          <a:blip r:embed="rId2" cstate="print">
             <a:extLst>
               <a:ext uri="{28A0092B-C50C-407E-A947-70E740481C1C}">
                 <a14:useLocalDpi xmlns:a14="http://schemas.microsoft.com/office/drawing/2010/main" val="0"/>
@@ -15841,344 +16256,6 @@
 </p:sld>
 </file>
 
-<file path=ppt/slides/slide40.xml><?xml version="1.0" encoding="utf-8"?>
-<p:sld xmlns:a="http://schemas.openxmlformats.org/drawingml/2006/main" xmlns:r="http://schemas.openxmlformats.org/officeDocument/2006/relationships" xmlns:p="http://schemas.openxmlformats.org/presentationml/2006/main">
-  <p:cSld>
-    <p:spTree>
-      <p:nvGrpSpPr>
-        <p:cNvPr id="1" name=""/>
-        <p:cNvGrpSpPr/>
-        <p:nvPr/>
-      </p:nvGrpSpPr>
-      <p:grpSpPr>
-        <a:xfrm>
-          <a:off x="0" y="0"/>
-          <a:ext cx="0" cy="0"/>
-          <a:chOff x="0" y="0"/>
-          <a:chExt cx="0" cy="0"/>
-        </a:xfrm>
-      </p:grpSpPr>
-      <p:sp>
-        <p:nvSpPr>
-          <p:cNvPr id="2" name="Tytuł 1"/>
-          <p:cNvSpPr>
-            <a:spLocks noGrp="1"/>
-          </p:cNvSpPr>
-          <p:nvPr>
-            <p:ph type="title"/>
-          </p:nvPr>
-        </p:nvSpPr>
-        <p:spPr/>
-        <p:txBody>
-          <a:bodyPr/>
-          <a:lstStyle/>
-          <a:p>
-            <a:r>
-              <a:rPr lang="pl-PL" dirty="0" smtClean="0"/>
-              <a:t>Cykl TDD</a:t>
-            </a:r>
-            <a:endParaRPr lang="pl-PL" dirty="0"/>
-          </a:p>
-        </p:txBody>
-      </p:sp>
-      <p:pic>
-        <p:nvPicPr>
-          <p:cNvPr id="2050" name="Picture 2"/>
-          <p:cNvPicPr>
-            <a:picLocks noGrp="1" noChangeAspect="1" noChangeArrowheads="1"/>
-          </p:cNvPicPr>
-          <p:nvPr>
-            <p:ph idx="1"/>
-          </p:nvPr>
-        </p:nvPicPr>
-        <p:blipFill>
-          <a:blip r:embed="rId2" cstate="print"/>
-          <a:srcRect/>
-          <a:stretch>
-            <a:fillRect/>
-          </a:stretch>
-        </p:blipFill>
-        <p:spPr bwMode="auto">
-          <a:xfrm>
-            <a:off x="539552" y="1484784"/>
-            <a:ext cx="8347103" cy="4608512"/>
-          </a:xfrm>
-          <a:prstGeom prst="rect">
-            <a:avLst/>
-          </a:prstGeom>
-          <a:noFill/>
-          <a:ln w="9525">
-            <a:noFill/>
-            <a:miter lim="800000"/>
-            <a:headEnd/>
-            <a:tailEnd/>
-          </a:ln>
-        </p:spPr>
-      </p:pic>
-    </p:spTree>
-  </p:cSld>
-  <p:clrMapOvr>
-    <a:masterClrMapping/>
-  </p:clrMapOvr>
-  <p:timing>
-    <p:tnLst>
-      <p:par>
-        <p:cTn id="1" dur="indefinite" restart="never" nodeType="tmRoot"/>
-      </p:par>
-    </p:tnLst>
-  </p:timing>
-</p:sld>
-</file>
-
-<file path=ppt/slides/slide41.xml><?xml version="1.0" encoding="utf-8"?>
-<p:sld xmlns:a="http://schemas.openxmlformats.org/drawingml/2006/main" xmlns:r="http://schemas.openxmlformats.org/officeDocument/2006/relationships" xmlns:p="http://schemas.openxmlformats.org/presentationml/2006/main">
-  <p:cSld>
-    <p:spTree>
-      <p:nvGrpSpPr>
-        <p:cNvPr id="1" name=""/>
-        <p:cNvGrpSpPr/>
-        <p:nvPr/>
-      </p:nvGrpSpPr>
-      <p:grpSpPr>
-        <a:xfrm>
-          <a:off x="0" y="0"/>
-          <a:ext cx="0" cy="0"/>
-          <a:chOff x="0" y="0"/>
-          <a:chExt cx="0" cy="0"/>
-        </a:xfrm>
-      </p:grpSpPr>
-      <p:sp>
-        <p:nvSpPr>
-          <p:cNvPr id="2" name="Tytuł 1"/>
-          <p:cNvSpPr>
-            <a:spLocks noGrp="1"/>
-          </p:cNvSpPr>
-          <p:nvPr>
-            <p:ph type="title"/>
-          </p:nvPr>
-        </p:nvSpPr>
-        <p:spPr/>
-        <p:txBody>
-          <a:bodyPr/>
-          <a:lstStyle/>
-          <a:p>
-            <a:r>
-              <a:rPr lang="pl-PL" dirty="0" smtClean="0"/>
-              <a:t>Metafora dwóch kapeluszy</a:t>
-            </a:r>
-            <a:endParaRPr lang="pl-PL" dirty="0"/>
-          </a:p>
-        </p:txBody>
-      </p:sp>
-      <p:pic>
-        <p:nvPicPr>
-          <p:cNvPr id="1026" name="Picture 2"/>
-          <p:cNvPicPr>
-            <a:picLocks noGrp="1" noChangeAspect="1" noChangeArrowheads="1"/>
-          </p:cNvPicPr>
-          <p:nvPr>
-            <p:ph idx="1"/>
-          </p:nvPr>
-        </p:nvPicPr>
-        <p:blipFill>
-          <a:blip r:embed="rId2" cstate="print"/>
-          <a:srcRect/>
-          <a:stretch>
-            <a:fillRect/>
-          </a:stretch>
-        </p:blipFill>
-        <p:spPr bwMode="auto">
-          <a:xfrm>
-            <a:off x="1187624" y="1412776"/>
-            <a:ext cx="7114926" cy="4347370"/>
-          </a:xfrm>
-          <a:prstGeom prst="rect">
-            <a:avLst/>
-          </a:prstGeom>
-          <a:noFill/>
-          <a:ln w="9525">
-            <a:noFill/>
-            <a:miter lim="800000"/>
-            <a:headEnd/>
-            <a:tailEnd/>
-          </a:ln>
-        </p:spPr>
-      </p:pic>
-    </p:spTree>
-  </p:cSld>
-  <p:clrMapOvr>
-    <a:masterClrMapping/>
-  </p:clrMapOvr>
-</p:sld>
-</file>
-
-<file path=ppt/slides/slide42.xml><?xml version="1.0" encoding="utf-8"?>
-<p:sld xmlns:a="http://schemas.openxmlformats.org/drawingml/2006/main" xmlns:r="http://schemas.openxmlformats.org/officeDocument/2006/relationships" xmlns:p="http://schemas.openxmlformats.org/presentationml/2006/main">
-  <p:cSld>
-    <p:spTree>
-      <p:nvGrpSpPr>
-        <p:cNvPr id="1" name=""/>
-        <p:cNvGrpSpPr/>
-        <p:nvPr/>
-      </p:nvGrpSpPr>
-      <p:grpSpPr>
-        <a:xfrm>
-          <a:off x="0" y="0"/>
-          <a:ext cx="0" cy="0"/>
-          <a:chOff x="0" y="0"/>
-          <a:chExt cx="0" cy="0"/>
-        </a:xfrm>
-      </p:grpSpPr>
-      <p:sp>
-        <p:nvSpPr>
-          <p:cNvPr id="2" name="Title 1"/>
-          <p:cNvSpPr>
-            <a:spLocks noGrp="1"/>
-          </p:cNvSpPr>
-          <p:nvPr>
-            <p:ph type="title"/>
-          </p:nvPr>
-        </p:nvSpPr>
-        <p:spPr/>
-        <p:txBody>
-          <a:bodyPr/>
-          <a:lstStyle/>
-          <a:p>
-            <a:r>
-              <a:rPr lang="pl-PL" dirty="0" smtClean="0"/>
-              <a:t>Wymagania</a:t>
-            </a:r>
-            <a:endParaRPr lang="en-US" dirty="0"/>
-          </a:p>
-        </p:txBody>
-      </p:sp>
-      <p:sp>
-        <p:nvSpPr>
-          <p:cNvPr id="3" name="Content Placeholder 2"/>
-          <p:cNvSpPr>
-            <a:spLocks noGrp="1"/>
-          </p:cNvSpPr>
-          <p:nvPr>
-            <p:ph idx="1"/>
-          </p:nvPr>
-        </p:nvSpPr>
-        <p:spPr/>
-        <p:txBody>
-          <a:bodyPr/>
-          <a:lstStyle/>
-          <a:p>
-            <a:r>
-              <a:rPr lang="pl-PL" dirty="0" smtClean="0"/>
-              <a:t>Dyscyplina</a:t>
-            </a:r>
-          </a:p>
-          <a:p>
-            <a:r>
-              <a:rPr lang="pl-PL" dirty="0" smtClean="0"/>
-              <a:t>Wiadomo co chce się osiągnąć</a:t>
-            </a:r>
-            <a:endParaRPr lang="en-US" dirty="0"/>
-          </a:p>
-        </p:txBody>
-      </p:sp>
-    </p:spTree>
-    <p:extLst>
-      <p:ext uri="{BB962C8B-B14F-4D97-AF65-F5344CB8AC3E}">
-        <p14:creationId xmlns:p14="http://schemas.microsoft.com/office/powerpoint/2010/main" val="3197894616"/>
-      </p:ext>
-    </p:extLst>
-  </p:cSld>
-  <p:clrMapOvr>
-    <a:masterClrMapping/>
-  </p:clrMapOvr>
-  <p:timing>
-    <p:tnLst>
-      <p:par>
-        <p:cTn id="1" dur="indefinite" restart="never" nodeType="tmRoot"/>
-      </p:par>
-    </p:tnLst>
-  </p:timing>
-</p:sld>
-</file>
-
-<file path=ppt/slides/slide43.xml><?xml version="1.0" encoding="utf-8"?>
-<p:sld xmlns:a="http://schemas.openxmlformats.org/drawingml/2006/main" xmlns:r="http://schemas.openxmlformats.org/officeDocument/2006/relationships" xmlns:p="http://schemas.openxmlformats.org/presentationml/2006/main">
-  <p:cSld>
-    <p:spTree>
-      <p:nvGrpSpPr>
-        <p:cNvPr id="1" name=""/>
-        <p:cNvGrpSpPr/>
-        <p:nvPr/>
-      </p:nvGrpSpPr>
-      <p:grpSpPr>
-        <a:xfrm>
-          <a:off x="0" y="0"/>
-          <a:ext cx="0" cy="0"/>
-          <a:chOff x="0" y="0"/>
-          <a:chExt cx="0" cy="0"/>
-        </a:xfrm>
-      </p:grpSpPr>
-      <p:sp>
-        <p:nvSpPr>
-          <p:cNvPr id="6" name="Tytuł 5"/>
-          <p:cNvSpPr>
-            <a:spLocks noGrp="1"/>
-          </p:cNvSpPr>
-          <p:nvPr>
-            <p:ph type="title"/>
-          </p:nvPr>
-        </p:nvSpPr>
-        <p:spPr/>
-        <p:txBody>
-          <a:bodyPr/>
-          <a:lstStyle/>
-          <a:p>
-            <a:r>
-              <a:rPr lang="pl-PL" dirty="0" smtClean="0"/>
-              <a:t>PODSUMOWANIE</a:t>
-            </a:r>
-            <a:endParaRPr lang="pl-PL" dirty="0"/>
-          </a:p>
-        </p:txBody>
-      </p:sp>
-      <p:sp>
-        <p:nvSpPr>
-          <p:cNvPr id="7" name="Symbol zastępczy tekstu 6"/>
-          <p:cNvSpPr>
-            <a:spLocks noGrp="1"/>
-          </p:cNvSpPr>
-          <p:nvPr>
-            <p:ph type="body" idx="1"/>
-          </p:nvPr>
-        </p:nvSpPr>
-        <p:spPr/>
-        <p:txBody>
-          <a:bodyPr/>
-          <a:lstStyle/>
-          <a:p>
-            <a:r>
-              <a:rPr lang="pl-PL" dirty="0" smtClean="0"/>
-              <a:t>Pytania?</a:t>
-            </a:r>
-            <a:endParaRPr lang="pl-PL" dirty="0"/>
-          </a:p>
-        </p:txBody>
-      </p:sp>
-    </p:spTree>
-  </p:cSld>
-  <p:clrMapOvr>
-    <a:masterClrMapping/>
-  </p:clrMapOvr>
-  <p:timing>
-    <p:tnLst>
-      <p:par>
-        <p:cTn id="1" dur="indefinite" restart="never" nodeType="tmRoot"/>
-      </p:par>
-    </p:tnLst>
-  </p:timing>
-</p:sld>
-</file>
-
 <file path=ppt/slides/slide5.xml><?xml version="1.0" encoding="utf-8"?>
 <p:sld xmlns:a="http://schemas.openxmlformats.org/drawingml/2006/main" xmlns:r="http://schemas.openxmlformats.org/officeDocument/2006/relationships" xmlns:p="http://schemas.openxmlformats.org/presentationml/2006/main">
   <p:cSld>
@@ -16246,7 +16323,7 @@
           </p:nvPr>
         </p:nvPicPr>
         <p:blipFill>
-          <a:blip r:embed="rId2">
+          <a:blip r:embed="rId2" cstate="print">
             <a:extLst>
               <a:ext uri="{28A0092B-C50C-407E-A947-70E740481C1C}">
                 <a14:useLocalDpi xmlns:a14="http://schemas.microsoft.com/office/drawing/2010/main" val="0"/>
@@ -16350,7 +16427,7 @@
           </p:nvPr>
         </p:nvPicPr>
         <p:blipFill>
-          <a:blip r:embed="rId2">
+          <a:blip r:embed="rId2" cstate="print">
             <a:extLst>
               <a:ext uri="{28A0092B-C50C-407E-A947-70E740481C1C}">
                 <a14:useLocalDpi xmlns:a14="http://schemas.microsoft.com/office/drawing/2010/main" val="0"/>
@@ -16466,7 +16543,7 @@
           </p:nvPr>
         </p:nvPicPr>
         <p:blipFill>
-          <a:blip r:embed="rId2">
+          <a:blip r:embed="rId2" cstate="print">
             <a:extLst>
               <a:ext uri="{28A0092B-C50C-407E-A947-70E740481C1C}">
                 <a14:useLocalDpi xmlns:a14="http://schemas.microsoft.com/office/drawing/2010/main" val="0"/>
@@ -16582,7 +16659,7 @@
           </p:nvPr>
         </p:nvPicPr>
         <p:blipFill>
-          <a:blip r:embed="rId2">
+          <a:blip r:embed="rId2" cstate="print">
             <a:extLst>
               <a:ext uri="{28A0092B-C50C-407E-A947-70E740481C1C}">
                 <a14:useLocalDpi xmlns:a14="http://schemas.microsoft.com/office/drawing/2010/main" val="0"/>

--- a/TddSample/TDD.pptx
+++ b/TddSample/TDD.pptx
@@ -3863,11 +3863,7 @@
           <a:p>
             <a:r>
               <a:rPr lang="pl-PL" smtClean="0"/>
-              <a:t>Testowanie </a:t>
-            </a:r>
-            <a:r>
-              <a:rPr lang="pl-PL" smtClean="0"/>
-              <a:t>jednostkowe</a:t>
+              <a:t>Testowanie jednostkowe</a:t>
             </a:r>
             <a:r>
               <a:rPr lang="pl-PL" dirty="0" smtClean="0"/>
@@ -3894,15 +3890,41 @@
             <p:ph type="subTitle" idx="1"/>
           </p:nvPr>
         </p:nvSpPr>
-        <p:spPr/>
+        <p:spPr>
+          <a:xfrm>
+            <a:off x="1259632" y="3886200"/>
+            <a:ext cx="6696744" cy="1752600"/>
+          </a:xfrm>
+        </p:spPr>
         <p:txBody>
           <a:bodyPr/>
           <a:lstStyle/>
           <a:p>
             <a:r>
               <a:rPr lang="pl-PL" dirty="0" smtClean="0"/>
-              <a:t>Robert Pająk</a:t>
-            </a:r>
+              <a:t>Robert </a:t>
+            </a:r>
+            <a:r>
+              <a:rPr lang="pl-PL" dirty="0" smtClean="0"/>
+              <a:t>Pająk</a:t>
+            </a:r>
+          </a:p>
+          <a:p>
+            <a:r>
+              <a:rPr lang="pl-PL" dirty="0">
+                <a:hlinkClick r:id="rId2"/>
+              </a:rPr>
+              <a:t>https://</a:t>
+            </a:r>
+            <a:r>
+              <a:rPr lang="pl-PL" dirty="0" smtClean="0">
+                <a:hlinkClick r:id="rId2"/>
+              </a:rPr>
+              <a:t>github.com/Pellared/Examples</a:t>
+            </a:r>
+            <a:endParaRPr lang="pl-PL" dirty="0" smtClean="0"/>
+          </a:p>
+          <a:p>
             <a:endParaRPr lang="pl-PL" dirty="0"/>
           </a:p>
         </p:txBody>

--- a/TddSample/TDD.pptx
+++ b/TddSample/TDD.pptx
@@ -247,7 +247,7 @@
             <a:fld id="{65B7AA6C-7D93-45E0-84F0-7797ACE7A035}" type="datetimeFigureOut">
               <a:rPr lang="pl-PL" smtClean="0"/>
               <a:pPr/>
-              <a:t>2014-07-10</a:t>
+              <a:t>2014-07-11</a:t>
             </a:fld>
             <a:endParaRPr lang="pl-PL"/>
           </a:p>
@@ -824,8 +824,45 @@
             </a:r>
             <a:r>
               <a:rPr lang="pl-PL" baseline="0" dirty="0" smtClean="0"/>
-              <a:t> jednostkowa jako element kontroli jakości. V-model i piramida testów. Przeglądy i inspekcje. Nie są lekiem na wszystko…</a:t>
-            </a:r>
+              <a:t> jednostkowa jako element kontroli jakości. V-model i piramida testów</a:t>
+            </a:r>
+            <a:r>
+              <a:rPr lang="pl-PL" baseline="0" dirty="0" smtClean="0"/>
+              <a:t>. </a:t>
+            </a:r>
+            <a:r>
+              <a:rPr lang="pl-PL" baseline="0" dirty="0" smtClean="0"/>
+              <a:t>Nie są lekiem na wszystko</a:t>
+            </a:r>
+            <a:r>
+              <a:rPr lang="pl-PL" baseline="0" dirty="0" smtClean="0"/>
+              <a:t>… Przeglądy, inspekcje, standardy kodowania, dokumentacja (która nie jest kodem), CI., Deployment/</a:t>
+            </a:r>
+            <a:r>
+              <a:rPr lang="pl-PL" baseline="0" dirty="0" err="1" smtClean="0"/>
+              <a:t>Release</a:t>
+            </a:r>
+            <a:r>
+              <a:rPr lang="pl-PL" baseline="0" dirty="0" smtClean="0"/>
+              <a:t>/</a:t>
+            </a:r>
+            <a:r>
+              <a:rPr lang="pl-PL" baseline="0" dirty="0" err="1" smtClean="0"/>
+              <a:t>Configuration</a:t>
+            </a:r>
+            <a:r>
+              <a:rPr lang="pl-PL" baseline="0" dirty="0" smtClean="0"/>
+              <a:t> Management, </a:t>
+            </a:r>
+            <a:r>
+              <a:rPr lang="pl-PL" baseline="0" dirty="0" err="1" smtClean="0"/>
+              <a:t>Production</a:t>
+            </a:r>
+            <a:r>
+              <a:rPr lang="pl-PL" baseline="0" smtClean="0"/>
+              <a:t> Monitoring,..</a:t>
+            </a:r>
+            <a:endParaRPr lang="pl-PL" baseline="0" dirty="0" smtClean="0"/>
           </a:p>
           <a:p>
             <a:pPr marL="228600" indent="-228600">
@@ -1076,7 +1113,7 @@
             <a:fld id="{66221E02-25CB-4963-84BC-0813985E7D90}" type="datetimeFigureOut">
               <a:rPr lang="pl-PL" smtClean="0"/>
               <a:pPr/>
-              <a:t>2014-07-10</a:t>
+              <a:t>2014-07-11</a:t>
             </a:fld>
             <a:endParaRPr lang="pl-PL"/>
           </a:p>
@@ -1243,7 +1280,7 @@
             <a:fld id="{66221E02-25CB-4963-84BC-0813985E7D90}" type="datetimeFigureOut">
               <a:rPr lang="pl-PL" smtClean="0"/>
               <a:pPr/>
-              <a:t>2014-07-10</a:t>
+              <a:t>2014-07-11</a:t>
             </a:fld>
             <a:endParaRPr lang="pl-PL"/>
           </a:p>
@@ -1420,7 +1457,7 @@
             <a:fld id="{66221E02-25CB-4963-84BC-0813985E7D90}" type="datetimeFigureOut">
               <a:rPr lang="pl-PL" smtClean="0"/>
               <a:pPr/>
-              <a:t>2014-07-10</a:t>
+              <a:t>2014-07-11</a:t>
             </a:fld>
             <a:endParaRPr lang="pl-PL"/>
           </a:p>
@@ -1587,7 +1624,7 @@
             <a:fld id="{66221E02-25CB-4963-84BC-0813985E7D90}" type="datetimeFigureOut">
               <a:rPr lang="pl-PL" smtClean="0"/>
               <a:pPr/>
-              <a:t>2014-07-10</a:t>
+              <a:t>2014-07-11</a:t>
             </a:fld>
             <a:endParaRPr lang="pl-PL"/>
           </a:p>
@@ -1830,7 +1867,7 @@
             <a:fld id="{66221E02-25CB-4963-84BC-0813985E7D90}" type="datetimeFigureOut">
               <a:rPr lang="pl-PL" smtClean="0"/>
               <a:pPr/>
-              <a:t>2014-07-10</a:t>
+              <a:t>2014-07-11</a:t>
             </a:fld>
             <a:endParaRPr lang="pl-PL"/>
           </a:p>
@@ -2115,7 +2152,7 @@
             <a:fld id="{66221E02-25CB-4963-84BC-0813985E7D90}" type="datetimeFigureOut">
               <a:rPr lang="pl-PL" smtClean="0"/>
               <a:pPr/>
-              <a:t>2014-07-10</a:t>
+              <a:t>2014-07-11</a:t>
             </a:fld>
             <a:endParaRPr lang="pl-PL"/>
           </a:p>
@@ -2534,7 +2571,7 @@
             <a:fld id="{66221E02-25CB-4963-84BC-0813985E7D90}" type="datetimeFigureOut">
               <a:rPr lang="pl-PL" smtClean="0"/>
               <a:pPr/>
-              <a:t>2014-07-10</a:t>
+              <a:t>2014-07-11</a:t>
             </a:fld>
             <a:endParaRPr lang="pl-PL"/>
           </a:p>
@@ -2649,7 +2686,7 @@
             <a:fld id="{66221E02-25CB-4963-84BC-0813985E7D90}" type="datetimeFigureOut">
               <a:rPr lang="pl-PL" smtClean="0"/>
               <a:pPr/>
-              <a:t>2014-07-10</a:t>
+              <a:t>2014-07-11</a:t>
             </a:fld>
             <a:endParaRPr lang="pl-PL"/>
           </a:p>
@@ -2741,7 +2778,7 @@
             <a:fld id="{66221E02-25CB-4963-84BC-0813985E7D90}" type="datetimeFigureOut">
               <a:rPr lang="pl-PL" smtClean="0"/>
               <a:pPr/>
-              <a:t>2014-07-10</a:t>
+              <a:t>2014-07-11</a:t>
             </a:fld>
             <a:endParaRPr lang="pl-PL"/>
           </a:p>
@@ -3015,7 +3052,7 @@
             <a:fld id="{66221E02-25CB-4963-84BC-0813985E7D90}" type="datetimeFigureOut">
               <a:rPr lang="pl-PL" smtClean="0"/>
               <a:pPr/>
-              <a:t>2014-07-10</a:t>
+              <a:t>2014-07-11</a:t>
             </a:fld>
             <a:endParaRPr lang="pl-PL"/>
           </a:p>
@@ -3265,7 +3302,7 @@
             <a:fld id="{66221E02-25CB-4963-84BC-0813985E7D90}" type="datetimeFigureOut">
               <a:rPr lang="pl-PL" smtClean="0"/>
               <a:pPr/>
-              <a:t>2014-07-10</a:t>
+              <a:t>2014-07-11</a:t>
             </a:fld>
             <a:endParaRPr lang="pl-PL"/>
           </a:p>
@@ -3475,7 +3512,7 @@
             <a:fld id="{66221E02-25CB-4963-84BC-0813985E7D90}" type="datetimeFigureOut">
               <a:rPr lang="pl-PL" smtClean="0"/>
               <a:pPr/>
-              <a:t>2014-07-10</a:t>
+              <a:t>2014-07-11</a:t>
             </a:fld>
             <a:endParaRPr lang="pl-PL"/>
           </a:p>
@@ -3902,11 +3939,7 @@
           <a:p>
             <a:r>
               <a:rPr lang="pl-PL" dirty="0" smtClean="0"/>
-              <a:t>Robert </a:t>
-            </a:r>
-            <a:r>
-              <a:rPr lang="pl-PL" dirty="0" smtClean="0"/>
-              <a:t>Pająk</a:t>
+              <a:t>Robert Pająk</a:t>
             </a:r>
           </a:p>
           <a:p>
@@ -3934,6 +3967,13 @@
   <p:clrMapOvr>
     <a:masterClrMapping/>
   </p:clrMapOvr>
+  <p:timing>
+    <p:tnLst>
+      <p:par>
+        <p:cTn id="1" dur="indefinite" restart="never" nodeType="tmRoot"/>
+      </p:par>
+    </p:tnLst>
+  </p:timing>
 </p:sld>
 </file>
 
@@ -4051,6 +4091,13 @@
   <p:clrMapOvr>
     <a:masterClrMapping/>
   </p:clrMapOvr>
+  <p:timing>
+    <p:tnLst>
+      <p:par>
+        <p:cTn id="1" dur="indefinite" restart="never" nodeType="tmRoot"/>
+      </p:par>
+    </p:tnLst>
+  </p:timing>
 </p:sld>
 </file>
 
@@ -4442,7 +4489,11 @@
           <a:p>
             <a:r>
               <a:rPr lang="pl-PL" dirty="0" smtClean="0"/>
-              <a:t>Testy niskiego poziomu, które testują pojedyncze jednostki/komponenty</a:t>
+              <a:t>Testy </a:t>
+            </a:r>
+            <a:r>
+              <a:rPr lang="pl-PL" dirty="0" smtClean="0"/>
+              <a:t>niskiego poziomu, które testują pojedyncze jednostki/komponenty</a:t>
             </a:r>
           </a:p>
           <a:p>
@@ -4474,7 +4525,388 @@
   <p:timing>
     <p:tnLst>
       <p:par>
-        <p:cTn id="1" dur="indefinite" restart="never" nodeType="tmRoot"/>
+        <p:cTn id="1" dur="indefinite" restart="never" nodeType="tmRoot">
+          <p:childTnLst>
+            <p:seq concurrent="1" nextAc="seek">
+              <p:cTn id="2" dur="indefinite" nodeType="mainSeq">
+                <p:childTnLst>
+                  <p:par>
+                    <p:cTn id="3" fill="hold">
+                      <p:stCondLst>
+                        <p:cond delay="indefinite"/>
+                      </p:stCondLst>
+                      <p:childTnLst>
+                        <p:par>
+                          <p:cTn id="4" fill="hold">
+                            <p:stCondLst>
+                              <p:cond delay="0"/>
+                            </p:stCondLst>
+                            <p:childTnLst>
+                              <p:par>
+                                <p:cTn id="5" presetID="2" presetClass="entr" presetSubtype="4" fill="hold" nodeType="clickEffect">
+                                  <p:stCondLst>
+                                    <p:cond delay="0"/>
+                                  </p:stCondLst>
+                                  <p:childTnLst>
+                                    <p:set>
+                                      <p:cBhvr>
+                                        <p:cTn id="6" dur="1" fill="hold">
+                                          <p:stCondLst>
+                                            <p:cond delay="0"/>
+                                          </p:stCondLst>
+                                        </p:cTn>
+                                        <p:tgtEl>
+                                          <p:spTgt spid="5">
+                                            <p:txEl>
+                                              <p:pRg st="0" end="0"/>
+                                            </p:txEl>
+                                          </p:spTgt>
+                                        </p:tgtEl>
+                                        <p:attrNameLst>
+                                          <p:attrName>style.visibility</p:attrName>
+                                        </p:attrNameLst>
+                                      </p:cBhvr>
+                                      <p:to>
+                                        <p:strVal val="visible"/>
+                                      </p:to>
+                                    </p:set>
+                                    <p:anim calcmode="lin" valueType="num">
+                                      <p:cBhvr additive="base">
+                                        <p:cTn id="7" dur="500" fill="hold"/>
+                                        <p:tgtEl>
+                                          <p:spTgt spid="5">
+                                            <p:txEl>
+                                              <p:pRg st="0" end="0"/>
+                                            </p:txEl>
+                                          </p:spTgt>
+                                        </p:tgtEl>
+                                        <p:attrNameLst>
+                                          <p:attrName>ppt_x</p:attrName>
+                                        </p:attrNameLst>
+                                      </p:cBhvr>
+                                      <p:tavLst>
+                                        <p:tav tm="0">
+                                          <p:val>
+                                            <p:strVal val="#ppt_x"/>
+                                          </p:val>
+                                        </p:tav>
+                                        <p:tav tm="100000">
+                                          <p:val>
+                                            <p:strVal val="#ppt_x"/>
+                                          </p:val>
+                                        </p:tav>
+                                      </p:tavLst>
+                                    </p:anim>
+                                    <p:anim calcmode="lin" valueType="num">
+                                      <p:cBhvr additive="base">
+                                        <p:cTn id="8" dur="500" fill="hold"/>
+                                        <p:tgtEl>
+                                          <p:spTgt spid="5">
+                                            <p:txEl>
+                                              <p:pRg st="0" end="0"/>
+                                            </p:txEl>
+                                          </p:spTgt>
+                                        </p:tgtEl>
+                                        <p:attrNameLst>
+                                          <p:attrName>ppt_y</p:attrName>
+                                        </p:attrNameLst>
+                                      </p:cBhvr>
+                                      <p:tavLst>
+                                        <p:tav tm="0">
+                                          <p:val>
+                                            <p:strVal val="1+#ppt_h/2"/>
+                                          </p:val>
+                                        </p:tav>
+                                        <p:tav tm="100000">
+                                          <p:val>
+                                            <p:strVal val="#ppt_y"/>
+                                          </p:val>
+                                        </p:tav>
+                                      </p:tavLst>
+                                    </p:anim>
+                                  </p:childTnLst>
+                                </p:cTn>
+                              </p:par>
+                              <p:par>
+                                <p:cTn id="9" presetID="2" presetClass="entr" presetSubtype="4" fill="hold" nodeType="withEffect">
+                                  <p:stCondLst>
+                                    <p:cond delay="0"/>
+                                  </p:stCondLst>
+                                  <p:childTnLst>
+                                    <p:set>
+                                      <p:cBhvr>
+                                        <p:cTn id="10" dur="1" fill="hold">
+                                          <p:stCondLst>
+                                            <p:cond delay="0"/>
+                                          </p:stCondLst>
+                                        </p:cTn>
+                                        <p:tgtEl>
+                                          <p:spTgt spid="5">
+                                            <p:txEl>
+                                              <p:pRg st="1" end="1"/>
+                                            </p:txEl>
+                                          </p:spTgt>
+                                        </p:tgtEl>
+                                        <p:attrNameLst>
+                                          <p:attrName>style.visibility</p:attrName>
+                                        </p:attrNameLst>
+                                      </p:cBhvr>
+                                      <p:to>
+                                        <p:strVal val="visible"/>
+                                      </p:to>
+                                    </p:set>
+                                    <p:anim calcmode="lin" valueType="num">
+                                      <p:cBhvr additive="base">
+                                        <p:cTn id="11" dur="500" fill="hold"/>
+                                        <p:tgtEl>
+                                          <p:spTgt spid="5">
+                                            <p:txEl>
+                                              <p:pRg st="1" end="1"/>
+                                            </p:txEl>
+                                          </p:spTgt>
+                                        </p:tgtEl>
+                                        <p:attrNameLst>
+                                          <p:attrName>ppt_x</p:attrName>
+                                        </p:attrNameLst>
+                                      </p:cBhvr>
+                                      <p:tavLst>
+                                        <p:tav tm="0">
+                                          <p:val>
+                                            <p:strVal val="#ppt_x"/>
+                                          </p:val>
+                                        </p:tav>
+                                        <p:tav tm="100000">
+                                          <p:val>
+                                            <p:strVal val="#ppt_x"/>
+                                          </p:val>
+                                        </p:tav>
+                                      </p:tavLst>
+                                    </p:anim>
+                                    <p:anim calcmode="lin" valueType="num">
+                                      <p:cBhvr additive="base">
+                                        <p:cTn id="12" dur="500" fill="hold"/>
+                                        <p:tgtEl>
+                                          <p:spTgt spid="5">
+                                            <p:txEl>
+                                              <p:pRg st="1" end="1"/>
+                                            </p:txEl>
+                                          </p:spTgt>
+                                        </p:tgtEl>
+                                        <p:attrNameLst>
+                                          <p:attrName>ppt_y</p:attrName>
+                                        </p:attrNameLst>
+                                      </p:cBhvr>
+                                      <p:tavLst>
+                                        <p:tav tm="0">
+                                          <p:val>
+                                            <p:strVal val="1+#ppt_h/2"/>
+                                          </p:val>
+                                        </p:tav>
+                                        <p:tav tm="100000">
+                                          <p:val>
+                                            <p:strVal val="#ppt_y"/>
+                                          </p:val>
+                                        </p:tav>
+                                      </p:tavLst>
+                                    </p:anim>
+                                  </p:childTnLst>
+                                </p:cTn>
+                              </p:par>
+                              <p:par>
+                                <p:cTn id="13" presetID="2" presetClass="entr" presetSubtype="4" fill="hold" nodeType="withEffect">
+                                  <p:stCondLst>
+                                    <p:cond delay="0"/>
+                                  </p:stCondLst>
+                                  <p:childTnLst>
+                                    <p:set>
+                                      <p:cBhvr>
+                                        <p:cTn id="14" dur="1" fill="hold">
+                                          <p:stCondLst>
+                                            <p:cond delay="0"/>
+                                          </p:stCondLst>
+                                        </p:cTn>
+                                        <p:tgtEl>
+                                          <p:spTgt spid="5">
+                                            <p:txEl>
+                                              <p:pRg st="2" end="2"/>
+                                            </p:txEl>
+                                          </p:spTgt>
+                                        </p:tgtEl>
+                                        <p:attrNameLst>
+                                          <p:attrName>style.visibility</p:attrName>
+                                        </p:attrNameLst>
+                                      </p:cBhvr>
+                                      <p:to>
+                                        <p:strVal val="visible"/>
+                                      </p:to>
+                                    </p:set>
+                                    <p:anim calcmode="lin" valueType="num">
+                                      <p:cBhvr additive="base">
+                                        <p:cTn id="15" dur="500" fill="hold"/>
+                                        <p:tgtEl>
+                                          <p:spTgt spid="5">
+                                            <p:txEl>
+                                              <p:pRg st="2" end="2"/>
+                                            </p:txEl>
+                                          </p:spTgt>
+                                        </p:tgtEl>
+                                        <p:attrNameLst>
+                                          <p:attrName>ppt_x</p:attrName>
+                                        </p:attrNameLst>
+                                      </p:cBhvr>
+                                      <p:tavLst>
+                                        <p:tav tm="0">
+                                          <p:val>
+                                            <p:strVal val="#ppt_x"/>
+                                          </p:val>
+                                        </p:tav>
+                                        <p:tav tm="100000">
+                                          <p:val>
+                                            <p:strVal val="#ppt_x"/>
+                                          </p:val>
+                                        </p:tav>
+                                      </p:tavLst>
+                                    </p:anim>
+                                    <p:anim calcmode="lin" valueType="num">
+                                      <p:cBhvr additive="base">
+                                        <p:cTn id="16" dur="500" fill="hold"/>
+                                        <p:tgtEl>
+                                          <p:spTgt spid="5">
+                                            <p:txEl>
+                                              <p:pRg st="2" end="2"/>
+                                            </p:txEl>
+                                          </p:spTgt>
+                                        </p:tgtEl>
+                                        <p:attrNameLst>
+                                          <p:attrName>ppt_y</p:attrName>
+                                        </p:attrNameLst>
+                                      </p:cBhvr>
+                                      <p:tavLst>
+                                        <p:tav tm="0">
+                                          <p:val>
+                                            <p:strVal val="1+#ppt_h/2"/>
+                                          </p:val>
+                                        </p:tav>
+                                        <p:tav tm="100000">
+                                          <p:val>
+                                            <p:strVal val="#ppt_y"/>
+                                          </p:val>
+                                        </p:tav>
+                                      </p:tavLst>
+                                    </p:anim>
+                                  </p:childTnLst>
+                                </p:cTn>
+                              </p:par>
+                              <p:par>
+                                <p:cTn id="17" presetID="2" presetClass="entr" presetSubtype="4" fill="hold" nodeType="withEffect">
+                                  <p:stCondLst>
+                                    <p:cond delay="0"/>
+                                  </p:stCondLst>
+                                  <p:childTnLst>
+                                    <p:set>
+                                      <p:cBhvr>
+                                        <p:cTn id="18" dur="1" fill="hold">
+                                          <p:stCondLst>
+                                            <p:cond delay="0"/>
+                                          </p:stCondLst>
+                                        </p:cTn>
+                                        <p:tgtEl>
+                                          <p:spTgt spid="5">
+                                            <p:txEl>
+                                              <p:pRg st="3" end="3"/>
+                                            </p:txEl>
+                                          </p:spTgt>
+                                        </p:tgtEl>
+                                        <p:attrNameLst>
+                                          <p:attrName>style.visibility</p:attrName>
+                                        </p:attrNameLst>
+                                      </p:cBhvr>
+                                      <p:to>
+                                        <p:strVal val="visible"/>
+                                      </p:to>
+                                    </p:set>
+                                    <p:anim calcmode="lin" valueType="num">
+                                      <p:cBhvr additive="base">
+                                        <p:cTn id="19" dur="500" fill="hold"/>
+                                        <p:tgtEl>
+                                          <p:spTgt spid="5">
+                                            <p:txEl>
+                                              <p:pRg st="3" end="3"/>
+                                            </p:txEl>
+                                          </p:spTgt>
+                                        </p:tgtEl>
+                                        <p:attrNameLst>
+                                          <p:attrName>ppt_x</p:attrName>
+                                        </p:attrNameLst>
+                                      </p:cBhvr>
+                                      <p:tavLst>
+                                        <p:tav tm="0">
+                                          <p:val>
+                                            <p:strVal val="#ppt_x"/>
+                                          </p:val>
+                                        </p:tav>
+                                        <p:tav tm="100000">
+                                          <p:val>
+                                            <p:strVal val="#ppt_x"/>
+                                          </p:val>
+                                        </p:tav>
+                                      </p:tavLst>
+                                    </p:anim>
+                                    <p:anim calcmode="lin" valueType="num">
+                                      <p:cBhvr additive="base">
+                                        <p:cTn id="20" dur="500" fill="hold"/>
+                                        <p:tgtEl>
+                                          <p:spTgt spid="5">
+                                            <p:txEl>
+                                              <p:pRg st="3" end="3"/>
+                                            </p:txEl>
+                                          </p:spTgt>
+                                        </p:tgtEl>
+                                        <p:attrNameLst>
+                                          <p:attrName>ppt_y</p:attrName>
+                                        </p:attrNameLst>
+                                      </p:cBhvr>
+                                      <p:tavLst>
+                                        <p:tav tm="0">
+                                          <p:val>
+                                            <p:strVal val="1+#ppt_h/2"/>
+                                          </p:val>
+                                        </p:tav>
+                                        <p:tav tm="100000">
+                                          <p:val>
+                                            <p:strVal val="#ppt_y"/>
+                                          </p:val>
+                                        </p:tav>
+                                      </p:tavLst>
+                                    </p:anim>
+                                  </p:childTnLst>
+                                </p:cTn>
+                              </p:par>
+                            </p:childTnLst>
+                          </p:cTn>
+                        </p:par>
+                      </p:childTnLst>
+                    </p:cTn>
+                  </p:par>
+                </p:childTnLst>
+              </p:cTn>
+              <p:prevCondLst>
+                <p:cond evt="onPrev" delay="0">
+                  <p:tgtEl>
+                    <p:sldTgt/>
+                  </p:tgtEl>
+                </p:cond>
+              </p:prevCondLst>
+              <p:nextCondLst>
+                <p:cond evt="onNext" delay="0">
+                  <p:tgtEl>
+                    <p:sldTgt/>
+                  </p:tgtEl>
+                </p:cond>
+              </p:nextCondLst>
+            </p:seq>
+          </p:childTnLst>
+        </p:cTn>
       </p:par>
     </p:tnLst>
   </p:timing>
@@ -4577,6 +5009,479 @@
   <p:clrMapOvr>
     <a:masterClrMapping/>
   </p:clrMapOvr>
+  <p:timing>
+    <p:tnLst>
+      <p:par>
+        <p:cTn id="1" dur="indefinite" restart="never" nodeType="tmRoot">
+          <p:childTnLst>
+            <p:seq concurrent="1" nextAc="seek">
+              <p:cTn id="2" dur="indefinite" nodeType="mainSeq">
+                <p:childTnLst>
+                  <p:par>
+                    <p:cTn id="3" fill="hold">
+                      <p:stCondLst>
+                        <p:cond delay="indefinite"/>
+                      </p:stCondLst>
+                      <p:childTnLst>
+                        <p:par>
+                          <p:cTn id="4" fill="hold">
+                            <p:stCondLst>
+                              <p:cond delay="0"/>
+                            </p:stCondLst>
+                            <p:childTnLst>
+                              <p:par>
+                                <p:cTn id="5" presetID="2" presetClass="entr" presetSubtype="4" fill="hold" nodeType="clickEffect">
+                                  <p:stCondLst>
+                                    <p:cond delay="0"/>
+                                  </p:stCondLst>
+                                  <p:childTnLst>
+                                    <p:set>
+                                      <p:cBhvr>
+                                        <p:cTn id="6" dur="1" fill="hold">
+                                          <p:stCondLst>
+                                            <p:cond delay="0"/>
+                                          </p:stCondLst>
+                                        </p:cTn>
+                                        <p:tgtEl>
+                                          <p:spTgt spid="3">
+                                            <p:txEl>
+                                              <p:pRg st="0" end="0"/>
+                                            </p:txEl>
+                                          </p:spTgt>
+                                        </p:tgtEl>
+                                        <p:attrNameLst>
+                                          <p:attrName>style.visibility</p:attrName>
+                                        </p:attrNameLst>
+                                      </p:cBhvr>
+                                      <p:to>
+                                        <p:strVal val="visible"/>
+                                      </p:to>
+                                    </p:set>
+                                    <p:anim calcmode="lin" valueType="num">
+                                      <p:cBhvr additive="base">
+                                        <p:cTn id="7" dur="500" fill="hold"/>
+                                        <p:tgtEl>
+                                          <p:spTgt spid="3">
+                                            <p:txEl>
+                                              <p:pRg st="0" end="0"/>
+                                            </p:txEl>
+                                          </p:spTgt>
+                                        </p:tgtEl>
+                                        <p:attrNameLst>
+                                          <p:attrName>ppt_x</p:attrName>
+                                        </p:attrNameLst>
+                                      </p:cBhvr>
+                                      <p:tavLst>
+                                        <p:tav tm="0">
+                                          <p:val>
+                                            <p:strVal val="#ppt_x"/>
+                                          </p:val>
+                                        </p:tav>
+                                        <p:tav tm="100000">
+                                          <p:val>
+                                            <p:strVal val="#ppt_x"/>
+                                          </p:val>
+                                        </p:tav>
+                                      </p:tavLst>
+                                    </p:anim>
+                                    <p:anim calcmode="lin" valueType="num">
+                                      <p:cBhvr additive="base">
+                                        <p:cTn id="8" dur="500" fill="hold"/>
+                                        <p:tgtEl>
+                                          <p:spTgt spid="3">
+                                            <p:txEl>
+                                              <p:pRg st="0" end="0"/>
+                                            </p:txEl>
+                                          </p:spTgt>
+                                        </p:tgtEl>
+                                        <p:attrNameLst>
+                                          <p:attrName>ppt_y</p:attrName>
+                                        </p:attrNameLst>
+                                      </p:cBhvr>
+                                      <p:tavLst>
+                                        <p:tav tm="0">
+                                          <p:val>
+                                            <p:strVal val="1+#ppt_h/2"/>
+                                          </p:val>
+                                        </p:tav>
+                                        <p:tav tm="100000">
+                                          <p:val>
+                                            <p:strVal val="#ppt_y"/>
+                                          </p:val>
+                                        </p:tav>
+                                      </p:tavLst>
+                                    </p:anim>
+                                  </p:childTnLst>
+                                </p:cTn>
+                              </p:par>
+                              <p:par>
+                                <p:cTn id="9" presetID="2" presetClass="entr" presetSubtype="4" fill="hold" nodeType="withEffect">
+                                  <p:stCondLst>
+                                    <p:cond delay="0"/>
+                                  </p:stCondLst>
+                                  <p:childTnLst>
+                                    <p:set>
+                                      <p:cBhvr>
+                                        <p:cTn id="10" dur="1" fill="hold">
+                                          <p:stCondLst>
+                                            <p:cond delay="0"/>
+                                          </p:stCondLst>
+                                        </p:cTn>
+                                        <p:tgtEl>
+                                          <p:spTgt spid="3">
+                                            <p:txEl>
+                                              <p:pRg st="1" end="1"/>
+                                            </p:txEl>
+                                          </p:spTgt>
+                                        </p:tgtEl>
+                                        <p:attrNameLst>
+                                          <p:attrName>style.visibility</p:attrName>
+                                        </p:attrNameLst>
+                                      </p:cBhvr>
+                                      <p:to>
+                                        <p:strVal val="visible"/>
+                                      </p:to>
+                                    </p:set>
+                                    <p:anim calcmode="lin" valueType="num">
+                                      <p:cBhvr additive="base">
+                                        <p:cTn id="11" dur="500" fill="hold"/>
+                                        <p:tgtEl>
+                                          <p:spTgt spid="3">
+                                            <p:txEl>
+                                              <p:pRg st="1" end="1"/>
+                                            </p:txEl>
+                                          </p:spTgt>
+                                        </p:tgtEl>
+                                        <p:attrNameLst>
+                                          <p:attrName>ppt_x</p:attrName>
+                                        </p:attrNameLst>
+                                      </p:cBhvr>
+                                      <p:tavLst>
+                                        <p:tav tm="0">
+                                          <p:val>
+                                            <p:strVal val="#ppt_x"/>
+                                          </p:val>
+                                        </p:tav>
+                                        <p:tav tm="100000">
+                                          <p:val>
+                                            <p:strVal val="#ppt_x"/>
+                                          </p:val>
+                                        </p:tav>
+                                      </p:tavLst>
+                                    </p:anim>
+                                    <p:anim calcmode="lin" valueType="num">
+                                      <p:cBhvr additive="base">
+                                        <p:cTn id="12" dur="500" fill="hold"/>
+                                        <p:tgtEl>
+                                          <p:spTgt spid="3">
+                                            <p:txEl>
+                                              <p:pRg st="1" end="1"/>
+                                            </p:txEl>
+                                          </p:spTgt>
+                                        </p:tgtEl>
+                                        <p:attrNameLst>
+                                          <p:attrName>ppt_y</p:attrName>
+                                        </p:attrNameLst>
+                                      </p:cBhvr>
+                                      <p:tavLst>
+                                        <p:tav tm="0">
+                                          <p:val>
+                                            <p:strVal val="1+#ppt_h/2"/>
+                                          </p:val>
+                                        </p:tav>
+                                        <p:tav tm="100000">
+                                          <p:val>
+                                            <p:strVal val="#ppt_y"/>
+                                          </p:val>
+                                        </p:tav>
+                                      </p:tavLst>
+                                    </p:anim>
+                                  </p:childTnLst>
+                                </p:cTn>
+                              </p:par>
+                              <p:par>
+                                <p:cTn id="13" presetID="2" presetClass="entr" presetSubtype="4" fill="hold" nodeType="withEffect">
+                                  <p:stCondLst>
+                                    <p:cond delay="0"/>
+                                  </p:stCondLst>
+                                  <p:childTnLst>
+                                    <p:set>
+                                      <p:cBhvr>
+                                        <p:cTn id="14" dur="1" fill="hold">
+                                          <p:stCondLst>
+                                            <p:cond delay="0"/>
+                                          </p:stCondLst>
+                                        </p:cTn>
+                                        <p:tgtEl>
+                                          <p:spTgt spid="3">
+                                            <p:txEl>
+                                              <p:pRg st="2" end="2"/>
+                                            </p:txEl>
+                                          </p:spTgt>
+                                        </p:tgtEl>
+                                        <p:attrNameLst>
+                                          <p:attrName>style.visibility</p:attrName>
+                                        </p:attrNameLst>
+                                      </p:cBhvr>
+                                      <p:to>
+                                        <p:strVal val="visible"/>
+                                      </p:to>
+                                    </p:set>
+                                    <p:anim calcmode="lin" valueType="num">
+                                      <p:cBhvr additive="base">
+                                        <p:cTn id="15" dur="500" fill="hold"/>
+                                        <p:tgtEl>
+                                          <p:spTgt spid="3">
+                                            <p:txEl>
+                                              <p:pRg st="2" end="2"/>
+                                            </p:txEl>
+                                          </p:spTgt>
+                                        </p:tgtEl>
+                                        <p:attrNameLst>
+                                          <p:attrName>ppt_x</p:attrName>
+                                        </p:attrNameLst>
+                                      </p:cBhvr>
+                                      <p:tavLst>
+                                        <p:tav tm="0">
+                                          <p:val>
+                                            <p:strVal val="#ppt_x"/>
+                                          </p:val>
+                                        </p:tav>
+                                        <p:tav tm="100000">
+                                          <p:val>
+                                            <p:strVal val="#ppt_x"/>
+                                          </p:val>
+                                        </p:tav>
+                                      </p:tavLst>
+                                    </p:anim>
+                                    <p:anim calcmode="lin" valueType="num">
+                                      <p:cBhvr additive="base">
+                                        <p:cTn id="16" dur="500" fill="hold"/>
+                                        <p:tgtEl>
+                                          <p:spTgt spid="3">
+                                            <p:txEl>
+                                              <p:pRg st="2" end="2"/>
+                                            </p:txEl>
+                                          </p:spTgt>
+                                        </p:tgtEl>
+                                        <p:attrNameLst>
+                                          <p:attrName>ppt_y</p:attrName>
+                                        </p:attrNameLst>
+                                      </p:cBhvr>
+                                      <p:tavLst>
+                                        <p:tav tm="0">
+                                          <p:val>
+                                            <p:strVal val="1+#ppt_h/2"/>
+                                          </p:val>
+                                        </p:tav>
+                                        <p:tav tm="100000">
+                                          <p:val>
+                                            <p:strVal val="#ppt_y"/>
+                                          </p:val>
+                                        </p:tav>
+                                      </p:tavLst>
+                                    </p:anim>
+                                  </p:childTnLst>
+                                </p:cTn>
+                              </p:par>
+                              <p:par>
+                                <p:cTn id="17" presetID="2" presetClass="entr" presetSubtype="4" fill="hold" nodeType="withEffect">
+                                  <p:stCondLst>
+                                    <p:cond delay="0"/>
+                                  </p:stCondLst>
+                                  <p:childTnLst>
+                                    <p:set>
+                                      <p:cBhvr>
+                                        <p:cTn id="18" dur="1" fill="hold">
+                                          <p:stCondLst>
+                                            <p:cond delay="0"/>
+                                          </p:stCondLst>
+                                        </p:cTn>
+                                        <p:tgtEl>
+                                          <p:spTgt spid="3">
+                                            <p:txEl>
+                                              <p:pRg st="3" end="3"/>
+                                            </p:txEl>
+                                          </p:spTgt>
+                                        </p:tgtEl>
+                                        <p:attrNameLst>
+                                          <p:attrName>style.visibility</p:attrName>
+                                        </p:attrNameLst>
+                                      </p:cBhvr>
+                                      <p:to>
+                                        <p:strVal val="visible"/>
+                                      </p:to>
+                                    </p:set>
+                                    <p:anim calcmode="lin" valueType="num">
+                                      <p:cBhvr additive="base">
+                                        <p:cTn id="19" dur="500" fill="hold"/>
+                                        <p:tgtEl>
+                                          <p:spTgt spid="3">
+                                            <p:txEl>
+                                              <p:pRg st="3" end="3"/>
+                                            </p:txEl>
+                                          </p:spTgt>
+                                        </p:tgtEl>
+                                        <p:attrNameLst>
+                                          <p:attrName>ppt_x</p:attrName>
+                                        </p:attrNameLst>
+                                      </p:cBhvr>
+                                      <p:tavLst>
+                                        <p:tav tm="0">
+                                          <p:val>
+                                            <p:strVal val="#ppt_x"/>
+                                          </p:val>
+                                        </p:tav>
+                                        <p:tav tm="100000">
+                                          <p:val>
+                                            <p:strVal val="#ppt_x"/>
+                                          </p:val>
+                                        </p:tav>
+                                      </p:tavLst>
+                                    </p:anim>
+                                    <p:anim calcmode="lin" valueType="num">
+                                      <p:cBhvr additive="base">
+                                        <p:cTn id="20" dur="500" fill="hold"/>
+                                        <p:tgtEl>
+                                          <p:spTgt spid="3">
+                                            <p:txEl>
+                                              <p:pRg st="3" end="3"/>
+                                            </p:txEl>
+                                          </p:spTgt>
+                                        </p:tgtEl>
+                                        <p:attrNameLst>
+                                          <p:attrName>ppt_y</p:attrName>
+                                        </p:attrNameLst>
+                                      </p:cBhvr>
+                                      <p:tavLst>
+                                        <p:tav tm="0">
+                                          <p:val>
+                                            <p:strVal val="1+#ppt_h/2"/>
+                                          </p:val>
+                                        </p:tav>
+                                        <p:tav tm="100000">
+                                          <p:val>
+                                            <p:strVal val="#ppt_y"/>
+                                          </p:val>
+                                        </p:tav>
+                                      </p:tavLst>
+                                    </p:anim>
+                                  </p:childTnLst>
+                                </p:cTn>
+                              </p:par>
+                              <p:par>
+                                <p:cTn id="21" presetID="2" presetClass="entr" presetSubtype="4" fill="hold" nodeType="withEffect">
+                                  <p:stCondLst>
+                                    <p:cond delay="0"/>
+                                  </p:stCondLst>
+                                  <p:childTnLst>
+                                    <p:set>
+                                      <p:cBhvr>
+                                        <p:cTn id="22" dur="1" fill="hold">
+                                          <p:stCondLst>
+                                            <p:cond delay="0"/>
+                                          </p:stCondLst>
+                                        </p:cTn>
+                                        <p:tgtEl>
+                                          <p:spTgt spid="3">
+                                            <p:txEl>
+                                              <p:pRg st="4" end="4"/>
+                                            </p:txEl>
+                                          </p:spTgt>
+                                        </p:tgtEl>
+                                        <p:attrNameLst>
+                                          <p:attrName>style.visibility</p:attrName>
+                                        </p:attrNameLst>
+                                      </p:cBhvr>
+                                      <p:to>
+                                        <p:strVal val="visible"/>
+                                      </p:to>
+                                    </p:set>
+                                    <p:anim calcmode="lin" valueType="num">
+                                      <p:cBhvr additive="base">
+                                        <p:cTn id="23" dur="500" fill="hold"/>
+                                        <p:tgtEl>
+                                          <p:spTgt spid="3">
+                                            <p:txEl>
+                                              <p:pRg st="4" end="4"/>
+                                            </p:txEl>
+                                          </p:spTgt>
+                                        </p:tgtEl>
+                                        <p:attrNameLst>
+                                          <p:attrName>ppt_x</p:attrName>
+                                        </p:attrNameLst>
+                                      </p:cBhvr>
+                                      <p:tavLst>
+                                        <p:tav tm="0">
+                                          <p:val>
+                                            <p:strVal val="#ppt_x"/>
+                                          </p:val>
+                                        </p:tav>
+                                        <p:tav tm="100000">
+                                          <p:val>
+                                            <p:strVal val="#ppt_x"/>
+                                          </p:val>
+                                        </p:tav>
+                                      </p:tavLst>
+                                    </p:anim>
+                                    <p:anim calcmode="lin" valueType="num">
+                                      <p:cBhvr additive="base">
+                                        <p:cTn id="24" dur="500" fill="hold"/>
+                                        <p:tgtEl>
+                                          <p:spTgt spid="3">
+                                            <p:txEl>
+                                              <p:pRg st="4" end="4"/>
+                                            </p:txEl>
+                                          </p:spTgt>
+                                        </p:tgtEl>
+                                        <p:attrNameLst>
+                                          <p:attrName>ppt_y</p:attrName>
+                                        </p:attrNameLst>
+                                      </p:cBhvr>
+                                      <p:tavLst>
+                                        <p:tav tm="0">
+                                          <p:val>
+                                            <p:strVal val="1+#ppt_h/2"/>
+                                          </p:val>
+                                        </p:tav>
+                                        <p:tav tm="100000">
+                                          <p:val>
+                                            <p:strVal val="#ppt_y"/>
+                                          </p:val>
+                                        </p:tav>
+                                      </p:tavLst>
+                                    </p:anim>
+                                  </p:childTnLst>
+                                </p:cTn>
+                              </p:par>
+                            </p:childTnLst>
+                          </p:cTn>
+                        </p:par>
+                      </p:childTnLst>
+                    </p:cTn>
+                  </p:par>
+                </p:childTnLst>
+              </p:cTn>
+              <p:prevCondLst>
+                <p:cond evt="onPrev" delay="0">
+                  <p:tgtEl>
+                    <p:sldTgt/>
+                  </p:tgtEl>
+                </p:cond>
+              </p:prevCondLst>
+              <p:nextCondLst>
+                <p:cond evt="onNext" delay="0">
+                  <p:tgtEl>
+                    <p:sldTgt/>
+                  </p:tgtEl>
+                </p:cond>
+              </p:nextCondLst>
+            </p:seq>
+          </p:childTnLst>
+        </p:cTn>
+      </p:par>
+    </p:tnLst>
+  </p:timing>
 </p:sld>
 </file>
 
@@ -6987,6 +7892,13 @@
   <p:clrMapOvr>
     <a:masterClrMapping/>
   </p:clrMapOvr>
+  <p:timing>
+    <p:tnLst>
+      <p:par>
+        <p:cTn id="1" dur="indefinite" restart="never" nodeType="tmRoot"/>
+      </p:par>
+    </p:tnLst>
+  </p:timing>
 </p:sld>
 </file>
 
@@ -11079,7 +11991,11 @@
           <a:p>
             <a:r>
               <a:rPr lang="en-US" dirty="0" smtClean="0"/>
-              <a:t>Eliminate Inappropriate Intimacy (too much intimate knowledge of another class)</a:t>
+              <a:t>Eliminate Inappropriate Intimacy (too much intimate knowledge of another class</a:t>
+            </a:r>
+            <a:r>
+              <a:rPr lang="en-US" dirty="0" smtClean="0"/>
+              <a:t>)</a:t>
             </a:r>
             <a:endParaRPr lang="pl-PL" dirty="0" smtClean="0"/>
           </a:p>
@@ -13502,6 +14418,13 @@
   <p:clrMapOvr>
     <a:masterClrMapping/>
   </p:clrMapOvr>
+  <p:timing>
+    <p:tnLst>
+      <p:par>
+        <p:cTn id="1" dur="indefinite" restart="never" nodeType="tmRoot"/>
+      </p:par>
+    </p:tnLst>
+  </p:timing>
 </p:sld>
 </file>
 
@@ -14630,22 +15553,16 @@
               <a:buNone/>
             </a:pPr>
             <a:r>
+              <a:rPr lang="pl-PL" dirty="0" err="1" smtClean="0">
+                <a:sym typeface="Wingdings" panose="05000000000000000000" pitchFamily="2" charset="2"/>
+              </a:rPr>
+              <a:t>Builder’y</a:t>
+            </a:r>
+            <a:r>
               <a:rPr lang="pl-PL" dirty="0" smtClean="0">
                 <a:sym typeface="Wingdings" panose="05000000000000000000" pitchFamily="2" charset="2"/>
               </a:rPr>
-              <a:t>Wykorzystywanie </a:t>
-            </a:r>
-            <a:r>
-              <a:rPr lang="pl-PL" dirty="0" err="1" smtClean="0">
-                <a:sym typeface="Wingdings" panose="05000000000000000000" pitchFamily="2" charset="2"/>
-              </a:rPr>
-              <a:t>Builder’ów</a:t>
-            </a:r>
-            <a:r>
-              <a:rPr lang="pl-PL" dirty="0" smtClean="0">
-                <a:sym typeface="Wingdings" panose="05000000000000000000" pitchFamily="2" charset="2"/>
-              </a:rPr>
-              <a:t> może być bardziej </a:t>
+              <a:t> bywają bardziej </a:t>
             </a:r>
             <a:r>
               <a:rPr lang="pl-PL" dirty="0" err="1" smtClean="0">
@@ -15816,7 +16733,388 @@
   <p:timing>
     <p:tnLst>
       <p:par>
-        <p:cTn id="1" dur="indefinite" restart="never" nodeType="tmRoot"/>
+        <p:cTn id="1" dur="indefinite" restart="never" nodeType="tmRoot">
+          <p:childTnLst>
+            <p:seq concurrent="1" nextAc="seek">
+              <p:cTn id="2" dur="indefinite" nodeType="mainSeq">
+                <p:childTnLst>
+                  <p:par>
+                    <p:cTn id="3" fill="hold">
+                      <p:stCondLst>
+                        <p:cond delay="indefinite"/>
+                      </p:stCondLst>
+                      <p:childTnLst>
+                        <p:par>
+                          <p:cTn id="4" fill="hold">
+                            <p:stCondLst>
+                              <p:cond delay="0"/>
+                            </p:stCondLst>
+                            <p:childTnLst>
+                              <p:par>
+                                <p:cTn id="5" presetID="2" presetClass="entr" presetSubtype="4" fill="hold" nodeType="clickEffect">
+                                  <p:stCondLst>
+                                    <p:cond delay="0"/>
+                                  </p:stCondLst>
+                                  <p:childTnLst>
+                                    <p:set>
+                                      <p:cBhvr>
+                                        <p:cTn id="6" dur="1" fill="hold">
+                                          <p:stCondLst>
+                                            <p:cond delay="0"/>
+                                          </p:stCondLst>
+                                        </p:cTn>
+                                        <p:tgtEl>
+                                          <p:spTgt spid="3">
+                                            <p:txEl>
+                                              <p:pRg st="0" end="0"/>
+                                            </p:txEl>
+                                          </p:spTgt>
+                                        </p:tgtEl>
+                                        <p:attrNameLst>
+                                          <p:attrName>style.visibility</p:attrName>
+                                        </p:attrNameLst>
+                                      </p:cBhvr>
+                                      <p:to>
+                                        <p:strVal val="visible"/>
+                                      </p:to>
+                                    </p:set>
+                                    <p:anim calcmode="lin" valueType="num">
+                                      <p:cBhvr additive="base">
+                                        <p:cTn id="7" dur="500" fill="hold"/>
+                                        <p:tgtEl>
+                                          <p:spTgt spid="3">
+                                            <p:txEl>
+                                              <p:pRg st="0" end="0"/>
+                                            </p:txEl>
+                                          </p:spTgt>
+                                        </p:tgtEl>
+                                        <p:attrNameLst>
+                                          <p:attrName>ppt_x</p:attrName>
+                                        </p:attrNameLst>
+                                      </p:cBhvr>
+                                      <p:tavLst>
+                                        <p:tav tm="0">
+                                          <p:val>
+                                            <p:strVal val="#ppt_x"/>
+                                          </p:val>
+                                        </p:tav>
+                                        <p:tav tm="100000">
+                                          <p:val>
+                                            <p:strVal val="#ppt_x"/>
+                                          </p:val>
+                                        </p:tav>
+                                      </p:tavLst>
+                                    </p:anim>
+                                    <p:anim calcmode="lin" valueType="num">
+                                      <p:cBhvr additive="base">
+                                        <p:cTn id="8" dur="500" fill="hold"/>
+                                        <p:tgtEl>
+                                          <p:spTgt spid="3">
+                                            <p:txEl>
+                                              <p:pRg st="0" end="0"/>
+                                            </p:txEl>
+                                          </p:spTgt>
+                                        </p:tgtEl>
+                                        <p:attrNameLst>
+                                          <p:attrName>ppt_y</p:attrName>
+                                        </p:attrNameLst>
+                                      </p:cBhvr>
+                                      <p:tavLst>
+                                        <p:tav tm="0">
+                                          <p:val>
+                                            <p:strVal val="1+#ppt_h/2"/>
+                                          </p:val>
+                                        </p:tav>
+                                        <p:tav tm="100000">
+                                          <p:val>
+                                            <p:strVal val="#ppt_y"/>
+                                          </p:val>
+                                        </p:tav>
+                                      </p:tavLst>
+                                    </p:anim>
+                                  </p:childTnLst>
+                                </p:cTn>
+                              </p:par>
+                              <p:par>
+                                <p:cTn id="9" presetID="2" presetClass="entr" presetSubtype="4" fill="hold" nodeType="withEffect">
+                                  <p:stCondLst>
+                                    <p:cond delay="0"/>
+                                  </p:stCondLst>
+                                  <p:childTnLst>
+                                    <p:set>
+                                      <p:cBhvr>
+                                        <p:cTn id="10" dur="1" fill="hold">
+                                          <p:stCondLst>
+                                            <p:cond delay="0"/>
+                                          </p:stCondLst>
+                                        </p:cTn>
+                                        <p:tgtEl>
+                                          <p:spTgt spid="3">
+                                            <p:txEl>
+                                              <p:pRg st="1" end="1"/>
+                                            </p:txEl>
+                                          </p:spTgt>
+                                        </p:tgtEl>
+                                        <p:attrNameLst>
+                                          <p:attrName>style.visibility</p:attrName>
+                                        </p:attrNameLst>
+                                      </p:cBhvr>
+                                      <p:to>
+                                        <p:strVal val="visible"/>
+                                      </p:to>
+                                    </p:set>
+                                    <p:anim calcmode="lin" valueType="num">
+                                      <p:cBhvr additive="base">
+                                        <p:cTn id="11" dur="500" fill="hold"/>
+                                        <p:tgtEl>
+                                          <p:spTgt spid="3">
+                                            <p:txEl>
+                                              <p:pRg st="1" end="1"/>
+                                            </p:txEl>
+                                          </p:spTgt>
+                                        </p:tgtEl>
+                                        <p:attrNameLst>
+                                          <p:attrName>ppt_x</p:attrName>
+                                        </p:attrNameLst>
+                                      </p:cBhvr>
+                                      <p:tavLst>
+                                        <p:tav tm="0">
+                                          <p:val>
+                                            <p:strVal val="#ppt_x"/>
+                                          </p:val>
+                                        </p:tav>
+                                        <p:tav tm="100000">
+                                          <p:val>
+                                            <p:strVal val="#ppt_x"/>
+                                          </p:val>
+                                        </p:tav>
+                                      </p:tavLst>
+                                    </p:anim>
+                                    <p:anim calcmode="lin" valueType="num">
+                                      <p:cBhvr additive="base">
+                                        <p:cTn id="12" dur="500" fill="hold"/>
+                                        <p:tgtEl>
+                                          <p:spTgt spid="3">
+                                            <p:txEl>
+                                              <p:pRg st="1" end="1"/>
+                                            </p:txEl>
+                                          </p:spTgt>
+                                        </p:tgtEl>
+                                        <p:attrNameLst>
+                                          <p:attrName>ppt_y</p:attrName>
+                                        </p:attrNameLst>
+                                      </p:cBhvr>
+                                      <p:tavLst>
+                                        <p:tav tm="0">
+                                          <p:val>
+                                            <p:strVal val="1+#ppt_h/2"/>
+                                          </p:val>
+                                        </p:tav>
+                                        <p:tav tm="100000">
+                                          <p:val>
+                                            <p:strVal val="#ppt_y"/>
+                                          </p:val>
+                                        </p:tav>
+                                      </p:tavLst>
+                                    </p:anim>
+                                  </p:childTnLst>
+                                </p:cTn>
+                              </p:par>
+                              <p:par>
+                                <p:cTn id="13" presetID="2" presetClass="entr" presetSubtype="4" fill="hold" nodeType="withEffect">
+                                  <p:stCondLst>
+                                    <p:cond delay="0"/>
+                                  </p:stCondLst>
+                                  <p:childTnLst>
+                                    <p:set>
+                                      <p:cBhvr>
+                                        <p:cTn id="14" dur="1" fill="hold">
+                                          <p:stCondLst>
+                                            <p:cond delay="0"/>
+                                          </p:stCondLst>
+                                        </p:cTn>
+                                        <p:tgtEl>
+                                          <p:spTgt spid="3">
+                                            <p:txEl>
+                                              <p:pRg st="2" end="2"/>
+                                            </p:txEl>
+                                          </p:spTgt>
+                                        </p:tgtEl>
+                                        <p:attrNameLst>
+                                          <p:attrName>style.visibility</p:attrName>
+                                        </p:attrNameLst>
+                                      </p:cBhvr>
+                                      <p:to>
+                                        <p:strVal val="visible"/>
+                                      </p:to>
+                                    </p:set>
+                                    <p:anim calcmode="lin" valueType="num">
+                                      <p:cBhvr additive="base">
+                                        <p:cTn id="15" dur="500" fill="hold"/>
+                                        <p:tgtEl>
+                                          <p:spTgt spid="3">
+                                            <p:txEl>
+                                              <p:pRg st="2" end="2"/>
+                                            </p:txEl>
+                                          </p:spTgt>
+                                        </p:tgtEl>
+                                        <p:attrNameLst>
+                                          <p:attrName>ppt_x</p:attrName>
+                                        </p:attrNameLst>
+                                      </p:cBhvr>
+                                      <p:tavLst>
+                                        <p:tav tm="0">
+                                          <p:val>
+                                            <p:strVal val="#ppt_x"/>
+                                          </p:val>
+                                        </p:tav>
+                                        <p:tav tm="100000">
+                                          <p:val>
+                                            <p:strVal val="#ppt_x"/>
+                                          </p:val>
+                                        </p:tav>
+                                      </p:tavLst>
+                                    </p:anim>
+                                    <p:anim calcmode="lin" valueType="num">
+                                      <p:cBhvr additive="base">
+                                        <p:cTn id="16" dur="500" fill="hold"/>
+                                        <p:tgtEl>
+                                          <p:spTgt spid="3">
+                                            <p:txEl>
+                                              <p:pRg st="2" end="2"/>
+                                            </p:txEl>
+                                          </p:spTgt>
+                                        </p:tgtEl>
+                                        <p:attrNameLst>
+                                          <p:attrName>ppt_y</p:attrName>
+                                        </p:attrNameLst>
+                                      </p:cBhvr>
+                                      <p:tavLst>
+                                        <p:tav tm="0">
+                                          <p:val>
+                                            <p:strVal val="1+#ppt_h/2"/>
+                                          </p:val>
+                                        </p:tav>
+                                        <p:tav tm="100000">
+                                          <p:val>
+                                            <p:strVal val="#ppt_y"/>
+                                          </p:val>
+                                        </p:tav>
+                                      </p:tavLst>
+                                    </p:anim>
+                                  </p:childTnLst>
+                                </p:cTn>
+                              </p:par>
+                              <p:par>
+                                <p:cTn id="17" presetID="2" presetClass="entr" presetSubtype="4" fill="hold" nodeType="withEffect">
+                                  <p:stCondLst>
+                                    <p:cond delay="0"/>
+                                  </p:stCondLst>
+                                  <p:childTnLst>
+                                    <p:set>
+                                      <p:cBhvr>
+                                        <p:cTn id="18" dur="1" fill="hold">
+                                          <p:stCondLst>
+                                            <p:cond delay="0"/>
+                                          </p:stCondLst>
+                                        </p:cTn>
+                                        <p:tgtEl>
+                                          <p:spTgt spid="3">
+                                            <p:txEl>
+                                              <p:pRg st="3" end="3"/>
+                                            </p:txEl>
+                                          </p:spTgt>
+                                        </p:tgtEl>
+                                        <p:attrNameLst>
+                                          <p:attrName>style.visibility</p:attrName>
+                                        </p:attrNameLst>
+                                      </p:cBhvr>
+                                      <p:to>
+                                        <p:strVal val="visible"/>
+                                      </p:to>
+                                    </p:set>
+                                    <p:anim calcmode="lin" valueType="num">
+                                      <p:cBhvr additive="base">
+                                        <p:cTn id="19" dur="500" fill="hold"/>
+                                        <p:tgtEl>
+                                          <p:spTgt spid="3">
+                                            <p:txEl>
+                                              <p:pRg st="3" end="3"/>
+                                            </p:txEl>
+                                          </p:spTgt>
+                                        </p:tgtEl>
+                                        <p:attrNameLst>
+                                          <p:attrName>ppt_x</p:attrName>
+                                        </p:attrNameLst>
+                                      </p:cBhvr>
+                                      <p:tavLst>
+                                        <p:tav tm="0">
+                                          <p:val>
+                                            <p:strVal val="#ppt_x"/>
+                                          </p:val>
+                                        </p:tav>
+                                        <p:tav tm="100000">
+                                          <p:val>
+                                            <p:strVal val="#ppt_x"/>
+                                          </p:val>
+                                        </p:tav>
+                                      </p:tavLst>
+                                    </p:anim>
+                                    <p:anim calcmode="lin" valueType="num">
+                                      <p:cBhvr additive="base">
+                                        <p:cTn id="20" dur="500" fill="hold"/>
+                                        <p:tgtEl>
+                                          <p:spTgt spid="3">
+                                            <p:txEl>
+                                              <p:pRg st="3" end="3"/>
+                                            </p:txEl>
+                                          </p:spTgt>
+                                        </p:tgtEl>
+                                        <p:attrNameLst>
+                                          <p:attrName>ppt_y</p:attrName>
+                                        </p:attrNameLst>
+                                      </p:cBhvr>
+                                      <p:tavLst>
+                                        <p:tav tm="0">
+                                          <p:val>
+                                            <p:strVal val="1+#ppt_h/2"/>
+                                          </p:val>
+                                        </p:tav>
+                                        <p:tav tm="100000">
+                                          <p:val>
+                                            <p:strVal val="#ppt_y"/>
+                                          </p:val>
+                                        </p:tav>
+                                      </p:tavLst>
+                                    </p:anim>
+                                  </p:childTnLst>
+                                </p:cTn>
+                              </p:par>
+                            </p:childTnLst>
+                          </p:cTn>
+                        </p:par>
+                      </p:childTnLst>
+                    </p:cTn>
+                  </p:par>
+                </p:childTnLst>
+              </p:cTn>
+              <p:prevCondLst>
+                <p:cond evt="onPrev" delay="0">
+                  <p:tgtEl>
+                    <p:sldTgt/>
+                  </p:tgtEl>
+                </p:cond>
+              </p:prevCondLst>
+              <p:nextCondLst>
+                <p:cond evt="onNext" delay="0">
+                  <p:tgtEl>
+                    <p:sldTgt/>
+                  </p:tgtEl>
+                </p:cond>
+              </p:nextCondLst>
+            </p:seq>
+          </p:childTnLst>
+        </p:cTn>
       </p:par>
     </p:tnLst>
   </p:timing>
@@ -15991,6 +17289,13 @@
   <p:clrMapOvr>
     <a:masterClrMapping/>
   </p:clrMapOvr>
+  <p:timing>
+    <p:tnLst>
+      <p:par>
+        <p:cTn id="1" dur="indefinite" restart="never" nodeType="tmRoot"/>
+      </p:par>
+    </p:tnLst>
+  </p:timing>
 </p:sld>
 </file>
 
@@ -16057,8 +17362,17 @@
           <a:p>
             <a:r>
               <a:rPr lang="pl-PL" dirty="0" smtClean="0"/>
-              <a:t>Wiadomo co chce się osiągnąć</a:t>
-            </a:r>
+              <a:t>Wiadomo co chce się </a:t>
+            </a:r>
+            <a:r>
+              <a:rPr lang="pl-PL" dirty="0" smtClean="0"/>
+              <a:t>osiągnąć</a:t>
+            </a:r>
+          </a:p>
+          <a:p>
+            <a:pPr marL="0" indent="0">
+              <a:buNone/>
+            </a:pPr>
             <a:endParaRPr lang="en-US" dirty="0"/>
           </a:p>
         </p:txBody>
@@ -16076,9 +17390,241 @@
   <p:timing>
     <p:tnLst>
       <p:par>
-        <p:cTn id="1" dur="indefinite" restart="never" nodeType="tmRoot"/>
+        <p:cTn id="1" dur="indefinite" restart="never" nodeType="tmRoot">
+          <p:childTnLst>
+            <p:seq concurrent="1" nextAc="seek">
+              <p:cTn id="2" dur="indefinite" nodeType="mainSeq">
+                <p:childTnLst>
+                  <p:par>
+                    <p:cTn id="3" fill="hold">
+                      <p:stCondLst>
+                        <p:cond delay="indefinite"/>
+                      </p:stCondLst>
+                      <p:childTnLst>
+                        <p:par>
+                          <p:cTn id="4" fill="hold">
+                            <p:stCondLst>
+                              <p:cond delay="0"/>
+                            </p:stCondLst>
+                            <p:childTnLst>
+                              <p:par>
+                                <p:cTn id="5" presetID="2" presetClass="entr" presetSubtype="4" fill="hold" grpId="0" nodeType="clickEffect">
+                                  <p:stCondLst>
+                                    <p:cond delay="0"/>
+                                  </p:stCondLst>
+                                  <p:childTnLst>
+                                    <p:set>
+                                      <p:cBhvr>
+                                        <p:cTn id="6" dur="1" fill="hold">
+                                          <p:stCondLst>
+                                            <p:cond delay="0"/>
+                                          </p:stCondLst>
+                                        </p:cTn>
+                                        <p:tgtEl>
+                                          <p:spTgt spid="3">
+                                            <p:txEl>
+                                              <p:pRg st="0" end="0"/>
+                                            </p:txEl>
+                                          </p:spTgt>
+                                        </p:tgtEl>
+                                        <p:attrNameLst>
+                                          <p:attrName>style.visibility</p:attrName>
+                                        </p:attrNameLst>
+                                      </p:cBhvr>
+                                      <p:to>
+                                        <p:strVal val="visible"/>
+                                      </p:to>
+                                    </p:set>
+                                    <p:anim calcmode="lin" valueType="num">
+                                      <p:cBhvr additive="base">
+                                        <p:cTn id="7" dur="500" fill="hold"/>
+                                        <p:tgtEl>
+                                          <p:spTgt spid="3">
+                                            <p:txEl>
+                                              <p:pRg st="0" end="0"/>
+                                            </p:txEl>
+                                          </p:spTgt>
+                                        </p:tgtEl>
+                                        <p:attrNameLst>
+                                          <p:attrName>ppt_x</p:attrName>
+                                        </p:attrNameLst>
+                                      </p:cBhvr>
+                                      <p:tavLst>
+                                        <p:tav tm="0">
+                                          <p:val>
+                                            <p:strVal val="#ppt_x"/>
+                                          </p:val>
+                                        </p:tav>
+                                        <p:tav tm="100000">
+                                          <p:val>
+                                            <p:strVal val="#ppt_x"/>
+                                          </p:val>
+                                        </p:tav>
+                                      </p:tavLst>
+                                    </p:anim>
+                                    <p:anim calcmode="lin" valueType="num">
+                                      <p:cBhvr additive="base">
+                                        <p:cTn id="8" dur="500" fill="hold"/>
+                                        <p:tgtEl>
+                                          <p:spTgt spid="3">
+                                            <p:txEl>
+                                              <p:pRg st="0" end="0"/>
+                                            </p:txEl>
+                                          </p:spTgt>
+                                        </p:tgtEl>
+                                        <p:attrNameLst>
+                                          <p:attrName>ppt_y</p:attrName>
+                                        </p:attrNameLst>
+                                      </p:cBhvr>
+                                      <p:tavLst>
+                                        <p:tav tm="0">
+                                          <p:val>
+                                            <p:strVal val="1+#ppt_h/2"/>
+                                          </p:val>
+                                        </p:tav>
+                                        <p:tav tm="100000">
+                                          <p:val>
+                                            <p:strVal val="#ppt_y"/>
+                                          </p:val>
+                                        </p:tav>
+                                      </p:tavLst>
+                                    </p:anim>
+                                  </p:childTnLst>
+                                </p:cTn>
+                              </p:par>
+                            </p:childTnLst>
+                          </p:cTn>
+                        </p:par>
+                      </p:childTnLst>
+                    </p:cTn>
+                  </p:par>
+                  <p:par>
+                    <p:cTn id="9" fill="hold">
+                      <p:stCondLst>
+                        <p:cond delay="indefinite"/>
+                      </p:stCondLst>
+                      <p:childTnLst>
+                        <p:par>
+                          <p:cTn id="10" fill="hold">
+                            <p:stCondLst>
+                              <p:cond delay="0"/>
+                            </p:stCondLst>
+                            <p:childTnLst>
+                              <p:par>
+                                <p:cTn id="11" presetID="2" presetClass="entr" presetSubtype="4" fill="hold" grpId="0" nodeType="clickEffect">
+                                  <p:stCondLst>
+                                    <p:cond delay="0"/>
+                                  </p:stCondLst>
+                                  <p:childTnLst>
+                                    <p:set>
+                                      <p:cBhvr>
+                                        <p:cTn id="12" dur="1" fill="hold">
+                                          <p:stCondLst>
+                                            <p:cond delay="0"/>
+                                          </p:stCondLst>
+                                        </p:cTn>
+                                        <p:tgtEl>
+                                          <p:spTgt spid="3">
+                                            <p:txEl>
+                                              <p:pRg st="1" end="1"/>
+                                            </p:txEl>
+                                          </p:spTgt>
+                                        </p:tgtEl>
+                                        <p:attrNameLst>
+                                          <p:attrName>style.visibility</p:attrName>
+                                        </p:attrNameLst>
+                                      </p:cBhvr>
+                                      <p:to>
+                                        <p:strVal val="visible"/>
+                                      </p:to>
+                                    </p:set>
+                                    <p:anim calcmode="lin" valueType="num">
+                                      <p:cBhvr additive="base">
+                                        <p:cTn id="13" dur="500" fill="hold"/>
+                                        <p:tgtEl>
+                                          <p:spTgt spid="3">
+                                            <p:txEl>
+                                              <p:pRg st="1" end="1"/>
+                                            </p:txEl>
+                                          </p:spTgt>
+                                        </p:tgtEl>
+                                        <p:attrNameLst>
+                                          <p:attrName>ppt_x</p:attrName>
+                                        </p:attrNameLst>
+                                      </p:cBhvr>
+                                      <p:tavLst>
+                                        <p:tav tm="0">
+                                          <p:val>
+                                            <p:strVal val="#ppt_x"/>
+                                          </p:val>
+                                        </p:tav>
+                                        <p:tav tm="100000">
+                                          <p:val>
+                                            <p:strVal val="#ppt_x"/>
+                                          </p:val>
+                                        </p:tav>
+                                      </p:tavLst>
+                                    </p:anim>
+                                    <p:anim calcmode="lin" valueType="num">
+                                      <p:cBhvr additive="base">
+                                        <p:cTn id="14" dur="500" fill="hold"/>
+                                        <p:tgtEl>
+                                          <p:spTgt spid="3">
+                                            <p:txEl>
+                                              <p:pRg st="1" end="1"/>
+                                            </p:txEl>
+                                          </p:spTgt>
+                                        </p:tgtEl>
+                                        <p:attrNameLst>
+                                          <p:attrName>ppt_y</p:attrName>
+                                        </p:attrNameLst>
+                                      </p:cBhvr>
+                                      <p:tavLst>
+                                        <p:tav tm="0">
+                                          <p:val>
+                                            <p:strVal val="1+#ppt_h/2"/>
+                                          </p:val>
+                                        </p:tav>
+                                        <p:tav tm="100000">
+                                          <p:val>
+                                            <p:strVal val="#ppt_y"/>
+                                          </p:val>
+                                        </p:tav>
+                                      </p:tavLst>
+                                    </p:anim>
+                                  </p:childTnLst>
+                                </p:cTn>
+                              </p:par>
+                            </p:childTnLst>
+                          </p:cTn>
+                        </p:par>
+                      </p:childTnLst>
+                    </p:cTn>
+                  </p:par>
+                </p:childTnLst>
+              </p:cTn>
+              <p:prevCondLst>
+                <p:cond evt="onPrev" delay="0">
+                  <p:tgtEl>
+                    <p:sldTgt/>
+                  </p:tgtEl>
+                </p:cond>
+              </p:prevCondLst>
+              <p:nextCondLst>
+                <p:cond evt="onNext" delay="0">
+                  <p:tgtEl>
+                    <p:sldTgt/>
+                  </p:tgtEl>
+                </p:cond>
+              </p:nextCondLst>
+            </p:seq>
+          </p:childTnLst>
+        </p:cTn>
       </p:par>
     </p:tnLst>
+    <p:bldLst>
+      <p:bldP spid="3" grpId="0" build="p"/>
+    </p:bldLst>
   </p:timing>
 </p:sld>
 </file>
@@ -16275,6 +17821,13 @@
   <p:clrMapOvr>
     <a:masterClrMapping/>
   </p:clrMapOvr>
+  <p:timing>
+    <p:tnLst>
+      <p:par>
+        <p:cTn id="1" dur="indefinite" restart="never" nodeType="tmRoot"/>
+      </p:par>
+    </p:tnLst>
+  </p:timing>
 </p:sld>
 </file>
 
@@ -16387,6 +17940,13 @@
   <p:clrMapOvr>
     <a:masterClrMapping/>
   </p:clrMapOvr>
+  <p:timing>
+    <p:tnLst>
+      <p:par>
+        <p:cTn id="1" dur="indefinite" restart="never" nodeType="tmRoot"/>
+      </p:par>
+    </p:tnLst>
+  </p:timing>
 </p:sld>
 </file>
 
@@ -16491,6 +18051,13 @@
   <p:clrMapOvr>
     <a:masterClrMapping/>
   </p:clrMapOvr>
+  <p:timing>
+    <p:tnLst>
+      <p:par>
+        <p:cTn id="1" dur="indefinite" restart="never" nodeType="tmRoot"/>
+      </p:par>
+    </p:tnLst>
+  </p:timing>
 </p:sld>
 </file>
 
@@ -16607,6 +18174,13 @@
   <p:clrMapOvr>
     <a:masterClrMapping/>
   </p:clrMapOvr>
+  <p:timing>
+    <p:tnLst>
+      <p:par>
+        <p:cTn id="1" dur="indefinite" restart="never" nodeType="tmRoot"/>
+      </p:par>
+    </p:tnLst>
+  </p:timing>
 </p:sld>
 </file>
 
@@ -16723,6 +18297,13 @@
   <p:clrMapOvr>
     <a:masterClrMapping/>
   </p:clrMapOvr>
+  <p:timing>
+    <p:tnLst>
+      <p:par>
+        <p:cTn id="1" dur="indefinite" restart="never" nodeType="tmRoot"/>
+      </p:par>
+    </p:tnLst>
+  </p:timing>
 </p:sld>
 </file>
 
@@ -16839,6 +18420,13 @@
   <p:clrMapOvr>
     <a:masterClrMapping/>
   </p:clrMapOvr>
+  <p:timing>
+    <p:tnLst>
+      <p:par>
+        <p:cTn id="1" dur="indefinite" restart="never" nodeType="tmRoot"/>
+      </p:par>
+    </p:tnLst>
+  </p:timing>
 </p:sld>
 </file>
 

--- a/TddSample/TDD.pptx
+++ b/TddSample/TDD.pptx
@@ -22,9 +22,9 @@
     <p:sldId id="311" r:id="rId13"/>
     <p:sldId id="265" r:id="rId14"/>
     <p:sldId id="280" r:id="rId15"/>
-    <p:sldId id="257" r:id="rId16"/>
-    <p:sldId id="296" r:id="rId17"/>
-    <p:sldId id="290" r:id="rId18"/>
+    <p:sldId id="290" r:id="rId16"/>
+    <p:sldId id="257" r:id="rId17"/>
+    <p:sldId id="296" r:id="rId18"/>
     <p:sldId id="270" r:id="rId19"/>
     <p:sldId id="273" r:id="rId20"/>
     <p:sldId id="281" r:id="rId21"/>
@@ -41,12 +41,12 @@
     <p:sldId id="282" r:id="rId32"/>
     <p:sldId id="283" r:id="rId33"/>
     <p:sldId id="300" r:id="rId34"/>
-    <p:sldId id="266" r:id="rId35"/>
-    <p:sldId id="258" r:id="rId36"/>
-    <p:sldId id="260" r:id="rId37"/>
-    <p:sldId id="259" r:id="rId38"/>
-    <p:sldId id="312" r:id="rId39"/>
-    <p:sldId id="279" r:id="rId40"/>
+    <p:sldId id="279" r:id="rId35"/>
+    <p:sldId id="312" r:id="rId36"/>
+    <p:sldId id="313" r:id="rId37"/>
+    <p:sldId id="314" r:id="rId38"/>
+    <p:sldId id="315" r:id="rId39"/>
+    <p:sldId id="316" r:id="rId40"/>
   </p:sldIdLst>
   <p:sldSz cx="9144000" cy="6858000" type="screen4x3"/>
   <p:notesSz cx="6858000" cy="9144000"/>
@@ -562,78 +562,68 @@
           <a:bodyPr/>
           <a:lstStyle/>
           <a:p>
-            <a:pPr marL="228600" indent="-228600">
-              <a:buAutoNum type="arabicPeriod"/>
+            <a:pPr marL="0" marR="0" indent="0" algn="l" defTabSz="914400" rtl="0" eaLnBrk="1" fontAlgn="auto" latinLnBrk="0" hangingPunct="1">
+              <a:lnSpc>
+                <a:spcPct val="100000"/>
+              </a:lnSpc>
+              <a:spcBef>
+                <a:spcPts val="0"/>
+              </a:spcBef>
+              <a:spcAft>
+                <a:spcPts val="0"/>
+              </a:spcAft>
+              <a:buClrTx/>
+              <a:buSzTx/>
+              <a:buFontTx/>
+              <a:buNone/>
+              <a:tabLst/>
+              <a:defRPr/>
             </a:pPr>
             <a:r>
-              <a:rPr lang="pl-PL" dirty="0" smtClean="0"/>
-              <a:t>Ale</a:t>
-            </a:r>
-            <a:r>
-              <a:rPr lang="pl-PL" baseline="0" dirty="0" smtClean="0"/>
-              <a:t> potem podczas zmian mogą Ci uratować wiele cennych godzin</a:t>
-            </a:r>
-            <a:endParaRPr lang="pl-PL" dirty="0" smtClean="0"/>
-          </a:p>
-          <a:p>
-            <a:pPr marL="228600" indent="-228600">
-              <a:buAutoNum type="arabicPeriod"/>
-            </a:pPr>
-            <a:r>
-              <a:rPr lang="pl-PL" dirty="0" smtClean="0"/>
-              <a:t>A</a:t>
-            </a:r>
-            <a:r>
-              <a:rPr lang="pl-PL" baseline="0" dirty="0" smtClean="0"/>
-              <a:t> ile czasu tracisz na debugowanie nawet tego co aktualnie piszesz?</a:t>
-            </a:r>
-          </a:p>
-          <a:p>
-            <a:pPr marL="228600" indent="-228600">
-              <a:buAutoNum type="arabicPeriod"/>
-            </a:pPr>
-            <a:r>
-              <a:rPr lang="pl-PL" baseline="0" dirty="0" smtClean="0"/>
-              <a:t>Ale po jakim czasie</a:t>
-            </a:r>
-          </a:p>
-          <a:p>
-            <a:pPr marL="228600" indent="-228600">
-              <a:buAutoNum type="arabicPeriod"/>
-            </a:pPr>
-            <a:r>
-              <a:rPr lang="pl-PL" baseline="0" dirty="0" smtClean="0"/>
-              <a:t>Może to doskonały powód, żeby ten kod poprawić? Albo chociaż użyć jakiś technik, aby móc napisać testy do tego kodu</a:t>
-            </a:r>
-          </a:p>
-          <a:p>
-            <a:pPr marL="228600" indent="-228600">
-              <a:buAutoNum type="arabicPeriod"/>
-            </a:pPr>
-            <a:r>
-              <a:rPr lang="pl-PL" baseline="0" dirty="0" smtClean="0"/>
-              <a:t>Zmiany == błędy. </a:t>
-            </a:r>
-            <a:r>
-              <a:rPr lang="pl-PL" baseline="0" dirty="0" err="1" smtClean="0"/>
-              <a:t>Dzieki</a:t>
-            </a:r>
-            <a:r>
-              <a:rPr lang="pl-PL" baseline="0" dirty="0" smtClean="0"/>
-              <a:t> temu można kontrolować wprowadzane zmiany w sposób świadomy.</a:t>
-            </a:r>
-          </a:p>
-          <a:p>
-            <a:pPr marL="228600" indent="-228600">
-              <a:buAutoNum type="arabicPeriod"/>
-            </a:pPr>
-            <a:endParaRPr lang="pl-PL" baseline="0" dirty="0" smtClean="0"/>
-          </a:p>
-          <a:p>
-            <a:pPr marL="228600" indent="-228600">
-              <a:buAutoNum type="arabicPeriod"/>
-            </a:pPr>
-            <a:endParaRPr lang="en-US" dirty="0"/>
+              <a:rPr lang="pl-PL" sz="1200" kern="1200" dirty="0" smtClean="0">
+                <a:solidFill>
+                  <a:schemeClr val="tx1"/>
+                </a:solidFill>
+                <a:effectLst/>
+                <a:latin typeface="+mn-lt"/>
+                <a:ea typeface="+mn-ea"/>
+                <a:cs typeface="+mn-cs"/>
+              </a:rPr>
+              <a:t>Chair 65973322# ,</a:t>
+            </a:r>
+            <a:r>
+              <a:rPr lang="pl-PL" sz="1200" kern="1200" dirty="0" err="1" smtClean="0">
+                <a:solidFill>
+                  <a:schemeClr val="tx1"/>
+                </a:solidFill>
+                <a:effectLst/>
+                <a:latin typeface="+mn-lt"/>
+                <a:ea typeface="+mn-ea"/>
+                <a:cs typeface="+mn-cs"/>
+              </a:rPr>
+              <a:t>Participant</a:t>
+            </a:r>
+            <a:r>
+              <a:rPr lang="pl-PL" sz="1200" kern="1200" dirty="0" smtClean="0">
+                <a:solidFill>
+                  <a:schemeClr val="tx1"/>
+                </a:solidFill>
+                <a:effectLst/>
+                <a:latin typeface="+mn-lt"/>
+                <a:ea typeface="+mn-ea"/>
+                <a:cs typeface="+mn-cs"/>
+              </a:rPr>
+              <a:t> 57961282#</a:t>
+            </a:r>
+            <a:endParaRPr lang="en-US" sz="1200" kern="1200" dirty="0" smtClean="0">
+              <a:solidFill>
+                <a:schemeClr val="tx1"/>
+              </a:solidFill>
+              <a:effectLst/>
+              <a:latin typeface="+mn-lt"/>
+              <a:ea typeface="+mn-ea"/>
+              <a:cs typeface="+mn-cs"/>
+            </a:endParaRPr>
           </a:p>
         </p:txBody>
       </p:sp>
@@ -655,7 +645,7 @@
             <a:fld id="{EFBE1034-4CDF-40CA-BC07-D354AC7E23B7}" type="slidenum">
               <a:rPr lang="pl-PL" smtClean="0"/>
               <a:pPr/>
-              <a:t>16</a:t>
+              <a:t>1</a:t>
             </a:fld>
             <a:endParaRPr lang="pl-PL"/>
           </a:p>
@@ -664,7 +654,7 @@
     </p:spTree>
     <p:extLst>
       <p:ext uri="{BB962C8B-B14F-4D97-AF65-F5344CB8AC3E}">
-        <p14:creationId xmlns:p14="http://schemas.microsoft.com/office/powerpoint/2010/main" val="1584063355"/>
+        <p14:creationId xmlns:p14="http://schemas.microsoft.com/office/powerpoint/2010/main" val="1099457860"/>
       </p:ext>
     </p:extLst>
   </p:cSld>
@@ -718,17 +708,78 @@
           <a:bodyPr/>
           <a:lstStyle/>
           <a:p>
+            <a:pPr marL="228600" indent="-228600">
+              <a:buAutoNum type="arabicPeriod"/>
+            </a:pPr>
             <a:r>
               <a:rPr lang="pl-PL" dirty="0" smtClean="0"/>
-              <a:t>Eksperymenty</a:t>
-            </a:r>
-          </a:p>
-          <a:p>
-            <a:r>
-              <a:rPr lang="pl-PL" dirty="0" err="1" smtClean="0"/>
-              <a:t>Hackaton</a:t>
+              <a:t>Ale</a:t>
+            </a:r>
+            <a:r>
+              <a:rPr lang="pl-PL" baseline="0" dirty="0" smtClean="0"/>
+              <a:t> potem podczas zmian mogą Ci uratować wiele cennych godzin</a:t>
             </a:r>
             <a:endParaRPr lang="pl-PL" dirty="0" smtClean="0"/>
+          </a:p>
+          <a:p>
+            <a:pPr marL="228600" indent="-228600">
+              <a:buAutoNum type="arabicPeriod"/>
+            </a:pPr>
+            <a:r>
+              <a:rPr lang="pl-PL" dirty="0" smtClean="0"/>
+              <a:t>A</a:t>
+            </a:r>
+            <a:r>
+              <a:rPr lang="pl-PL" baseline="0" dirty="0" smtClean="0"/>
+              <a:t> ile czasu tracisz na debugowanie nawet tego co aktualnie piszesz?</a:t>
+            </a:r>
+          </a:p>
+          <a:p>
+            <a:pPr marL="228600" indent="-228600">
+              <a:buAutoNum type="arabicPeriod"/>
+            </a:pPr>
+            <a:r>
+              <a:rPr lang="pl-PL" baseline="0" dirty="0" smtClean="0"/>
+              <a:t>Ale po jakim czasie</a:t>
+            </a:r>
+          </a:p>
+          <a:p>
+            <a:pPr marL="228600" indent="-228600">
+              <a:buAutoNum type="arabicPeriod"/>
+            </a:pPr>
+            <a:r>
+              <a:rPr lang="pl-PL" baseline="0" dirty="0" smtClean="0"/>
+              <a:t>Może to doskonały powód, żeby ten kod poprawić? Albo chociaż użyć jakiś technik, aby móc napisać testy do tego kodu</a:t>
+            </a:r>
+          </a:p>
+          <a:p>
+            <a:pPr marL="228600" indent="-228600">
+              <a:buAutoNum type="arabicPeriod"/>
+            </a:pPr>
+            <a:r>
+              <a:rPr lang="pl-PL" baseline="0" dirty="0" smtClean="0"/>
+              <a:t>Zmiany == błędy. </a:t>
+            </a:r>
+            <a:r>
+              <a:rPr lang="pl-PL" baseline="0" dirty="0" err="1" smtClean="0"/>
+              <a:t>Dzieki</a:t>
+            </a:r>
+            <a:r>
+              <a:rPr lang="pl-PL" baseline="0" dirty="0" smtClean="0"/>
+              <a:t> temu można kontrolować wprowadzane zmiany w sposób świadomy.</a:t>
+            </a:r>
+          </a:p>
+          <a:p>
+            <a:pPr marL="228600" indent="-228600">
+              <a:buAutoNum type="arabicPeriod"/>
+            </a:pPr>
+            <a:endParaRPr lang="pl-PL" baseline="0" dirty="0" smtClean="0"/>
+          </a:p>
+          <a:p>
+            <a:pPr marL="228600" indent="-228600">
+              <a:buAutoNum type="arabicPeriod"/>
+            </a:pPr>
+            <a:endParaRPr lang="en-US" dirty="0"/>
           </a:p>
         </p:txBody>
       </p:sp>
@@ -750,7 +801,7 @@
             <a:fld id="{EFBE1034-4CDF-40CA-BC07-D354AC7E23B7}" type="slidenum">
               <a:rPr lang="pl-PL" smtClean="0"/>
               <a:pPr/>
-              <a:t>38</a:t>
+              <a:t>17</a:t>
             </a:fld>
             <a:endParaRPr lang="pl-PL"/>
           </a:p>
@@ -759,7 +810,7 @@
     </p:spTree>
     <p:extLst>
       <p:ext uri="{BB962C8B-B14F-4D97-AF65-F5344CB8AC3E}">
-        <p14:creationId xmlns:p14="http://schemas.microsoft.com/office/powerpoint/2010/main" val="2606506853"/>
+        <p14:creationId xmlns:p14="http://schemas.microsoft.com/office/powerpoint/2010/main" val="1584063355"/>
       </p:ext>
     </p:extLst>
   </p:cSld>
@@ -824,19 +875,7 @@
             </a:r>
             <a:r>
               <a:rPr lang="pl-PL" baseline="0" dirty="0" smtClean="0"/>
-              <a:t> jednostkowa jako element kontroli jakości. V-model i piramida testów</a:t>
-            </a:r>
-            <a:r>
-              <a:rPr lang="pl-PL" baseline="0" dirty="0" smtClean="0"/>
-              <a:t>. </a:t>
-            </a:r>
-            <a:r>
-              <a:rPr lang="pl-PL" baseline="0" dirty="0" smtClean="0"/>
-              <a:t>Nie są lekiem na wszystko</a:t>
-            </a:r>
-            <a:r>
-              <a:rPr lang="pl-PL" baseline="0" dirty="0" smtClean="0"/>
-              <a:t>… Przeglądy, inspekcje, standardy kodowania, dokumentacja (która nie jest kodem), CI., Deployment/</a:t>
+              <a:t> jednostkowa jako element kontroli jakości. V-model i piramida testów. Nie są lekiem na wszystko… Przeglądy, inspekcje, standardy kodowania, dokumentacja (która nie jest kodem), CI., Deployment/</a:t>
             </a:r>
             <a:r>
               <a:rPr lang="pl-PL" baseline="0" dirty="0" err="1" smtClean="0"/>
@@ -859,10 +898,9 @@
               <a:t>Production</a:t>
             </a:r>
             <a:r>
-              <a:rPr lang="pl-PL" baseline="0" smtClean="0"/>
+              <a:rPr lang="pl-PL" baseline="0" dirty="0" smtClean="0"/>
               <a:t> Monitoring,..</a:t>
             </a:r>
-            <a:endParaRPr lang="pl-PL" baseline="0" dirty="0" smtClean="0"/>
           </a:p>
           <a:p>
             <a:pPr marL="228600" indent="-228600">
@@ -888,7 +926,20 @@
             </a:pPr>
             <a:r>
               <a:rPr lang="pl-PL" baseline="0" dirty="0" smtClean="0"/>
-              <a:t>Praktyka – nie bać się – dużo nauki OOAD</a:t>
+              <a:t>Praktyka – nie bać się – dużo nauki </a:t>
+            </a:r>
+            <a:r>
+              <a:rPr lang="pl-PL" baseline="0" dirty="0" smtClean="0"/>
+              <a:t>OOAD</a:t>
+            </a:r>
+          </a:p>
+          <a:p>
+            <a:pPr marL="228600" indent="-228600">
+              <a:buAutoNum type="arabicPeriod"/>
+            </a:pPr>
+            <a:r>
+              <a:rPr lang="pl-PL" baseline="0" dirty="0" smtClean="0"/>
+              <a:t>TDD</a:t>
             </a:r>
             <a:endParaRPr lang="pl-PL" dirty="0"/>
           </a:p>
@@ -912,7 +963,7 @@
             <a:fld id="{EFBE1034-4CDF-40CA-BC07-D354AC7E23B7}" type="slidenum">
               <a:rPr lang="pl-PL" smtClean="0"/>
               <a:pPr/>
-              <a:t>39</a:t>
+              <a:t>34</a:t>
             </a:fld>
             <a:endParaRPr lang="pl-PL"/>
           </a:p>
@@ -922,6 +973,101 @@
     <p:extLst>
       <p:ext uri="{BB962C8B-B14F-4D97-AF65-F5344CB8AC3E}">
         <p14:creationId xmlns:p14="http://schemas.microsoft.com/office/powerpoint/2010/main" val="2682932513"/>
+      </p:ext>
+    </p:extLst>
+  </p:cSld>
+  <p:clrMapOvr>
+    <a:masterClrMapping/>
+  </p:clrMapOvr>
+</p:notes>
+</file>
+
+<file path=ppt/notesSlides/notesSlide4.xml><?xml version="1.0" encoding="utf-8"?>
+<p:notes xmlns:a="http://schemas.openxmlformats.org/drawingml/2006/main" xmlns:r="http://schemas.openxmlformats.org/officeDocument/2006/relationships" xmlns:p="http://schemas.openxmlformats.org/presentationml/2006/main">
+  <p:cSld>
+    <p:spTree>
+      <p:nvGrpSpPr>
+        <p:cNvPr id="1" name=""/>
+        <p:cNvGrpSpPr/>
+        <p:nvPr/>
+      </p:nvGrpSpPr>
+      <p:grpSpPr>
+        <a:xfrm>
+          <a:off x="0" y="0"/>
+          <a:ext cx="0" cy="0"/>
+          <a:chOff x="0" y="0"/>
+          <a:chExt cx="0" cy="0"/>
+        </a:xfrm>
+      </p:grpSpPr>
+      <p:sp>
+        <p:nvSpPr>
+          <p:cNvPr id="2" name="Slide Image Placeholder 1"/>
+          <p:cNvSpPr>
+            <a:spLocks noGrp="1" noRot="1" noChangeAspect="1"/>
+          </p:cNvSpPr>
+          <p:nvPr>
+            <p:ph type="sldImg"/>
+          </p:nvPr>
+        </p:nvSpPr>
+        <p:spPr/>
+      </p:sp>
+      <p:sp>
+        <p:nvSpPr>
+          <p:cNvPr id="3" name="Notes Placeholder 2"/>
+          <p:cNvSpPr>
+            <a:spLocks noGrp="1"/>
+          </p:cNvSpPr>
+          <p:nvPr>
+            <p:ph type="body" idx="1"/>
+          </p:nvPr>
+        </p:nvSpPr>
+        <p:spPr/>
+        <p:txBody>
+          <a:bodyPr/>
+          <a:lstStyle/>
+          <a:p>
+            <a:r>
+              <a:rPr lang="pl-PL" dirty="0" smtClean="0"/>
+              <a:t>Eksperymenty</a:t>
+            </a:r>
+          </a:p>
+          <a:p>
+            <a:r>
+              <a:rPr lang="pl-PL" dirty="0" err="1" smtClean="0"/>
+              <a:t>Hackaton</a:t>
+            </a:r>
+            <a:endParaRPr lang="pl-PL" dirty="0" smtClean="0"/>
+          </a:p>
+        </p:txBody>
+      </p:sp>
+      <p:sp>
+        <p:nvSpPr>
+          <p:cNvPr id="4" name="Slide Number Placeholder 3"/>
+          <p:cNvSpPr>
+            <a:spLocks noGrp="1"/>
+          </p:cNvSpPr>
+          <p:nvPr>
+            <p:ph type="sldNum" sz="quarter" idx="10"/>
+          </p:nvPr>
+        </p:nvSpPr>
+        <p:spPr/>
+        <p:txBody>
+          <a:bodyPr/>
+          <a:lstStyle/>
+          <a:p>
+            <a:fld id="{EFBE1034-4CDF-40CA-BC07-D354AC7E23B7}" type="slidenum">
+              <a:rPr lang="pl-PL" smtClean="0"/>
+              <a:pPr/>
+              <a:t>39</a:t>
+            </a:fld>
+            <a:endParaRPr lang="pl-PL"/>
+          </a:p>
+        </p:txBody>
+      </p:sp>
+    </p:spTree>
+    <p:extLst>
+      <p:ext uri="{BB962C8B-B14F-4D97-AF65-F5344CB8AC3E}">
+        <p14:creationId xmlns:p14="http://schemas.microsoft.com/office/powerpoint/2010/main" val="3979140090"/>
       </p:ext>
     </p:extLst>
   </p:cSld>
@@ -3945,13 +4091,13 @@
           <a:p>
             <a:r>
               <a:rPr lang="pl-PL" dirty="0">
-                <a:hlinkClick r:id="rId2"/>
+                <a:hlinkClick r:id="rId3"/>
               </a:rPr>
               <a:t>https://</a:t>
             </a:r>
             <a:r>
               <a:rPr lang="pl-PL" dirty="0" smtClean="0">
-                <a:hlinkClick r:id="rId2"/>
+                <a:hlinkClick r:id="rId3"/>
               </a:rPr>
               <a:t>github.com/Pellared/Examples</a:t>
             </a:r>
@@ -4489,11 +4635,7 @@
           <a:p>
             <a:r>
               <a:rPr lang="pl-PL" dirty="0" smtClean="0"/>
-              <a:t>Testy </a:t>
-            </a:r>
-            <a:r>
-              <a:rPr lang="pl-PL" dirty="0" smtClean="0"/>
-              <a:t>niskiego poziomu, które testują pojedyncze jednostki/komponenty</a:t>
+              <a:t>Testy niskiego poziomu, które testują pojedyncze jednostki/komponenty</a:t>
             </a:r>
           </a:p>
           <a:p>
@@ -4947,6 +5089,84 @@
           <a:p>
             <a:r>
               <a:rPr lang="pl-PL" dirty="0" smtClean="0"/>
+              <a:t>DEMO</a:t>
+            </a:r>
+            <a:endParaRPr lang="pl-PL" dirty="0"/>
+          </a:p>
+        </p:txBody>
+      </p:sp>
+      <p:sp>
+        <p:nvSpPr>
+          <p:cNvPr id="4" name="Symbol zastępczy tekstu 3"/>
+          <p:cNvSpPr>
+            <a:spLocks noGrp="1"/>
+          </p:cNvSpPr>
+          <p:nvPr>
+            <p:ph type="body" idx="1"/>
+          </p:nvPr>
+        </p:nvSpPr>
+        <p:spPr/>
+        <p:txBody>
+          <a:bodyPr/>
+          <a:lstStyle/>
+          <a:p>
+            <a:r>
+              <a:rPr lang="pl-PL" dirty="0" smtClean="0"/>
+              <a:t>Test jednostkowy bez narzędzi</a:t>
+            </a:r>
+            <a:endParaRPr lang="pl-PL" dirty="0"/>
+          </a:p>
+        </p:txBody>
+      </p:sp>
+    </p:spTree>
+  </p:cSld>
+  <p:clrMapOvr>
+    <a:masterClrMapping/>
+  </p:clrMapOvr>
+  <p:timing>
+    <p:tnLst>
+      <p:par>
+        <p:cTn id="1" dur="indefinite" restart="never" nodeType="tmRoot"/>
+      </p:par>
+    </p:tnLst>
+  </p:timing>
+</p:sld>
+</file>
+
+<file path=ppt/slides/slide16.xml><?xml version="1.0" encoding="utf-8"?>
+<p:sld xmlns:a="http://schemas.openxmlformats.org/drawingml/2006/main" xmlns:r="http://schemas.openxmlformats.org/officeDocument/2006/relationships" xmlns:p="http://schemas.openxmlformats.org/presentationml/2006/main">
+  <p:cSld>
+    <p:spTree>
+      <p:nvGrpSpPr>
+        <p:cNvPr id="1" name=""/>
+        <p:cNvGrpSpPr/>
+        <p:nvPr/>
+      </p:nvGrpSpPr>
+      <p:grpSpPr>
+        <a:xfrm>
+          <a:off x="0" y="0"/>
+          <a:ext cx="0" cy="0"/>
+          <a:chOff x="0" y="0"/>
+          <a:chExt cx="0" cy="0"/>
+        </a:xfrm>
+      </p:grpSpPr>
+      <p:sp>
+        <p:nvSpPr>
+          <p:cNvPr id="2" name="Tytuł 1"/>
+          <p:cNvSpPr>
+            <a:spLocks noGrp="1"/>
+          </p:cNvSpPr>
+          <p:nvPr>
+            <p:ph type="title"/>
+          </p:nvPr>
+        </p:nvSpPr>
+        <p:spPr/>
+        <p:txBody>
+          <a:bodyPr/>
+          <a:lstStyle/>
+          <a:p>
+            <a:r>
+              <a:rPr lang="pl-PL" dirty="0" smtClean="0"/>
               <a:t>Co nam dają testy jednostkowe?</a:t>
             </a:r>
             <a:endParaRPr lang="pl-PL" dirty="0"/>
@@ -5485,7 +5705,7 @@
 </p:sld>
 </file>
 
-<file path=ppt/slides/slide16.xml><?xml version="1.0" encoding="utf-8"?>
+<file path=ppt/slides/slide17.xml><?xml version="1.0" encoding="utf-8"?>
 <p:sld xmlns:a="http://schemas.openxmlformats.org/drawingml/2006/main" xmlns:r="http://schemas.openxmlformats.org/officeDocument/2006/relationships" xmlns:p="http://schemas.openxmlformats.org/presentationml/2006/main">
   <p:cSld>
     <p:spTree>
@@ -6129,84 +6349,6 @@
     <p:bldLst>
       <p:bldP spid="3" grpId="0" build="p"/>
     </p:bldLst>
-  </p:timing>
-</p:sld>
-</file>
-
-<file path=ppt/slides/slide17.xml><?xml version="1.0" encoding="utf-8"?>
-<p:sld xmlns:a="http://schemas.openxmlformats.org/drawingml/2006/main" xmlns:r="http://schemas.openxmlformats.org/officeDocument/2006/relationships" xmlns:p="http://schemas.openxmlformats.org/presentationml/2006/main">
-  <p:cSld>
-    <p:spTree>
-      <p:nvGrpSpPr>
-        <p:cNvPr id="1" name=""/>
-        <p:cNvGrpSpPr/>
-        <p:nvPr/>
-      </p:nvGrpSpPr>
-      <p:grpSpPr>
-        <a:xfrm>
-          <a:off x="0" y="0"/>
-          <a:ext cx="0" cy="0"/>
-          <a:chOff x="0" y="0"/>
-          <a:chExt cx="0" cy="0"/>
-        </a:xfrm>
-      </p:grpSpPr>
-      <p:sp>
-        <p:nvSpPr>
-          <p:cNvPr id="2" name="Tytuł 1"/>
-          <p:cNvSpPr>
-            <a:spLocks noGrp="1"/>
-          </p:cNvSpPr>
-          <p:nvPr>
-            <p:ph type="title"/>
-          </p:nvPr>
-        </p:nvSpPr>
-        <p:spPr/>
-        <p:txBody>
-          <a:bodyPr/>
-          <a:lstStyle/>
-          <a:p>
-            <a:r>
-              <a:rPr lang="pl-PL" dirty="0" smtClean="0"/>
-              <a:t>DEMO</a:t>
-            </a:r>
-            <a:endParaRPr lang="pl-PL" dirty="0"/>
-          </a:p>
-        </p:txBody>
-      </p:sp>
-      <p:sp>
-        <p:nvSpPr>
-          <p:cNvPr id="4" name="Symbol zastępczy tekstu 3"/>
-          <p:cNvSpPr>
-            <a:spLocks noGrp="1"/>
-          </p:cNvSpPr>
-          <p:nvPr>
-            <p:ph type="body" idx="1"/>
-          </p:nvPr>
-        </p:nvSpPr>
-        <p:spPr/>
-        <p:txBody>
-          <a:bodyPr/>
-          <a:lstStyle/>
-          <a:p>
-            <a:r>
-              <a:rPr lang="pl-PL" dirty="0" smtClean="0"/>
-              <a:t>Test jednostkowy bez narzędzi</a:t>
-            </a:r>
-            <a:endParaRPr lang="pl-PL" dirty="0"/>
-          </a:p>
-        </p:txBody>
-      </p:sp>
-    </p:spTree>
-  </p:cSld>
-  <p:clrMapOvr>
-    <a:masterClrMapping/>
-  </p:clrMapOvr>
-  <p:timing>
-    <p:tnLst>
-      <p:par>
-        <p:cTn id="1" dur="indefinite" restart="never" nodeType="tmRoot"/>
-      </p:par>
-    </p:tnLst>
   </p:timing>
 </p:sld>
 </file>
@@ -11991,11 +12133,7 @@
           <a:p>
             <a:r>
               <a:rPr lang="en-US" dirty="0" smtClean="0"/>
-              <a:t>Eliminate Inappropriate Intimacy (too much intimate knowledge of another class</a:t>
-            </a:r>
-            <a:r>
-              <a:rPr lang="en-US" dirty="0" smtClean="0"/>
-              <a:t>)</a:t>
+              <a:t>Eliminate Inappropriate Intimacy (too much intimate knowledge of another class)</a:t>
             </a:r>
             <a:endParaRPr lang="pl-PL" dirty="0" smtClean="0"/>
           </a:p>
@@ -16565,7 +16703,7 @@
       </p:grpSpPr>
       <p:sp>
         <p:nvSpPr>
-          <p:cNvPr id="4" name="Tytuł 3"/>
+          <p:cNvPr id="6" name="Tytuł 5"/>
           <p:cNvSpPr>
             <a:spLocks noGrp="1"/>
           </p:cNvSpPr>
@@ -16580,11 +16718,7 @@
           <a:p>
             <a:r>
               <a:rPr lang="pl-PL" dirty="0" smtClean="0"/>
-              <a:t>Test </a:t>
-            </a:r>
-            <a:r>
-              <a:rPr lang="pl-PL" dirty="0" err="1" smtClean="0"/>
-              <a:t>driven-Development</a:t>
+              <a:t>PODSUMOWANIE</a:t>
             </a:r>
             <a:endParaRPr lang="pl-PL" dirty="0"/>
           </a:p>
@@ -16592,7 +16726,7 @@
       </p:sp>
       <p:sp>
         <p:nvSpPr>
-          <p:cNvPr id="5" name="Symbol zastępczy tekstu 4"/>
+          <p:cNvPr id="7" name="Symbol zastępczy tekstu 6"/>
           <p:cNvSpPr>
             <a:spLocks noGrp="1"/>
           </p:cNvSpPr>
@@ -16605,7 +16739,11 @@
           <a:bodyPr/>
           <a:lstStyle/>
           <a:p>
-            <a:endParaRPr lang="pl-PL"/>
+            <a:r>
+              <a:rPr lang="pl-PL" dirty="0" smtClean="0"/>
+              <a:t>Pytania?</a:t>
+            </a:r>
+            <a:endParaRPr lang="pl-PL" dirty="0"/>
           </a:p>
         </p:txBody>
       </p:sp>
@@ -16643,7 +16781,7 @@
       </p:grpSpPr>
       <p:sp>
         <p:nvSpPr>
-          <p:cNvPr id="2" name="Tytuł 1"/>
+          <p:cNvPr id="4" name="Tytuł 3"/>
           <p:cNvSpPr>
             <a:spLocks noGrp="1"/>
           </p:cNvSpPr>
@@ -16658,7 +16796,11 @@
           <a:p>
             <a:r>
               <a:rPr lang="pl-PL" dirty="0" smtClean="0"/>
-              <a:t>Dlaczego Test-First?</a:t>
+              <a:t>Test </a:t>
+            </a:r>
+            <a:r>
+              <a:rPr lang="pl-PL" dirty="0" err="1" smtClean="0"/>
+              <a:t>driven-Development</a:t>
             </a:r>
             <a:endParaRPr lang="pl-PL" dirty="0"/>
           </a:p>
@@ -16666,12 +16808,12 @@
       </p:sp>
       <p:sp>
         <p:nvSpPr>
-          <p:cNvPr id="3" name="Symbol zastępczy zawartości 2"/>
+          <p:cNvPr id="5" name="Symbol zastępczy tekstu 4"/>
           <p:cNvSpPr>
             <a:spLocks noGrp="1"/>
           </p:cNvSpPr>
           <p:nvPr>
-            <p:ph idx="1"/>
+            <p:ph type="body" idx="1"/>
           </p:nvPr>
         </p:nvSpPr>
         <p:spPr/>
@@ -16679,53 +16821,16 @@
           <a:bodyPr/>
           <a:lstStyle/>
           <a:p>
-            <a:r>
-              <a:rPr lang="pl-PL" dirty="0" smtClean="0"/>
-              <a:t>Możliwość wcześniejszego wykrycia defektów (natychmiastowe informacje zwrotne)</a:t>
-            </a:r>
-          </a:p>
-          <a:p>
-            <a:r>
-              <a:rPr lang="pl-PL" dirty="0" smtClean="0"/>
-              <a:t>Zmusza do poświęcenia większej uwagi wymaganiom i projektowi</a:t>
-            </a:r>
-          </a:p>
-          <a:p>
-            <a:r>
-              <a:rPr lang="pl-PL" dirty="0" smtClean="0"/>
-              <a:t>Gwarantuje, że stworzony kod będzie testowalny</a:t>
-            </a:r>
-          </a:p>
-          <a:p>
-            <a:r>
-              <a:rPr lang="pl-PL" dirty="0" smtClean="0"/>
-              <a:t>Otrzymujemy </a:t>
-            </a:r>
-            <a:r>
-              <a:rPr lang="pl-PL" dirty="0" err="1" smtClean="0"/>
-              <a:t>Self</a:t>
-            </a:r>
-            <a:r>
-              <a:rPr lang="pl-PL" dirty="0" smtClean="0"/>
-              <a:t> </a:t>
-            </a:r>
-            <a:r>
-              <a:rPr lang="pl-PL" dirty="0" err="1" smtClean="0"/>
-              <a:t>Testing</a:t>
-            </a:r>
-            <a:r>
-              <a:rPr lang="pl-PL" dirty="0" smtClean="0"/>
-              <a:t> </a:t>
-            </a:r>
-            <a:r>
-              <a:rPr lang="pl-PL" dirty="0" err="1" smtClean="0"/>
-              <a:t>Code</a:t>
-            </a:r>
-            <a:endParaRPr lang="pl-PL" dirty="0" smtClean="0"/>
+            <a:endParaRPr lang="pl-PL"/>
           </a:p>
         </p:txBody>
       </p:sp>
     </p:spTree>
+    <p:extLst>
+      <p:ext uri="{BB962C8B-B14F-4D97-AF65-F5344CB8AC3E}">
+        <p14:creationId xmlns:p14="http://schemas.microsoft.com/office/powerpoint/2010/main" val="1045677303"/>
+      </p:ext>
+    </p:extLst>
   </p:cSld>
   <p:clrMapOvr>
     <a:masterClrMapping/>
@@ -16733,388 +16838,7 @@
   <p:timing>
     <p:tnLst>
       <p:par>
-        <p:cTn id="1" dur="indefinite" restart="never" nodeType="tmRoot">
-          <p:childTnLst>
-            <p:seq concurrent="1" nextAc="seek">
-              <p:cTn id="2" dur="indefinite" nodeType="mainSeq">
-                <p:childTnLst>
-                  <p:par>
-                    <p:cTn id="3" fill="hold">
-                      <p:stCondLst>
-                        <p:cond delay="indefinite"/>
-                      </p:stCondLst>
-                      <p:childTnLst>
-                        <p:par>
-                          <p:cTn id="4" fill="hold">
-                            <p:stCondLst>
-                              <p:cond delay="0"/>
-                            </p:stCondLst>
-                            <p:childTnLst>
-                              <p:par>
-                                <p:cTn id="5" presetID="2" presetClass="entr" presetSubtype="4" fill="hold" nodeType="clickEffect">
-                                  <p:stCondLst>
-                                    <p:cond delay="0"/>
-                                  </p:stCondLst>
-                                  <p:childTnLst>
-                                    <p:set>
-                                      <p:cBhvr>
-                                        <p:cTn id="6" dur="1" fill="hold">
-                                          <p:stCondLst>
-                                            <p:cond delay="0"/>
-                                          </p:stCondLst>
-                                        </p:cTn>
-                                        <p:tgtEl>
-                                          <p:spTgt spid="3">
-                                            <p:txEl>
-                                              <p:pRg st="0" end="0"/>
-                                            </p:txEl>
-                                          </p:spTgt>
-                                        </p:tgtEl>
-                                        <p:attrNameLst>
-                                          <p:attrName>style.visibility</p:attrName>
-                                        </p:attrNameLst>
-                                      </p:cBhvr>
-                                      <p:to>
-                                        <p:strVal val="visible"/>
-                                      </p:to>
-                                    </p:set>
-                                    <p:anim calcmode="lin" valueType="num">
-                                      <p:cBhvr additive="base">
-                                        <p:cTn id="7" dur="500" fill="hold"/>
-                                        <p:tgtEl>
-                                          <p:spTgt spid="3">
-                                            <p:txEl>
-                                              <p:pRg st="0" end="0"/>
-                                            </p:txEl>
-                                          </p:spTgt>
-                                        </p:tgtEl>
-                                        <p:attrNameLst>
-                                          <p:attrName>ppt_x</p:attrName>
-                                        </p:attrNameLst>
-                                      </p:cBhvr>
-                                      <p:tavLst>
-                                        <p:tav tm="0">
-                                          <p:val>
-                                            <p:strVal val="#ppt_x"/>
-                                          </p:val>
-                                        </p:tav>
-                                        <p:tav tm="100000">
-                                          <p:val>
-                                            <p:strVal val="#ppt_x"/>
-                                          </p:val>
-                                        </p:tav>
-                                      </p:tavLst>
-                                    </p:anim>
-                                    <p:anim calcmode="lin" valueType="num">
-                                      <p:cBhvr additive="base">
-                                        <p:cTn id="8" dur="500" fill="hold"/>
-                                        <p:tgtEl>
-                                          <p:spTgt spid="3">
-                                            <p:txEl>
-                                              <p:pRg st="0" end="0"/>
-                                            </p:txEl>
-                                          </p:spTgt>
-                                        </p:tgtEl>
-                                        <p:attrNameLst>
-                                          <p:attrName>ppt_y</p:attrName>
-                                        </p:attrNameLst>
-                                      </p:cBhvr>
-                                      <p:tavLst>
-                                        <p:tav tm="0">
-                                          <p:val>
-                                            <p:strVal val="1+#ppt_h/2"/>
-                                          </p:val>
-                                        </p:tav>
-                                        <p:tav tm="100000">
-                                          <p:val>
-                                            <p:strVal val="#ppt_y"/>
-                                          </p:val>
-                                        </p:tav>
-                                      </p:tavLst>
-                                    </p:anim>
-                                  </p:childTnLst>
-                                </p:cTn>
-                              </p:par>
-                              <p:par>
-                                <p:cTn id="9" presetID="2" presetClass="entr" presetSubtype="4" fill="hold" nodeType="withEffect">
-                                  <p:stCondLst>
-                                    <p:cond delay="0"/>
-                                  </p:stCondLst>
-                                  <p:childTnLst>
-                                    <p:set>
-                                      <p:cBhvr>
-                                        <p:cTn id="10" dur="1" fill="hold">
-                                          <p:stCondLst>
-                                            <p:cond delay="0"/>
-                                          </p:stCondLst>
-                                        </p:cTn>
-                                        <p:tgtEl>
-                                          <p:spTgt spid="3">
-                                            <p:txEl>
-                                              <p:pRg st="1" end="1"/>
-                                            </p:txEl>
-                                          </p:spTgt>
-                                        </p:tgtEl>
-                                        <p:attrNameLst>
-                                          <p:attrName>style.visibility</p:attrName>
-                                        </p:attrNameLst>
-                                      </p:cBhvr>
-                                      <p:to>
-                                        <p:strVal val="visible"/>
-                                      </p:to>
-                                    </p:set>
-                                    <p:anim calcmode="lin" valueType="num">
-                                      <p:cBhvr additive="base">
-                                        <p:cTn id="11" dur="500" fill="hold"/>
-                                        <p:tgtEl>
-                                          <p:spTgt spid="3">
-                                            <p:txEl>
-                                              <p:pRg st="1" end="1"/>
-                                            </p:txEl>
-                                          </p:spTgt>
-                                        </p:tgtEl>
-                                        <p:attrNameLst>
-                                          <p:attrName>ppt_x</p:attrName>
-                                        </p:attrNameLst>
-                                      </p:cBhvr>
-                                      <p:tavLst>
-                                        <p:tav tm="0">
-                                          <p:val>
-                                            <p:strVal val="#ppt_x"/>
-                                          </p:val>
-                                        </p:tav>
-                                        <p:tav tm="100000">
-                                          <p:val>
-                                            <p:strVal val="#ppt_x"/>
-                                          </p:val>
-                                        </p:tav>
-                                      </p:tavLst>
-                                    </p:anim>
-                                    <p:anim calcmode="lin" valueType="num">
-                                      <p:cBhvr additive="base">
-                                        <p:cTn id="12" dur="500" fill="hold"/>
-                                        <p:tgtEl>
-                                          <p:spTgt spid="3">
-                                            <p:txEl>
-                                              <p:pRg st="1" end="1"/>
-                                            </p:txEl>
-                                          </p:spTgt>
-                                        </p:tgtEl>
-                                        <p:attrNameLst>
-                                          <p:attrName>ppt_y</p:attrName>
-                                        </p:attrNameLst>
-                                      </p:cBhvr>
-                                      <p:tavLst>
-                                        <p:tav tm="0">
-                                          <p:val>
-                                            <p:strVal val="1+#ppt_h/2"/>
-                                          </p:val>
-                                        </p:tav>
-                                        <p:tav tm="100000">
-                                          <p:val>
-                                            <p:strVal val="#ppt_y"/>
-                                          </p:val>
-                                        </p:tav>
-                                      </p:tavLst>
-                                    </p:anim>
-                                  </p:childTnLst>
-                                </p:cTn>
-                              </p:par>
-                              <p:par>
-                                <p:cTn id="13" presetID="2" presetClass="entr" presetSubtype="4" fill="hold" nodeType="withEffect">
-                                  <p:stCondLst>
-                                    <p:cond delay="0"/>
-                                  </p:stCondLst>
-                                  <p:childTnLst>
-                                    <p:set>
-                                      <p:cBhvr>
-                                        <p:cTn id="14" dur="1" fill="hold">
-                                          <p:stCondLst>
-                                            <p:cond delay="0"/>
-                                          </p:stCondLst>
-                                        </p:cTn>
-                                        <p:tgtEl>
-                                          <p:spTgt spid="3">
-                                            <p:txEl>
-                                              <p:pRg st="2" end="2"/>
-                                            </p:txEl>
-                                          </p:spTgt>
-                                        </p:tgtEl>
-                                        <p:attrNameLst>
-                                          <p:attrName>style.visibility</p:attrName>
-                                        </p:attrNameLst>
-                                      </p:cBhvr>
-                                      <p:to>
-                                        <p:strVal val="visible"/>
-                                      </p:to>
-                                    </p:set>
-                                    <p:anim calcmode="lin" valueType="num">
-                                      <p:cBhvr additive="base">
-                                        <p:cTn id="15" dur="500" fill="hold"/>
-                                        <p:tgtEl>
-                                          <p:spTgt spid="3">
-                                            <p:txEl>
-                                              <p:pRg st="2" end="2"/>
-                                            </p:txEl>
-                                          </p:spTgt>
-                                        </p:tgtEl>
-                                        <p:attrNameLst>
-                                          <p:attrName>ppt_x</p:attrName>
-                                        </p:attrNameLst>
-                                      </p:cBhvr>
-                                      <p:tavLst>
-                                        <p:tav tm="0">
-                                          <p:val>
-                                            <p:strVal val="#ppt_x"/>
-                                          </p:val>
-                                        </p:tav>
-                                        <p:tav tm="100000">
-                                          <p:val>
-                                            <p:strVal val="#ppt_x"/>
-                                          </p:val>
-                                        </p:tav>
-                                      </p:tavLst>
-                                    </p:anim>
-                                    <p:anim calcmode="lin" valueType="num">
-                                      <p:cBhvr additive="base">
-                                        <p:cTn id="16" dur="500" fill="hold"/>
-                                        <p:tgtEl>
-                                          <p:spTgt spid="3">
-                                            <p:txEl>
-                                              <p:pRg st="2" end="2"/>
-                                            </p:txEl>
-                                          </p:spTgt>
-                                        </p:tgtEl>
-                                        <p:attrNameLst>
-                                          <p:attrName>ppt_y</p:attrName>
-                                        </p:attrNameLst>
-                                      </p:cBhvr>
-                                      <p:tavLst>
-                                        <p:tav tm="0">
-                                          <p:val>
-                                            <p:strVal val="1+#ppt_h/2"/>
-                                          </p:val>
-                                        </p:tav>
-                                        <p:tav tm="100000">
-                                          <p:val>
-                                            <p:strVal val="#ppt_y"/>
-                                          </p:val>
-                                        </p:tav>
-                                      </p:tavLst>
-                                    </p:anim>
-                                  </p:childTnLst>
-                                </p:cTn>
-                              </p:par>
-                              <p:par>
-                                <p:cTn id="17" presetID="2" presetClass="entr" presetSubtype="4" fill="hold" nodeType="withEffect">
-                                  <p:stCondLst>
-                                    <p:cond delay="0"/>
-                                  </p:stCondLst>
-                                  <p:childTnLst>
-                                    <p:set>
-                                      <p:cBhvr>
-                                        <p:cTn id="18" dur="1" fill="hold">
-                                          <p:stCondLst>
-                                            <p:cond delay="0"/>
-                                          </p:stCondLst>
-                                        </p:cTn>
-                                        <p:tgtEl>
-                                          <p:spTgt spid="3">
-                                            <p:txEl>
-                                              <p:pRg st="3" end="3"/>
-                                            </p:txEl>
-                                          </p:spTgt>
-                                        </p:tgtEl>
-                                        <p:attrNameLst>
-                                          <p:attrName>style.visibility</p:attrName>
-                                        </p:attrNameLst>
-                                      </p:cBhvr>
-                                      <p:to>
-                                        <p:strVal val="visible"/>
-                                      </p:to>
-                                    </p:set>
-                                    <p:anim calcmode="lin" valueType="num">
-                                      <p:cBhvr additive="base">
-                                        <p:cTn id="19" dur="500" fill="hold"/>
-                                        <p:tgtEl>
-                                          <p:spTgt spid="3">
-                                            <p:txEl>
-                                              <p:pRg st="3" end="3"/>
-                                            </p:txEl>
-                                          </p:spTgt>
-                                        </p:tgtEl>
-                                        <p:attrNameLst>
-                                          <p:attrName>ppt_x</p:attrName>
-                                        </p:attrNameLst>
-                                      </p:cBhvr>
-                                      <p:tavLst>
-                                        <p:tav tm="0">
-                                          <p:val>
-                                            <p:strVal val="#ppt_x"/>
-                                          </p:val>
-                                        </p:tav>
-                                        <p:tav tm="100000">
-                                          <p:val>
-                                            <p:strVal val="#ppt_x"/>
-                                          </p:val>
-                                        </p:tav>
-                                      </p:tavLst>
-                                    </p:anim>
-                                    <p:anim calcmode="lin" valueType="num">
-                                      <p:cBhvr additive="base">
-                                        <p:cTn id="20" dur="500" fill="hold"/>
-                                        <p:tgtEl>
-                                          <p:spTgt spid="3">
-                                            <p:txEl>
-                                              <p:pRg st="3" end="3"/>
-                                            </p:txEl>
-                                          </p:spTgt>
-                                        </p:tgtEl>
-                                        <p:attrNameLst>
-                                          <p:attrName>ppt_y</p:attrName>
-                                        </p:attrNameLst>
-                                      </p:cBhvr>
-                                      <p:tavLst>
-                                        <p:tav tm="0">
-                                          <p:val>
-                                            <p:strVal val="1+#ppt_h/2"/>
-                                          </p:val>
-                                        </p:tav>
-                                        <p:tav tm="100000">
-                                          <p:val>
-                                            <p:strVal val="#ppt_y"/>
-                                          </p:val>
-                                        </p:tav>
-                                      </p:tavLst>
-                                    </p:anim>
-                                  </p:childTnLst>
-                                </p:cTn>
-                              </p:par>
-                            </p:childTnLst>
-                          </p:cTn>
-                        </p:par>
-                      </p:childTnLst>
-                    </p:cTn>
-                  </p:par>
-                </p:childTnLst>
-              </p:cTn>
-              <p:prevCondLst>
-                <p:cond evt="onPrev" delay="0">
-                  <p:tgtEl>
-                    <p:sldTgt/>
-                  </p:tgtEl>
-                </p:cond>
-              </p:prevCondLst>
-              <p:nextCondLst>
-                <p:cond evt="onNext" delay="0">
-                  <p:tgtEl>
-                    <p:sldTgt/>
-                  </p:tgtEl>
-                </p:cond>
-              </p:nextCondLst>
-            </p:seq>
-          </p:childTnLst>
-        </p:cTn>
+        <p:cTn id="1" dur="indefinite" restart="never" nodeType="tmRoot"/>
       </p:par>
     </p:tnLst>
   </p:timing>
@@ -17155,47 +16879,79 @@
           <a:p>
             <a:r>
               <a:rPr lang="pl-PL" dirty="0" smtClean="0"/>
-              <a:t>Cykl TDD</a:t>
+              <a:t>Dlaczego Test-First?</a:t>
             </a:r>
             <a:endParaRPr lang="pl-PL" dirty="0"/>
           </a:p>
         </p:txBody>
       </p:sp>
-      <p:pic>
-        <p:nvPicPr>
-          <p:cNvPr id="2050" name="Picture 2"/>
-          <p:cNvPicPr>
-            <a:picLocks noGrp="1" noChangeAspect="1" noChangeArrowheads="1"/>
-          </p:cNvPicPr>
+      <p:sp>
+        <p:nvSpPr>
+          <p:cNvPr id="3" name="Symbol zastępczy zawartości 2"/>
+          <p:cNvSpPr>
+            <a:spLocks noGrp="1"/>
+          </p:cNvSpPr>
           <p:nvPr>
             <p:ph idx="1"/>
           </p:nvPr>
-        </p:nvPicPr>
-        <p:blipFill>
-          <a:blip r:embed="rId2" cstate="print"/>
-          <a:srcRect/>
-          <a:stretch>
-            <a:fillRect/>
-          </a:stretch>
-        </p:blipFill>
-        <p:spPr bwMode="auto">
-          <a:xfrm>
-            <a:off x="539552" y="1484784"/>
-            <a:ext cx="8347103" cy="4608512"/>
-          </a:xfrm>
-          <a:prstGeom prst="rect">
-            <a:avLst/>
-          </a:prstGeom>
-          <a:noFill/>
-          <a:ln w="9525">
-            <a:noFill/>
-            <a:miter lim="800000"/>
-            <a:headEnd/>
-            <a:tailEnd/>
-          </a:ln>
-        </p:spPr>
-      </p:pic>
+        </p:nvSpPr>
+        <p:spPr/>
+        <p:txBody>
+          <a:bodyPr/>
+          <a:lstStyle/>
+          <a:p>
+            <a:r>
+              <a:rPr lang="pl-PL" dirty="0" smtClean="0"/>
+              <a:t>Możliwość wcześniejszego wykrycia defektów (natychmiastowe informacje zwrotne)</a:t>
+            </a:r>
+          </a:p>
+          <a:p>
+            <a:r>
+              <a:rPr lang="pl-PL" dirty="0" smtClean="0"/>
+              <a:t>Zmusza do poświęcenia większej uwagi wymaganiom i projektowi</a:t>
+            </a:r>
+          </a:p>
+          <a:p>
+            <a:r>
+              <a:rPr lang="pl-PL" dirty="0" smtClean="0"/>
+              <a:t>Gwarantuje, że stworzony kod będzie testowalny</a:t>
+            </a:r>
+          </a:p>
+          <a:p>
+            <a:r>
+              <a:rPr lang="pl-PL" dirty="0" smtClean="0"/>
+              <a:t>Otrzymujemy </a:t>
+            </a:r>
+            <a:r>
+              <a:rPr lang="pl-PL" dirty="0" err="1" smtClean="0"/>
+              <a:t>Self</a:t>
+            </a:r>
+            <a:r>
+              <a:rPr lang="pl-PL" dirty="0" smtClean="0"/>
+              <a:t> </a:t>
+            </a:r>
+            <a:r>
+              <a:rPr lang="pl-PL" dirty="0" err="1" smtClean="0"/>
+              <a:t>Testing</a:t>
+            </a:r>
+            <a:r>
+              <a:rPr lang="pl-PL" dirty="0" smtClean="0"/>
+              <a:t> </a:t>
+            </a:r>
+            <a:r>
+              <a:rPr lang="pl-PL" dirty="0" err="1" smtClean="0"/>
+              <a:t>Code</a:t>
+            </a:r>
+            <a:endParaRPr lang="pl-PL" dirty="0" smtClean="0"/>
+          </a:p>
+        </p:txBody>
+      </p:sp>
     </p:spTree>
+    <p:extLst>
+      <p:ext uri="{BB962C8B-B14F-4D97-AF65-F5344CB8AC3E}">
+        <p14:creationId xmlns:p14="http://schemas.microsoft.com/office/powerpoint/2010/main" val="1903453968"/>
+      </p:ext>
+    </p:extLst>
   </p:cSld>
   <p:clrMapOvr>
     <a:masterClrMapping/>
@@ -17244,6 +17000,100 @@
           <a:p>
             <a:r>
               <a:rPr lang="pl-PL" dirty="0" smtClean="0"/>
+              <a:t>Cykl TDD</a:t>
+            </a:r>
+            <a:endParaRPr lang="pl-PL" dirty="0"/>
+          </a:p>
+        </p:txBody>
+      </p:sp>
+      <p:pic>
+        <p:nvPicPr>
+          <p:cNvPr id="2050" name="Picture 2"/>
+          <p:cNvPicPr>
+            <a:picLocks noGrp="1" noChangeAspect="1" noChangeArrowheads="1"/>
+          </p:cNvPicPr>
+          <p:nvPr>
+            <p:ph idx="1"/>
+          </p:nvPr>
+        </p:nvPicPr>
+        <p:blipFill>
+          <a:blip r:embed="rId2" cstate="print"/>
+          <a:srcRect/>
+          <a:stretch>
+            <a:fillRect/>
+          </a:stretch>
+        </p:blipFill>
+        <p:spPr bwMode="auto">
+          <a:xfrm>
+            <a:off x="539552" y="1484784"/>
+            <a:ext cx="8347103" cy="4608512"/>
+          </a:xfrm>
+          <a:prstGeom prst="rect">
+            <a:avLst/>
+          </a:prstGeom>
+          <a:noFill/>
+          <a:ln w="9525">
+            <a:noFill/>
+            <a:miter lim="800000"/>
+            <a:headEnd/>
+            <a:tailEnd/>
+          </a:ln>
+        </p:spPr>
+      </p:pic>
+    </p:spTree>
+    <p:extLst>
+      <p:ext uri="{BB962C8B-B14F-4D97-AF65-F5344CB8AC3E}">
+        <p14:creationId xmlns:p14="http://schemas.microsoft.com/office/powerpoint/2010/main" val="2906996198"/>
+      </p:ext>
+    </p:extLst>
+  </p:cSld>
+  <p:clrMapOvr>
+    <a:masterClrMapping/>
+  </p:clrMapOvr>
+  <p:timing>
+    <p:tnLst>
+      <p:par>
+        <p:cTn id="1" dur="indefinite" restart="never" nodeType="tmRoot"/>
+      </p:par>
+    </p:tnLst>
+  </p:timing>
+</p:sld>
+</file>
+
+<file path=ppt/slides/slide38.xml><?xml version="1.0" encoding="utf-8"?>
+<p:sld xmlns:a="http://schemas.openxmlformats.org/drawingml/2006/main" xmlns:r="http://schemas.openxmlformats.org/officeDocument/2006/relationships" xmlns:p="http://schemas.openxmlformats.org/presentationml/2006/main">
+  <p:cSld>
+    <p:spTree>
+      <p:nvGrpSpPr>
+        <p:cNvPr id="1" name=""/>
+        <p:cNvGrpSpPr/>
+        <p:nvPr/>
+      </p:nvGrpSpPr>
+      <p:grpSpPr>
+        <a:xfrm>
+          <a:off x="0" y="0"/>
+          <a:ext cx="0" cy="0"/>
+          <a:chOff x="0" y="0"/>
+          <a:chExt cx="0" cy="0"/>
+        </a:xfrm>
+      </p:grpSpPr>
+      <p:sp>
+        <p:nvSpPr>
+          <p:cNvPr id="2" name="Tytuł 1"/>
+          <p:cNvSpPr>
+            <a:spLocks noGrp="1"/>
+          </p:cNvSpPr>
+          <p:nvPr>
+            <p:ph type="title"/>
+          </p:nvPr>
+        </p:nvSpPr>
+        <p:spPr/>
+        <p:txBody>
+          <a:bodyPr/>
+          <a:lstStyle/>
+          <a:p>
+            <a:r>
+              <a:rPr lang="pl-PL" dirty="0" smtClean="0"/>
               <a:t>Metafora dwóch kapeluszy</a:t>
             </a:r>
             <a:endParaRPr lang="pl-PL" dirty="0"/>
@@ -17285,21 +17135,19 @@
         </p:spPr>
       </p:pic>
     </p:spTree>
+    <p:extLst>
+      <p:ext uri="{BB962C8B-B14F-4D97-AF65-F5344CB8AC3E}">
+        <p14:creationId xmlns:p14="http://schemas.microsoft.com/office/powerpoint/2010/main" val="1378921301"/>
+      </p:ext>
+    </p:extLst>
   </p:cSld>
   <p:clrMapOvr>
     <a:masterClrMapping/>
   </p:clrMapOvr>
-  <p:timing>
-    <p:tnLst>
-      <p:par>
-        <p:cTn id="1" dur="indefinite" restart="never" nodeType="tmRoot"/>
-      </p:par>
-    </p:tnLst>
-  </p:timing>
 </p:sld>
 </file>
 
-<file path=ppt/slides/slide38.xml><?xml version="1.0" encoding="utf-8"?>
+<file path=ppt/slides/slide39.xml><?xml version="1.0" encoding="utf-8"?>
 <p:sld xmlns:a="http://schemas.openxmlformats.org/drawingml/2006/main" xmlns:r="http://schemas.openxmlformats.org/officeDocument/2006/relationships" xmlns:p="http://schemas.openxmlformats.org/presentationml/2006/main">
   <p:cSld>
     <p:spTree>
@@ -17362,17 +17210,8 @@
           <a:p>
             <a:r>
               <a:rPr lang="pl-PL" dirty="0" smtClean="0"/>
-              <a:t>Wiadomo co chce się </a:t>
-            </a:r>
-            <a:r>
-              <a:rPr lang="pl-PL" dirty="0" smtClean="0"/>
-              <a:t>osiągnąć</a:t>
-            </a:r>
-          </a:p>
-          <a:p>
-            <a:pPr marL="0" indent="0">
-              <a:buNone/>
-            </a:pPr>
+              <a:t>Wiadomo co chce się osiągnąć</a:t>
+            </a:r>
             <a:endParaRPr lang="en-US" dirty="0"/>
           </a:p>
         </p:txBody>
@@ -17380,319 +17219,9 @@
     </p:spTree>
     <p:extLst>
       <p:ext uri="{BB962C8B-B14F-4D97-AF65-F5344CB8AC3E}">
-        <p14:creationId xmlns:p14="http://schemas.microsoft.com/office/powerpoint/2010/main" val="3197894616"/>
+        <p14:creationId xmlns:p14="http://schemas.microsoft.com/office/powerpoint/2010/main" val="3987925835"/>
       </p:ext>
     </p:extLst>
-  </p:cSld>
-  <p:clrMapOvr>
-    <a:masterClrMapping/>
-  </p:clrMapOvr>
-  <p:timing>
-    <p:tnLst>
-      <p:par>
-        <p:cTn id="1" dur="indefinite" restart="never" nodeType="tmRoot">
-          <p:childTnLst>
-            <p:seq concurrent="1" nextAc="seek">
-              <p:cTn id="2" dur="indefinite" nodeType="mainSeq">
-                <p:childTnLst>
-                  <p:par>
-                    <p:cTn id="3" fill="hold">
-                      <p:stCondLst>
-                        <p:cond delay="indefinite"/>
-                      </p:stCondLst>
-                      <p:childTnLst>
-                        <p:par>
-                          <p:cTn id="4" fill="hold">
-                            <p:stCondLst>
-                              <p:cond delay="0"/>
-                            </p:stCondLst>
-                            <p:childTnLst>
-                              <p:par>
-                                <p:cTn id="5" presetID="2" presetClass="entr" presetSubtype="4" fill="hold" grpId="0" nodeType="clickEffect">
-                                  <p:stCondLst>
-                                    <p:cond delay="0"/>
-                                  </p:stCondLst>
-                                  <p:childTnLst>
-                                    <p:set>
-                                      <p:cBhvr>
-                                        <p:cTn id="6" dur="1" fill="hold">
-                                          <p:stCondLst>
-                                            <p:cond delay="0"/>
-                                          </p:stCondLst>
-                                        </p:cTn>
-                                        <p:tgtEl>
-                                          <p:spTgt spid="3">
-                                            <p:txEl>
-                                              <p:pRg st="0" end="0"/>
-                                            </p:txEl>
-                                          </p:spTgt>
-                                        </p:tgtEl>
-                                        <p:attrNameLst>
-                                          <p:attrName>style.visibility</p:attrName>
-                                        </p:attrNameLst>
-                                      </p:cBhvr>
-                                      <p:to>
-                                        <p:strVal val="visible"/>
-                                      </p:to>
-                                    </p:set>
-                                    <p:anim calcmode="lin" valueType="num">
-                                      <p:cBhvr additive="base">
-                                        <p:cTn id="7" dur="500" fill="hold"/>
-                                        <p:tgtEl>
-                                          <p:spTgt spid="3">
-                                            <p:txEl>
-                                              <p:pRg st="0" end="0"/>
-                                            </p:txEl>
-                                          </p:spTgt>
-                                        </p:tgtEl>
-                                        <p:attrNameLst>
-                                          <p:attrName>ppt_x</p:attrName>
-                                        </p:attrNameLst>
-                                      </p:cBhvr>
-                                      <p:tavLst>
-                                        <p:tav tm="0">
-                                          <p:val>
-                                            <p:strVal val="#ppt_x"/>
-                                          </p:val>
-                                        </p:tav>
-                                        <p:tav tm="100000">
-                                          <p:val>
-                                            <p:strVal val="#ppt_x"/>
-                                          </p:val>
-                                        </p:tav>
-                                      </p:tavLst>
-                                    </p:anim>
-                                    <p:anim calcmode="lin" valueType="num">
-                                      <p:cBhvr additive="base">
-                                        <p:cTn id="8" dur="500" fill="hold"/>
-                                        <p:tgtEl>
-                                          <p:spTgt spid="3">
-                                            <p:txEl>
-                                              <p:pRg st="0" end="0"/>
-                                            </p:txEl>
-                                          </p:spTgt>
-                                        </p:tgtEl>
-                                        <p:attrNameLst>
-                                          <p:attrName>ppt_y</p:attrName>
-                                        </p:attrNameLst>
-                                      </p:cBhvr>
-                                      <p:tavLst>
-                                        <p:tav tm="0">
-                                          <p:val>
-                                            <p:strVal val="1+#ppt_h/2"/>
-                                          </p:val>
-                                        </p:tav>
-                                        <p:tav tm="100000">
-                                          <p:val>
-                                            <p:strVal val="#ppt_y"/>
-                                          </p:val>
-                                        </p:tav>
-                                      </p:tavLst>
-                                    </p:anim>
-                                  </p:childTnLst>
-                                </p:cTn>
-                              </p:par>
-                            </p:childTnLst>
-                          </p:cTn>
-                        </p:par>
-                      </p:childTnLst>
-                    </p:cTn>
-                  </p:par>
-                  <p:par>
-                    <p:cTn id="9" fill="hold">
-                      <p:stCondLst>
-                        <p:cond delay="indefinite"/>
-                      </p:stCondLst>
-                      <p:childTnLst>
-                        <p:par>
-                          <p:cTn id="10" fill="hold">
-                            <p:stCondLst>
-                              <p:cond delay="0"/>
-                            </p:stCondLst>
-                            <p:childTnLst>
-                              <p:par>
-                                <p:cTn id="11" presetID="2" presetClass="entr" presetSubtype="4" fill="hold" grpId="0" nodeType="clickEffect">
-                                  <p:stCondLst>
-                                    <p:cond delay="0"/>
-                                  </p:stCondLst>
-                                  <p:childTnLst>
-                                    <p:set>
-                                      <p:cBhvr>
-                                        <p:cTn id="12" dur="1" fill="hold">
-                                          <p:stCondLst>
-                                            <p:cond delay="0"/>
-                                          </p:stCondLst>
-                                        </p:cTn>
-                                        <p:tgtEl>
-                                          <p:spTgt spid="3">
-                                            <p:txEl>
-                                              <p:pRg st="1" end="1"/>
-                                            </p:txEl>
-                                          </p:spTgt>
-                                        </p:tgtEl>
-                                        <p:attrNameLst>
-                                          <p:attrName>style.visibility</p:attrName>
-                                        </p:attrNameLst>
-                                      </p:cBhvr>
-                                      <p:to>
-                                        <p:strVal val="visible"/>
-                                      </p:to>
-                                    </p:set>
-                                    <p:anim calcmode="lin" valueType="num">
-                                      <p:cBhvr additive="base">
-                                        <p:cTn id="13" dur="500" fill="hold"/>
-                                        <p:tgtEl>
-                                          <p:spTgt spid="3">
-                                            <p:txEl>
-                                              <p:pRg st="1" end="1"/>
-                                            </p:txEl>
-                                          </p:spTgt>
-                                        </p:tgtEl>
-                                        <p:attrNameLst>
-                                          <p:attrName>ppt_x</p:attrName>
-                                        </p:attrNameLst>
-                                      </p:cBhvr>
-                                      <p:tavLst>
-                                        <p:tav tm="0">
-                                          <p:val>
-                                            <p:strVal val="#ppt_x"/>
-                                          </p:val>
-                                        </p:tav>
-                                        <p:tav tm="100000">
-                                          <p:val>
-                                            <p:strVal val="#ppt_x"/>
-                                          </p:val>
-                                        </p:tav>
-                                      </p:tavLst>
-                                    </p:anim>
-                                    <p:anim calcmode="lin" valueType="num">
-                                      <p:cBhvr additive="base">
-                                        <p:cTn id="14" dur="500" fill="hold"/>
-                                        <p:tgtEl>
-                                          <p:spTgt spid="3">
-                                            <p:txEl>
-                                              <p:pRg st="1" end="1"/>
-                                            </p:txEl>
-                                          </p:spTgt>
-                                        </p:tgtEl>
-                                        <p:attrNameLst>
-                                          <p:attrName>ppt_y</p:attrName>
-                                        </p:attrNameLst>
-                                      </p:cBhvr>
-                                      <p:tavLst>
-                                        <p:tav tm="0">
-                                          <p:val>
-                                            <p:strVal val="1+#ppt_h/2"/>
-                                          </p:val>
-                                        </p:tav>
-                                        <p:tav tm="100000">
-                                          <p:val>
-                                            <p:strVal val="#ppt_y"/>
-                                          </p:val>
-                                        </p:tav>
-                                      </p:tavLst>
-                                    </p:anim>
-                                  </p:childTnLst>
-                                </p:cTn>
-                              </p:par>
-                            </p:childTnLst>
-                          </p:cTn>
-                        </p:par>
-                      </p:childTnLst>
-                    </p:cTn>
-                  </p:par>
-                </p:childTnLst>
-              </p:cTn>
-              <p:prevCondLst>
-                <p:cond evt="onPrev" delay="0">
-                  <p:tgtEl>
-                    <p:sldTgt/>
-                  </p:tgtEl>
-                </p:cond>
-              </p:prevCondLst>
-              <p:nextCondLst>
-                <p:cond evt="onNext" delay="0">
-                  <p:tgtEl>
-                    <p:sldTgt/>
-                  </p:tgtEl>
-                </p:cond>
-              </p:nextCondLst>
-            </p:seq>
-          </p:childTnLst>
-        </p:cTn>
-      </p:par>
-    </p:tnLst>
-    <p:bldLst>
-      <p:bldP spid="3" grpId="0" build="p"/>
-    </p:bldLst>
-  </p:timing>
-</p:sld>
-</file>
-
-<file path=ppt/slides/slide39.xml><?xml version="1.0" encoding="utf-8"?>
-<p:sld xmlns:a="http://schemas.openxmlformats.org/drawingml/2006/main" xmlns:r="http://schemas.openxmlformats.org/officeDocument/2006/relationships" xmlns:p="http://schemas.openxmlformats.org/presentationml/2006/main">
-  <p:cSld>
-    <p:spTree>
-      <p:nvGrpSpPr>
-        <p:cNvPr id="1" name=""/>
-        <p:cNvGrpSpPr/>
-        <p:nvPr/>
-      </p:nvGrpSpPr>
-      <p:grpSpPr>
-        <a:xfrm>
-          <a:off x="0" y="0"/>
-          <a:ext cx="0" cy="0"/>
-          <a:chOff x="0" y="0"/>
-          <a:chExt cx="0" cy="0"/>
-        </a:xfrm>
-      </p:grpSpPr>
-      <p:sp>
-        <p:nvSpPr>
-          <p:cNvPr id="6" name="Tytuł 5"/>
-          <p:cNvSpPr>
-            <a:spLocks noGrp="1"/>
-          </p:cNvSpPr>
-          <p:nvPr>
-            <p:ph type="title"/>
-          </p:nvPr>
-        </p:nvSpPr>
-        <p:spPr/>
-        <p:txBody>
-          <a:bodyPr/>
-          <a:lstStyle/>
-          <a:p>
-            <a:r>
-              <a:rPr lang="pl-PL" dirty="0" smtClean="0"/>
-              <a:t>PODSUMOWANIE</a:t>
-            </a:r>
-            <a:endParaRPr lang="pl-PL" dirty="0"/>
-          </a:p>
-        </p:txBody>
-      </p:sp>
-      <p:sp>
-        <p:nvSpPr>
-          <p:cNvPr id="7" name="Symbol zastępczy tekstu 6"/>
-          <p:cNvSpPr>
-            <a:spLocks noGrp="1"/>
-          </p:cNvSpPr>
-          <p:nvPr>
-            <p:ph type="body" idx="1"/>
-          </p:nvPr>
-        </p:nvSpPr>
-        <p:spPr/>
-        <p:txBody>
-          <a:bodyPr/>
-          <a:lstStyle/>
-          <a:p>
-            <a:r>
-              <a:rPr lang="pl-PL" dirty="0" smtClean="0"/>
-              <a:t>Pytania?</a:t>
-            </a:r>
-            <a:endParaRPr lang="pl-PL" dirty="0"/>
-          </a:p>
-        </p:txBody>
-      </p:sp>
-    </p:spTree>
   </p:cSld>
   <p:clrMapOvr>
     <a:masterClrMapping/>
